--- a/DP - Warehouse Problem.pptx
+++ b/DP - Warehouse Problem.pptx
@@ -487,7 +487,7 @@
           <a:p>
             <a:fld id="{B1115196-1C6F-4784-83AC-30756D8F10B3}" type="datetimeFigureOut">
               <a:rPr lang="en-US" smtClean="0"/>
-              <a:t>16-07-08</a:t>
+              <a:t>16-07-20</a:t>
             </a:fld>
             <a:endParaRPr lang="en-US"/>
           </a:p>
@@ -916,7 +916,7 @@
           <a:p>
             <a:fld id="{B1115196-1C6F-4784-83AC-30756D8F10B3}" type="datetimeFigureOut">
               <a:rPr lang="en-US" smtClean="0"/>
-              <a:t>16-07-08</a:t>
+              <a:t>16-07-20</a:t>
             </a:fld>
             <a:endParaRPr lang="en-US"/>
           </a:p>
@@ -1121,7 +1121,7 @@
           <a:p>
             <a:fld id="{B1115196-1C6F-4784-83AC-30756D8F10B3}" type="datetimeFigureOut">
               <a:rPr lang="en-US" smtClean="0"/>
-              <a:t>16-07-08</a:t>
+              <a:t>16-07-20</a:t>
             </a:fld>
             <a:endParaRPr lang="en-US"/>
           </a:p>
@@ -1392,7 +1392,7 @@
           <a:p>
             <a:fld id="{B1115196-1C6F-4784-83AC-30756D8F10B3}" type="datetimeFigureOut">
               <a:rPr lang="en-US" smtClean="0"/>
-              <a:t>16-07-08</a:t>
+              <a:t>16-07-20</a:t>
             </a:fld>
             <a:endParaRPr lang="en-US"/>
           </a:p>
@@ -1673,7 +1673,7 @@
           <a:p>
             <a:fld id="{B1115196-1C6F-4784-83AC-30756D8F10B3}" type="datetimeFigureOut">
               <a:rPr lang="en-US" smtClean="0"/>
-              <a:t>16-07-08</a:t>
+              <a:t>16-07-20</a:t>
             </a:fld>
             <a:endParaRPr lang="en-US"/>
           </a:p>
@@ -1908,7 +1908,7 @@
           <a:p>
             <a:fld id="{B1115196-1C6F-4784-83AC-30756D8F10B3}" type="datetimeFigureOut">
               <a:rPr lang="en-US" smtClean="0"/>
-              <a:t>16-07-08</a:t>
+              <a:t>16-07-20</a:t>
             </a:fld>
             <a:endParaRPr lang="en-US"/>
           </a:p>
@@ -2189,7 +2189,7 @@
           <a:p>
             <a:fld id="{B1115196-1C6F-4784-83AC-30756D8F10B3}" type="datetimeFigureOut">
               <a:rPr lang="en-US" smtClean="0"/>
-              <a:t>16-07-08</a:t>
+              <a:t>16-07-20</a:t>
             </a:fld>
             <a:endParaRPr lang="en-US"/>
           </a:p>
@@ -2616,7 +2616,7 @@
           <a:p>
             <a:fld id="{B1115196-1C6F-4784-83AC-30756D8F10B3}" type="datetimeFigureOut">
               <a:rPr lang="en-US" smtClean="0"/>
-              <a:t>16-07-08</a:t>
+              <a:t>16-07-20</a:t>
             </a:fld>
             <a:endParaRPr lang="en-US"/>
           </a:p>
@@ -3139,7 +3139,7 @@
           <a:p>
             <a:fld id="{B1115196-1C6F-4784-83AC-30756D8F10B3}" type="datetimeFigureOut">
               <a:rPr lang="en-US" smtClean="0"/>
-              <a:t>16-07-08</a:t>
+              <a:t>16-07-20</a:t>
             </a:fld>
             <a:endParaRPr lang="en-US"/>
           </a:p>
@@ -3501,7 +3501,7 @@
           <a:p>
             <a:fld id="{B1115196-1C6F-4784-83AC-30756D8F10B3}" type="datetimeFigureOut">
               <a:rPr lang="en-US" smtClean="0"/>
-              <a:t>16-07-08</a:t>
+              <a:t>16-07-20</a:t>
             </a:fld>
             <a:endParaRPr lang="en-US"/>
           </a:p>
@@ -4057,7 +4057,7 @@
           <a:p>
             <a:fld id="{B1115196-1C6F-4784-83AC-30756D8F10B3}" type="datetimeFigureOut">
               <a:rPr lang="en-US" smtClean="0"/>
-              <a:t>16-07-08</a:t>
+              <a:t>16-07-20</a:t>
             </a:fld>
             <a:endParaRPr lang="en-US"/>
           </a:p>
@@ -4282,7 +4282,7 @@
           <a:p>
             <a:fld id="{B1115196-1C6F-4784-83AC-30756D8F10B3}" type="datetimeFigureOut">
               <a:rPr lang="en-US" smtClean="0"/>
-              <a:t>16-07-08</a:t>
+              <a:t>16-07-20</a:t>
             </a:fld>
             <a:endParaRPr lang="en-US"/>
           </a:p>
@@ -4428,7 +4428,7 @@
           <a:p>
             <a:fld id="{B1115196-1C6F-4784-83AC-30756D8F10B3}" type="datetimeFigureOut">
               <a:rPr lang="en-US" smtClean="0"/>
-              <a:t>16-07-08</a:t>
+              <a:t>16-07-20</a:t>
             </a:fld>
             <a:endParaRPr lang="en-US"/>
           </a:p>
@@ -4893,7 +4893,7 @@
           <a:p>
             <a:fld id="{B1115196-1C6F-4784-83AC-30756D8F10B3}" type="datetimeFigureOut">
               <a:rPr lang="en-US" smtClean="0"/>
-              <a:t>16-07-08</a:t>
+              <a:t>16-07-20</a:t>
             </a:fld>
             <a:endParaRPr lang="en-US"/>
           </a:p>
@@ -5115,7 +5115,7 @@
           <a:p>
             <a:fld id="{B1115196-1C6F-4784-83AC-30756D8F10B3}" type="datetimeFigureOut">
               <a:rPr lang="en-US" smtClean="0"/>
-              <a:t>16-07-08</a:t>
+              <a:t>16-07-20</a:t>
             </a:fld>
             <a:endParaRPr lang="en-US"/>
           </a:p>
@@ -5880,7 +5880,7 @@
         </p:spPr>
         <p:txBody>
           <a:bodyPr>
-            <a:normAutofit fontScale="85000" lnSpcReduction="10000"/>
+            <a:noAutofit/>
           </a:bodyPr>
           <a:lstStyle/>
           <a:p>
@@ -5888,18 +5888,18 @@
               <a:buNone/>
             </a:pPr>
             <a:r>
-              <a:rPr lang="en-US" sz="4400" dirty="0" smtClean="0"/>
+              <a:rPr lang="en-US" sz="3600" dirty="0" smtClean="0"/>
               <a:t>Determine </a:t>
             </a:r>
             <a:r>
-              <a:rPr lang="en-US" sz="4400" dirty="0"/>
+              <a:rPr lang="en-US" sz="3600" dirty="0"/>
               <a:t>the minimum capacity needed to store all of the supplies before they are </a:t>
             </a:r>
             <a:r>
-              <a:rPr lang="en-US" sz="4400" dirty="0" smtClean="0"/>
+              <a:rPr lang="en-US" sz="3600" dirty="0" smtClean="0"/>
               <a:t>shipped.</a:t>
             </a:r>
-            <a:endParaRPr lang="en-US" sz="4400" dirty="0"/>
+            <a:endParaRPr lang="en-US" sz="3600" dirty="0"/>
           </a:p>
         </p:txBody>
       </p:sp>
@@ -5998,7 +5998,12 @@
             <p:ph sz="half" idx="1"/>
           </p:nvPr>
         </p:nvSpPr>
-        <p:spPr/>
+        <p:spPr>
+          <a:xfrm>
+            <a:off x="596581" y="1981201"/>
+            <a:ext cx="4023360" cy="3975100"/>
+          </a:xfrm>
+        </p:spPr>
         <p:txBody>
           <a:bodyPr>
             <a:normAutofit/>
@@ -6009,14 +6014,10 @@
               <a:buNone/>
             </a:pPr>
             <a:r>
-              <a:rPr lang="en-US" sz="4400" dirty="0" err="1" smtClean="0"/>
-              <a:t>Xxxxx</a:t>
-            </a:r>
-            <a:r>
-              <a:rPr lang="en-US" sz="4400" dirty="0" smtClean="0"/>
-              <a:t>.</a:t>
-            </a:r>
-            <a:endParaRPr lang="en-US" sz="4400" dirty="0"/>
+              <a:rPr lang="en-US" sz="3600" dirty="0" smtClean="0"/>
+              <a:t>Pack a single container as densely as possible or pack all objects using as fell containers as possible.</a:t>
+            </a:r>
+            <a:endParaRPr lang="en-US" sz="3600" dirty="0"/>
           </a:p>
         </p:txBody>
       </p:sp>
@@ -6099,10 +6100,9 @@
           <a:lstStyle/>
           <a:p>
             <a:r>
-              <a:rPr lang="en-US" sz="4800" b="1" dirty="0" smtClean="0"/>
-              <a:t>???</a:t>
-            </a:r>
-            <a:endParaRPr lang="en-US" sz="4800" b="1" dirty="0"/>
+              <a:rPr lang="en-US" sz="4800" b="1" dirty="0"/>
+              <a:t>Delivery planning</a:t>
+            </a:r>
           </a:p>
         </p:txBody>
       </p:sp>
@@ -6127,61 +6127,37 @@
               <a:buNone/>
             </a:pPr>
             <a:r>
-              <a:rPr lang="en-US" sz="4400" dirty="0" err="1" smtClean="0"/>
-              <a:t>Xxxxx</a:t>
-            </a:r>
-            <a:r>
-              <a:rPr lang="en-US" sz="4400" dirty="0" smtClean="0"/>
-              <a:t>.</a:t>
-            </a:r>
-            <a:endParaRPr lang="en-US" sz="4400" dirty="0"/>
-          </a:p>
-        </p:txBody>
-      </p:sp>
-      <p:sp>
-        <p:nvSpPr>
-          <p:cNvPr id="4" name="Content Placeholder 3"/>
-          <p:cNvSpPr>
-            <a:spLocks noGrp="1"/>
-          </p:cNvSpPr>
-          <p:nvPr>
-            <p:ph sz="half" idx="2"/>
-          </p:nvPr>
-        </p:nvSpPr>
-        <p:spPr/>
-        <p:txBody>
-          <a:bodyPr>
-            <a:normAutofit/>
-          </a:bodyPr>
-          <a:lstStyle/>
-          <a:p>
-            <a:pPr marL="0" indent="0">
-              <a:buNone/>
-            </a:pPr>
-            <a:r>
-              <a:rPr lang="en-US" sz="2000" dirty="0">
-                <a:solidFill>
-                  <a:srgbClr val="FF7F01"/>
-                </a:solidFill>
-              </a:rPr>
-              <a:t>(some image here</a:t>
-            </a:r>
-            <a:r>
-              <a:rPr lang="en-US" sz="2000" dirty="0" smtClean="0">
-                <a:solidFill>
-                  <a:srgbClr val="FF7F01"/>
-                </a:solidFill>
-              </a:rPr>
-              <a:t>)</a:t>
-            </a:r>
-            <a:endParaRPr lang="en-US" sz="2000" dirty="0">
-              <a:solidFill>
-                <a:srgbClr val="FF7F01"/>
-              </a:solidFill>
-            </a:endParaRPr>
-          </a:p>
-        </p:txBody>
-      </p:sp>
+              <a:rPr lang="en-US" sz="3600" dirty="0" smtClean="0"/>
+              <a:t>Find the optimal set of rules in order to delivery to a given set of customers.</a:t>
+            </a:r>
+            <a:endParaRPr lang="en-US" sz="3600" dirty="0"/>
+          </a:p>
+        </p:txBody>
+      </p:sp>
+      <p:pic>
+        <p:nvPicPr>
+          <p:cNvPr id="7" name="Picture 6"/>
+          <p:cNvPicPr>
+            <a:picLocks noChangeAspect="1"/>
+          </p:cNvPicPr>
+          <p:nvPr/>
+        </p:nvPicPr>
+        <p:blipFill>
+          <a:blip r:embed="rId2"/>
+          <a:stretch>
+            <a:fillRect/>
+          </a:stretch>
+        </p:blipFill>
+        <p:spPr>
+          <a:xfrm>
+            <a:off x="4692455" y="2583180"/>
+            <a:ext cx="3670496" cy="3136900"/>
+          </a:xfrm>
+          <a:prstGeom prst="rect">
+            <a:avLst/>
+          </a:prstGeom>
+        </p:spPr>
+      </p:pic>
     </p:spTree>
     <p:extLst>
       <p:ext uri="{BB962C8B-B14F-4D97-AF65-F5344CB8AC3E}">
@@ -6279,20 +6255,12 @@
               <a:buNone/>
             </a:pPr>
             <a:r>
-              <a:rPr lang="en-US" sz="1200" dirty="0">
-                <a:solidFill>
-                  <a:srgbClr val="FF7F01"/>
-                </a:solidFill>
-              </a:rPr>
-              <a:t>(some image here</a:t>
-            </a:r>
-            <a:r>
               <a:rPr lang="en-US" sz="1200" dirty="0" smtClean="0">
                 <a:solidFill>
                   <a:srgbClr val="FF7F01"/>
                 </a:solidFill>
               </a:rPr>
-              <a:t>)</a:t>
+              <a:t>( knapsack problem )</a:t>
             </a:r>
             <a:endParaRPr lang="en-US" sz="1200" dirty="0">
               <a:solidFill>
@@ -6329,7 +6297,11 @@
             </a:pPr>
             <a:r>
               <a:rPr lang="en-US" sz="4000" dirty="0" smtClean="0"/>
-              <a:t>???</a:t>
+              <a:t>Delivery </a:t>
+            </a:r>
+            <a:r>
+              <a:rPr lang="en-US" sz="4000" dirty="0"/>
+              <a:t>Planning</a:t>
             </a:r>
           </a:p>
           <a:p>
@@ -6342,7 +6314,7 @@
                   <a:srgbClr val="FF7F01"/>
                 </a:solidFill>
               </a:rPr>
-              <a:t>(Some image here)</a:t>
+              <a:t>( shortest path problem )</a:t>
             </a:r>
             <a:endParaRPr lang="en-US" sz="1200" dirty="0">
               <a:solidFill>
@@ -6392,7 +6364,7 @@
                   <a:schemeClr val="accent1"/>
                 </a:solidFill>
               </a:rPr>
-              <a:t>(some image here)</a:t>
+              <a:t>( ??? )</a:t>
             </a:r>
             <a:endParaRPr lang="en-US" sz="1200" dirty="0">
               <a:solidFill>
@@ -6484,13 +6456,42 @@
               <a:buChar char="•"/>
             </a:pPr>
             <a:r>
-              <a:rPr lang="en-US" dirty="0" err="1" smtClean="0"/>
-              <a:t>Xxxxx</a:t>
-            </a:r>
-            <a:r>
-              <a:rPr lang="is-IS" dirty="0" smtClean="0"/>
-              <a:t>…</a:t>
-            </a:r>
+              <a:rPr lang="en-US" dirty="0" smtClean="0"/>
+              <a:t>Is a way to solve a complex problem by breaking it down into a collection of simpler sub-problems</a:t>
+            </a:r>
+          </a:p>
+          <a:p>
+            <a:pPr>
+              <a:buFont typeface="Arial"/>
+              <a:buChar char="•"/>
+            </a:pPr>
+            <a:r>
+              <a:rPr lang="en-US" dirty="0" smtClean="0"/>
+              <a:t>Optimal substructure and overlapping sub-problems</a:t>
+            </a:r>
+          </a:p>
+          <a:p>
+            <a:pPr>
+              <a:buFont typeface="Arial"/>
+              <a:buChar char="•"/>
+            </a:pPr>
+            <a:r>
+              <a:rPr lang="en-US" dirty="0" smtClean="0"/>
+              <a:t>Top-down and bottom-up approaches</a:t>
+            </a:r>
+          </a:p>
+          <a:p>
+            <a:pPr>
+              <a:buFont typeface="Arial"/>
+              <a:buChar char="•"/>
+            </a:pPr>
+            <a:endParaRPr lang="en-US" dirty="0" smtClean="0"/>
+          </a:p>
+          <a:p>
+            <a:pPr>
+              <a:buFont typeface="Arial"/>
+              <a:buChar char="•"/>
+            </a:pPr>
             <a:endParaRPr lang="en-US" dirty="0"/>
           </a:p>
         </p:txBody>

--- a/DP - Warehouse Problem.pptx
+++ b/DP - Warehouse Problem.pptx
@@ -13,8 +13,11 @@
     <p:sldId id="261" r:id="rId7"/>
     <p:sldId id="262" r:id="rId8"/>
     <p:sldId id="263" r:id="rId9"/>
-    <p:sldId id="264" r:id="rId10"/>
-    <p:sldId id="265" r:id="rId11"/>
+    <p:sldId id="266" r:id="rId10"/>
+    <p:sldId id="267" r:id="rId11"/>
+    <p:sldId id="268" r:id="rId12"/>
+    <p:sldId id="264" r:id="rId13"/>
+    <p:sldId id="265" r:id="rId14"/>
   </p:sldIdLst>
   <p:sldSz cx="9144000" cy="6858000" type="screen4x3"/>
   <p:notesSz cx="6858000" cy="9144000"/>
@@ -5667,6 +5670,2157 @@
           <a:p>
             <a:r>
               <a:rPr lang="en-US" sz="4400" b="1" dirty="0" smtClean="0"/>
+              <a:t>Second step</a:t>
+            </a:r>
+            <a:endParaRPr lang="en-US" sz="4400" b="1" dirty="0"/>
+          </a:p>
+        </p:txBody>
+      </p:sp>
+      <p:sp>
+        <p:nvSpPr>
+          <p:cNvPr id="3" name="Content Placeholder 2"/>
+          <p:cNvSpPr>
+            <a:spLocks noGrp="1"/>
+          </p:cNvSpPr>
+          <p:nvPr>
+            <p:ph idx="1"/>
+          </p:nvPr>
+        </p:nvSpPr>
+        <p:spPr>
+          <a:xfrm>
+            <a:off x="779463" y="1949824"/>
+            <a:ext cx="7583488" cy="4359536"/>
+          </a:xfrm>
+        </p:spPr>
+        <p:txBody>
+          <a:bodyPr>
+            <a:normAutofit/>
+          </a:bodyPr>
+          <a:lstStyle/>
+          <a:p>
+            <a:pPr marL="0" indent="0">
+              <a:buNone/>
+            </a:pPr>
+            <a:endParaRPr lang="is-IS" dirty="0" smtClean="0"/>
+          </a:p>
+          <a:p>
+            <a:pPr>
+              <a:buFont typeface="Arial"/>
+              <a:buChar char="•"/>
+            </a:pPr>
+            <a:endParaRPr lang="is-IS" dirty="0" smtClean="0"/>
+          </a:p>
+          <a:p>
+            <a:pPr>
+              <a:buFont typeface="Arial"/>
+              <a:buChar char="•"/>
+            </a:pPr>
+            <a:endParaRPr lang="is-IS" dirty="0" smtClean="0"/>
+          </a:p>
+          <a:p>
+            <a:pPr>
+              <a:lnSpc>
+                <a:spcPct val="50000"/>
+              </a:lnSpc>
+              <a:buFont typeface="Arial"/>
+              <a:buChar char="•"/>
+            </a:pPr>
+            <a:endParaRPr lang="is-IS" sz="1400" dirty="0" smtClean="0"/>
+          </a:p>
+          <a:p>
+            <a:pPr>
+              <a:lnSpc>
+                <a:spcPct val="50000"/>
+              </a:lnSpc>
+              <a:buFont typeface="Arial"/>
+              <a:buChar char="•"/>
+            </a:pPr>
+            <a:endParaRPr lang="is-IS" sz="1400" dirty="0"/>
+          </a:p>
+          <a:p>
+            <a:pPr>
+              <a:lnSpc>
+                <a:spcPct val="50000"/>
+              </a:lnSpc>
+              <a:buFont typeface="Arial"/>
+              <a:buChar char="•"/>
+            </a:pPr>
+            <a:endParaRPr lang="is-IS" sz="1400" dirty="0"/>
+          </a:p>
+        </p:txBody>
+      </p:sp>
+      <p:graphicFrame>
+        <p:nvGraphicFramePr>
+          <p:cNvPr id="5" name="Table 4"/>
+          <p:cNvGraphicFramePr>
+            <a:graphicFrameLocks noGrp="1"/>
+          </p:cNvGraphicFramePr>
+          <p:nvPr>
+            <p:extLst>
+              <p:ext uri="{D42A27DB-BD31-4B8C-83A1-F6EECF244321}">
+                <p14:modId xmlns:p14="http://schemas.microsoft.com/office/powerpoint/2010/main" val="878146476"/>
+              </p:ext>
+            </p:extLst>
+          </p:nvPr>
+        </p:nvGraphicFramePr>
+        <p:xfrm>
+          <a:off x="779463" y="2012007"/>
+          <a:ext cx="7583490" cy="4442546"/>
+        </p:xfrm>
+        <a:graphic>
+          <a:graphicData uri="http://schemas.openxmlformats.org/drawingml/2006/table">
+            <a:tbl>
+              <a:tblPr firstRow="1" bandRow="1">
+                <a:tableStyleId>{5C22544A-7EE6-4342-B048-85BDC9FD1C3A}</a:tableStyleId>
+              </a:tblPr>
+              <a:tblGrid>
+                <a:gridCol w="1263915"/>
+                <a:gridCol w="1263915"/>
+                <a:gridCol w="1263915"/>
+                <a:gridCol w="1263915"/>
+                <a:gridCol w="1263915"/>
+                <a:gridCol w="1263915"/>
+              </a:tblGrid>
+              <a:tr h="1024937">
+                <a:tc>
+                  <a:txBody>
+                    <a:bodyPr/>
+                    <a:lstStyle/>
+                    <a:p>
+                      <a:pPr algn="ctr"/>
+                      <a:r>
+                        <a:rPr lang="en-US" sz="1400" dirty="0" smtClean="0"/>
+                        <a:t>Month</a:t>
+                      </a:r>
+                      <a:endParaRPr lang="en-US" sz="1400" dirty="0"/>
+                    </a:p>
+                  </a:txBody>
+                  <a:tcPr anchor="ctr"/>
+                </a:tc>
+                <a:tc>
+                  <a:txBody>
+                    <a:bodyPr/>
+                    <a:lstStyle/>
+                    <a:p>
+                      <a:pPr algn="ctr"/>
+                      <a:r>
+                        <a:rPr lang="en-US" sz="1400" dirty="0" smtClean="0"/>
+                        <a:t>Number</a:t>
+                      </a:r>
+                      <a:r>
+                        <a:rPr lang="en-US" sz="1400" baseline="0" dirty="0" smtClean="0"/>
+                        <a:t> of items to be delivered that month</a:t>
+                      </a:r>
+                      <a:endParaRPr lang="en-US" sz="1400" dirty="0"/>
+                    </a:p>
+                  </a:txBody>
+                  <a:tcPr anchor="ctr"/>
+                </a:tc>
+                <a:tc>
+                  <a:txBody>
+                    <a:bodyPr/>
+                    <a:lstStyle/>
+                    <a:p>
+                      <a:pPr algn="ctr"/>
+                      <a:r>
+                        <a:rPr lang="en-US" sz="1400" dirty="0" smtClean="0"/>
+                        <a:t>Number</a:t>
+                      </a:r>
+                      <a:r>
+                        <a:rPr lang="en-US" sz="1400" baseline="0" dirty="0" smtClean="0"/>
+                        <a:t> of items in stock at start of month</a:t>
+                      </a:r>
+                      <a:endParaRPr lang="en-US" sz="1400" dirty="0"/>
+                    </a:p>
+                  </a:txBody>
+                  <a:tcPr anchor="ctr"/>
+                </a:tc>
+                <a:tc>
+                  <a:txBody>
+                    <a:bodyPr/>
+                    <a:lstStyle/>
+                    <a:p>
+                      <a:pPr algn="ctr"/>
+                      <a:r>
+                        <a:rPr lang="en-US" sz="1400" dirty="0" smtClean="0"/>
+                        <a:t>Production</a:t>
+                      </a:r>
+                      <a:endParaRPr lang="en-US" sz="1400" dirty="0"/>
+                    </a:p>
+                  </a:txBody>
+                  <a:tcPr anchor="ctr"/>
+                </a:tc>
+                <a:tc>
+                  <a:txBody>
+                    <a:bodyPr/>
+                    <a:lstStyle/>
+                    <a:p>
+                      <a:pPr algn="ctr"/>
+                      <a:r>
+                        <a:rPr lang="en-US" sz="1400" dirty="0" smtClean="0"/>
+                        <a:t>Number of</a:t>
+                      </a:r>
+                      <a:r>
+                        <a:rPr lang="en-US" sz="1400" baseline="0" dirty="0" smtClean="0"/>
+                        <a:t> items in stock at end of month</a:t>
+                      </a:r>
+                      <a:endParaRPr lang="en-US" sz="1400" dirty="0"/>
+                    </a:p>
+                  </a:txBody>
+                  <a:tcPr anchor="ctr"/>
+                </a:tc>
+                <a:tc>
+                  <a:txBody>
+                    <a:bodyPr/>
+                    <a:lstStyle/>
+                    <a:p>
+                      <a:pPr algn="ctr"/>
+                      <a:r>
+                        <a:rPr lang="en-US" sz="1400" dirty="0" smtClean="0"/>
+                        <a:t>Cost</a:t>
+                      </a:r>
+                      <a:endParaRPr lang="en-US" sz="1400" dirty="0"/>
+                    </a:p>
+                  </a:txBody>
+                  <a:tcPr anchor="ctr"/>
+                </a:tc>
+              </a:tr>
+              <a:tr h="476258">
+                <a:tc rowSpan="7">
+                  <a:txBody>
+                    <a:bodyPr/>
+                    <a:lstStyle/>
+                    <a:p>
+                      <a:pPr algn="ctr"/>
+                      <a:r>
+                        <a:rPr lang="en-US" sz="1400" dirty="0" smtClean="0"/>
+                        <a:t>November</a:t>
+                      </a:r>
+                      <a:endParaRPr lang="en-US" sz="1400" dirty="0"/>
+                    </a:p>
+                  </a:txBody>
+                  <a:tcPr anchor="ctr"/>
+                </a:tc>
+                <a:tc rowSpan="7">
+                  <a:txBody>
+                    <a:bodyPr/>
+                    <a:lstStyle/>
+                    <a:p>
+                      <a:pPr algn="ctr"/>
+                      <a:r>
+                        <a:rPr lang="en-US" sz="1400" dirty="0" smtClean="0"/>
+                        <a:t>200</a:t>
+                      </a:r>
+                      <a:endParaRPr lang="en-US" sz="1400" dirty="0"/>
+                    </a:p>
+                  </a:txBody>
+                  <a:tcPr anchor="ctr"/>
+                </a:tc>
+                <a:tc>
+                  <a:txBody>
+                    <a:bodyPr/>
+                    <a:lstStyle/>
+                    <a:p>
+                      <a:pPr algn="ctr"/>
+                      <a:r>
+                        <a:rPr lang="en-US" sz="1400" dirty="0" smtClean="0"/>
+                        <a:t>0</a:t>
+                      </a:r>
+                      <a:endParaRPr lang="en-US" sz="1400" dirty="0"/>
+                    </a:p>
+                  </a:txBody>
+                  <a:tcPr anchor="ctr"/>
+                </a:tc>
+                <a:tc>
+                  <a:txBody>
+                    <a:bodyPr/>
+                    <a:lstStyle/>
+                    <a:p>
+                      <a:pPr algn="ctr"/>
+                      <a:r>
+                        <a:rPr lang="en-US" sz="1400" dirty="0" smtClean="0"/>
+                        <a:t>200</a:t>
+                      </a:r>
+                      <a:endParaRPr lang="en-US" sz="1400" dirty="0"/>
+                    </a:p>
+                  </a:txBody>
+                  <a:tcPr anchor="ctr"/>
+                </a:tc>
+                <a:tc>
+                  <a:txBody>
+                    <a:bodyPr/>
+                    <a:lstStyle/>
+                    <a:p>
+                      <a:pPr algn="ctr"/>
+                      <a:r>
+                        <a:rPr lang="en-US" sz="1400" dirty="0" smtClean="0"/>
+                        <a:t>0</a:t>
+                      </a:r>
+                      <a:endParaRPr lang="en-US" sz="1400" dirty="0"/>
+                    </a:p>
+                  </a:txBody>
+                  <a:tcPr anchor="ctr"/>
+                </a:tc>
+                <a:tc>
+                  <a:txBody>
+                    <a:bodyPr/>
+                    <a:lstStyle/>
+                    <a:p>
+                      <a:r>
+                        <a:rPr lang="en-US" sz="1400" dirty="0" smtClean="0"/>
+                        <a:t>0</a:t>
+                      </a:r>
+                      <a:endParaRPr lang="en-US" sz="1400" dirty="0"/>
+                    </a:p>
+                  </a:txBody>
+                  <a:tcPr anchor="ctr"/>
+                </a:tc>
+              </a:tr>
+              <a:tr h="476258">
+                <a:tc vMerge="1">
+                  <a:txBody>
+                    <a:bodyPr/>
+                    <a:lstStyle/>
+                    <a:p>
+                      <a:pPr algn="ctr"/>
+                      <a:endParaRPr lang="en-US" sz="1400" dirty="0"/>
+                    </a:p>
+                  </a:txBody>
+                  <a:tcPr anchor="ctr"/>
+                </a:tc>
+                <a:tc vMerge="1">
+                  <a:txBody>
+                    <a:bodyPr/>
+                    <a:lstStyle/>
+                    <a:p>
+                      <a:pPr algn="ctr"/>
+                      <a:endParaRPr lang="en-US" sz="1400" dirty="0"/>
+                    </a:p>
+                  </a:txBody>
+                  <a:tcPr anchor="ctr"/>
+                </a:tc>
+                <a:tc>
+                  <a:txBody>
+                    <a:bodyPr/>
+                    <a:lstStyle/>
+                    <a:p>
+                      <a:pPr algn="ctr"/>
+                      <a:r>
+                        <a:rPr lang="en-US" sz="1400" dirty="0" smtClean="0"/>
+                        <a:t>0</a:t>
+                      </a:r>
+                      <a:endParaRPr lang="en-US" sz="1400" dirty="0"/>
+                    </a:p>
+                  </a:txBody>
+                  <a:tcPr anchor="ctr"/>
+                </a:tc>
+                <a:tc>
+                  <a:txBody>
+                    <a:bodyPr/>
+                    <a:lstStyle/>
+                    <a:p>
+                      <a:pPr algn="ctr"/>
+                      <a:r>
+                        <a:rPr lang="en-US" sz="1400" dirty="0" smtClean="0"/>
+                        <a:t>300</a:t>
+                      </a:r>
+                      <a:endParaRPr lang="en-US" sz="1400" dirty="0"/>
+                    </a:p>
+                  </a:txBody>
+                  <a:tcPr anchor="ctr"/>
+                </a:tc>
+                <a:tc>
+                  <a:txBody>
+                    <a:bodyPr/>
+                    <a:lstStyle/>
+                    <a:p>
+                      <a:pPr algn="ctr"/>
+                      <a:r>
+                        <a:rPr lang="en-US" sz="1400" dirty="0" smtClean="0"/>
+                        <a:t>100</a:t>
+                      </a:r>
+                      <a:endParaRPr lang="en-US" sz="1400" dirty="0"/>
+                    </a:p>
+                  </a:txBody>
+                  <a:tcPr anchor="ctr"/>
+                </a:tc>
+                <a:tc>
+                  <a:txBody>
+                    <a:bodyPr/>
+                    <a:lstStyle/>
+                    <a:p>
+                      <a:r>
+                        <a:rPr lang="en-US" sz="1400" dirty="0" smtClean="0"/>
+                        <a:t>4000</a:t>
+                      </a:r>
+                    </a:p>
+                  </a:txBody>
+                  <a:tcPr anchor="ctr"/>
+                </a:tc>
+              </a:tr>
+              <a:tr h="476258">
+                <a:tc vMerge="1">
+                  <a:txBody>
+                    <a:bodyPr/>
+                    <a:lstStyle/>
+                    <a:p>
+                      <a:pPr algn="ctr"/>
+                      <a:endParaRPr lang="en-US" sz="1400" dirty="0"/>
+                    </a:p>
+                  </a:txBody>
+                  <a:tcPr anchor="ctr"/>
+                </a:tc>
+                <a:tc vMerge="1">
+                  <a:txBody>
+                    <a:bodyPr/>
+                    <a:lstStyle/>
+                    <a:p>
+                      <a:pPr algn="ctr"/>
+                      <a:endParaRPr lang="en-US" sz="1400" dirty="0"/>
+                    </a:p>
+                  </a:txBody>
+                  <a:tcPr anchor="ctr"/>
+                </a:tc>
+                <a:tc>
+                  <a:txBody>
+                    <a:bodyPr/>
+                    <a:lstStyle/>
+                    <a:p>
+                      <a:pPr algn="ctr"/>
+                      <a:r>
+                        <a:rPr lang="en-US" sz="1400" dirty="0" smtClean="0"/>
+                        <a:t>0</a:t>
+                      </a:r>
+                      <a:endParaRPr lang="en-US" sz="1400" dirty="0"/>
+                    </a:p>
+                  </a:txBody>
+                  <a:tcPr anchor="ctr"/>
+                </a:tc>
+                <a:tc>
+                  <a:txBody>
+                    <a:bodyPr/>
+                    <a:lstStyle/>
+                    <a:p>
+                      <a:pPr algn="ctr"/>
+                      <a:r>
+                        <a:rPr lang="en-US" sz="1400" dirty="0" smtClean="0"/>
+                        <a:t>400</a:t>
+                      </a:r>
+                      <a:endParaRPr lang="en-US" sz="1400" dirty="0"/>
+                    </a:p>
+                  </a:txBody>
+                  <a:tcPr anchor="ctr"/>
+                </a:tc>
+                <a:tc>
+                  <a:txBody>
+                    <a:bodyPr/>
+                    <a:lstStyle/>
+                    <a:p>
+                      <a:pPr algn="ctr"/>
+                      <a:r>
+                        <a:rPr lang="en-US" sz="1400" dirty="0" smtClean="0"/>
+                        <a:t>200</a:t>
+                      </a:r>
+                      <a:endParaRPr lang="en-US" sz="1400" dirty="0"/>
+                    </a:p>
+                  </a:txBody>
+                  <a:tcPr anchor="ctr"/>
+                </a:tc>
+                <a:tc>
+                  <a:txBody>
+                    <a:bodyPr/>
+                    <a:lstStyle/>
+                    <a:p>
+                      <a:r>
+                        <a:rPr lang="en-US" sz="1400" dirty="0" smtClean="0"/>
+                        <a:t>4000</a:t>
+                      </a:r>
+                      <a:endParaRPr lang="en-US" sz="1400" dirty="0"/>
+                    </a:p>
+                  </a:txBody>
+                  <a:tcPr anchor="ctr"/>
+                </a:tc>
+              </a:tr>
+              <a:tr h="476258">
+                <a:tc vMerge="1">
+                  <a:txBody>
+                    <a:bodyPr/>
+                    <a:lstStyle/>
+                    <a:p>
+                      <a:pPr algn="ctr"/>
+                      <a:endParaRPr lang="en-US" sz="1400" dirty="0"/>
+                    </a:p>
+                  </a:txBody>
+                  <a:tcPr anchor="ctr"/>
+                </a:tc>
+                <a:tc vMerge="1">
+                  <a:txBody>
+                    <a:bodyPr/>
+                    <a:lstStyle/>
+                    <a:p>
+                      <a:pPr algn="ctr"/>
+                      <a:endParaRPr lang="en-US" sz="1400" dirty="0"/>
+                    </a:p>
+                  </a:txBody>
+                  <a:tcPr anchor="ctr"/>
+                </a:tc>
+                <a:tc>
+                  <a:txBody>
+                    <a:bodyPr/>
+                    <a:lstStyle/>
+                    <a:p>
+                      <a:pPr algn="ctr"/>
+                      <a:r>
+                        <a:rPr lang="en-US" sz="1400" dirty="0" smtClean="0"/>
+                        <a:t>100</a:t>
+                      </a:r>
+                      <a:endParaRPr lang="en-US" sz="1400" dirty="0"/>
+                    </a:p>
+                  </a:txBody>
+                  <a:tcPr anchor="ctr"/>
+                </a:tc>
+                <a:tc>
+                  <a:txBody>
+                    <a:bodyPr/>
+                    <a:lstStyle/>
+                    <a:p>
+                      <a:pPr algn="ctr"/>
+                      <a:r>
+                        <a:rPr lang="en-US" sz="1400" dirty="0" smtClean="0"/>
+                        <a:t>100</a:t>
+                      </a:r>
+                      <a:endParaRPr lang="en-US" sz="1400" dirty="0"/>
+                    </a:p>
+                  </a:txBody>
+                  <a:tcPr anchor="ctr"/>
+                </a:tc>
+                <a:tc>
+                  <a:txBody>
+                    <a:bodyPr/>
+                    <a:lstStyle/>
+                    <a:p>
+                      <a:pPr algn="ctr"/>
+                      <a:r>
+                        <a:rPr lang="en-US" sz="1400" dirty="0" smtClean="0"/>
+                        <a:t>0</a:t>
+                      </a:r>
+                      <a:endParaRPr lang="en-US" sz="1400" dirty="0"/>
+                    </a:p>
+                  </a:txBody>
+                  <a:tcPr anchor="ctr"/>
+                </a:tc>
+                <a:tc>
+                  <a:txBody>
+                    <a:bodyPr/>
+                    <a:lstStyle/>
+                    <a:p>
+                      <a:r>
+                        <a:rPr lang="en-US" sz="1400" dirty="0" smtClean="0"/>
+                        <a:t>1 * 500 = 500</a:t>
+                      </a:r>
+                      <a:endParaRPr lang="en-US" sz="1400" dirty="0"/>
+                    </a:p>
+                  </a:txBody>
+                  <a:tcPr anchor="ctr"/>
+                </a:tc>
+              </a:tr>
+              <a:tr h="476258">
+                <a:tc vMerge="1">
+                  <a:txBody>
+                    <a:bodyPr/>
+                    <a:lstStyle/>
+                    <a:p>
+                      <a:pPr algn="ctr"/>
+                      <a:endParaRPr lang="en-US" sz="1400" dirty="0"/>
+                    </a:p>
+                  </a:txBody>
+                  <a:tcPr anchor="ctr"/>
+                </a:tc>
+                <a:tc vMerge="1">
+                  <a:txBody>
+                    <a:bodyPr/>
+                    <a:lstStyle/>
+                    <a:p>
+                      <a:pPr algn="ctr"/>
+                      <a:endParaRPr lang="en-US" sz="1400" dirty="0"/>
+                    </a:p>
+                  </a:txBody>
+                  <a:tcPr anchor="ctr"/>
+                </a:tc>
+                <a:tc>
+                  <a:txBody>
+                    <a:bodyPr/>
+                    <a:lstStyle/>
+                    <a:p>
+                      <a:pPr algn="ctr"/>
+                      <a:r>
+                        <a:rPr lang="en-US" sz="1400" dirty="0" smtClean="0"/>
+                        <a:t>100</a:t>
+                      </a:r>
+                      <a:endParaRPr lang="en-US" sz="1400" dirty="0"/>
+                    </a:p>
+                  </a:txBody>
+                  <a:tcPr anchor="ctr"/>
+                </a:tc>
+                <a:tc>
+                  <a:txBody>
+                    <a:bodyPr/>
+                    <a:lstStyle/>
+                    <a:p>
+                      <a:pPr algn="ctr"/>
+                      <a:r>
+                        <a:rPr lang="en-US" sz="1400" dirty="0" smtClean="0"/>
+                        <a:t>200</a:t>
+                      </a:r>
+                      <a:endParaRPr lang="en-US" sz="1400" dirty="0"/>
+                    </a:p>
+                  </a:txBody>
+                  <a:tcPr anchor="ctr"/>
+                </a:tc>
+                <a:tc>
+                  <a:txBody>
+                    <a:bodyPr/>
+                    <a:lstStyle/>
+                    <a:p>
+                      <a:pPr algn="ctr"/>
+                      <a:r>
+                        <a:rPr lang="en-US" sz="1400" dirty="0" smtClean="0"/>
+                        <a:t>100</a:t>
+                      </a:r>
+                      <a:endParaRPr lang="en-US" sz="1400" dirty="0"/>
+                    </a:p>
+                  </a:txBody>
+                  <a:tcPr anchor="ctr"/>
+                </a:tc>
+                <a:tc>
+                  <a:txBody>
+                    <a:bodyPr/>
+                    <a:lstStyle/>
+                    <a:p>
+                      <a:pPr marL="0" marR="0" indent="0" algn="l" defTabSz="914400" rtl="0" eaLnBrk="1" fontAlgn="auto" latinLnBrk="0" hangingPunct="1">
+                        <a:lnSpc>
+                          <a:spcPct val="100000"/>
+                        </a:lnSpc>
+                        <a:spcBef>
+                          <a:spcPts val="0"/>
+                        </a:spcBef>
+                        <a:spcAft>
+                          <a:spcPts val="0"/>
+                        </a:spcAft>
+                        <a:buClrTx/>
+                        <a:buSzTx/>
+                        <a:buFontTx/>
+                        <a:buNone/>
+                        <a:tabLst/>
+                        <a:defRPr/>
+                      </a:pPr>
+                      <a:r>
+                        <a:rPr lang="en-US" sz="1400" dirty="0" smtClean="0"/>
+                        <a:t>1 * 500 = 500</a:t>
+                      </a:r>
+                    </a:p>
+                  </a:txBody>
+                  <a:tcPr anchor="ctr"/>
+                </a:tc>
+              </a:tr>
+              <a:tr h="476258">
+                <a:tc vMerge="1">
+                  <a:txBody>
+                    <a:bodyPr/>
+                    <a:lstStyle/>
+                    <a:p>
+                      <a:pPr algn="ctr"/>
+                      <a:endParaRPr lang="en-US" sz="1400" dirty="0"/>
+                    </a:p>
+                  </a:txBody>
+                  <a:tcPr anchor="ctr"/>
+                </a:tc>
+                <a:tc vMerge="1">
+                  <a:txBody>
+                    <a:bodyPr/>
+                    <a:lstStyle/>
+                    <a:p>
+                      <a:pPr algn="ctr"/>
+                      <a:endParaRPr lang="en-US" sz="1400" dirty="0"/>
+                    </a:p>
+                  </a:txBody>
+                  <a:tcPr anchor="ctr"/>
+                </a:tc>
+                <a:tc>
+                  <a:txBody>
+                    <a:bodyPr/>
+                    <a:lstStyle/>
+                    <a:p>
+                      <a:pPr algn="ctr"/>
+                      <a:r>
+                        <a:rPr lang="en-US" sz="1400" dirty="0" smtClean="0"/>
+                        <a:t>100</a:t>
+                      </a:r>
+                      <a:endParaRPr lang="en-US" sz="1400" dirty="0"/>
+                    </a:p>
+                  </a:txBody>
+                  <a:tcPr anchor="ctr"/>
+                </a:tc>
+                <a:tc>
+                  <a:txBody>
+                    <a:bodyPr/>
+                    <a:lstStyle/>
+                    <a:p>
+                      <a:pPr algn="ctr"/>
+                      <a:r>
+                        <a:rPr lang="en-US" sz="1400" dirty="0" smtClean="0"/>
+                        <a:t>300</a:t>
+                      </a:r>
+                      <a:endParaRPr lang="en-US" sz="1400" dirty="0"/>
+                    </a:p>
+                  </a:txBody>
+                  <a:tcPr anchor="ctr"/>
+                </a:tc>
+                <a:tc>
+                  <a:txBody>
+                    <a:bodyPr/>
+                    <a:lstStyle/>
+                    <a:p>
+                      <a:pPr algn="ctr"/>
+                      <a:r>
+                        <a:rPr lang="en-US" sz="1400" dirty="0" smtClean="0"/>
+                        <a:t>200</a:t>
+                      </a:r>
+                      <a:endParaRPr lang="en-US" sz="1400" dirty="0"/>
+                    </a:p>
+                  </a:txBody>
+                  <a:tcPr anchor="ctr"/>
+                </a:tc>
+                <a:tc>
+                  <a:txBody>
+                    <a:bodyPr/>
+                    <a:lstStyle/>
+                    <a:p>
+                      <a:r>
+                        <a:rPr lang="en-US" sz="1400" dirty="0" smtClean="0"/>
+                        <a:t>1 * 500 + 4000 = 4500</a:t>
+                      </a:r>
+                    </a:p>
+                  </a:txBody>
+                  <a:tcPr anchor="ctr"/>
+                </a:tc>
+              </a:tr>
+              <a:tr h="476258">
+                <a:tc vMerge="1">
+                  <a:txBody>
+                    <a:bodyPr/>
+                    <a:lstStyle/>
+                    <a:p>
+                      <a:pPr algn="ctr"/>
+                      <a:endParaRPr lang="en-US" sz="1400" dirty="0"/>
+                    </a:p>
+                  </a:txBody>
+                  <a:tcPr anchor="ctr"/>
+                </a:tc>
+                <a:tc vMerge="1">
+                  <a:txBody>
+                    <a:bodyPr/>
+                    <a:lstStyle/>
+                    <a:p>
+                      <a:pPr algn="ctr"/>
+                      <a:endParaRPr lang="en-US" sz="1400" dirty="0"/>
+                    </a:p>
+                  </a:txBody>
+                  <a:tcPr anchor="ctr"/>
+                </a:tc>
+                <a:tc>
+                  <a:txBody>
+                    <a:bodyPr/>
+                    <a:lstStyle/>
+                    <a:p>
+                      <a:pPr algn="ctr"/>
+                      <a:r>
+                        <a:rPr lang="en-US" sz="1400" dirty="0" smtClean="0"/>
+                        <a:t>100</a:t>
+                      </a:r>
+                      <a:endParaRPr lang="en-US" sz="1400" dirty="0"/>
+                    </a:p>
+                  </a:txBody>
+                  <a:tcPr anchor="ctr"/>
+                </a:tc>
+                <a:tc>
+                  <a:txBody>
+                    <a:bodyPr/>
+                    <a:lstStyle/>
+                    <a:p>
+                      <a:pPr algn="ctr"/>
+                      <a:r>
+                        <a:rPr lang="en-US" sz="1400" dirty="0" smtClean="0"/>
+                        <a:t>400</a:t>
+                      </a:r>
+                      <a:endParaRPr lang="en-US" sz="1400" dirty="0"/>
+                    </a:p>
+                  </a:txBody>
+                  <a:tcPr anchor="ctr"/>
+                </a:tc>
+                <a:tc>
+                  <a:txBody>
+                    <a:bodyPr/>
+                    <a:lstStyle/>
+                    <a:p>
+                      <a:pPr algn="ctr"/>
+                      <a:r>
+                        <a:rPr lang="en-US" sz="1400" dirty="0" smtClean="0"/>
+                        <a:t>300</a:t>
+                      </a:r>
+                      <a:endParaRPr lang="en-US" sz="1400" dirty="0"/>
+                    </a:p>
+                  </a:txBody>
+                  <a:tcPr anchor="ctr"/>
+                </a:tc>
+                <a:tc>
+                  <a:txBody>
+                    <a:bodyPr/>
+                    <a:lstStyle/>
+                    <a:p>
+                      <a:r>
+                        <a:rPr lang="en-US" sz="1400" dirty="0" smtClean="0"/>
+                        <a:t>1 * 500 + 4000 =</a:t>
+                      </a:r>
+                      <a:r>
+                        <a:rPr lang="en-US" sz="1400" baseline="0" dirty="0" smtClean="0"/>
+                        <a:t> 4500</a:t>
+                      </a:r>
+                      <a:endParaRPr lang="en-US" sz="1400" dirty="0"/>
+                    </a:p>
+                  </a:txBody>
+                  <a:tcPr anchor="ctr"/>
+                </a:tc>
+              </a:tr>
+            </a:tbl>
+          </a:graphicData>
+        </a:graphic>
+      </p:graphicFrame>
+    </p:spTree>
+    <p:extLst>
+      <p:ext uri="{BB962C8B-B14F-4D97-AF65-F5344CB8AC3E}">
+        <p14:creationId xmlns:p14="http://schemas.microsoft.com/office/powerpoint/2010/main" val="1917119281"/>
+      </p:ext>
+    </p:extLst>
+  </p:cSld>
+  <p:clrMapOvr>
+    <a:masterClrMapping/>
+  </p:clrMapOvr>
+  <p:timing>
+    <p:tnLst>
+      <p:par>
+        <p:cTn xmlns:p14="http://schemas.microsoft.com/office/powerpoint/2010/main" id="1" dur="indefinite" restart="never" nodeType="tmRoot"/>
+      </p:par>
+    </p:tnLst>
+  </p:timing>
+</p:sld>
+</file>
+
+<file path=ppt/slides/slide11.xml><?xml version="1.0" encoding="utf-8"?>
+<p:sld xmlns:a="http://schemas.openxmlformats.org/drawingml/2006/main" xmlns:r="http://schemas.openxmlformats.org/officeDocument/2006/relationships" xmlns:p="http://schemas.openxmlformats.org/presentationml/2006/main">
+  <p:cSld>
+    <p:spTree>
+      <p:nvGrpSpPr>
+        <p:cNvPr id="1" name=""/>
+        <p:cNvGrpSpPr/>
+        <p:nvPr/>
+      </p:nvGrpSpPr>
+      <p:grpSpPr>
+        <a:xfrm>
+          <a:off x="0" y="0"/>
+          <a:ext cx="0" cy="0"/>
+          <a:chOff x="0" y="0"/>
+          <a:chExt cx="0" cy="0"/>
+        </a:xfrm>
+      </p:grpSpPr>
+      <p:sp>
+        <p:nvSpPr>
+          <p:cNvPr id="2" name="Title 1"/>
+          <p:cNvSpPr>
+            <a:spLocks noGrp="1"/>
+          </p:cNvSpPr>
+          <p:nvPr>
+            <p:ph type="title"/>
+          </p:nvPr>
+        </p:nvSpPr>
+        <p:spPr/>
+        <p:txBody>
+          <a:bodyPr>
+            <a:normAutofit/>
+          </a:bodyPr>
+          <a:lstStyle/>
+          <a:p>
+            <a:r>
+              <a:rPr lang="en-US" sz="4400" b="1" dirty="0" smtClean="0"/>
+              <a:t>Third and forth steps</a:t>
+            </a:r>
+            <a:endParaRPr lang="en-US" sz="4400" b="1" dirty="0"/>
+          </a:p>
+        </p:txBody>
+      </p:sp>
+      <p:sp>
+        <p:nvSpPr>
+          <p:cNvPr id="3" name="Content Placeholder 2"/>
+          <p:cNvSpPr>
+            <a:spLocks noGrp="1"/>
+          </p:cNvSpPr>
+          <p:nvPr>
+            <p:ph idx="1"/>
+          </p:nvPr>
+        </p:nvSpPr>
+        <p:spPr>
+          <a:xfrm>
+            <a:off x="779463" y="1949824"/>
+            <a:ext cx="7583488" cy="4359536"/>
+          </a:xfrm>
+        </p:spPr>
+        <p:txBody>
+          <a:bodyPr>
+            <a:normAutofit/>
+          </a:bodyPr>
+          <a:lstStyle/>
+          <a:p>
+            <a:pPr marL="0" indent="0">
+              <a:buNone/>
+            </a:pPr>
+            <a:endParaRPr lang="is-IS" dirty="0" smtClean="0"/>
+          </a:p>
+          <a:p>
+            <a:pPr>
+              <a:buFont typeface="Arial"/>
+              <a:buChar char="•"/>
+            </a:pPr>
+            <a:endParaRPr lang="is-IS" dirty="0" smtClean="0"/>
+          </a:p>
+          <a:p>
+            <a:pPr>
+              <a:buFont typeface="Arial"/>
+              <a:buChar char="•"/>
+            </a:pPr>
+            <a:endParaRPr lang="is-IS" dirty="0" smtClean="0"/>
+          </a:p>
+          <a:p>
+            <a:pPr>
+              <a:lnSpc>
+                <a:spcPct val="50000"/>
+              </a:lnSpc>
+              <a:buFont typeface="Arial"/>
+              <a:buChar char="•"/>
+            </a:pPr>
+            <a:endParaRPr lang="is-IS" sz="1400" dirty="0" smtClean="0"/>
+          </a:p>
+          <a:p>
+            <a:pPr>
+              <a:lnSpc>
+                <a:spcPct val="50000"/>
+              </a:lnSpc>
+              <a:buFont typeface="Arial"/>
+              <a:buChar char="•"/>
+            </a:pPr>
+            <a:endParaRPr lang="is-IS" sz="1400" dirty="0"/>
+          </a:p>
+          <a:p>
+            <a:pPr>
+              <a:lnSpc>
+                <a:spcPct val="50000"/>
+              </a:lnSpc>
+              <a:buFont typeface="Arial"/>
+              <a:buChar char="•"/>
+            </a:pPr>
+            <a:endParaRPr lang="is-IS" sz="1400" dirty="0"/>
+          </a:p>
+        </p:txBody>
+      </p:sp>
+      <p:graphicFrame>
+        <p:nvGraphicFramePr>
+          <p:cNvPr id="5" name="Table 4"/>
+          <p:cNvGraphicFramePr>
+            <a:graphicFrameLocks noGrp="1"/>
+          </p:cNvGraphicFramePr>
+          <p:nvPr>
+            <p:extLst>
+              <p:ext uri="{D42A27DB-BD31-4B8C-83A1-F6EECF244321}">
+                <p14:modId xmlns:p14="http://schemas.microsoft.com/office/powerpoint/2010/main" val="2528470050"/>
+              </p:ext>
+            </p:extLst>
+          </p:nvPr>
+        </p:nvGraphicFramePr>
+        <p:xfrm>
+          <a:off x="779463" y="2012007"/>
+          <a:ext cx="7583490" cy="4358743"/>
+        </p:xfrm>
+        <a:graphic>
+          <a:graphicData uri="http://schemas.openxmlformats.org/drawingml/2006/table">
+            <a:tbl>
+              <a:tblPr firstRow="1" bandRow="1">
+                <a:tableStyleId>{5C22544A-7EE6-4342-B048-85BDC9FD1C3A}</a:tableStyleId>
+              </a:tblPr>
+              <a:tblGrid>
+                <a:gridCol w="1263915"/>
+                <a:gridCol w="1263915"/>
+                <a:gridCol w="1263915"/>
+                <a:gridCol w="1263915"/>
+                <a:gridCol w="1263915"/>
+                <a:gridCol w="1263915"/>
+              </a:tblGrid>
+              <a:tr h="1024937">
+                <a:tc>
+                  <a:txBody>
+                    <a:bodyPr/>
+                    <a:lstStyle/>
+                    <a:p>
+                      <a:pPr algn="ctr"/>
+                      <a:r>
+                        <a:rPr lang="en-US" sz="1400" dirty="0" smtClean="0"/>
+                        <a:t>Month</a:t>
+                      </a:r>
+                      <a:endParaRPr lang="en-US" sz="1400" dirty="0"/>
+                    </a:p>
+                  </a:txBody>
+                  <a:tcPr anchor="ctr"/>
+                </a:tc>
+                <a:tc>
+                  <a:txBody>
+                    <a:bodyPr/>
+                    <a:lstStyle/>
+                    <a:p>
+                      <a:pPr algn="ctr"/>
+                      <a:r>
+                        <a:rPr lang="en-US" sz="1400" dirty="0" smtClean="0"/>
+                        <a:t>Number</a:t>
+                      </a:r>
+                      <a:r>
+                        <a:rPr lang="en-US" sz="1400" baseline="0" dirty="0" smtClean="0"/>
+                        <a:t> of items to be delivered that month</a:t>
+                      </a:r>
+                      <a:endParaRPr lang="en-US" sz="1400" dirty="0"/>
+                    </a:p>
+                  </a:txBody>
+                  <a:tcPr anchor="ctr"/>
+                </a:tc>
+                <a:tc>
+                  <a:txBody>
+                    <a:bodyPr/>
+                    <a:lstStyle/>
+                    <a:p>
+                      <a:pPr algn="ctr"/>
+                      <a:r>
+                        <a:rPr lang="en-US" sz="1400" dirty="0" smtClean="0"/>
+                        <a:t>Number</a:t>
+                      </a:r>
+                      <a:r>
+                        <a:rPr lang="en-US" sz="1400" baseline="0" dirty="0" smtClean="0"/>
+                        <a:t> of items in stock at start of month</a:t>
+                      </a:r>
+                      <a:endParaRPr lang="en-US" sz="1400" dirty="0"/>
+                    </a:p>
+                  </a:txBody>
+                  <a:tcPr anchor="ctr"/>
+                </a:tc>
+                <a:tc>
+                  <a:txBody>
+                    <a:bodyPr/>
+                    <a:lstStyle/>
+                    <a:p>
+                      <a:pPr algn="ctr"/>
+                      <a:r>
+                        <a:rPr lang="en-US" sz="1400" dirty="0" smtClean="0"/>
+                        <a:t>Production</a:t>
+                      </a:r>
+                      <a:endParaRPr lang="en-US" sz="1400" dirty="0"/>
+                    </a:p>
+                  </a:txBody>
+                  <a:tcPr anchor="ctr"/>
+                </a:tc>
+                <a:tc>
+                  <a:txBody>
+                    <a:bodyPr/>
+                    <a:lstStyle/>
+                    <a:p>
+                      <a:pPr algn="ctr"/>
+                      <a:r>
+                        <a:rPr lang="en-US" sz="1400" dirty="0" smtClean="0"/>
+                        <a:t>Number of</a:t>
+                      </a:r>
+                      <a:r>
+                        <a:rPr lang="en-US" sz="1400" baseline="0" dirty="0" smtClean="0"/>
+                        <a:t> items in stock at end of month</a:t>
+                      </a:r>
+                      <a:endParaRPr lang="en-US" sz="1400" dirty="0"/>
+                    </a:p>
+                  </a:txBody>
+                  <a:tcPr anchor="ctr"/>
+                </a:tc>
+                <a:tc>
+                  <a:txBody>
+                    <a:bodyPr/>
+                    <a:lstStyle/>
+                    <a:p>
+                      <a:pPr algn="ctr"/>
+                      <a:r>
+                        <a:rPr lang="en-US" sz="1400" dirty="0" smtClean="0"/>
+                        <a:t>Cost</a:t>
+                      </a:r>
+                      <a:endParaRPr lang="en-US" sz="1400" dirty="0"/>
+                    </a:p>
+                  </a:txBody>
+                  <a:tcPr anchor="ctr"/>
+                </a:tc>
+              </a:tr>
+              <a:tr h="476258">
+                <a:tc rowSpan="4">
+                  <a:txBody>
+                    <a:bodyPr/>
+                    <a:lstStyle/>
+                    <a:p>
+                      <a:pPr algn="ctr"/>
+                      <a:r>
+                        <a:rPr lang="en-US" sz="1400" dirty="0" smtClean="0"/>
+                        <a:t>October</a:t>
+                      </a:r>
+                      <a:endParaRPr lang="en-US" sz="1400" dirty="0"/>
+                    </a:p>
+                  </a:txBody>
+                  <a:tcPr anchor="ctr"/>
+                </a:tc>
+                <a:tc rowSpan="4">
+                  <a:txBody>
+                    <a:bodyPr/>
+                    <a:lstStyle/>
+                    <a:p>
+                      <a:pPr algn="ctr"/>
+                      <a:r>
+                        <a:rPr lang="en-US" sz="1400" dirty="0" smtClean="0"/>
+                        <a:t>500</a:t>
+                      </a:r>
+                      <a:endParaRPr lang="en-US" sz="1400" dirty="0"/>
+                    </a:p>
+                  </a:txBody>
+                  <a:tcPr anchor="ctr"/>
+                </a:tc>
+                <a:tc>
+                  <a:txBody>
+                    <a:bodyPr/>
+                    <a:lstStyle/>
+                    <a:p>
+                      <a:endParaRPr lang="en-US" dirty="0"/>
+                    </a:p>
+                  </a:txBody>
+                  <a:tcPr anchor="ctr"/>
+                </a:tc>
+                <a:tc>
+                  <a:txBody>
+                    <a:bodyPr/>
+                    <a:lstStyle/>
+                    <a:p>
+                      <a:endParaRPr lang="en-US"/>
+                    </a:p>
+                  </a:txBody>
+                  <a:tcPr anchor="ctr"/>
+                </a:tc>
+                <a:tc>
+                  <a:txBody>
+                    <a:bodyPr/>
+                    <a:lstStyle/>
+                    <a:p>
+                      <a:endParaRPr lang="en-US"/>
+                    </a:p>
+                  </a:txBody>
+                  <a:tcPr anchor="ctr"/>
+                </a:tc>
+                <a:tc>
+                  <a:txBody>
+                    <a:bodyPr/>
+                    <a:lstStyle/>
+                    <a:p>
+                      <a:endParaRPr lang="en-US"/>
+                    </a:p>
+                  </a:txBody>
+                  <a:tcPr anchor="ctr"/>
+                </a:tc>
+              </a:tr>
+              <a:tr h="476258">
+                <a:tc vMerge="1">
+                  <a:txBody>
+                    <a:bodyPr/>
+                    <a:lstStyle/>
+                    <a:p>
+                      <a:pPr algn="ctr"/>
+                      <a:endParaRPr lang="en-US" sz="1400" dirty="0"/>
+                    </a:p>
+                  </a:txBody>
+                  <a:tcPr anchor="ctr"/>
+                </a:tc>
+                <a:tc vMerge="1">
+                  <a:txBody>
+                    <a:bodyPr/>
+                    <a:lstStyle/>
+                    <a:p>
+                      <a:pPr algn="ctr"/>
+                      <a:endParaRPr lang="en-US" sz="1400" dirty="0"/>
+                    </a:p>
+                  </a:txBody>
+                  <a:tcPr anchor="ctr"/>
+                </a:tc>
+                <a:tc>
+                  <a:txBody>
+                    <a:bodyPr/>
+                    <a:lstStyle/>
+                    <a:p>
+                      <a:endParaRPr lang="en-US"/>
+                    </a:p>
+                  </a:txBody>
+                  <a:tcPr anchor="ctr"/>
+                </a:tc>
+                <a:tc>
+                  <a:txBody>
+                    <a:bodyPr/>
+                    <a:lstStyle/>
+                    <a:p>
+                      <a:endParaRPr lang="en-US"/>
+                    </a:p>
+                  </a:txBody>
+                  <a:tcPr anchor="ctr"/>
+                </a:tc>
+                <a:tc>
+                  <a:txBody>
+                    <a:bodyPr/>
+                    <a:lstStyle/>
+                    <a:p>
+                      <a:endParaRPr lang="en-US"/>
+                    </a:p>
+                  </a:txBody>
+                  <a:tcPr anchor="ctr"/>
+                </a:tc>
+                <a:tc>
+                  <a:txBody>
+                    <a:bodyPr/>
+                    <a:lstStyle/>
+                    <a:p>
+                      <a:endParaRPr lang="en-US"/>
+                    </a:p>
+                  </a:txBody>
+                  <a:tcPr anchor="ctr"/>
+                </a:tc>
+              </a:tr>
+              <a:tr h="476258">
+                <a:tc vMerge="1">
+                  <a:txBody>
+                    <a:bodyPr/>
+                    <a:lstStyle/>
+                    <a:p>
+                      <a:pPr algn="ctr"/>
+                      <a:endParaRPr lang="en-US" sz="1400" dirty="0"/>
+                    </a:p>
+                  </a:txBody>
+                  <a:tcPr anchor="ctr"/>
+                </a:tc>
+                <a:tc vMerge="1">
+                  <a:txBody>
+                    <a:bodyPr/>
+                    <a:lstStyle/>
+                    <a:p>
+                      <a:pPr algn="ctr"/>
+                      <a:endParaRPr lang="en-US" sz="1400" dirty="0"/>
+                    </a:p>
+                  </a:txBody>
+                  <a:tcPr anchor="ctr"/>
+                </a:tc>
+                <a:tc>
+                  <a:txBody>
+                    <a:bodyPr/>
+                    <a:lstStyle/>
+                    <a:p>
+                      <a:endParaRPr lang="en-US"/>
+                    </a:p>
+                  </a:txBody>
+                  <a:tcPr anchor="ctr"/>
+                </a:tc>
+                <a:tc>
+                  <a:txBody>
+                    <a:bodyPr/>
+                    <a:lstStyle/>
+                    <a:p>
+                      <a:endParaRPr lang="en-US"/>
+                    </a:p>
+                  </a:txBody>
+                  <a:tcPr anchor="ctr"/>
+                </a:tc>
+                <a:tc>
+                  <a:txBody>
+                    <a:bodyPr/>
+                    <a:lstStyle/>
+                    <a:p>
+                      <a:endParaRPr lang="en-US"/>
+                    </a:p>
+                  </a:txBody>
+                  <a:tcPr anchor="ctr"/>
+                </a:tc>
+                <a:tc>
+                  <a:txBody>
+                    <a:bodyPr/>
+                    <a:lstStyle/>
+                    <a:p>
+                      <a:endParaRPr lang="en-US"/>
+                    </a:p>
+                  </a:txBody>
+                  <a:tcPr anchor="ctr"/>
+                </a:tc>
+              </a:tr>
+              <a:tr h="280031">
+                <a:tc vMerge="1">
+                  <a:txBody>
+                    <a:bodyPr/>
+                    <a:lstStyle/>
+                    <a:p>
+                      <a:pPr algn="ctr"/>
+                      <a:endParaRPr lang="en-US" sz="1400" dirty="0"/>
+                    </a:p>
+                  </a:txBody>
+                  <a:tcPr anchor="ctr"/>
+                </a:tc>
+                <a:tc vMerge="1">
+                  <a:txBody>
+                    <a:bodyPr/>
+                    <a:lstStyle/>
+                    <a:p>
+                      <a:pPr algn="ctr"/>
+                      <a:endParaRPr lang="en-US" sz="1400" dirty="0"/>
+                    </a:p>
+                  </a:txBody>
+                  <a:tcPr anchor="ctr"/>
+                </a:tc>
+                <a:tc rowSpan="2">
+                  <a:txBody>
+                    <a:bodyPr/>
+                    <a:lstStyle/>
+                    <a:p>
+                      <a:r>
+                        <a:rPr lang="is-IS" dirty="0" smtClean="0"/>
+                        <a:t>…</a:t>
+                      </a:r>
+                      <a:endParaRPr lang="en-US" dirty="0"/>
+                    </a:p>
+                  </a:txBody>
+                  <a:tcPr anchor="ctr"/>
+                </a:tc>
+                <a:tc rowSpan="2">
+                  <a:txBody>
+                    <a:bodyPr/>
+                    <a:lstStyle/>
+                    <a:p>
+                      <a:endParaRPr lang="en-US" dirty="0"/>
+                    </a:p>
+                  </a:txBody>
+                  <a:tcPr anchor="ctr"/>
+                </a:tc>
+                <a:tc rowSpan="2">
+                  <a:txBody>
+                    <a:bodyPr/>
+                    <a:lstStyle/>
+                    <a:p>
+                      <a:endParaRPr lang="en-US"/>
+                    </a:p>
+                  </a:txBody>
+                  <a:tcPr anchor="ctr"/>
+                </a:tc>
+                <a:tc rowSpan="2">
+                  <a:txBody>
+                    <a:bodyPr/>
+                    <a:lstStyle/>
+                    <a:p>
+                      <a:endParaRPr lang="en-US"/>
+                    </a:p>
+                  </a:txBody>
+                  <a:tcPr anchor="ctr"/>
+                </a:tc>
+              </a:tr>
+              <a:tr h="196227">
+                <a:tc rowSpan="4">
+                  <a:txBody>
+                    <a:bodyPr/>
+                    <a:lstStyle/>
+                    <a:p>
+                      <a:pPr algn="ctr"/>
+                      <a:r>
+                        <a:rPr lang="en-US" sz="1400" dirty="0" smtClean="0"/>
+                        <a:t>September</a:t>
+                      </a:r>
+                      <a:endParaRPr lang="en-US" sz="1400" dirty="0"/>
+                    </a:p>
+                  </a:txBody>
+                  <a:tcPr anchor="ctr"/>
+                </a:tc>
+                <a:tc rowSpan="4">
+                  <a:txBody>
+                    <a:bodyPr/>
+                    <a:lstStyle/>
+                    <a:p>
+                      <a:pPr algn="ctr"/>
+                      <a:r>
+                        <a:rPr lang="en-US" sz="1400" dirty="0" smtClean="0"/>
+                        <a:t>100</a:t>
+                      </a:r>
+                      <a:endParaRPr lang="en-US" sz="1400" dirty="0"/>
+                    </a:p>
+                  </a:txBody>
+                  <a:tcPr anchor="ctr"/>
+                </a:tc>
+                <a:tc vMerge="1">
+                  <a:txBody>
+                    <a:bodyPr/>
+                    <a:lstStyle/>
+                    <a:p>
+                      <a:endParaRPr lang="en-US"/>
+                    </a:p>
+                  </a:txBody>
+                  <a:tcPr/>
+                </a:tc>
+                <a:tc vMerge="1">
+                  <a:txBody>
+                    <a:bodyPr/>
+                    <a:lstStyle/>
+                    <a:p>
+                      <a:endParaRPr lang="en-US"/>
+                    </a:p>
+                  </a:txBody>
+                  <a:tcPr/>
+                </a:tc>
+                <a:tc vMerge="1">
+                  <a:txBody>
+                    <a:bodyPr/>
+                    <a:lstStyle/>
+                    <a:p>
+                      <a:endParaRPr lang="en-US"/>
+                    </a:p>
+                  </a:txBody>
+                  <a:tcPr/>
+                </a:tc>
+                <a:tc vMerge="1">
+                  <a:txBody>
+                    <a:bodyPr/>
+                    <a:lstStyle/>
+                    <a:p>
+                      <a:endParaRPr lang="en-US"/>
+                    </a:p>
+                  </a:txBody>
+                  <a:tcPr/>
+                </a:tc>
+              </a:tr>
+              <a:tr h="476258">
+                <a:tc vMerge="1">
+                  <a:txBody>
+                    <a:bodyPr/>
+                    <a:lstStyle/>
+                    <a:p>
+                      <a:pPr algn="ctr"/>
+                      <a:endParaRPr lang="en-US" sz="1400" dirty="0"/>
+                    </a:p>
+                  </a:txBody>
+                  <a:tcPr anchor="ctr"/>
+                </a:tc>
+                <a:tc vMerge="1">
+                  <a:txBody>
+                    <a:bodyPr/>
+                    <a:lstStyle/>
+                    <a:p>
+                      <a:pPr algn="ctr"/>
+                      <a:endParaRPr lang="en-US" sz="1400" dirty="0"/>
+                    </a:p>
+                  </a:txBody>
+                  <a:tcPr anchor="ctr"/>
+                </a:tc>
+                <a:tc>
+                  <a:txBody>
+                    <a:bodyPr/>
+                    <a:lstStyle/>
+                    <a:p>
+                      <a:endParaRPr lang="en-US"/>
+                    </a:p>
+                  </a:txBody>
+                  <a:tcPr anchor="ctr"/>
+                </a:tc>
+                <a:tc>
+                  <a:txBody>
+                    <a:bodyPr/>
+                    <a:lstStyle/>
+                    <a:p>
+                      <a:endParaRPr lang="en-US"/>
+                    </a:p>
+                  </a:txBody>
+                  <a:tcPr anchor="ctr"/>
+                </a:tc>
+                <a:tc>
+                  <a:txBody>
+                    <a:bodyPr/>
+                    <a:lstStyle/>
+                    <a:p>
+                      <a:endParaRPr lang="en-US"/>
+                    </a:p>
+                  </a:txBody>
+                  <a:tcPr anchor="ctr"/>
+                </a:tc>
+                <a:tc>
+                  <a:txBody>
+                    <a:bodyPr/>
+                    <a:lstStyle/>
+                    <a:p>
+                      <a:endParaRPr lang="en-US"/>
+                    </a:p>
+                  </a:txBody>
+                  <a:tcPr anchor="ctr"/>
+                </a:tc>
+              </a:tr>
+              <a:tr h="476258">
+                <a:tc vMerge="1">
+                  <a:txBody>
+                    <a:bodyPr/>
+                    <a:lstStyle/>
+                    <a:p>
+                      <a:pPr algn="ctr"/>
+                      <a:endParaRPr lang="en-US" sz="1400" dirty="0"/>
+                    </a:p>
+                  </a:txBody>
+                  <a:tcPr anchor="ctr"/>
+                </a:tc>
+                <a:tc vMerge="1">
+                  <a:txBody>
+                    <a:bodyPr/>
+                    <a:lstStyle/>
+                    <a:p>
+                      <a:pPr algn="ctr"/>
+                      <a:endParaRPr lang="en-US" sz="1400" dirty="0"/>
+                    </a:p>
+                  </a:txBody>
+                  <a:tcPr anchor="ctr"/>
+                </a:tc>
+                <a:tc>
+                  <a:txBody>
+                    <a:bodyPr/>
+                    <a:lstStyle/>
+                    <a:p>
+                      <a:endParaRPr lang="en-US"/>
+                    </a:p>
+                  </a:txBody>
+                  <a:tcPr anchor="ctr"/>
+                </a:tc>
+                <a:tc>
+                  <a:txBody>
+                    <a:bodyPr/>
+                    <a:lstStyle/>
+                    <a:p>
+                      <a:endParaRPr lang="en-US"/>
+                    </a:p>
+                  </a:txBody>
+                  <a:tcPr anchor="ctr"/>
+                </a:tc>
+                <a:tc>
+                  <a:txBody>
+                    <a:bodyPr/>
+                    <a:lstStyle/>
+                    <a:p>
+                      <a:endParaRPr lang="en-US"/>
+                    </a:p>
+                  </a:txBody>
+                  <a:tcPr anchor="ctr"/>
+                </a:tc>
+                <a:tc>
+                  <a:txBody>
+                    <a:bodyPr/>
+                    <a:lstStyle/>
+                    <a:p>
+                      <a:endParaRPr lang="en-US"/>
+                    </a:p>
+                  </a:txBody>
+                  <a:tcPr anchor="ctr"/>
+                </a:tc>
+              </a:tr>
+              <a:tr h="476258">
+                <a:tc vMerge="1">
+                  <a:txBody>
+                    <a:bodyPr/>
+                    <a:lstStyle/>
+                    <a:p>
+                      <a:pPr algn="ctr"/>
+                      <a:endParaRPr lang="en-US" sz="1400" dirty="0"/>
+                    </a:p>
+                  </a:txBody>
+                  <a:tcPr anchor="ctr"/>
+                </a:tc>
+                <a:tc vMerge="1">
+                  <a:txBody>
+                    <a:bodyPr/>
+                    <a:lstStyle/>
+                    <a:p>
+                      <a:pPr algn="ctr"/>
+                      <a:endParaRPr lang="en-US" sz="1400" dirty="0"/>
+                    </a:p>
+                  </a:txBody>
+                  <a:tcPr anchor="ctr"/>
+                </a:tc>
+                <a:tc>
+                  <a:txBody>
+                    <a:bodyPr/>
+                    <a:lstStyle/>
+                    <a:p>
+                      <a:endParaRPr lang="en-US"/>
+                    </a:p>
+                  </a:txBody>
+                  <a:tcPr anchor="ctr"/>
+                </a:tc>
+                <a:tc>
+                  <a:txBody>
+                    <a:bodyPr/>
+                    <a:lstStyle/>
+                    <a:p>
+                      <a:endParaRPr lang="en-US"/>
+                    </a:p>
+                  </a:txBody>
+                  <a:tcPr anchor="ctr"/>
+                </a:tc>
+                <a:tc>
+                  <a:txBody>
+                    <a:bodyPr/>
+                    <a:lstStyle/>
+                    <a:p>
+                      <a:endParaRPr lang="en-US"/>
+                    </a:p>
+                  </a:txBody>
+                  <a:tcPr anchor="ctr"/>
+                </a:tc>
+                <a:tc>
+                  <a:txBody>
+                    <a:bodyPr/>
+                    <a:lstStyle/>
+                    <a:p>
+                      <a:endParaRPr lang="en-US" dirty="0"/>
+                    </a:p>
+                  </a:txBody>
+                  <a:tcPr anchor="ctr"/>
+                </a:tc>
+              </a:tr>
+            </a:tbl>
+          </a:graphicData>
+        </a:graphic>
+      </p:graphicFrame>
+    </p:spTree>
+    <p:extLst>
+      <p:ext uri="{BB962C8B-B14F-4D97-AF65-F5344CB8AC3E}">
+        <p14:creationId xmlns:p14="http://schemas.microsoft.com/office/powerpoint/2010/main" val="1621196132"/>
+      </p:ext>
+    </p:extLst>
+  </p:cSld>
+  <p:clrMapOvr>
+    <a:masterClrMapping/>
+  </p:clrMapOvr>
+  <p:timing>
+    <p:tnLst>
+      <p:par>
+        <p:cTn xmlns:p14="http://schemas.microsoft.com/office/powerpoint/2010/main" id="1" dur="indefinite" restart="never" nodeType="tmRoot"/>
+      </p:par>
+    </p:tnLst>
+  </p:timing>
+</p:sld>
+</file>
+
+<file path=ppt/slides/slide12.xml><?xml version="1.0" encoding="utf-8"?>
+<p:sld xmlns:a="http://schemas.openxmlformats.org/drawingml/2006/main" xmlns:r="http://schemas.openxmlformats.org/officeDocument/2006/relationships" xmlns:p="http://schemas.openxmlformats.org/presentationml/2006/main">
+  <p:cSld>
+    <p:spTree>
+      <p:nvGrpSpPr>
+        <p:cNvPr id="1" name=""/>
+        <p:cNvGrpSpPr/>
+        <p:nvPr/>
+      </p:nvGrpSpPr>
+      <p:grpSpPr>
+        <a:xfrm>
+          <a:off x="0" y="0"/>
+          <a:ext cx="0" cy="0"/>
+          <a:chOff x="0" y="0"/>
+          <a:chExt cx="0" cy="0"/>
+        </a:xfrm>
+      </p:grpSpPr>
+      <p:sp>
+        <p:nvSpPr>
+          <p:cNvPr id="2" name="Title 1"/>
+          <p:cNvSpPr>
+            <a:spLocks noGrp="1"/>
+          </p:cNvSpPr>
+          <p:nvPr>
+            <p:ph type="title"/>
+          </p:nvPr>
+        </p:nvSpPr>
+        <p:spPr/>
+        <p:txBody>
+          <a:bodyPr>
+            <a:normAutofit/>
+          </a:bodyPr>
+          <a:lstStyle/>
+          <a:p>
+            <a:r>
+              <a:rPr lang="en-US" sz="4400" b="1" dirty="0" smtClean="0"/>
+              <a:t>Finally</a:t>
+            </a:r>
+            <a:endParaRPr lang="en-US" sz="4400" b="1" dirty="0"/>
+          </a:p>
+        </p:txBody>
+      </p:sp>
+      <p:sp>
+        <p:nvSpPr>
+          <p:cNvPr id="3" name="Content Placeholder 2"/>
+          <p:cNvSpPr>
+            <a:spLocks noGrp="1"/>
+          </p:cNvSpPr>
+          <p:nvPr>
+            <p:ph idx="1"/>
+          </p:nvPr>
+        </p:nvSpPr>
+        <p:spPr>
+          <a:xfrm>
+            <a:off x="779463" y="1949824"/>
+            <a:ext cx="7583488" cy="4450976"/>
+          </a:xfrm>
+        </p:spPr>
+        <p:txBody>
+          <a:bodyPr>
+            <a:normAutofit lnSpcReduction="10000"/>
+          </a:bodyPr>
+          <a:lstStyle/>
+          <a:p>
+            <a:pPr>
+              <a:buFont typeface="Arial"/>
+              <a:buChar char="•"/>
+            </a:pPr>
+            <a:r>
+              <a:rPr lang="en-CA" dirty="0" smtClean="0"/>
+              <a:t>Sub-problems were solved, and now</a:t>
+            </a:r>
+            <a:r>
+              <a:rPr lang="is-IS" dirty="0" smtClean="0"/>
+              <a:t>...</a:t>
+            </a:r>
+            <a:r>
+              <a:rPr lang="is-IS" dirty="0" smtClean="0"/>
+              <a:t> ?</a:t>
+            </a:r>
+          </a:p>
+          <a:p>
+            <a:pPr>
+              <a:buFont typeface="Arial"/>
+              <a:buChar char="•"/>
+            </a:pPr>
+            <a:r>
+              <a:rPr lang="is-IS" dirty="0" smtClean="0"/>
+              <a:t>Let’s change the way we see these tables costs</a:t>
+            </a:r>
+          </a:p>
+          <a:p>
+            <a:pPr>
+              <a:buFont typeface="Arial"/>
+              <a:buChar char="•"/>
+            </a:pPr>
+            <a:endParaRPr lang="is-IS" dirty="0"/>
+          </a:p>
+          <a:p>
+            <a:pPr>
+              <a:buFont typeface="Arial"/>
+              <a:buChar char="•"/>
+            </a:pPr>
+            <a:endParaRPr lang="is-IS" dirty="0" smtClean="0"/>
+          </a:p>
+          <a:p>
+            <a:pPr>
+              <a:buFont typeface="Arial"/>
+              <a:buChar char="•"/>
+            </a:pPr>
+            <a:endParaRPr lang="is-IS" dirty="0"/>
+          </a:p>
+          <a:p>
+            <a:pPr>
+              <a:buFont typeface="Arial"/>
+              <a:buChar char="•"/>
+            </a:pPr>
+            <a:endParaRPr lang="is-IS" dirty="0" smtClean="0"/>
+          </a:p>
+          <a:p>
+            <a:pPr>
+              <a:buFont typeface="Arial"/>
+              <a:buChar char="•"/>
+            </a:pPr>
+            <a:endParaRPr lang="is-IS" dirty="0"/>
+          </a:p>
+          <a:p>
+            <a:pPr>
+              <a:buFont typeface="Arial"/>
+              <a:buChar char="•"/>
+            </a:pPr>
+            <a:r>
+              <a:rPr lang="is-IS" dirty="0" smtClean="0"/>
+              <a:t>WOW! It looks like shortest path problem!</a:t>
+            </a:r>
+          </a:p>
+        </p:txBody>
+      </p:sp>
+      <p:sp>
+        <p:nvSpPr>
+          <p:cNvPr id="4" name="Oval 3"/>
+          <p:cNvSpPr/>
+          <p:nvPr/>
+        </p:nvSpPr>
+        <p:spPr>
+          <a:xfrm>
+            <a:off x="5913120" y="3804920"/>
+            <a:ext cx="599440" cy="558800"/>
+          </a:xfrm>
+          <a:prstGeom prst="ellipse">
+            <a:avLst/>
+          </a:prstGeom>
+        </p:spPr>
+        <p:style>
+          <a:lnRef idx="1">
+            <a:schemeClr val="accent1"/>
+          </a:lnRef>
+          <a:fillRef idx="3">
+            <a:schemeClr val="accent1"/>
+          </a:fillRef>
+          <a:effectRef idx="2">
+            <a:schemeClr val="accent1"/>
+          </a:effectRef>
+          <a:fontRef idx="minor">
+            <a:schemeClr val="lt1"/>
+          </a:fontRef>
+        </p:style>
+        <p:txBody>
+          <a:bodyPr rtlCol="0" anchor="ctr"/>
+          <a:lstStyle/>
+          <a:p>
+            <a:pPr algn="ctr"/>
+            <a:endParaRPr lang="en-US"/>
+          </a:p>
+        </p:txBody>
+      </p:sp>
+      <p:sp>
+        <p:nvSpPr>
+          <p:cNvPr id="5" name="Oval 4"/>
+          <p:cNvSpPr/>
+          <p:nvPr/>
+        </p:nvSpPr>
+        <p:spPr>
+          <a:xfrm>
+            <a:off x="4236720" y="3246120"/>
+            <a:ext cx="599440" cy="558800"/>
+          </a:xfrm>
+          <a:prstGeom prst="ellipse">
+            <a:avLst/>
+          </a:prstGeom>
+        </p:spPr>
+        <p:style>
+          <a:lnRef idx="1">
+            <a:schemeClr val="accent1"/>
+          </a:lnRef>
+          <a:fillRef idx="3">
+            <a:schemeClr val="accent1"/>
+          </a:fillRef>
+          <a:effectRef idx="2">
+            <a:schemeClr val="accent1"/>
+          </a:effectRef>
+          <a:fontRef idx="minor">
+            <a:schemeClr val="lt1"/>
+          </a:fontRef>
+        </p:style>
+        <p:txBody>
+          <a:bodyPr rtlCol="0" anchor="ctr"/>
+          <a:lstStyle/>
+          <a:p>
+            <a:pPr algn="ctr"/>
+            <a:endParaRPr lang="en-US"/>
+          </a:p>
+        </p:txBody>
+      </p:sp>
+      <p:sp>
+        <p:nvSpPr>
+          <p:cNvPr id="6" name="Oval 5"/>
+          <p:cNvSpPr/>
+          <p:nvPr/>
+        </p:nvSpPr>
+        <p:spPr>
+          <a:xfrm>
+            <a:off x="4236720" y="4241800"/>
+            <a:ext cx="599440" cy="558800"/>
+          </a:xfrm>
+          <a:prstGeom prst="ellipse">
+            <a:avLst/>
+          </a:prstGeom>
+        </p:spPr>
+        <p:style>
+          <a:lnRef idx="1">
+            <a:schemeClr val="accent1"/>
+          </a:lnRef>
+          <a:fillRef idx="3">
+            <a:schemeClr val="accent1"/>
+          </a:fillRef>
+          <a:effectRef idx="2">
+            <a:schemeClr val="accent1"/>
+          </a:effectRef>
+          <a:fontRef idx="minor">
+            <a:schemeClr val="lt1"/>
+          </a:fontRef>
+        </p:style>
+        <p:txBody>
+          <a:bodyPr rtlCol="0" anchor="ctr"/>
+          <a:lstStyle/>
+          <a:p>
+            <a:pPr algn="ctr"/>
+            <a:endParaRPr lang="en-US"/>
+          </a:p>
+        </p:txBody>
+      </p:sp>
+      <p:sp>
+        <p:nvSpPr>
+          <p:cNvPr id="7" name="Oval 6"/>
+          <p:cNvSpPr/>
+          <p:nvPr/>
+        </p:nvSpPr>
+        <p:spPr>
+          <a:xfrm>
+            <a:off x="2692400" y="4788648"/>
+            <a:ext cx="599440" cy="558800"/>
+          </a:xfrm>
+          <a:prstGeom prst="ellipse">
+            <a:avLst/>
+          </a:prstGeom>
+        </p:spPr>
+        <p:style>
+          <a:lnRef idx="1">
+            <a:schemeClr val="accent1"/>
+          </a:lnRef>
+          <a:fillRef idx="3">
+            <a:schemeClr val="accent1"/>
+          </a:fillRef>
+          <a:effectRef idx="2">
+            <a:schemeClr val="accent1"/>
+          </a:effectRef>
+          <a:fontRef idx="minor">
+            <a:schemeClr val="lt1"/>
+          </a:fontRef>
+        </p:style>
+        <p:txBody>
+          <a:bodyPr rtlCol="0" anchor="ctr"/>
+          <a:lstStyle/>
+          <a:p>
+            <a:pPr algn="ctr"/>
+            <a:endParaRPr lang="en-US"/>
+          </a:p>
+        </p:txBody>
+      </p:sp>
+      <p:sp>
+        <p:nvSpPr>
+          <p:cNvPr id="8" name="Oval 7"/>
+          <p:cNvSpPr/>
+          <p:nvPr/>
+        </p:nvSpPr>
+        <p:spPr>
+          <a:xfrm>
+            <a:off x="2692400" y="3596640"/>
+            <a:ext cx="599440" cy="558800"/>
+          </a:xfrm>
+          <a:prstGeom prst="ellipse">
+            <a:avLst/>
+          </a:prstGeom>
+        </p:spPr>
+        <p:style>
+          <a:lnRef idx="1">
+            <a:schemeClr val="accent1"/>
+          </a:lnRef>
+          <a:fillRef idx="3">
+            <a:schemeClr val="accent1"/>
+          </a:fillRef>
+          <a:effectRef idx="2">
+            <a:schemeClr val="accent1"/>
+          </a:effectRef>
+          <a:fontRef idx="minor">
+            <a:schemeClr val="lt1"/>
+          </a:fontRef>
+        </p:style>
+        <p:txBody>
+          <a:bodyPr rtlCol="0" anchor="ctr"/>
+          <a:lstStyle/>
+          <a:p>
+            <a:pPr algn="ctr"/>
+            <a:endParaRPr lang="en-US"/>
+          </a:p>
+        </p:txBody>
+      </p:sp>
+      <p:sp>
+        <p:nvSpPr>
+          <p:cNvPr id="9" name="Oval 8"/>
+          <p:cNvSpPr/>
+          <p:nvPr/>
+        </p:nvSpPr>
+        <p:spPr>
+          <a:xfrm>
+            <a:off x="1287463" y="4135120"/>
+            <a:ext cx="599440" cy="558800"/>
+          </a:xfrm>
+          <a:prstGeom prst="ellipse">
+            <a:avLst/>
+          </a:prstGeom>
+        </p:spPr>
+        <p:style>
+          <a:lnRef idx="1">
+            <a:schemeClr val="accent1"/>
+          </a:lnRef>
+          <a:fillRef idx="3">
+            <a:schemeClr val="accent1"/>
+          </a:fillRef>
+          <a:effectRef idx="2">
+            <a:schemeClr val="accent1"/>
+          </a:effectRef>
+          <a:fontRef idx="minor">
+            <a:schemeClr val="lt1"/>
+          </a:fontRef>
+        </p:style>
+        <p:txBody>
+          <a:bodyPr rtlCol="0" anchor="ctr"/>
+          <a:lstStyle/>
+          <a:p>
+            <a:pPr algn="ctr"/>
+            <a:endParaRPr lang="en-US"/>
+          </a:p>
+        </p:txBody>
+      </p:sp>
+      <p:sp>
+        <p:nvSpPr>
+          <p:cNvPr id="10" name="Oval 9"/>
+          <p:cNvSpPr/>
+          <p:nvPr/>
+        </p:nvSpPr>
+        <p:spPr>
+          <a:xfrm>
+            <a:off x="4236720" y="5205208"/>
+            <a:ext cx="599440" cy="558800"/>
+          </a:xfrm>
+          <a:prstGeom prst="ellipse">
+            <a:avLst/>
+          </a:prstGeom>
+        </p:spPr>
+        <p:style>
+          <a:lnRef idx="1">
+            <a:schemeClr val="accent1"/>
+          </a:lnRef>
+          <a:fillRef idx="3">
+            <a:schemeClr val="accent1"/>
+          </a:fillRef>
+          <a:effectRef idx="2">
+            <a:schemeClr val="accent1"/>
+          </a:effectRef>
+          <a:fontRef idx="minor">
+            <a:schemeClr val="lt1"/>
+          </a:fontRef>
+        </p:style>
+        <p:txBody>
+          <a:bodyPr rtlCol="0" anchor="ctr"/>
+          <a:lstStyle/>
+          <a:p>
+            <a:pPr algn="ctr"/>
+            <a:endParaRPr lang="en-US"/>
+          </a:p>
+        </p:txBody>
+      </p:sp>
+      <p:sp>
+        <p:nvSpPr>
+          <p:cNvPr id="11" name="Oval 10"/>
+          <p:cNvSpPr/>
+          <p:nvPr/>
+        </p:nvSpPr>
+        <p:spPr>
+          <a:xfrm>
+            <a:off x="5913120" y="4890248"/>
+            <a:ext cx="599440" cy="558800"/>
+          </a:xfrm>
+          <a:prstGeom prst="ellipse">
+            <a:avLst/>
+          </a:prstGeom>
+        </p:spPr>
+        <p:style>
+          <a:lnRef idx="1">
+            <a:schemeClr val="accent1"/>
+          </a:lnRef>
+          <a:fillRef idx="3">
+            <a:schemeClr val="accent1"/>
+          </a:fillRef>
+          <a:effectRef idx="2">
+            <a:schemeClr val="accent1"/>
+          </a:effectRef>
+          <a:fontRef idx="minor">
+            <a:schemeClr val="lt1"/>
+          </a:fontRef>
+        </p:style>
+        <p:txBody>
+          <a:bodyPr rtlCol="0" anchor="ctr"/>
+          <a:lstStyle/>
+          <a:p>
+            <a:pPr algn="ctr"/>
+            <a:endParaRPr lang="en-US"/>
+          </a:p>
+        </p:txBody>
+      </p:sp>
+    </p:spTree>
+    <p:extLst>
+      <p:ext uri="{BB962C8B-B14F-4D97-AF65-F5344CB8AC3E}">
+        <p14:creationId xmlns:p14="http://schemas.microsoft.com/office/powerpoint/2010/main" val="1814646226"/>
+      </p:ext>
+    </p:extLst>
+  </p:cSld>
+  <p:clrMapOvr>
+    <a:masterClrMapping/>
+  </p:clrMapOvr>
+  <p:timing>
+    <p:tnLst>
+      <p:par>
+        <p:cTn xmlns:p14="http://schemas.microsoft.com/office/powerpoint/2010/main" id="1" dur="indefinite" restart="never" nodeType="tmRoot"/>
+      </p:par>
+    </p:tnLst>
+  </p:timing>
+</p:sld>
+</file>
+
+<file path=ppt/slides/slide13.xml><?xml version="1.0" encoding="utf-8"?>
+<p:sld xmlns:a="http://schemas.openxmlformats.org/drawingml/2006/main" xmlns:r="http://schemas.openxmlformats.org/officeDocument/2006/relationships" xmlns:p="http://schemas.openxmlformats.org/presentationml/2006/main">
+  <p:cSld>
+    <p:spTree>
+      <p:nvGrpSpPr>
+        <p:cNvPr id="1" name=""/>
+        <p:cNvGrpSpPr/>
+        <p:nvPr/>
+      </p:nvGrpSpPr>
+      <p:grpSpPr>
+        <a:xfrm>
+          <a:off x="0" y="0"/>
+          <a:ext cx="0" cy="0"/>
+          <a:chOff x="0" y="0"/>
+          <a:chExt cx="0" cy="0"/>
+        </a:xfrm>
+      </p:grpSpPr>
+      <p:sp>
+        <p:nvSpPr>
+          <p:cNvPr id="2" name="Title 1"/>
+          <p:cNvSpPr>
+            <a:spLocks noGrp="1"/>
+          </p:cNvSpPr>
+          <p:nvPr>
+            <p:ph type="title"/>
+          </p:nvPr>
+        </p:nvSpPr>
+        <p:spPr/>
+        <p:txBody>
+          <a:bodyPr>
+            <a:normAutofit/>
+          </a:bodyPr>
+          <a:lstStyle/>
+          <a:p>
+            <a:r>
+              <a:rPr lang="en-US" sz="4400" b="1" dirty="0" smtClean="0"/>
               <a:t>Thanks!</a:t>
             </a:r>
             <a:endParaRPr lang="en-US" sz="4400" b="1" dirty="0"/>
@@ -6619,7 +8773,11 @@
           <a:p>
             <a:r>
               <a:rPr lang="en-US" sz="4400" b="1" dirty="0" smtClean="0"/>
-              <a:t>Let’s solve one of them today</a:t>
+              <a:t>Let’s solve </a:t>
+            </a:r>
+            <a:r>
+              <a:rPr lang="en-US" sz="4400" b="1" dirty="0" smtClean="0"/>
+              <a:t>Inventory Planning</a:t>
             </a:r>
             <a:endParaRPr lang="en-US" sz="4400" b="1" dirty="0"/>
           </a:p>
@@ -6635,9 +8793,16 @@
             <p:ph idx="1"/>
           </p:nvPr>
         </p:nvSpPr>
-        <p:spPr/>
-        <p:txBody>
-          <a:bodyPr/>
+        <p:spPr>
+          <a:xfrm>
+            <a:off x="779463" y="1949824"/>
+            <a:ext cx="7583488" cy="4359536"/>
+          </a:xfrm>
+        </p:spPr>
+        <p:txBody>
+          <a:bodyPr>
+            <a:normAutofit/>
+          </a:bodyPr>
           <a:lstStyle/>
           <a:p>
             <a:pPr>
@@ -6645,20 +8810,9 @@
               <a:buChar char="•"/>
             </a:pPr>
             <a:r>
-              <a:rPr lang="en-US" dirty="0" err="1" smtClean="0"/>
-              <a:t>Xxxxx</a:t>
-            </a:r>
-            <a:r>
               <a:rPr lang="is-IS" dirty="0" smtClean="0"/>
-              <a:t>…</a:t>
-            </a:r>
-          </a:p>
-          <a:p>
-            <a:pPr>
-              <a:buFont typeface="Arial"/>
-              <a:buChar char="•"/>
-            </a:pPr>
-            <a:endParaRPr lang="is-IS" dirty="0"/>
+              <a:t>A B2B client creates an order for the next 4 months</a:t>
+            </a:r>
           </a:p>
           <a:p>
             <a:pPr>
@@ -6672,7 +8826,7 @@
               <a:buFont typeface="Arial"/>
               <a:buChar char="•"/>
             </a:pPr>
-            <a:endParaRPr lang="is-IS" dirty="0"/>
+            <a:endParaRPr lang="is-IS" dirty="0" smtClean="0"/>
           </a:p>
           <a:p>
             <a:pPr>
@@ -6683,56 +8837,314 @@
           </a:p>
           <a:p>
             <a:pPr>
+              <a:lnSpc>
+                <a:spcPct val="50000"/>
+              </a:lnSpc>
               <a:buFont typeface="Arial"/>
               <a:buChar char="•"/>
             </a:pPr>
-            <a:endParaRPr lang="is-IS" dirty="0"/>
+            <a:r>
+              <a:rPr lang="is-IS" sz="1400" dirty="0" smtClean="0"/>
+              <a:t>The items are delivered at the end of each month</a:t>
+            </a:r>
           </a:p>
           <a:p>
             <a:pPr>
+              <a:lnSpc>
+                <a:spcPct val="50000"/>
+              </a:lnSpc>
               <a:buFont typeface="Arial"/>
               <a:buChar char="•"/>
             </a:pPr>
             <a:r>
-              <a:rPr lang="is-IS" sz="2000" dirty="0">
-                <a:solidFill>
-                  <a:srgbClr val="FF7F01"/>
-                </a:solidFill>
-              </a:rPr>
-              <a:t>(</a:t>
-            </a:r>
-            <a:r>
-              <a:rPr lang="is-IS" sz="2000" dirty="0" smtClean="0">
-                <a:solidFill>
-                  <a:srgbClr val="FF7F01"/>
-                </a:solidFill>
-              </a:rPr>
-              <a:t>many </a:t>
-            </a:r>
-            <a:r>
-              <a:rPr lang="is-IS" sz="2000" dirty="0">
-                <a:solidFill>
-                  <a:srgbClr val="FF7F01"/>
-                </a:solidFill>
-              </a:rPr>
-              <a:t>slides to </a:t>
-            </a:r>
-            <a:r>
-              <a:rPr lang="is-IS" sz="2000" dirty="0" smtClean="0">
-                <a:solidFill>
-                  <a:srgbClr val="FF7F01"/>
-                </a:solidFill>
-              </a:rPr>
-              <a:t>explain it)</a:t>
-            </a:r>
-            <a:endParaRPr lang="en-US" sz="2000" dirty="0">
-              <a:solidFill>
-                <a:srgbClr val="FF7F01"/>
-              </a:solidFill>
-            </a:endParaRPr>
-          </a:p>
-        </p:txBody>
-      </p:sp>
+              <a:rPr lang="is-IS" sz="1400" dirty="0" smtClean="0"/>
+              <a:t>We are able to produce 400 items a month</a:t>
+            </a:r>
+          </a:p>
+          <a:p>
+            <a:pPr>
+              <a:lnSpc>
+                <a:spcPct val="50000"/>
+              </a:lnSpc>
+              <a:buFont typeface="Arial"/>
+              <a:buChar char="•"/>
+            </a:pPr>
+            <a:r>
+              <a:rPr lang="is-IS" sz="1400" dirty="0" smtClean="0"/>
+              <a:t>If we produce more than 200 items in any month, we need to hire more staff at $4000 per month</a:t>
+            </a:r>
+          </a:p>
+          <a:p>
+            <a:pPr>
+              <a:lnSpc>
+                <a:spcPct val="50000"/>
+              </a:lnSpc>
+              <a:buFont typeface="Arial"/>
+              <a:buChar char="•"/>
+            </a:pPr>
+            <a:r>
+              <a:rPr lang="is-IS" sz="1400" dirty="0" smtClean="0"/>
+              <a:t>Stock carry over from one month to another costs </a:t>
+            </a:r>
+            <a:r>
+              <a:rPr lang="is-IS" sz="1400" dirty="0"/>
+              <a:t>$500 a month</a:t>
+            </a:r>
+            <a:r>
+              <a:rPr lang="is-IS" sz="1400" dirty="0" smtClean="0"/>
+              <a:t> for each 100 items</a:t>
+            </a:r>
+          </a:p>
+          <a:p>
+            <a:pPr>
+              <a:lnSpc>
+                <a:spcPct val="50000"/>
+              </a:lnSpc>
+              <a:buFont typeface="Arial"/>
+              <a:buChar char="•"/>
+            </a:pPr>
+            <a:r>
+              <a:rPr lang="is-IS" sz="1400" dirty="0" smtClean="0"/>
+              <a:t>We have zero items in stock now and we plan to have zero items in stock at the end of December</a:t>
+            </a:r>
+          </a:p>
+          <a:p>
+            <a:pPr>
+              <a:lnSpc>
+                <a:spcPct val="50000"/>
+              </a:lnSpc>
+              <a:buFont typeface="Arial"/>
+              <a:buChar char="•"/>
+            </a:pPr>
+            <a:endParaRPr lang="is-IS" sz="1400" dirty="0" smtClean="0"/>
+          </a:p>
+          <a:p>
+            <a:pPr>
+              <a:lnSpc>
+                <a:spcPct val="50000"/>
+              </a:lnSpc>
+              <a:buFont typeface="Arial"/>
+              <a:buChar char="•"/>
+            </a:pPr>
+            <a:endParaRPr lang="is-IS" sz="1400" dirty="0" smtClean="0"/>
+          </a:p>
+          <a:p>
+            <a:pPr>
+              <a:lnSpc>
+                <a:spcPct val="50000"/>
+              </a:lnSpc>
+              <a:buFont typeface="Arial"/>
+              <a:buChar char="•"/>
+            </a:pPr>
+            <a:endParaRPr lang="is-IS" sz="1400" dirty="0" smtClean="0"/>
+          </a:p>
+          <a:p>
+            <a:pPr>
+              <a:lnSpc>
+                <a:spcPct val="50000"/>
+              </a:lnSpc>
+              <a:buFont typeface="Arial"/>
+              <a:buChar char="•"/>
+            </a:pPr>
+            <a:endParaRPr lang="is-IS" sz="1400" dirty="0"/>
+          </a:p>
+          <a:p>
+            <a:pPr>
+              <a:lnSpc>
+                <a:spcPct val="50000"/>
+              </a:lnSpc>
+              <a:buFont typeface="Arial"/>
+              <a:buChar char="•"/>
+            </a:pPr>
+            <a:endParaRPr lang="is-IS" sz="1400" dirty="0"/>
+          </a:p>
+        </p:txBody>
+      </p:sp>
+      <p:graphicFrame>
+        <p:nvGraphicFramePr>
+          <p:cNvPr id="4" name="Table 3"/>
+          <p:cNvGraphicFramePr>
+            <a:graphicFrameLocks noGrp="1"/>
+          </p:cNvGraphicFramePr>
+          <p:nvPr>
+            <p:extLst>
+              <p:ext uri="{D42A27DB-BD31-4B8C-83A1-F6EECF244321}">
+                <p14:modId xmlns:p14="http://schemas.microsoft.com/office/powerpoint/2010/main" val="1279276296"/>
+              </p:ext>
+            </p:extLst>
+          </p:nvPr>
+        </p:nvGraphicFramePr>
+        <p:xfrm>
+          <a:off x="2123440" y="2636519"/>
+          <a:ext cx="4354285" cy="1315719"/>
+        </p:xfrm>
+        <a:graphic>
+          <a:graphicData uri="http://schemas.openxmlformats.org/drawingml/2006/table">
+            <a:tbl>
+              <a:tblPr firstRow="1" bandRow="1">
+                <a:tableStyleId>{5C22544A-7EE6-4342-B048-85BDC9FD1C3A}</a:tableStyleId>
+              </a:tblPr>
+              <a:tblGrid>
+                <a:gridCol w="870857"/>
+                <a:gridCol w="870857"/>
+                <a:gridCol w="870857"/>
+                <a:gridCol w="870857"/>
+                <a:gridCol w="870857"/>
+              </a:tblGrid>
+              <a:tr h="370840">
+                <a:tc>
+                  <a:txBody>
+                    <a:bodyPr/>
+                    <a:lstStyle/>
+                    <a:p>
+                      <a:pPr algn="ctr"/>
+                      <a:endParaRPr lang="en-US" sz="1600" dirty="0"/>
+                    </a:p>
+                  </a:txBody>
+                  <a:tcPr/>
+                </a:tc>
+                <a:tc>
+                  <a:txBody>
+                    <a:bodyPr/>
+                    <a:lstStyle/>
+                    <a:p>
+                      <a:pPr algn="ctr"/>
+                      <a:r>
+                        <a:rPr lang="en-US" sz="1600" dirty="0" smtClean="0"/>
+                        <a:t>Sep</a:t>
+                      </a:r>
+                      <a:endParaRPr lang="en-US" sz="1600" dirty="0"/>
+                    </a:p>
+                  </a:txBody>
+                  <a:tcPr/>
+                </a:tc>
+                <a:tc>
+                  <a:txBody>
+                    <a:bodyPr/>
+                    <a:lstStyle/>
+                    <a:p>
+                      <a:pPr algn="ctr"/>
+                      <a:r>
+                        <a:rPr lang="en-US" sz="1600" dirty="0" smtClean="0"/>
+                        <a:t>Oct</a:t>
+                      </a:r>
+                      <a:endParaRPr lang="en-US" sz="1600" dirty="0"/>
+                    </a:p>
+                  </a:txBody>
+                  <a:tcPr/>
+                </a:tc>
+                <a:tc>
+                  <a:txBody>
+                    <a:bodyPr/>
+                    <a:lstStyle/>
+                    <a:p>
+                      <a:pPr algn="ctr"/>
+                      <a:r>
+                        <a:rPr lang="en-US" sz="1600" dirty="0" smtClean="0"/>
+                        <a:t>Nov</a:t>
+                      </a:r>
+                      <a:endParaRPr lang="en-US" sz="1600" dirty="0"/>
+                    </a:p>
+                  </a:txBody>
+                  <a:tcPr/>
+                </a:tc>
+                <a:tc>
+                  <a:txBody>
+                    <a:bodyPr/>
+                    <a:lstStyle/>
+                    <a:p>
+                      <a:pPr algn="ctr"/>
+                      <a:r>
+                        <a:rPr lang="en-US" sz="1600" dirty="0" smtClean="0"/>
+                        <a:t>Dec</a:t>
+                      </a:r>
+                      <a:endParaRPr lang="en-US" sz="1600" dirty="0"/>
+                    </a:p>
+                  </a:txBody>
+                  <a:tcPr/>
+                </a:tc>
+              </a:tr>
+              <a:tr h="370840">
+                <a:tc>
+                  <a:txBody>
+                    <a:bodyPr/>
+                    <a:lstStyle/>
+                    <a:p>
+                      <a:pPr algn="ctr"/>
+                      <a:r>
+                        <a:rPr lang="en-US" sz="1400" baseline="0" dirty="0" smtClean="0"/>
+                        <a:t>Items schedule for delivery</a:t>
+                      </a:r>
+                      <a:endParaRPr lang="en-US" sz="1400" dirty="0"/>
+                    </a:p>
+                  </a:txBody>
+                  <a:tcPr/>
+                </a:tc>
+                <a:tc>
+                  <a:txBody>
+                    <a:bodyPr/>
+                    <a:lstStyle/>
+                    <a:p>
+                      <a:pPr algn="ctr"/>
+                      <a:r>
+                        <a:rPr lang="en-US" sz="1600" dirty="0" smtClean="0"/>
+                        <a:t>100</a:t>
+                      </a:r>
+                      <a:endParaRPr lang="en-US" sz="1600" dirty="0"/>
+                    </a:p>
+                  </a:txBody>
+                  <a:tcPr anchor="ctr"/>
+                </a:tc>
+                <a:tc>
+                  <a:txBody>
+                    <a:bodyPr/>
+                    <a:lstStyle/>
+                    <a:p>
+                      <a:pPr algn="ctr"/>
+                      <a:r>
+                        <a:rPr lang="en-US" sz="1600" dirty="0" smtClean="0"/>
+                        <a:t>500</a:t>
+                      </a:r>
+                      <a:endParaRPr lang="en-US" sz="1600" dirty="0"/>
+                    </a:p>
+                  </a:txBody>
+                  <a:tcPr anchor="ctr"/>
+                </a:tc>
+                <a:tc>
+                  <a:txBody>
+                    <a:bodyPr/>
+                    <a:lstStyle/>
+                    <a:p>
+                      <a:pPr algn="ctr"/>
+                      <a:r>
+                        <a:rPr lang="en-US" sz="1600" dirty="0" smtClean="0"/>
+                        <a:t>200</a:t>
+                      </a:r>
+                      <a:endParaRPr lang="en-US" sz="1600" dirty="0"/>
+                    </a:p>
+                  </a:txBody>
+                  <a:tcPr anchor="ctr"/>
+                </a:tc>
+                <a:tc>
+                  <a:txBody>
+                    <a:bodyPr/>
+                    <a:lstStyle/>
+                    <a:p>
+                      <a:pPr algn="ctr"/>
+                      <a:r>
+                        <a:rPr lang="en-US" sz="1600" dirty="0" smtClean="0"/>
+                        <a:t>300</a:t>
+                      </a:r>
+                      <a:endParaRPr lang="en-US" sz="1600" dirty="0"/>
+                    </a:p>
+                  </a:txBody>
+                  <a:tcPr anchor="ctr"/>
+                </a:tc>
+              </a:tr>
+            </a:tbl>
+          </a:graphicData>
+        </a:graphic>
+      </p:graphicFrame>
     </p:spTree>
     <p:extLst>
       <p:ext uri="{BB962C8B-B14F-4D97-AF65-F5344CB8AC3E}">
@@ -6789,7 +9201,7 @@
           <a:p>
             <a:r>
               <a:rPr lang="en-US" sz="4400" b="1" dirty="0" smtClean="0"/>
-              <a:t>Other algorithms</a:t>
+              <a:t>First step</a:t>
             </a:r>
             <a:endParaRPr lang="en-US" sz="4400" b="1" dirty="0"/>
           </a:p>
@@ -6805,50 +9217,549 @@
             <p:ph idx="1"/>
           </p:nvPr>
         </p:nvSpPr>
-        <p:spPr/>
-        <p:txBody>
-          <a:bodyPr/>
+        <p:spPr>
+          <a:xfrm>
+            <a:off x="779463" y="1949824"/>
+            <a:ext cx="7583488" cy="4359536"/>
+          </a:xfrm>
+        </p:spPr>
+        <p:txBody>
+          <a:bodyPr>
+            <a:normAutofit/>
+          </a:bodyPr>
           <a:lstStyle/>
+          <a:p>
+            <a:pPr marL="0" indent="0">
+              <a:buNone/>
+            </a:pPr>
+            <a:endParaRPr lang="is-IS" dirty="0" smtClean="0"/>
+          </a:p>
           <a:p>
             <a:pPr>
               <a:buFont typeface="Arial"/>
               <a:buChar char="•"/>
             </a:pPr>
-            <a:r>
-              <a:rPr lang="en-US" dirty="0" smtClean="0"/>
-              <a:t>Can other algorithms solve the same problems?</a:t>
-            </a:r>
+            <a:endParaRPr lang="is-IS" dirty="0" smtClean="0"/>
           </a:p>
           <a:p>
             <a:pPr>
               <a:buFont typeface="Arial"/>
               <a:buChar char="•"/>
             </a:pPr>
-            <a:r>
-              <a:rPr lang="en-US" dirty="0" smtClean="0"/>
-              <a:t>Why use DP for these cases?</a:t>
-            </a:r>
+            <a:endParaRPr lang="is-IS" dirty="0" smtClean="0"/>
           </a:p>
           <a:p>
             <a:pPr>
+              <a:lnSpc>
+                <a:spcPct val="50000"/>
+              </a:lnSpc>
               <a:buFont typeface="Arial"/>
               <a:buChar char="•"/>
             </a:pPr>
-            <a:r>
-              <a:rPr lang="en-US" dirty="0" err="1" smtClean="0"/>
-              <a:t>Xxxxx</a:t>
-            </a:r>
-            <a:r>
-              <a:rPr lang="is-IS" dirty="0" smtClean="0"/>
-              <a:t>…</a:t>
-            </a:r>
-          </a:p>
-        </p:txBody>
-      </p:sp>
+            <a:endParaRPr lang="is-IS" sz="1400" dirty="0" smtClean="0"/>
+          </a:p>
+          <a:p>
+            <a:pPr>
+              <a:lnSpc>
+                <a:spcPct val="50000"/>
+              </a:lnSpc>
+              <a:buFont typeface="Arial"/>
+              <a:buChar char="•"/>
+            </a:pPr>
+            <a:endParaRPr lang="is-IS" sz="1400" dirty="0"/>
+          </a:p>
+          <a:p>
+            <a:pPr>
+              <a:lnSpc>
+                <a:spcPct val="50000"/>
+              </a:lnSpc>
+              <a:buFont typeface="Arial"/>
+              <a:buChar char="•"/>
+            </a:pPr>
+            <a:endParaRPr lang="is-IS" sz="1400" dirty="0"/>
+          </a:p>
+        </p:txBody>
+      </p:sp>
+      <p:graphicFrame>
+        <p:nvGraphicFramePr>
+          <p:cNvPr id="5" name="Table 4"/>
+          <p:cNvGraphicFramePr>
+            <a:graphicFrameLocks noGrp="1"/>
+          </p:cNvGraphicFramePr>
+          <p:nvPr>
+            <p:extLst>
+              <p:ext uri="{D42A27DB-BD31-4B8C-83A1-F6EECF244321}">
+                <p14:modId xmlns:p14="http://schemas.microsoft.com/office/powerpoint/2010/main" val="26649481"/>
+              </p:ext>
+            </p:extLst>
+          </p:nvPr>
+        </p:nvGraphicFramePr>
+        <p:xfrm>
+          <a:off x="779463" y="2297383"/>
+          <a:ext cx="7583490" cy="3666536"/>
+        </p:xfrm>
+        <a:graphic>
+          <a:graphicData uri="http://schemas.openxmlformats.org/drawingml/2006/table">
+            <a:tbl>
+              <a:tblPr firstRow="1" bandRow="1">
+                <a:tableStyleId>{5C22544A-7EE6-4342-B048-85BDC9FD1C3A}</a:tableStyleId>
+              </a:tblPr>
+              <a:tblGrid>
+                <a:gridCol w="1263915"/>
+                <a:gridCol w="1263915"/>
+                <a:gridCol w="1263915"/>
+                <a:gridCol w="1263915"/>
+                <a:gridCol w="1263915"/>
+                <a:gridCol w="1263915"/>
+              </a:tblGrid>
+              <a:tr h="1761504">
+                <a:tc>
+                  <a:txBody>
+                    <a:bodyPr/>
+                    <a:lstStyle/>
+                    <a:p>
+                      <a:pPr algn="ctr"/>
+                      <a:r>
+                        <a:rPr lang="en-US" sz="1400" dirty="0" smtClean="0"/>
+                        <a:t>Month</a:t>
+                      </a:r>
+                      <a:endParaRPr lang="en-US" sz="1400" dirty="0"/>
+                    </a:p>
+                  </a:txBody>
+                  <a:tcPr anchor="ctr"/>
+                </a:tc>
+                <a:tc>
+                  <a:txBody>
+                    <a:bodyPr/>
+                    <a:lstStyle/>
+                    <a:p>
+                      <a:pPr algn="ctr"/>
+                      <a:r>
+                        <a:rPr lang="en-US" sz="1400" dirty="0" smtClean="0"/>
+                        <a:t>Number</a:t>
+                      </a:r>
+                      <a:r>
+                        <a:rPr lang="en-US" sz="1400" baseline="0" dirty="0" smtClean="0"/>
+                        <a:t> of items to be delivered that month</a:t>
+                      </a:r>
+                      <a:endParaRPr lang="en-US" sz="1400" dirty="0"/>
+                    </a:p>
+                  </a:txBody>
+                  <a:tcPr anchor="ctr"/>
+                </a:tc>
+                <a:tc>
+                  <a:txBody>
+                    <a:bodyPr/>
+                    <a:lstStyle/>
+                    <a:p>
+                      <a:pPr algn="ctr"/>
+                      <a:r>
+                        <a:rPr lang="en-US" sz="1400" dirty="0" smtClean="0"/>
+                        <a:t>Number</a:t>
+                      </a:r>
+                      <a:r>
+                        <a:rPr lang="en-US" sz="1400" baseline="0" dirty="0" smtClean="0"/>
+                        <a:t> of items in stock at start of month</a:t>
+                      </a:r>
+                      <a:endParaRPr lang="en-US" sz="1400" dirty="0"/>
+                    </a:p>
+                  </a:txBody>
+                  <a:tcPr anchor="ctr"/>
+                </a:tc>
+                <a:tc>
+                  <a:txBody>
+                    <a:bodyPr/>
+                    <a:lstStyle/>
+                    <a:p>
+                      <a:pPr algn="ctr"/>
+                      <a:r>
+                        <a:rPr lang="en-US" sz="1400" dirty="0" smtClean="0"/>
+                        <a:t>Production</a:t>
+                      </a:r>
+                      <a:endParaRPr lang="en-US" sz="1400" dirty="0"/>
+                    </a:p>
+                  </a:txBody>
+                  <a:tcPr anchor="ctr"/>
+                </a:tc>
+                <a:tc>
+                  <a:txBody>
+                    <a:bodyPr/>
+                    <a:lstStyle/>
+                    <a:p>
+                      <a:pPr algn="ctr"/>
+                      <a:r>
+                        <a:rPr lang="en-US" sz="1400" dirty="0" smtClean="0"/>
+                        <a:t>Number of</a:t>
+                      </a:r>
+                      <a:r>
+                        <a:rPr lang="en-US" sz="1400" baseline="0" dirty="0" smtClean="0"/>
+                        <a:t> items in stock at end of month</a:t>
+                      </a:r>
+                      <a:endParaRPr lang="en-US" sz="1400" dirty="0"/>
+                    </a:p>
+                  </a:txBody>
+                  <a:tcPr anchor="ctr"/>
+                </a:tc>
+                <a:tc>
+                  <a:txBody>
+                    <a:bodyPr/>
+                    <a:lstStyle/>
+                    <a:p>
+                      <a:pPr algn="ctr"/>
+                      <a:r>
+                        <a:rPr lang="en-US" sz="1400" dirty="0" smtClean="0"/>
+                        <a:t>Cost</a:t>
+                      </a:r>
+                      <a:endParaRPr lang="en-US" sz="1400" dirty="0"/>
+                    </a:p>
+                  </a:txBody>
+                  <a:tcPr anchor="ctr"/>
+                </a:tc>
+              </a:tr>
+              <a:tr h="476258">
+                <a:tc rowSpan="4">
+                  <a:txBody>
+                    <a:bodyPr/>
+                    <a:lstStyle/>
+                    <a:p>
+                      <a:pPr algn="ctr"/>
+                      <a:r>
+                        <a:rPr lang="en-US" sz="1400" dirty="0" smtClean="0"/>
+                        <a:t>December</a:t>
+                      </a:r>
+                      <a:endParaRPr lang="en-US" sz="1400" dirty="0"/>
+                    </a:p>
+                  </a:txBody>
+                  <a:tcPr anchor="ctr"/>
+                </a:tc>
+                <a:tc rowSpan="4">
+                  <a:txBody>
+                    <a:bodyPr/>
+                    <a:lstStyle/>
+                    <a:p>
+                      <a:pPr algn="ctr"/>
+                      <a:r>
+                        <a:rPr lang="en-US" sz="1400" dirty="0" smtClean="0"/>
+                        <a:t>300</a:t>
+                      </a:r>
+                      <a:endParaRPr lang="en-US" sz="1400" dirty="0"/>
+                    </a:p>
+                  </a:txBody>
+                  <a:tcPr anchor="ctr"/>
+                </a:tc>
+                <a:tc>
+                  <a:txBody>
+                    <a:bodyPr/>
+                    <a:lstStyle/>
+                    <a:p>
+                      <a:pPr algn="ctr"/>
+                      <a:r>
+                        <a:rPr lang="en-US" sz="1400" dirty="0" smtClean="0"/>
+                        <a:t>0</a:t>
+                      </a:r>
+                      <a:endParaRPr lang="en-US" sz="1400" dirty="0"/>
+                    </a:p>
+                  </a:txBody>
+                  <a:tcPr anchor="ctr"/>
+                </a:tc>
+                <a:tc>
+                  <a:txBody>
+                    <a:bodyPr/>
+                    <a:lstStyle/>
+                    <a:p>
+                      <a:pPr algn="ctr"/>
+                      <a:r>
+                        <a:rPr lang="en-US" sz="1400" dirty="0" smtClean="0"/>
+                        <a:t>300</a:t>
+                      </a:r>
+                      <a:endParaRPr lang="en-US" sz="1400" dirty="0"/>
+                    </a:p>
+                  </a:txBody>
+                  <a:tcPr anchor="ctr"/>
+                </a:tc>
+                <a:tc rowSpan="4">
+                  <a:txBody>
+                    <a:bodyPr/>
+                    <a:lstStyle/>
+                    <a:p>
+                      <a:pPr algn="ctr"/>
+                      <a:r>
+                        <a:rPr lang="en-US" sz="1400" dirty="0" smtClean="0"/>
+                        <a:t>0</a:t>
+                      </a:r>
+                      <a:endParaRPr lang="en-US" sz="1400" dirty="0"/>
+                    </a:p>
+                  </a:txBody>
+                  <a:tcPr anchor="ctr"/>
+                </a:tc>
+                <a:tc>
+                  <a:txBody>
+                    <a:bodyPr/>
+                    <a:lstStyle/>
+                    <a:p>
+                      <a:pPr algn="ctr"/>
+                      <a:r>
+                        <a:rPr lang="en-US" sz="1400" dirty="0" smtClean="0"/>
+                        <a:t>= 4000</a:t>
+                      </a:r>
+                      <a:endParaRPr lang="en-US" sz="1400" dirty="0"/>
+                    </a:p>
+                  </a:txBody>
+                  <a:tcPr anchor="ctr"/>
+                </a:tc>
+              </a:tr>
+              <a:tr h="476258">
+                <a:tc vMerge="1">
+                  <a:txBody>
+                    <a:bodyPr/>
+                    <a:lstStyle/>
+                    <a:p>
+                      <a:pPr algn="ctr"/>
+                      <a:endParaRPr lang="en-US" sz="1400" dirty="0"/>
+                    </a:p>
+                  </a:txBody>
+                  <a:tcPr anchor="ctr"/>
+                </a:tc>
+                <a:tc vMerge="1">
+                  <a:txBody>
+                    <a:bodyPr/>
+                    <a:lstStyle/>
+                    <a:p>
+                      <a:pPr algn="ctr"/>
+                      <a:endParaRPr lang="en-US" sz="1400" dirty="0"/>
+                    </a:p>
+                  </a:txBody>
+                  <a:tcPr anchor="ctr"/>
+                </a:tc>
+                <a:tc>
+                  <a:txBody>
+                    <a:bodyPr/>
+                    <a:lstStyle/>
+                    <a:p>
+                      <a:pPr algn="ctr"/>
+                      <a:r>
+                        <a:rPr lang="en-US" sz="1400" dirty="0" smtClean="0"/>
+                        <a:t>100</a:t>
+                      </a:r>
+                      <a:endParaRPr lang="en-US" sz="1400" dirty="0"/>
+                    </a:p>
+                  </a:txBody>
+                  <a:tcPr anchor="ctr"/>
+                </a:tc>
+                <a:tc>
+                  <a:txBody>
+                    <a:bodyPr/>
+                    <a:lstStyle/>
+                    <a:p>
+                      <a:pPr algn="ctr"/>
+                      <a:r>
+                        <a:rPr lang="en-US" sz="1400" dirty="0" smtClean="0"/>
+                        <a:t>200</a:t>
+                      </a:r>
+                      <a:endParaRPr lang="en-US" sz="1400" dirty="0"/>
+                    </a:p>
+                  </a:txBody>
+                  <a:tcPr anchor="ctr"/>
+                </a:tc>
+                <a:tc vMerge="1">
+                  <a:txBody>
+                    <a:bodyPr/>
+                    <a:lstStyle/>
+                    <a:p>
+                      <a:pPr algn="ctr"/>
+                      <a:endParaRPr lang="en-US" sz="1400" dirty="0"/>
+                    </a:p>
+                  </a:txBody>
+                  <a:tcPr anchor="ctr"/>
+                </a:tc>
+                <a:tc>
+                  <a:txBody>
+                    <a:bodyPr/>
+                    <a:lstStyle/>
+                    <a:p>
+                      <a:pPr algn="ctr"/>
+                      <a:r>
+                        <a:rPr lang="en-US" sz="1400" dirty="0" smtClean="0"/>
+                        <a:t>500 * 1 = 500 </a:t>
+                      </a:r>
+                      <a:endParaRPr lang="en-US" sz="1400" dirty="0"/>
+                    </a:p>
+                  </a:txBody>
+                  <a:tcPr anchor="ctr"/>
+                </a:tc>
+              </a:tr>
+              <a:tr h="476258">
+                <a:tc vMerge="1">
+                  <a:txBody>
+                    <a:bodyPr/>
+                    <a:lstStyle/>
+                    <a:p>
+                      <a:pPr algn="ctr"/>
+                      <a:endParaRPr lang="en-US" sz="1400" dirty="0"/>
+                    </a:p>
+                  </a:txBody>
+                  <a:tcPr anchor="ctr"/>
+                </a:tc>
+                <a:tc vMerge="1">
+                  <a:txBody>
+                    <a:bodyPr/>
+                    <a:lstStyle/>
+                    <a:p>
+                      <a:pPr algn="ctr"/>
+                      <a:endParaRPr lang="en-US" sz="1400" dirty="0"/>
+                    </a:p>
+                  </a:txBody>
+                  <a:tcPr anchor="ctr"/>
+                </a:tc>
+                <a:tc>
+                  <a:txBody>
+                    <a:bodyPr/>
+                    <a:lstStyle/>
+                    <a:p>
+                      <a:pPr algn="ctr"/>
+                      <a:r>
+                        <a:rPr lang="en-US" sz="1400" dirty="0" smtClean="0"/>
+                        <a:t>200</a:t>
+                      </a:r>
+                      <a:endParaRPr lang="en-US" sz="1400" dirty="0"/>
+                    </a:p>
+                  </a:txBody>
+                  <a:tcPr anchor="ctr"/>
+                </a:tc>
+                <a:tc>
+                  <a:txBody>
+                    <a:bodyPr/>
+                    <a:lstStyle/>
+                    <a:p>
+                      <a:pPr algn="ctr"/>
+                      <a:r>
+                        <a:rPr lang="en-US" sz="1400" dirty="0" smtClean="0"/>
+                        <a:t>100</a:t>
+                      </a:r>
+                      <a:endParaRPr lang="en-US" sz="1400" dirty="0"/>
+                    </a:p>
+                  </a:txBody>
+                  <a:tcPr anchor="ctr"/>
+                </a:tc>
+                <a:tc vMerge="1">
+                  <a:txBody>
+                    <a:bodyPr/>
+                    <a:lstStyle/>
+                    <a:p>
+                      <a:pPr algn="ctr"/>
+                      <a:endParaRPr lang="en-US" sz="1400" dirty="0"/>
+                    </a:p>
+                  </a:txBody>
+                  <a:tcPr anchor="ctr"/>
+                </a:tc>
+                <a:tc>
+                  <a:txBody>
+                    <a:bodyPr/>
+                    <a:lstStyle/>
+                    <a:p>
+                      <a:pPr algn="ctr"/>
+                      <a:r>
+                        <a:rPr lang="en-US" sz="1400" dirty="0" smtClean="0"/>
+                        <a:t>500 * 2 = 1000</a:t>
+                      </a:r>
+                      <a:endParaRPr lang="en-US" sz="1400" dirty="0"/>
+                    </a:p>
+                  </a:txBody>
+                  <a:tcPr anchor="ctr"/>
+                </a:tc>
+              </a:tr>
+              <a:tr h="476258">
+                <a:tc vMerge="1">
+                  <a:txBody>
+                    <a:bodyPr/>
+                    <a:lstStyle/>
+                    <a:p>
+                      <a:pPr algn="ctr"/>
+                      <a:endParaRPr lang="en-US" sz="1400" dirty="0"/>
+                    </a:p>
+                  </a:txBody>
+                  <a:tcPr anchor="ctr"/>
+                </a:tc>
+                <a:tc vMerge="1">
+                  <a:txBody>
+                    <a:bodyPr/>
+                    <a:lstStyle/>
+                    <a:p>
+                      <a:pPr algn="ctr"/>
+                      <a:endParaRPr lang="en-US" sz="1400" dirty="0"/>
+                    </a:p>
+                  </a:txBody>
+                  <a:tcPr anchor="ctr"/>
+                </a:tc>
+                <a:tc>
+                  <a:txBody>
+                    <a:bodyPr/>
+                    <a:lstStyle/>
+                    <a:p>
+                      <a:pPr algn="ctr"/>
+                      <a:r>
+                        <a:rPr lang="en-US" sz="1400" dirty="0" smtClean="0"/>
+                        <a:t>300</a:t>
+                      </a:r>
+                      <a:endParaRPr lang="en-US" sz="1400" dirty="0"/>
+                    </a:p>
+                  </a:txBody>
+                  <a:tcPr anchor="ctr"/>
+                </a:tc>
+                <a:tc>
+                  <a:txBody>
+                    <a:bodyPr/>
+                    <a:lstStyle/>
+                    <a:p>
+                      <a:pPr algn="ctr"/>
+                      <a:r>
+                        <a:rPr lang="en-US" sz="1400" dirty="0" smtClean="0"/>
+                        <a:t>0</a:t>
+                      </a:r>
+                      <a:endParaRPr lang="en-US" sz="1400" dirty="0"/>
+                    </a:p>
+                  </a:txBody>
+                  <a:tcPr anchor="ctr"/>
+                </a:tc>
+                <a:tc vMerge="1">
+                  <a:txBody>
+                    <a:bodyPr/>
+                    <a:lstStyle/>
+                    <a:p>
+                      <a:pPr algn="ctr"/>
+                      <a:endParaRPr lang="en-US" sz="1400" dirty="0"/>
+                    </a:p>
+                  </a:txBody>
+                  <a:tcPr anchor="ctr"/>
+                </a:tc>
+                <a:tc>
+                  <a:txBody>
+                    <a:bodyPr/>
+                    <a:lstStyle/>
+                    <a:p>
+                      <a:pPr algn="ctr"/>
+                      <a:r>
+                        <a:rPr lang="en-US" sz="1400" dirty="0" smtClean="0"/>
+                        <a:t>500</a:t>
+                      </a:r>
+                      <a:r>
+                        <a:rPr lang="en-US" sz="1400" baseline="0" dirty="0" smtClean="0"/>
+                        <a:t> * 3 = 1500</a:t>
+                      </a:r>
+                      <a:endParaRPr lang="en-US" sz="1400" dirty="0"/>
+                    </a:p>
+                  </a:txBody>
+                  <a:tcPr anchor="ctr"/>
+                </a:tc>
+              </a:tr>
+            </a:tbl>
+          </a:graphicData>
+        </a:graphic>
+      </p:graphicFrame>
     </p:spTree>
     <p:extLst>
       <p:ext uri="{BB962C8B-B14F-4D97-AF65-F5344CB8AC3E}">
-        <p14:creationId xmlns:p14="http://schemas.microsoft.com/office/powerpoint/2010/main" val="1814646226"/>
+        <p14:creationId xmlns:p14="http://schemas.microsoft.com/office/powerpoint/2010/main" val="1695700092"/>
       </p:ext>
     </p:extLst>
   </p:cSld>

--- a/DP - Warehouse Problem.pptx
+++ b/DP - Warehouse Problem.pptx
@@ -490,7 +490,7 @@
           <a:p>
             <a:fld id="{B1115196-1C6F-4784-83AC-30756D8F10B3}" type="datetimeFigureOut">
               <a:rPr lang="en-US" smtClean="0"/>
-              <a:t>16-07-20</a:t>
+              <a:t>16-08-02</a:t>
             </a:fld>
             <a:endParaRPr lang="en-US"/>
           </a:p>
@@ -919,7 +919,7 @@
           <a:p>
             <a:fld id="{B1115196-1C6F-4784-83AC-30756D8F10B3}" type="datetimeFigureOut">
               <a:rPr lang="en-US" smtClean="0"/>
-              <a:t>16-07-20</a:t>
+              <a:t>16-08-02</a:t>
             </a:fld>
             <a:endParaRPr lang="en-US"/>
           </a:p>
@@ -1124,7 +1124,7 @@
           <a:p>
             <a:fld id="{B1115196-1C6F-4784-83AC-30756D8F10B3}" type="datetimeFigureOut">
               <a:rPr lang="en-US" smtClean="0"/>
-              <a:t>16-07-20</a:t>
+              <a:t>16-08-02</a:t>
             </a:fld>
             <a:endParaRPr lang="en-US"/>
           </a:p>
@@ -1395,7 +1395,7 @@
           <a:p>
             <a:fld id="{B1115196-1C6F-4784-83AC-30756D8F10B3}" type="datetimeFigureOut">
               <a:rPr lang="en-US" smtClean="0"/>
-              <a:t>16-07-20</a:t>
+              <a:t>16-08-02</a:t>
             </a:fld>
             <a:endParaRPr lang="en-US"/>
           </a:p>
@@ -1676,7 +1676,7 @@
           <a:p>
             <a:fld id="{B1115196-1C6F-4784-83AC-30756D8F10B3}" type="datetimeFigureOut">
               <a:rPr lang="en-US" smtClean="0"/>
-              <a:t>16-07-20</a:t>
+              <a:t>16-08-02</a:t>
             </a:fld>
             <a:endParaRPr lang="en-US"/>
           </a:p>
@@ -1911,7 +1911,7 @@
           <a:p>
             <a:fld id="{B1115196-1C6F-4784-83AC-30756D8F10B3}" type="datetimeFigureOut">
               <a:rPr lang="en-US" smtClean="0"/>
-              <a:t>16-07-20</a:t>
+              <a:t>16-08-02</a:t>
             </a:fld>
             <a:endParaRPr lang="en-US"/>
           </a:p>
@@ -2192,7 +2192,7 @@
           <a:p>
             <a:fld id="{B1115196-1C6F-4784-83AC-30756D8F10B3}" type="datetimeFigureOut">
               <a:rPr lang="en-US" smtClean="0"/>
-              <a:t>16-07-20</a:t>
+              <a:t>16-08-02</a:t>
             </a:fld>
             <a:endParaRPr lang="en-US"/>
           </a:p>
@@ -2619,7 +2619,7 @@
           <a:p>
             <a:fld id="{B1115196-1C6F-4784-83AC-30756D8F10B3}" type="datetimeFigureOut">
               <a:rPr lang="en-US" smtClean="0"/>
-              <a:t>16-07-20</a:t>
+              <a:t>16-08-02</a:t>
             </a:fld>
             <a:endParaRPr lang="en-US"/>
           </a:p>
@@ -3142,7 +3142,7 @@
           <a:p>
             <a:fld id="{B1115196-1C6F-4784-83AC-30756D8F10B3}" type="datetimeFigureOut">
               <a:rPr lang="en-US" smtClean="0"/>
-              <a:t>16-07-20</a:t>
+              <a:t>16-08-02</a:t>
             </a:fld>
             <a:endParaRPr lang="en-US"/>
           </a:p>
@@ -3504,7 +3504,7 @@
           <a:p>
             <a:fld id="{B1115196-1C6F-4784-83AC-30756D8F10B3}" type="datetimeFigureOut">
               <a:rPr lang="en-US" smtClean="0"/>
-              <a:t>16-07-20</a:t>
+              <a:t>16-08-02</a:t>
             </a:fld>
             <a:endParaRPr lang="en-US"/>
           </a:p>
@@ -4060,7 +4060,7 @@
           <a:p>
             <a:fld id="{B1115196-1C6F-4784-83AC-30756D8F10B3}" type="datetimeFigureOut">
               <a:rPr lang="en-US" smtClean="0"/>
-              <a:t>16-07-20</a:t>
+              <a:t>16-08-02</a:t>
             </a:fld>
             <a:endParaRPr lang="en-US"/>
           </a:p>
@@ -4285,7 +4285,7 @@
           <a:p>
             <a:fld id="{B1115196-1C6F-4784-83AC-30756D8F10B3}" type="datetimeFigureOut">
               <a:rPr lang="en-US" smtClean="0"/>
-              <a:t>16-07-20</a:t>
+              <a:t>16-08-02</a:t>
             </a:fld>
             <a:endParaRPr lang="en-US"/>
           </a:p>
@@ -4431,7 +4431,7 @@
           <a:p>
             <a:fld id="{B1115196-1C6F-4784-83AC-30756D8F10B3}" type="datetimeFigureOut">
               <a:rPr lang="en-US" smtClean="0"/>
-              <a:t>16-07-20</a:t>
+              <a:t>16-08-02</a:t>
             </a:fld>
             <a:endParaRPr lang="en-US"/>
           </a:p>
@@ -4896,7 +4896,7 @@
           <a:p>
             <a:fld id="{B1115196-1C6F-4784-83AC-30756D8F10B3}" type="datetimeFigureOut">
               <a:rPr lang="en-US" smtClean="0"/>
-              <a:t>16-07-20</a:t>
+              <a:t>16-08-02</a:t>
             </a:fld>
             <a:endParaRPr lang="en-US"/>
           </a:p>
@@ -5118,7 +5118,7 @@
           <a:p>
             <a:fld id="{B1115196-1C6F-4784-83AC-30756D8F10B3}" type="datetimeFigureOut">
               <a:rPr lang="en-US" smtClean="0"/>
-              <a:t>16-07-20</a:t>
+              <a:t>16-08-02</a:t>
             </a:fld>
             <a:endParaRPr lang="en-US"/>
           </a:p>
@@ -7393,15 +7393,15 @@
             </a:pPr>
             <a:r>
               <a:rPr lang="en-CA" dirty="0" smtClean="0"/>
-              <a:t>Sub-problems were solved, and now</a:t>
+              <a:t>Part of sub</a:t>
+            </a:r>
+            <a:r>
+              <a:rPr lang="en-CA" dirty="0" smtClean="0"/>
+              <a:t>-problems were solved, and now</a:t>
             </a:r>
             <a:r>
               <a:rPr lang="is-IS" dirty="0" smtClean="0"/>
-              <a:t>...</a:t>
-            </a:r>
-            <a:r>
-              <a:rPr lang="is-IS" dirty="0" smtClean="0"/>
-              <a:t> ?</a:t>
+              <a:t>... ?</a:t>
             </a:r>
           </a:p>
           <a:p>
@@ -7411,7 +7411,15 @@
             </a:pPr>
             <a:r>
               <a:rPr lang="is-IS" dirty="0" smtClean="0"/>
-              <a:t>Let’s change the way we see these tables costs</a:t>
+              <a:t>Let’s change the way we see </a:t>
+            </a:r>
+            <a:r>
+              <a:rPr lang="is-IS" dirty="0" smtClean="0"/>
+              <a:t>the table </a:t>
+            </a:r>
+            <a:r>
+              <a:rPr lang="is-IS" dirty="0" smtClean="0"/>
+              <a:t>costs</a:t>
             </a:r>
           </a:p>
           <a:p>
@@ -7463,14 +7471,14 @@
       </p:sp>
       <p:sp>
         <p:nvSpPr>
-          <p:cNvPr id="4" name="Oval 3"/>
+          <p:cNvPr id="5" name="Oval 4"/>
           <p:cNvSpPr/>
           <p:nvPr/>
         </p:nvSpPr>
         <p:spPr>
           <a:xfrm>
-            <a:off x="5913120" y="3804920"/>
-            <a:ext cx="599440" cy="558800"/>
+            <a:off x="5624537" y="3200400"/>
+            <a:ext cx="797854" cy="558800"/>
           </a:xfrm>
           <a:prstGeom prst="ellipse">
             <a:avLst/>
@@ -7495,20 +7503,24 @@
           <a:lstStyle/>
           <a:p>
             <a:pPr algn="ctr"/>
-            <a:endParaRPr lang="en-US"/>
-          </a:p>
-        </p:txBody>
-      </p:sp>
-      <p:sp>
-        <p:nvSpPr>
-          <p:cNvPr id="5" name="Oval 4"/>
+            <a:r>
+              <a:rPr lang="en-US" dirty="0" smtClean="0"/>
+              <a:t>300</a:t>
+            </a:r>
+            <a:endParaRPr lang="en-US" dirty="0"/>
+          </a:p>
+        </p:txBody>
+      </p:sp>
+      <p:sp>
+        <p:nvSpPr>
+          <p:cNvPr id="12" name="Oval 11"/>
           <p:cNvSpPr/>
           <p:nvPr/>
         </p:nvSpPr>
         <p:spPr>
           <a:xfrm>
-            <a:off x="4236720" y="3246120"/>
-            <a:ext cx="599440" cy="558800"/>
+            <a:off x="5624537" y="4145280"/>
+            <a:ext cx="797854" cy="558800"/>
           </a:xfrm>
           <a:prstGeom prst="ellipse">
             <a:avLst/>
@@ -7533,20 +7545,24 @@
           <a:lstStyle/>
           <a:p>
             <a:pPr algn="ctr"/>
-            <a:endParaRPr lang="en-US"/>
-          </a:p>
-        </p:txBody>
-      </p:sp>
-      <p:sp>
-        <p:nvSpPr>
-          <p:cNvPr id="6" name="Oval 5"/>
+            <a:r>
+              <a:rPr lang="en-US" dirty="0" smtClean="0"/>
+              <a:t>200</a:t>
+            </a:r>
+            <a:endParaRPr lang="en-US" dirty="0"/>
+          </a:p>
+        </p:txBody>
+      </p:sp>
+      <p:sp>
+        <p:nvSpPr>
+          <p:cNvPr id="13" name="Oval 12"/>
           <p:cNvSpPr/>
           <p:nvPr/>
         </p:nvSpPr>
         <p:spPr>
           <a:xfrm>
-            <a:off x="4236720" y="4241800"/>
-            <a:ext cx="599440" cy="558800"/>
+            <a:off x="5624537" y="5090160"/>
+            <a:ext cx="797854" cy="558800"/>
           </a:xfrm>
           <a:prstGeom prst="ellipse">
             <a:avLst/>
@@ -7571,20 +7587,28 @@
           <a:lstStyle/>
           <a:p>
             <a:pPr algn="ctr"/>
-            <a:endParaRPr lang="en-US"/>
-          </a:p>
-        </p:txBody>
-      </p:sp>
-      <p:sp>
-        <p:nvSpPr>
-          <p:cNvPr id="7" name="Oval 6"/>
+            <a:r>
+              <a:rPr lang="en-US" dirty="0"/>
+              <a:t>1</a:t>
+            </a:r>
+            <a:r>
+              <a:rPr lang="en-US" dirty="0" smtClean="0"/>
+              <a:t>00</a:t>
+            </a:r>
+            <a:endParaRPr lang="en-US" dirty="0"/>
+          </a:p>
+        </p:txBody>
+      </p:sp>
+      <p:sp>
+        <p:nvSpPr>
+          <p:cNvPr id="14" name="Oval 13"/>
           <p:cNvSpPr/>
           <p:nvPr/>
         </p:nvSpPr>
         <p:spPr>
           <a:xfrm>
-            <a:off x="2692400" y="4788648"/>
-            <a:ext cx="599440" cy="558800"/>
+            <a:off x="6975817" y="4175760"/>
+            <a:ext cx="797854" cy="558800"/>
           </a:xfrm>
           <a:prstGeom prst="ellipse">
             <a:avLst/>
@@ -7609,20 +7633,213 @@
           <a:lstStyle/>
           <a:p>
             <a:pPr algn="ctr"/>
-            <a:endParaRPr lang="en-US"/>
-          </a:p>
-        </p:txBody>
-      </p:sp>
-      <p:sp>
-        <p:nvSpPr>
-          <p:cNvPr id="8" name="Oval 7"/>
+            <a:r>
+              <a:rPr lang="en-US" dirty="0" smtClean="0"/>
+              <a:t>0</a:t>
+            </a:r>
+            <a:endParaRPr lang="en-US" dirty="0"/>
+          </a:p>
+        </p:txBody>
+      </p:sp>
+      <p:cxnSp>
+        <p:nvCxnSpPr>
+          <p:cNvPr id="16" name="Straight Arrow Connector 15"/>
+          <p:cNvCxnSpPr/>
+          <p:nvPr/>
+        </p:nvCxnSpPr>
+        <p:spPr>
+          <a:xfrm>
+            <a:off x="6519455" y="3627223"/>
+            <a:ext cx="535249" cy="548537"/>
+          </a:xfrm>
+          <a:prstGeom prst="straightConnector1">
+            <a:avLst/>
+          </a:prstGeom>
+          <a:ln>
+            <a:tailEnd type="arrow"/>
+          </a:ln>
+        </p:spPr>
+        <p:style>
+          <a:lnRef idx="2">
+            <a:schemeClr val="accent1"/>
+          </a:lnRef>
+          <a:fillRef idx="0">
+            <a:schemeClr val="accent1"/>
+          </a:fillRef>
+          <a:effectRef idx="1">
+            <a:schemeClr val="accent1"/>
+          </a:effectRef>
+          <a:fontRef idx="minor">
+            <a:schemeClr val="tx1"/>
+          </a:fontRef>
+        </p:style>
+      </p:cxnSp>
+      <p:cxnSp>
+        <p:nvCxnSpPr>
+          <p:cNvPr id="18" name="Straight Arrow Connector 17"/>
+          <p:cNvCxnSpPr/>
+          <p:nvPr/>
+        </p:nvCxnSpPr>
+        <p:spPr>
+          <a:xfrm>
+            <a:off x="6510106" y="4445000"/>
+            <a:ext cx="377997" cy="0"/>
+          </a:xfrm>
+          <a:prstGeom prst="straightConnector1">
+            <a:avLst/>
+          </a:prstGeom>
+          <a:ln>
+            <a:tailEnd type="arrow"/>
+          </a:ln>
+        </p:spPr>
+        <p:style>
+          <a:lnRef idx="2">
+            <a:schemeClr val="accent1"/>
+          </a:lnRef>
+          <a:fillRef idx="0">
+            <a:schemeClr val="accent1"/>
+          </a:fillRef>
+          <a:effectRef idx="1">
+            <a:schemeClr val="accent1"/>
+          </a:effectRef>
+          <a:fontRef idx="minor">
+            <a:schemeClr val="tx1"/>
+          </a:fontRef>
+        </p:style>
+      </p:cxnSp>
+      <p:cxnSp>
+        <p:nvCxnSpPr>
+          <p:cNvPr id="22" name="Straight Arrow Connector 21"/>
+          <p:cNvCxnSpPr/>
+          <p:nvPr/>
+        </p:nvCxnSpPr>
+        <p:spPr>
+          <a:xfrm flipV="1">
+            <a:off x="6519455" y="4734560"/>
+            <a:ext cx="535249" cy="624840"/>
+          </a:xfrm>
+          <a:prstGeom prst="straightConnector1">
+            <a:avLst/>
+          </a:prstGeom>
+          <a:ln>
+            <a:tailEnd type="arrow"/>
+          </a:ln>
+        </p:spPr>
+        <p:style>
+          <a:lnRef idx="2">
+            <a:schemeClr val="accent1"/>
+          </a:lnRef>
+          <a:fillRef idx="0">
+            <a:schemeClr val="accent1"/>
+          </a:fillRef>
+          <a:effectRef idx="1">
+            <a:schemeClr val="accent1"/>
+          </a:effectRef>
+          <a:fontRef idx="minor">
+            <a:schemeClr val="tx1"/>
+          </a:fontRef>
+        </p:style>
+      </p:cxnSp>
+      <p:sp>
+        <p:nvSpPr>
+          <p:cNvPr id="24" name="TextBox 23"/>
+          <p:cNvSpPr txBox="1"/>
+          <p:nvPr/>
+        </p:nvSpPr>
+        <p:spPr>
+          <a:xfrm>
+            <a:off x="6646001" y="3442557"/>
+            <a:ext cx="659631" cy="369332"/>
+          </a:xfrm>
+          <a:prstGeom prst="rect">
+            <a:avLst/>
+          </a:prstGeom>
+          <a:noFill/>
+        </p:spPr>
+        <p:txBody>
+          <a:bodyPr wrap="none" rtlCol="0">
+            <a:spAutoFit/>
+          </a:bodyPr>
+          <a:lstStyle/>
+          <a:p>
+            <a:r>
+              <a:rPr lang="en-US" dirty="0" smtClean="0"/>
+              <a:t>4000</a:t>
+            </a:r>
+            <a:endParaRPr lang="en-US" dirty="0"/>
+          </a:p>
+        </p:txBody>
+      </p:sp>
+      <p:sp>
+        <p:nvSpPr>
+          <p:cNvPr id="25" name="TextBox 24"/>
+          <p:cNvSpPr txBox="1"/>
+          <p:nvPr/>
+        </p:nvSpPr>
+        <p:spPr>
+          <a:xfrm>
+            <a:off x="6422391" y="4067294"/>
+            <a:ext cx="528097" cy="369332"/>
+          </a:xfrm>
+          <a:prstGeom prst="rect">
+            <a:avLst/>
+          </a:prstGeom>
+          <a:noFill/>
+        </p:spPr>
+        <p:txBody>
+          <a:bodyPr wrap="none" rtlCol="0">
+            <a:spAutoFit/>
+          </a:bodyPr>
+          <a:lstStyle/>
+          <a:p>
+            <a:r>
+              <a:rPr lang="en-US" dirty="0" smtClean="0"/>
+              <a:t>500</a:t>
+            </a:r>
+            <a:endParaRPr lang="en-US" dirty="0"/>
+          </a:p>
+        </p:txBody>
+      </p:sp>
+      <p:sp>
+        <p:nvSpPr>
+          <p:cNvPr id="26" name="TextBox 25"/>
+          <p:cNvSpPr txBox="1"/>
+          <p:nvPr/>
+        </p:nvSpPr>
+        <p:spPr>
+          <a:xfrm>
+            <a:off x="6661781" y="4990068"/>
+            <a:ext cx="643851" cy="369332"/>
+          </a:xfrm>
+          <a:prstGeom prst="rect">
+            <a:avLst/>
+          </a:prstGeom>
+          <a:noFill/>
+        </p:spPr>
+        <p:txBody>
+          <a:bodyPr wrap="none" rtlCol="0">
+            <a:spAutoFit/>
+          </a:bodyPr>
+          <a:lstStyle/>
+          <a:p>
+            <a:r>
+              <a:rPr lang="en-US" dirty="0" smtClean="0"/>
+              <a:t>1000</a:t>
+            </a:r>
+            <a:endParaRPr lang="en-US" dirty="0"/>
+          </a:p>
+        </p:txBody>
+      </p:sp>
+      <p:sp>
+        <p:nvSpPr>
+          <p:cNvPr id="27" name="Oval 26"/>
           <p:cNvSpPr/>
           <p:nvPr/>
         </p:nvSpPr>
         <p:spPr>
           <a:xfrm>
-            <a:off x="2692400" y="3596640"/>
-            <a:ext cx="599440" cy="558800"/>
+            <a:off x="3521417" y="3803134"/>
+            <a:ext cx="797854" cy="558800"/>
           </a:xfrm>
           <a:prstGeom prst="ellipse">
             <a:avLst/>
@@ -7647,20 +7864,24 @@
           <a:lstStyle/>
           <a:p>
             <a:pPr algn="ctr"/>
-            <a:endParaRPr lang="en-US"/>
-          </a:p>
-        </p:txBody>
-      </p:sp>
-      <p:sp>
-        <p:nvSpPr>
-          <p:cNvPr id="9" name="Oval 8"/>
+            <a:r>
+              <a:rPr lang="en-US" dirty="0" smtClean="0"/>
+              <a:t>300</a:t>
+            </a:r>
+            <a:endParaRPr lang="en-US" dirty="0"/>
+          </a:p>
+        </p:txBody>
+      </p:sp>
+      <p:sp>
+        <p:nvSpPr>
+          <p:cNvPr id="28" name="Oval 27"/>
           <p:cNvSpPr/>
           <p:nvPr/>
         </p:nvSpPr>
         <p:spPr>
           <a:xfrm>
-            <a:off x="1287463" y="4135120"/>
-            <a:ext cx="599440" cy="558800"/>
+            <a:off x="3521417" y="4531360"/>
+            <a:ext cx="797854" cy="558800"/>
           </a:xfrm>
           <a:prstGeom prst="ellipse">
             <a:avLst/>
@@ -7685,20 +7906,84 @@
           <a:lstStyle/>
           <a:p>
             <a:pPr algn="ctr"/>
-            <a:endParaRPr lang="en-US"/>
-          </a:p>
-        </p:txBody>
-      </p:sp>
-      <p:sp>
-        <p:nvSpPr>
-          <p:cNvPr id="10" name="Oval 9"/>
+            <a:r>
+              <a:rPr lang="en-US" dirty="0" smtClean="0"/>
+              <a:t>400</a:t>
+            </a:r>
+            <a:endParaRPr lang="en-US" dirty="0"/>
+          </a:p>
+        </p:txBody>
+      </p:sp>
+      <p:sp>
+        <p:nvSpPr>
+          <p:cNvPr id="33" name="TextBox 32"/>
+          <p:cNvSpPr txBox="1"/>
+          <p:nvPr/>
+        </p:nvSpPr>
+        <p:spPr>
+          <a:xfrm>
+            <a:off x="4768201" y="4653280"/>
+            <a:ext cx="659631" cy="369332"/>
+          </a:xfrm>
+          <a:prstGeom prst="rect">
+            <a:avLst/>
+          </a:prstGeom>
+          <a:noFill/>
+        </p:spPr>
+        <p:txBody>
+          <a:bodyPr wrap="none" rtlCol="0">
+            <a:spAutoFit/>
+          </a:bodyPr>
+          <a:lstStyle/>
+          <a:p>
+            <a:r>
+              <a:rPr lang="en-US" dirty="0" smtClean="0"/>
+              <a:t>4000</a:t>
+            </a:r>
+            <a:endParaRPr lang="en-US" dirty="0"/>
+          </a:p>
+        </p:txBody>
+      </p:sp>
+      <p:sp>
+        <p:nvSpPr>
+          <p:cNvPr id="34" name="TextBox 33"/>
+          <p:cNvSpPr txBox="1"/>
+          <p:nvPr/>
+        </p:nvSpPr>
+        <p:spPr>
+          <a:xfrm>
+            <a:off x="4704672" y="3772757"/>
+            <a:ext cx="647345" cy="369332"/>
+          </a:xfrm>
+          <a:prstGeom prst="rect">
+            <a:avLst/>
+          </a:prstGeom>
+          <a:noFill/>
+        </p:spPr>
+        <p:txBody>
+          <a:bodyPr wrap="none" rtlCol="0">
+            <a:spAutoFit/>
+          </a:bodyPr>
+          <a:lstStyle/>
+          <a:p>
+            <a:r>
+              <a:rPr lang="en-US" dirty="0" smtClean="0"/>
+              <a:t>4500</a:t>
+            </a:r>
+            <a:endParaRPr lang="en-US" dirty="0"/>
+          </a:p>
+        </p:txBody>
+      </p:sp>
+      <p:sp>
+        <p:nvSpPr>
+          <p:cNvPr id="35" name="Oval 34"/>
           <p:cNvSpPr/>
           <p:nvPr/>
         </p:nvSpPr>
         <p:spPr>
           <a:xfrm>
-            <a:off x="4236720" y="5205208"/>
-            <a:ext cx="599440" cy="558800"/>
+            <a:off x="3521417" y="3078583"/>
+            <a:ext cx="797854" cy="558800"/>
           </a:xfrm>
           <a:prstGeom prst="ellipse">
             <a:avLst/>
@@ -7723,20 +8008,24 @@
           <a:lstStyle/>
           <a:p>
             <a:pPr algn="ctr"/>
-            <a:endParaRPr lang="en-US"/>
-          </a:p>
-        </p:txBody>
-      </p:sp>
-      <p:sp>
-        <p:nvSpPr>
-          <p:cNvPr id="11" name="Oval 10"/>
+            <a:r>
+              <a:rPr lang="is-IS" dirty="0" smtClean="0"/>
+              <a:t>…</a:t>
+            </a:r>
+            <a:endParaRPr lang="en-US" dirty="0"/>
+          </a:p>
+        </p:txBody>
+      </p:sp>
+      <p:sp>
+        <p:nvSpPr>
+          <p:cNvPr id="38" name="Oval 37"/>
           <p:cNvSpPr/>
           <p:nvPr/>
         </p:nvSpPr>
         <p:spPr>
           <a:xfrm>
-            <a:off x="5913120" y="4890248"/>
-            <a:ext cx="599440" cy="558800"/>
+            <a:off x="1654432" y="4892040"/>
+            <a:ext cx="797854" cy="558800"/>
           </a:xfrm>
           <a:prstGeom prst="ellipse">
             <a:avLst/>
@@ -7761,10 +8050,404 @@
           <a:lstStyle/>
           <a:p>
             <a:pPr algn="ctr"/>
-            <a:endParaRPr lang="en-US"/>
-          </a:p>
-        </p:txBody>
-      </p:sp>
+            <a:r>
+              <a:rPr lang="is-IS" dirty="0" smtClean="0"/>
+              <a:t>…</a:t>
+            </a:r>
+            <a:endParaRPr lang="en-US" dirty="0"/>
+          </a:p>
+        </p:txBody>
+      </p:sp>
+      <p:sp>
+        <p:nvSpPr>
+          <p:cNvPr id="39" name="Oval 38"/>
+          <p:cNvSpPr/>
+          <p:nvPr/>
+        </p:nvSpPr>
+        <p:spPr>
+          <a:xfrm>
+            <a:off x="1654432" y="4058920"/>
+            <a:ext cx="797854" cy="558800"/>
+          </a:xfrm>
+          <a:prstGeom prst="ellipse">
+            <a:avLst/>
+          </a:prstGeom>
+        </p:spPr>
+        <p:style>
+          <a:lnRef idx="1">
+            <a:schemeClr val="accent1"/>
+          </a:lnRef>
+          <a:fillRef idx="3">
+            <a:schemeClr val="accent1"/>
+          </a:fillRef>
+          <a:effectRef idx="2">
+            <a:schemeClr val="accent1"/>
+          </a:effectRef>
+          <a:fontRef idx="minor">
+            <a:schemeClr val="lt1"/>
+          </a:fontRef>
+        </p:style>
+        <p:txBody>
+          <a:bodyPr rtlCol="0" anchor="ctr"/>
+          <a:lstStyle/>
+          <a:p>
+            <a:pPr algn="ctr"/>
+            <a:r>
+              <a:rPr lang="is-IS" dirty="0" smtClean="0"/>
+              <a:t>…</a:t>
+            </a:r>
+            <a:endParaRPr lang="en-US" dirty="0"/>
+          </a:p>
+        </p:txBody>
+      </p:sp>
+      <p:sp>
+        <p:nvSpPr>
+          <p:cNvPr id="40" name="Oval 39"/>
+          <p:cNvSpPr/>
+          <p:nvPr/>
+        </p:nvSpPr>
+        <p:spPr>
+          <a:xfrm>
+            <a:off x="1654432" y="3173317"/>
+            <a:ext cx="797854" cy="558800"/>
+          </a:xfrm>
+          <a:prstGeom prst="ellipse">
+            <a:avLst/>
+          </a:prstGeom>
+        </p:spPr>
+        <p:style>
+          <a:lnRef idx="1">
+            <a:schemeClr val="accent1"/>
+          </a:lnRef>
+          <a:fillRef idx="3">
+            <a:schemeClr val="accent1"/>
+          </a:fillRef>
+          <a:effectRef idx="2">
+            <a:schemeClr val="accent1"/>
+          </a:effectRef>
+          <a:fontRef idx="minor">
+            <a:schemeClr val="lt1"/>
+          </a:fontRef>
+        </p:style>
+        <p:txBody>
+          <a:bodyPr rtlCol="0" anchor="ctr"/>
+          <a:lstStyle/>
+          <a:p>
+            <a:pPr algn="ctr"/>
+            <a:r>
+              <a:rPr lang="is-IS" dirty="0" smtClean="0"/>
+              <a:t>…</a:t>
+            </a:r>
+            <a:endParaRPr lang="en-US" dirty="0"/>
+          </a:p>
+        </p:txBody>
+      </p:sp>
+      <p:sp>
+        <p:nvSpPr>
+          <p:cNvPr id="41" name="Oval 40"/>
+          <p:cNvSpPr/>
+          <p:nvPr/>
+        </p:nvSpPr>
+        <p:spPr>
+          <a:xfrm>
+            <a:off x="3553168" y="5264666"/>
+            <a:ext cx="797854" cy="558800"/>
+          </a:xfrm>
+          <a:prstGeom prst="ellipse">
+            <a:avLst/>
+          </a:prstGeom>
+        </p:spPr>
+        <p:style>
+          <a:lnRef idx="1">
+            <a:schemeClr val="accent1"/>
+          </a:lnRef>
+          <a:fillRef idx="3">
+            <a:schemeClr val="accent1"/>
+          </a:fillRef>
+          <a:effectRef idx="2">
+            <a:schemeClr val="accent1"/>
+          </a:effectRef>
+          <a:fontRef idx="minor">
+            <a:schemeClr val="lt1"/>
+          </a:fontRef>
+        </p:style>
+        <p:txBody>
+          <a:bodyPr rtlCol="0" anchor="ctr"/>
+          <a:lstStyle/>
+          <a:p>
+            <a:pPr algn="ctr"/>
+            <a:r>
+              <a:rPr lang="is-IS" dirty="0" smtClean="0"/>
+              <a:t>…</a:t>
+            </a:r>
+            <a:endParaRPr lang="en-US" dirty="0"/>
+          </a:p>
+        </p:txBody>
+      </p:sp>
+      <p:cxnSp>
+        <p:nvCxnSpPr>
+          <p:cNvPr id="43" name="Straight Arrow Connector 42"/>
+          <p:cNvCxnSpPr/>
+          <p:nvPr/>
+        </p:nvCxnSpPr>
+        <p:spPr>
+          <a:xfrm>
+            <a:off x="4458706" y="4111609"/>
+            <a:ext cx="1058174" cy="155591"/>
+          </a:xfrm>
+          <a:prstGeom prst="straightConnector1">
+            <a:avLst/>
+          </a:prstGeom>
+          <a:ln>
+            <a:tailEnd type="arrow"/>
+          </a:ln>
+        </p:spPr>
+        <p:style>
+          <a:lnRef idx="2">
+            <a:schemeClr val="accent1"/>
+          </a:lnRef>
+          <a:fillRef idx="0">
+            <a:schemeClr val="accent1"/>
+          </a:fillRef>
+          <a:effectRef idx="1">
+            <a:schemeClr val="accent1"/>
+          </a:effectRef>
+          <a:fontRef idx="minor">
+            <a:schemeClr val="tx1"/>
+          </a:fontRef>
+        </p:style>
+      </p:cxnSp>
+      <p:cxnSp>
+        <p:nvCxnSpPr>
+          <p:cNvPr id="45" name="Straight Arrow Connector 44"/>
+          <p:cNvCxnSpPr/>
+          <p:nvPr/>
+        </p:nvCxnSpPr>
+        <p:spPr>
+          <a:xfrm flipV="1">
+            <a:off x="4458706" y="4617720"/>
+            <a:ext cx="1165831" cy="179586"/>
+          </a:xfrm>
+          <a:prstGeom prst="straightConnector1">
+            <a:avLst/>
+          </a:prstGeom>
+          <a:ln>
+            <a:tailEnd type="arrow"/>
+          </a:ln>
+        </p:spPr>
+        <p:style>
+          <a:lnRef idx="2">
+            <a:schemeClr val="accent1"/>
+          </a:lnRef>
+          <a:fillRef idx="0">
+            <a:schemeClr val="accent1"/>
+          </a:fillRef>
+          <a:effectRef idx="1">
+            <a:schemeClr val="accent1"/>
+          </a:effectRef>
+          <a:fontRef idx="minor">
+            <a:schemeClr val="tx1"/>
+          </a:fontRef>
+        </p:style>
+      </p:cxnSp>
+      <p:cxnSp>
+        <p:nvCxnSpPr>
+          <p:cNvPr id="47" name="Straight Arrow Connector 46"/>
+          <p:cNvCxnSpPr/>
+          <p:nvPr/>
+        </p:nvCxnSpPr>
+        <p:spPr>
+          <a:xfrm>
+            <a:off x="4458706" y="3442557"/>
+            <a:ext cx="1058174" cy="72803"/>
+          </a:xfrm>
+          <a:prstGeom prst="straightConnector1">
+            <a:avLst/>
+          </a:prstGeom>
+          <a:ln>
+            <a:tailEnd type="arrow"/>
+          </a:ln>
+        </p:spPr>
+        <p:style>
+          <a:lnRef idx="2">
+            <a:schemeClr val="accent1"/>
+          </a:lnRef>
+          <a:fillRef idx="0">
+            <a:schemeClr val="accent1"/>
+          </a:fillRef>
+          <a:effectRef idx="1">
+            <a:schemeClr val="accent1"/>
+          </a:effectRef>
+          <a:fontRef idx="minor">
+            <a:schemeClr val="tx1"/>
+          </a:fontRef>
+        </p:style>
+      </p:cxnSp>
+      <p:cxnSp>
+        <p:nvCxnSpPr>
+          <p:cNvPr id="49" name="Straight Arrow Connector 48"/>
+          <p:cNvCxnSpPr/>
+          <p:nvPr/>
+        </p:nvCxnSpPr>
+        <p:spPr>
+          <a:xfrm flipV="1">
+            <a:off x="4458706" y="5450840"/>
+            <a:ext cx="1058174" cy="96520"/>
+          </a:xfrm>
+          <a:prstGeom prst="straightConnector1">
+            <a:avLst/>
+          </a:prstGeom>
+          <a:ln>
+            <a:tailEnd type="arrow"/>
+          </a:ln>
+        </p:spPr>
+        <p:style>
+          <a:lnRef idx="2">
+            <a:schemeClr val="accent1"/>
+          </a:lnRef>
+          <a:fillRef idx="0">
+            <a:schemeClr val="accent1"/>
+          </a:fillRef>
+          <a:effectRef idx="1">
+            <a:schemeClr val="accent1"/>
+          </a:effectRef>
+          <a:fontRef idx="minor">
+            <a:schemeClr val="tx1"/>
+          </a:fontRef>
+        </p:style>
+      </p:cxnSp>
+      <p:cxnSp>
+        <p:nvCxnSpPr>
+          <p:cNvPr id="51" name="Straight Arrow Connector 50"/>
+          <p:cNvCxnSpPr/>
+          <p:nvPr/>
+        </p:nvCxnSpPr>
+        <p:spPr>
+          <a:xfrm flipV="1">
+            <a:off x="2580640" y="3362960"/>
+            <a:ext cx="863600" cy="79597"/>
+          </a:xfrm>
+          <a:prstGeom prst="straightConnector1">
+            <a:avLst/>
+          </a:prstGeom>
+          <a:ln>
+            <a:tailEnd type="arrow"/>
+          </a:ln>
+        </p:spPr>
+        <p:style>
+          <a:lnRef idx="2">
+            <a:schemeClr val="accent1"/>
+          </a:lnRef>
+          <a:fillRef idx="0">
+            <a:schemeClr val="accent1"/>
+          </a:fillRef>
+          <a:effectRef idx="1">
+            <a:schemeClr val="accent1"/>
+          </a:effectRef>
+          <a:fontRef idx="minor">
+            <a:schemeClr val="tx1"/>
+          </a:fontRef>
+        </p:style>
+      </p:cxnSp>
+      <p:cxnSp>
+        <p:nvCxnSpPr>
+          <p:cNvPr id="55" name="Straight Arrow Connector 54"/>
+          <p:cNvCxnSpPr/>
+          <p:nvPr/>
+        </p:nvCxnSpPr>
+        <p:spPr>
+          <a:xfrm flipV="1">
+            <a:off x="2580640" y="4145280"/>
+            <a:ext cx="863600" cy="216654"/>
+          </a:xfrm>
+          <a:prstGeom prst="straightConnector1">
+            <a:avLst/>
+          </a:prstGeom>
+          <a:ln>
+            <a:tailEnd type="arrow"/>
+          </a:ln>
+        </p:spPr>
+        <p:style>
+          <a:lnRef idx="2">
+            <a:schemeClr val="accent1"/>
+          </a:lnRef>
+          <a:fillRef idx="0">
+            <a:schemeClr val="accent1"/>
+          </a:fillRef>
+          <a:effectRef idx="1">
+            <a:schemeClr val="accent1"/>
+          </a:effectRef>
+          <a:fontRef idx="minor">
+            <a:schemeClr val="tx1"/>
+          </a:fontRef>
+        </p:style>
+      </p:cxnSp>
+      <p:cxnSp>
+        <p:nvCxnSpPr>
+          <p:cNvPr id="57" name="Straight Arrow Connector 56"/>
+          <p:cNvCxnSpPr/>
+          <p:nvPr/>
+        </p:nvCxnSpPr>
+        <p:spPr>
+          <a:xfrm flipV="1">
+            <a:off x="2580640" y="4892040"/>
+            <a:ext cx="863600" cy="198120"/>
+          </a:xfrm>
+          <a:prstGeom prst="straightConnector1">
+            <a:avLst/>
+          </a:prstGeom>
+          <a:ln>
+            <a:tailEnd type="arrow"/>
+          </a:ln>
+        </p:spPr>
+        <p:style>
+          <a:lnRef idx="2">
+            <a:schemeClr val="accent1"/>
+          </a:lnRef>
+          <a:fillRef idx="0">
+            <a:schemeClr val="accent1"/>
+          </a:fillRef>
+          <a:effectRef idx="1">
+            <a:schemeClr val="accent1"/>
+          </a:effectRef>
+          <a:fontRef idx="minor">
+            <a:schemeClr val="tx1"/>
+          </a:fontRef>
+        </p:style>
+      </p:cxnSp>
+      <p:cxnSp>
+        <p:nvCxnSpPr>
+          <p:cNvPr id="66" name="Straight Arrow Connector 65"/>
+          <p:cNvCxnSpPr/>
+          <p:nvPr/>
+        </p:nvCxnSpPr>
+        <p:spPr>
+          <a:xfrm>
+            <a:off x="2580640" y="5359400"/>
+            <a:ext cx="863600" cy="187960"/>
+          </a:xfrm>
+          <a:prstGeom prst="straightConnector1">
+            <a:avLst/>
+          </a:prstGeom>
+          <a:ln>
+            <a:tailEnd type="arrow"/>
+          </a:ln>
+        </p:spPr>
+        <p:style>
+          <a:lnRef idx="2">
+            <a:schemeClr val="accent1"/>
+          </a:lnRef>
+          <a:fillRef idx="0">
+            <a:schemeClr val="accent1"/>
+          </a:fillRef>
+          <a:effectRef idx="1">
+            <a:schemeClr val="accent1"/>
+          </a:effectRef>
+          <a:fontRef idx="minor">
+            <a:schemeClr val="tx1"/>
+          </a:fontRef>
+        </p:style>
+      </p:cxnSp>
     </p:spTree>
     <p:extLst>
       <p:ext uri="{BB962C8B-B14F-4D97-AF65-F5344CB8AC3E}">
@@ -8773,11 +9456,7 @@
           <a:p>
             <a:r>
               <a:rPr lang="en-US" sz="4400" b="1" dirty="0" smtClean="0"/>
-              <a:t>Let’s solve </a:t>
-            </a:r>
-            <a:r>
-              <a:rPr lang="en-US" sz="4400" b="1" dirty="0" smtClean="0"/>
-              <a:t>Inventory Planning</a:t>
+              <a:t>Let’s solve Inventory Planning</a:t>
             </a:r>
             <a:endParaRPr lang="en-US" sz="4400" b="1" dirty="0"/>
           </a:p>

--- a/DP - Warehouse Problem.pptx
+++ b/DP - Warehouse Problem.pptx
@@ -15,9 +15,8 @@
     <p:sldId id="263" r:id="rId9"/>
     <p:sldId id="266" r:id="rId10"/>
     <p:sldId id="267" r:id="rId11"/>
-    <p:sldId id="268" r:id="rId12"/>
-    <p:sldId id="264" r:id="rId13"/>
-    <p:sldId id="265" r:id="rId14"/>
+    <p:sldId id="264" r:id="rId12"/>
+    <p:sldId id="265" r:id="rId13"/>
   </p:sldIdLst>
   <p:sldSz cx="9144000" cy="6858000" type="screen4x3"/>
   <p:notesSz cx="6858000" cy="9144000"/>
@@ -490,7 +489,7 @@
           <a:p>
             <a:fld id="{B1115196-1C6F-4784-83AC-30756D8F10B3}" type="datetimeFigureOut">
               <a:rPr lang="en-US" smtClean="0"/>
-              <a:t>16-08-02</a:t>
+              <a:t>16-09-10</a:t>
             </a:fld>
             <a:endParaRPr lang="en-US"/>
           </a:p>
@@ -919,7 +918,7 @@
           <a:p>
             <a:fld id="{B1115196-1C6F-4784-83AC-30756D8F10B3}" type="datetimeFigureOut">
               <a:rPr lang="en-US" smtClean="0"/>
-              <a:t>16-08-02</a:t>
+              <a:t>16-09-10</a:t>
             </a:fld>
             <a:endParaRPr lang="en-US"/>
           </a:p>
@@ -1124,7 +1123,7 @@
           <a:p>
             <a:fld id="{B1115196-1C6F-4784-83AC-30756D8F10B3}" type="datetimeFigureOut">
               <a:rPr lang="en-US" smtClean="0"/>
-              <a:t>16-08-02</a:t>
+              <a:t>16-09-10</a:t>
             </a:fld>
             <a:endParaRPr lang="en-US"/>
           </a:p>
@@ -1395,7 +1394,7 @@
           <a:p>
             <a:fld id="{B1115196-1C6F-4784-83AC-30756D8F10B3}" type="datetimeFigureOut">
               <a:rPr lang="en-US" smtClean="0"/>
-              <a:t>16-08-02</a:t>
+              <a:t>16-09-10</a:t>
             </a:fld>
             <a:endParaRPr lang="en-US"/>
           </a:p>
@@ -1676,7 +1675,7 @@
           <a:p>
             <a:fld id="{B1115196-1C6F-4784-83AC-30756D8F10B3}" type="datetimeFigureOut">
               <a:rPr lang="en-US" smtClean="0"/>
-              <a:t>16-08-02</a:t>
+              <a:t>16-09-10</a:t>
             </a:fld>
             <a:endParaRPr lang="en-US"/>
           </a:p>
@@ -1911,7 +1910,7 @@
           <a:p>
             <a:fld id="{B1115196-1C6F-4784-83AC-30756D8F10B3}" type="datetimeFigureOut">
               <a:rPr lang="en-US" smtClean="0"/>
-              <a:t>16-08-02</a:t>
+              <a:t>16-09-10</a:t>
             </a:fld>
             <a:endParaRPr lang="en-US"/>
           </a:p>
@@ -2192,7 +2191,7 @@
           <a:p>
             <a:fld id="{B1115196-1C6F-4784-83AC-30756D8F10B3}" type="datetimeFigureOut">
               <a:rPr lang="en-US" smtClean="0"/>
-              <a:t>16-08-02</a:t>
+              <a:t>16-09-10</a:t>
             </a:fld>
             <a:endParaRPr lang="en-US"/>
           </a:p>
@@ -2619,7 +2618,7 @@
           <a:p>
             <a:fld id="{B1115196-1C6F-4784-83AC-30756D8F10B3}" type="datetimeFigureOut">
               <a:rPr lang="en-US" smtClean="0"/>
-              <a:t>16-08-02</a:t>
+              <a:t>16-09-10</a:t>
             </a:fld>
             <a:endParaRPr lang="en-US"/>
           </a:p>
@@ -3142,7 +3141,7 @@
           <a:p>
             <a:fld id="{B1115196-1C6F-4784-83AC-30756D8F10B3}" type="datetimeFigureOut">
               <a:rPr lang="en-US" smtClean="0"/>
-              <a:t>16-08-02</a:t>
+              <a:t>16-09-10</a:t>
             </a:fld>
             <a:endParaRPr lang="en-US"/>
           </a:p>
@@ -3504,7 +3503,7 @@
           <a:p>
             <a:fld id="{B1115196-1C6F-4784-83AC-30756D8F10B3}" type="datetimeFigureOut">
               <a:rPr lang="en-US" smtClean="0"/>
-              <a:t>16-08-02</a:t>
+              <a:t>16-09-10</a:t>
             </a:fld>
             <a:endParaRPr lang="en-US"/>
           </a:p>
@@ -4060,7 +4059,7 @@
           <a:p>
             <a:fld id="{B1115196-1C6F-4784-83AC-30756D8F10B3}" type="datetimeFigureOut">
               <a:rPr lang="en-US" smtClean="0"/>
-              <a:t>16-08-02</a:t>
+              <a:t>16-09-10</a:t>
             </a:fld>
             <a:endParaRPr lang="en-US"/>
           </a:p>
@@ -4285,7 +4284,7 @@
           <a:p>
             <a:fld id="{B1115196-1C6F-4784-83AC-30756D8F10B3}" type="datetimeFigureOut">
               <a:rPr lang="en-US" smtClean="0"/>
-              <a:t>16-08-02</a:t>
+              <a:t>16-09-10</a:t>
             </a:fld>
             <a:endParaRPr lang="en-US"/>
           </a:p>
@@ -4431,7 +4430,7 @@
           <a:p>
             <a:fld id="{B1115196-1C6F-4784-83AC-30756D8F10B3}" type="datetimeFigureOut">
               <a:rPr lang="en-US" smtClean="0"/>
-              <a:t>16-08-02</a:t>
+              <a:t>16-09-10</a:t>
             </a:fld>
             <a:endParaRPr lang="en-US"/>
           </a:p>
@@ -4896,7 +4895,7 @@
           <a:p>
             <a:fld id="{B1115196-1C6F-4784-83AC-30756D8F10B3}" type="datetimeFigureOut">
               <a:rPr lang="en-US" smtClean="0"/>
-              <a:t>16-08-02</a:t>
+              <a:t>16-09-10</a:t>
             </a:fld>
             <a:endParaRPr lang="en-US"/>
           </a:p>
@@ -5118,7 +5117,7 @@
           <a:p>
             <a:fld id="{B1115196-1C6F-4784-83AC-30756D8F10B3}" type="datetimeFigureOut">
               <a:rPr lang="en-US" smtClean="0"/>
-              <a:t>16-08-02</a:t>
+              <a:t>16-09-10</a:t>
             </a:fld>
             <a:endParaRPr lang="en-US"/>
           </a:p>
@@ -6552,7 +6551,7 @@
           <a:p>
             <a:r>
               <a:rPr lang="en-US" sz="4400" b="1" dirty="0" smtClean="0"/>
-              <a:t>Third and forth steps</a:t>
+              <a:t>Finally</a:t>
             </a:r>
             <a:endParaRPr lang="en-US" sz="4400" b="1" dirty="0"/>
           </a:p>
@@ -6571,7 +6570,7 @@
         <p:spPr>
           <a:xfrm>
             <a:off x="779463" y="1949824"/>
-            <a:ext cx="7583488" cy="4359536"/>
+            <a:ext cx="7583488" cy="4450976"/>
           </a:xfrm>
         </p:spPr>
         <p:txBody>
@@ -6580,892 +6579,34 @@
           </a:bodyPr>
           <a:lstStyle/>
           <a:p>
-            <a:pPr marL="0" indent="0">
-              <a:buNone/>
-            </a:pPr>
-            <a:endParaRPr lang="is-IS" dirty="0" smtClean="0"/>
-          </a:p>
-          <a:p>
             <a:pPr>
               <a:buFont typeface="Arial"/>
               <a:buChar char="•"/>
             </a:pPr>
-            <a:endParaRPr lang="is-IS" dirty="0" smtClean="0"/>
+            <a:r>
+              <a:rPr lang="en-CA" dirty="0" smtClean="0"/>
+              <a:t>Part of sub-problems were solved, and now</a:t>
+            </a:r>
+            <a:r>
+              <a:rPr lang="is-IS" dirty="0" smtClean="0"/>
+              <a:t>... ?</a:t>
+            </a:r>
           </a:p>
           <a:p>
             <a:pPr>
               <a:buFont typeface="Arial"/>
               <a:buChar char="•"/>
             </a:pPr>
-            <a:endParaRPr lang="is-IS" dirty="0" smtClean="0"/>
-          </a:p>
-          <a:p>
-            <a:pPr>
-              <a:lnSpc>
-                <a:spcPct val="50000"/>
-              </a:lnSpc>
-              <a:buFont typeface="Arial"/>
-              <a:buChar char="•"/>
-            </a:pPr>
-            <a:endParaRPr lang="is-IS" sz="1400" dirty="0" smtClean="0"/>
-          </a:p>
-          <a:p>
-            <a:pPr>
-              <a:lnSpc>
-                <a:spcPct val="50000"/>
-              </a:lnSpc>
-              <a:buFont typeface="Arial"/>
-              <a:buChar char="•"/>
-            </a:pPr>
-            <a:endParaRPr lang="is-IS" sz="1400" dirty="0"/>
-          </a:p>
-          <a:p>
-            <a:pPr>
-              <a:lnSpc>
-                <a:spcPct val="50000"/>
-              </a:lnSpc>
-              <a:buFont typeface="Arial"/>
-              <a:buChar char="•"/>
-            </a:pPr>
-            <a:endParaRPr lang="is-IS" sz="1400" dirty="0"/>
-          </a:p>
-        </p:txBody>
-      </p:sp>
-      <p:graphicFrame>
-        <p:nvGraphicFramePr>
-          <p:cNvPr id="5" name="Table 4"/>
-          <p:cNvGraphicFramePr>
-            <a:graphicFrameLocks noGrp="1"/>
-          </p:cNvGraphicFramePr>
-          <p:nvPr>
-            <p:extLst>
-              <p:ext uri="{D42A27DB-BD31-4B8C-83A1-F6EECF244321}">
-                <p14:modId xmlns:p14="http://schemas.microsoft.com/office/powerpoint/2010/main" val="2528470050"/>
-              </p:ext>
-            </p:extLst>
-          </p:nvPr>
-        </p:nvGraphicFramePr>
-        <p:xfrm>
-          <a:off x="779463" y="2012007"/>
-          <a:ext cx="7583490" cy="4358743"/>
-        </p:xfrm>
-        <a:graphic>
-          <a:graphicData uri="http://schemas.openxmlformats.org/drawingml/2006/table">
-            <a:tbl>
-              <a:tblPr firstRow="1" bandRow="1">
-                <a:tableStyleId>{5C22544A-7EE6-4342-B048-85BDC9FD1C3A}</a:tableStyleId>
-              </a:tblPr>
-              <a:tblGrid>
-                <a:gridCol w="1263915"/>
-                <a:gridCol w="1263915"/>
-                <a:gridCol w="1263915"/>
-                <a:gridCol w="1263915"/>
-                <a:gridCol w="1263915"/>
-                <a:gridCol w="1263915"/>
-              </a:tblGrid>
-              <a:tr h="1024937">
-                <a:tc>
-                  <a:txBody>
-                    <a:bodyPr/>
-                    <a:lstStyle/>
-                    <a:p>
-                      <a:pPr algn="ctr"/>
-                      <a:r>
-                        <a:rPr lang="en-US" sz="1400" dirty="0" smtClean="0"/>
-                        <a:t>Month</a:t>
-                      </a:r>
-                      <a:endParaRPr lang="en-US" sz="1400" dirty="0"/>
-                    </a:p>
-                  </a:txBody>
-                  <a:tcPr anchor="ctr"/>
-                </a:tc>
-                <a:tc>
-                  <a:txBody>
-                    <a:bodyPr/>
-                    <a:lstStyle/>
-                    <a:p>
-                      <a:pPr algn="ctr"/>
-                      <a:r>
-                        <a:rPr lang="en-US" sz="1400" dirty="0" smtClean="0"/>
-                        <a:t>Number</a:t>
-                      </a:r>
-                      <a:r>
-                        <a:rPr lang="en-US" sz="1400" baseline="0" dirty="0" smtClean="0"/>
-                        <a:t> of items to be delivered that month</a:t>
-                      </a:r>
-                      <a:endParaRPr lang="en-US" sz="1400" dirty="0"/>
-                    </a:p>
-                  </a:txBody>
-                  <a:tcPr anchor="ctr"/>
-                </a:tc>
-                <a:tc>
-                  <a:txBody>
-                    <a:bodyPr/>
-                    <a:lstStyle/>
-                    <a:p>
-                      <a:pPr algn="ctr"/>
-                      <a:r>
-                        <a:rPr lang="en-US" sz="1400" dirty="0" smtClean="0"/>
-                        <a:t>Number</a:t>
-                      </a:r>
-                      <a:r>
-                        <a:rPr lang="en-US" sz="1400" baseline="0" dirty="0" smtClean="0"/>
-                        <a:t> of items in stock at start of month</a:t>
-                      </a:r>
-                      <a:endParaRPr lang="en-US" sz="1400" dirty="0"/>
-                    </a:p>
-                  </a:txBody>
-                  <a:tcPr anchor="ctr"/>
-                </a:tc>
-                <a:tc>
-                  <a:txBody>
-                    <a:bodyPr/>
-                    <a:lstStyle/>
-                    <a:p>
-                      <a:pPr algn="ctr"/>
-                      <a:r>
-                        <a:rPr lang="en-US" sz="1400" dirty="0" smtClean="0"/>
-                        <a:t>Production</a:t>
-                      </a:r>
-                      <a:endParaRPr lang="en-US" sz="1400" dirty="0"/>
-                    </a:p>
-                  </a:txBody>
-                  <a:tcPr anchor="ctr"/>
-                </a:tc>
-                <a:tc>
-                  <a:txBody>
-                    <a:bodyPr/>
-                    <a:lstStyle/>
-                    <a:p>
-                      <a:pPr algn="ctr"/>
-                      <a:r>
-                        <a:rPr lang="en-US" sz="1400" dirty="0" smtClean="0"/>
-                        <a:t>Number of</a:t>
-                      </a:r>
-                      <a:r>
-                        <a:rPr lang="en-US" sz="1400" baseline="0" dirty="0" smtClean="0"/>
-                        <a:t> items in stock at end of month</a:t>
-                      </a:r>
-                      <a:endParaRPr lang="en-US" sz="1400" dirty="0"/>
-                    </a:p>
-                  </a:txBody>
-                  <a:tcPr anchor="ctr"/>
-                </a:tc>
-                <a:tc>
-                  <a:txBody>
-                    <a:bodyPr/>
-                    <a:lstStyle/>
-                    <a:p>
-                      <a:pPr algn="ctr"/>
-                      <a:r>
-                        <a:rPr lang="en-US" sz="1400" dirty="0" smtClean="0"/>
-                        <a:t>Cost</a:t>
-                      </a:r>
-                      <a:endParaRPr lang="en-US" sz="1400" dirty="0"/>
-                    </a:p>
-                  </a:txBody>
-                  <a:tcPr anchor="ctr"/>
-                </a:tc>
-              </a:tr>
-              <a:tr h="476258">
-                <a:tc rowSpan="4">
-                  <a:txBody>
-                    <a:bodyPr/>
-                    <a:lstStyle/>
-                    <a:p>
-                      <a:pPr algn="ctr"/>
-                      <a:r>
-                        <a:rPr lang="en-US" sz="1400" dirty="0" smtClean="0"/>
-                        <a:t>October</a:t>
-                      </a:r>
-                      <a:endParaRPr lang="en-US" sz="1400" dirty="0"/>
-                    </a:p>
-                  </a:txBody>
-                  <a:tcPr anchor="ctr"/>
-                </a:tc>
-                <a:tc rowSpan="4">
-                  <a:txBody>
-                    <a:bodyPr/>
-                    <a:lstStyle/>
-                    <a:p>
-                      <a:pPr algn="ctr"/>
-                      <a:r>
-                        <a:rPr lang="en-US" sz="1400" dirty="0" smtClean="0"/>
-                        <a:t>500</a:t>
-                      </a:r>
-                      <a:endParaRPr lang="en-US" sz="1400" dirty="0"/>
-                    </a:p>
-                  </a:txBody>
-                  <a:tcPr anchor="ctr"/>
-                </a:tc>
-                <a:tc>
-                  <a:txBody>
-                    <a:bodyPr/>
-                    <a:lstStyle/>
-                    <a:p>
-                      <a:endParaRPr lang="en-US" dirty="0"/>
-                    </a:p>
-                  </a:txBody>
-                  <a:tcPr anchor="ctr"/>
-                </a:tc>
-                <a:tc>
-                  <a:txBody>
-                    <a:bodyPr/>
-                    <a:lstStyle/>
-                    <a:p>
-                      <a:endParaRPr lang="en-US"/>
-                    </a:p>
-                  </a:txBody>
-                  <a:tcPr anchor="ctr"/>
-                </a:tc>
-                <a:tc>
-                  <a:txBody>
-                    <a:bodyPr/>
-                    <a:lstStyle/>
-                    <a:p>
-                      <a:endParaRPr lang="en-US"/>
-                    </a:p>
-                  </a:txBody>
-                  <a:tcPr anchor="ctr"/>
-                </a:tc>
-                <a:tc>
-                  <a:txBody>
-                    <a:bodyPr/>
-                    <a:lstStyle/>
-                    <a:p>
-                      <a:endParaRPr lang="en-US"/>
-                    </a:p>
-                  </a:txBody>
-                  <a:tcPr anchor="ctr"/>
-                </a:tc>
-              </a:tr>
-              <a:tr h="476258">
-                <a:tc vMerge="1">
-                  <a:txBody>
-                    <a:bodyPr/>
-                    <a:lstStyle/>
-                    <a:p>
-                      <a:pPr algn="ctr"/>
-                      <a:endParaRPr lang="en-US" sz="1400" dirty="0"/>
-                    </a:p>
-                  </a:txBody>
-                  <a:tcPr anchor="ctr"/>
-                </a:tc>
-                <a:tc vMerge="1">
-                  <a:txBody>
-                    <a:bodyPr/>
-                    <a:lstStyle/>
-                    <a:p>
-                      <a:pPr algn="ctr"/>
-                      <a:endParaRPr lang="en-US" sz="1400" dirty="0"/>
-                    </a:p>
-                  </a:txBody>
-                  <a:tcPr anchor="ctr"/>
-                </a:tc>
-                <a:tc>
-                  <a:txBody>
-                    <a:bodyPr/>
-                    <a:lstStyle/>
-                    <a:p>
-                      <a:endParaRPr lang="en-US"/>
-                    </a:p>
-                  </a:txBody>
-                  <a:tcPr anchor="ctr"/>
-                </a:tc>
-                <a:tc>
-                  <a:txBody>
-                    <a:bodyPr/>
-                    <a:lstStyle/>
-                    <a:p>
-                      <a:endParaRPr lang="en-US"/>
-                    </a:p>
-                  </a:txBody>
-                  <a:tcPr anchor="ctr"/>
-                </a:tc>
-                <a:tc>
-                  <a:txBody>
-                    <a:bodyPr/>
-                    <a:lstStyle/>
-                    <a:p>
-                      <a:endParaRPr lang="en-US"/>
-                    </a:p>
-                  </a:txBody>
-                  <a:tcPr anchor="ctr"/>
-                </a:tc>
-                <a:tc>
-                  <a:txBody>
-                    <a:bodyPr/>
-                    <a:lstStyle/>
-                    <a:p>
-                      <a:endParaRPr lang="en-US"/>
-                    </a:p>
-                  </a:txBody>
-                  <a:tcPr anchor="ctr"/>
-                </a:tc>
-              </a:tr>
-              <a:tr h="476258">
-                <a:tc vMerge="1">
-                  <a:txBody>
-                    <a:bodyPr/>
-                    <a:lstStyle/>
-                    <a:p>
-                      <a:pPr algn="ctr"/>
-                      <a:endParaRPr lang="en-US" sz="1400" dirty="0"/>
-                    </a:p>
-                  </a:txBody>
-                  <a:tcPr anchor="ctr"/>
-                </a:tc>
-                <a:tc vMerge="1">
-                  <a:txBody>
-                    <a:bodyPr/>
-                    <a:lstStyle/>
-                    <a:p>
-                      <a:pPr algn="ctr"/>
-                      <a:endParaRPr lang="en-US" sz="1400" dirty="0"/>
-                    </a:p>
-                  </a:txBody>
-                  <a:tcPr anchor="ctr"/>
-                </a:tc>
-                <a:tc>
-                  <a:txBody>
-                    <a:bodyPr/>
-                    <a:lstStyle/>
-                    <a:p>
-                      <a:endParaRPr lang="en-US"/>
-                    </a:p>
-                  </a:txBody>
-                  <a:tcPr anchor="ctr"/>
-                </a:tc>
-                <a:tc>
-                  <a:txBody>
-                    <a:bodyPr/>
-                    <a:lstStyle/>
-                    <a:p>
-                      <a:endParaRPr lang="en-US"/>
-                    </a:p>
-                  </a:txBody>
-                  <a:tcPr anchor="ctr"/>
-                </a:tc>
-                <a:tc>
-                  <a:txBody>
-                    <a:bodyPr/>
-                    <a:lstStyle/>
-                    <a:p>
-                      <a:endParaRPr lang="en-US"/>
-                    </a:p>
-                  </a:txBody>
-                  <a:tcPr anchor="ctr"/>
-                </a:tc>
-                <a:tc>
-                  <a:txBody>
-                    <a:bodyPr/>
-                    <a:lstStyle/>
-                    <a:p>
-                      <a:endParaRPr lang="en-US"/>
-                    </a:p>
-                  </a:txBody>
-                  <a:tcPr anchor="ctr"/>
-                </a:tc>
-              </a:tr>
-              <a:tr h="280031">
-                <a:tc vMerge="1">
-                  <a:txBody>
-                    <a:bodyPr/>
-                    <a:lstStyle/>
-                    <a:p>
-                      <a:pPr algn="ctr"/>
-                      <a:endParaRPr lang="en-US" sz="1400" dirty="0"/>
-                    </a:p>
-                  </a:txBody>
-                  <a:tcPr anchor="ctr"/>
-                </a:tc>
-                <a:tc vMerge="1">
-                  <a:txBody>
-                    <a:bodyPr/>
-                    <a:lstStyle/>
-                    <a:p>
-                      <a:pPr algn="ctr"/>
-                      <a:endParaRPr lang="en-US" sz="1400" dirty="0"/>
-                    </a:p>
-                  </a:txBody>
-                  <a:tcPr anchor="ctr"/>
-                </a:tc>
-                <a:tc rowSpan="2">
-                  <a:txBody>
-                    <a:bodyPr/>
-                    <a:lstStyle/>
-                    <a:p>
-                      <a:r>
-                        <a:rPr lang="is-IS" dirty="0" smtClean="0"/>
-                        <a:t>…</a:t>
-                      </a:r>
-                      <a:endParaRPr lang="en-US" dirty="0"/>
-                    </a:p>
-                  </a:txBody>
-                  <a:tcPr anchor="ctr"/>
-                </a:tc>
-                <a:tc rowSpan="2">
-                  <a:txBody>
-                    <a:bodyPr/>
-                    <a:lstStyle/>
-                    <a:p>
-                      <a:endParaRPr lang="en-US" dirty="0"/>
-                    </a:p>
-                  </a:txBody>
-                  <a:tcPr anchor="ctr"/>
-                </a:tc>
-                <a:tc rowSpan="2">
-                  <a:txBody>
-                    <a:bodyPr/>
-                    <a:lstStyle/>
-                    <a:p>
-                      <a:endParaRPr lang="en-US"/>
-                    </a:p>
-                  </a:txBody>
-                  <a:tcPr anchor="ctr"/>
-                </a:tc>
-                <a:tc rowSpan="2">
-                  <a:txBody>
-                    <a:bodyPr/>
-                    <a:lstStyle/>
-                    <a:p>
-                      <a:endParaRPr lang="en-US"/>
-                    </a:p>
-                  </a:txBody>
-                  <a:tcPr anchor="ctr"/>
-                </a:tc>
-              </a:tr>
-              <a:tr h="196227">
-                <a:tc rowSpan="4">
-                  <a:txBody>
-                    <a:bodyPr/>
-                    <a:lstStyle/>
-                    <a:p>
-                      <a:pPr algn="ctr"/>
-                      <a:r>
-                        <a:rPr lang="en-US" sz="1400" dirty="0" smtClean="0"/>
-                        <a:t>September</a:t>
-                      </a:r>
-                      <a:endParaRPr lang="en-US" sz="1400" dirty="0"/>
-                    </a:p>
-                  </a:txBody>
-                  <a:tcPr anchor="ctr"/>
-                </a:tc>
-                <a:tc rowSpan="4">
-                  <a:txBody>
-                    <a:bodyPr/>
-                    <a:lstStyle/>
-                    <a:p>
-                      <a:pPr algn="ctr"/>
-                      <a:r>
-                        <a:rPr lang="en-US" sz="1400" dirty="0" smtClean="0"/>
-                        <a:t>100</a:t>
-                      </a:r>
-                      <a:endParaRPr lang="en-US" sz="1400" dirty="0"/>
-                    </a:p>
-                  </a:txBody>
-                  <a:tcPr anchor="ctr"/>
-                </a:tc>
-                <a:tc vMerge="1">
-                  <a:txBody>
-                    <a:bodyPr/>
-                    <a:lstStyle/>
-                    <a:p>
-                      <a:endParaRPr lang="en-US"/>
-                    </a:p>
-                  </a:txBody>
-                  <a:tcPr/>
-                </a:tc>
-                <a:tc vMerge="1">
-                  <a:txBody>
-                    <a:bodyPr/>
-                    <a:lstStyle/>
-                    <a:p>
-                      <a:endParaRPr lang="en-US"/>
-                    </a:p>
-                  </a:txBody>
-                  <a:tcPr/>
-                </a:tc>
-                <a:tc vMerge="1">
-                  <a:txBody>
-                    <a:bodyPr/>
-                    <a:lstStyle/>
-                    <a:p>
-                      <a:endParaRPr lang="en-US"/>
-                    </a:p>
-                  </a:txBody>
-                  <a:tcPr/>
-                </a:tc>
-                <a:tc vMerge="1">
-                  <a:txBody>
-                    <a:bodyPr/>
-                    <a:lstStyle/>
-                    <a:p>
-                      <a:endParaRPr lang="en-US"/>
-                    </a:p>
-                  </a:txBody>
-                  <a:tcPr/>
-                </a:tc>
-              </a:tr>
-              <a:tr h="476258">
-                <a:tc vMerge="1">
-                  <a:txBody>
-                    <a:bodyPr/>
-                    <a:lstStyle/>
-                    <a:p>
-                      <a:pPr algn="ctr"/>
-                      <a:endParaRPr lang="en-US" sz="1400" dirty="0"/>
-                    </a:p>
-                  </a:txBody>
-                  <a:tcPr anchor="ctr"/>
-                </a:tc>
-                <a:tc vMerge="1">
-                  <a:txBody>
-                    <a:bodyPr/>
-                    <a:lstStyle/>
-                    <a:p>
-                      <a:pPr algn="ctr"/>
-                      <a:endParaRPr lang="en-US" sz="1400" dirty="0"/>
-                    </a:p>
-                  </a:txBody>
-                  <a:tcPr anchor="ctr"/>
-                </a:tc>
-                <a:tc>
-                  <a:txBody>
-                    <a:bodyPr/>
-                    <a:lstStyle/>
-                    <a:p>
-                      <a:endParaRPr lang="en-US"/>
-                    </a:p>
-                  </a:txBody>
-                  <a:tcPr anchor="ctr"/>
-                </a:tc>
-                <a:tc>
-                  <a:txBody>
-                    <a:bodyPr/>
-                    <a:lstStyle/>
-                    <a:p>
-                      <a:endParaRPr lang="en-US"/>
-                    </a:p>
-                  </a:txBody>
-                  <a:tcPr anchor="ctr"/>
-                </a:tc>
-                <a:tc>
-                  <a:txBody>
-                    <a:bodyPr/>
-                    <a:lstStyle/>
-                    <a:p>
-                      <a:endParaRPr lang="en-US"/>
-                    </a:p>
-                  </a:txBody>
-                  <a:tcPr anchor="ctr"/>
-                </a:tc>
-                <a:tc>
-                  <a:txBody>
-                    <a:bodyPr/>
-                    <a:lstStyle/>
-                    <a:p>
-                      <a:endParaRPr lang="en-US"/>
-                    </a:p>
-                  </a:txBody>
-                  <a:tcPr anchor="ctr"/>
-                </a:tc>
-              </a:tr>
-              <a:tr h="476258">
-                <a:tc vMerge="1">
-                  <a:txBody>
-                    <a:bodyPr/>
-                    <a:lstStyle/>
-                    <a:p>
-                      <a:pPr algn="ctr"/>
-                      <a:endParaRPr lang="en-US" sz="1400" dirty="0"/>
-                    </a:p>
-                  </a:txBody>
-                  <a:tcPr anchor="ctr"/>
-                </a:tc>
-                <a:tc vMerge="1">
-                  <a:txBody>
-                    <a:bodyPr/>
-                    <a:lstStyle/>
-                    <a:p>
-                      <a:pPr algn="ctr"/>
-                      <a:endParaRPr lang="en-US" sz="1400" dirty="0"/>
-                    </a:p>
-                  </a:txBody>
-                  <a:tcPr anchor="ctr"/>
-                </a:tc>
-                <a:tc>
-                  <a:txBody>
-                    <a:bodyPr/>
-                    <a:lstStyle/>
-                    <a:p>
-                      <a:endParaRPr lang="en-US"/>
-                    </a:p>
-                  </a:txBody>
-                  <a:tcPr anchor="ctr"/>
-                </a:tc>
-                <a:tc>
-                  <a:txBody>
-                    <a:bodyPr/>
-                    <a:lstStyle/>
-                    <a:p>
-                      <a:endParaRPr lang="en-US"/>
-                    </a:p>
-                  </a:txBody>
-                  <a:tcPr anchor="ctr"/>
-                </a:tc>
-                <a:tc>
-                  <a:txBody>
-                    <a:bodyPr/>
-                    <a:lstStyle/>
-                    <a:p>
-                      <a:endParaRPr lang="en-US"/>
-                    </a:p>
-                  </a:txBody>
-                  <a:tcPr anchor="ctr"/>
-                </a:tc>
-                <a:tc>
-                  <a:txBody>
-                    <a:bodyPr/>
-                    <a:lstStyle/>
-                    <a:p>
-                      <a:endParaRPr lang="en-US"/>
-                    </a:p>
-                  </a:txBody>
-                  <a:tcPr anchor="ctr"/>
-                </a:tc>
-              </a:tr>
-              <a:tr h="476258">
-                <a:tc vMerge="1">
-                  <a:txBody>
-                    <a:bodyPr/>
-                    <a:lstStyle/>
-                    <a:p>
-                      <a:pPr algn="ctr"/>
-                      <a:endParaRPr lang="en-US" sz="1400" dirty="0"/>
-                    </a:p>
-                  </a:txBody>
-                  <a:tcPr anchor="ctr"/>
-                </a:tc>
-                <a:tc vMerge="1">
-                  <a:txBody>
-                    <a:bodyPr/>
-                    <a:lstStyle/>
-                    <a:p>
-                      <a:pPr algn="ctr"/>
-                      <a:endParaRPr lang="en-US" sz="1400" dirty="0"/>
-                    </a:p>
-                  </a:txBody>
-                  <a:tcPr anchor="ctr"/>
-                </a:tc>
-                <a:tc>
-                  <a:txBody>
-                    <a:bodyPr/>
-                    <a:lstStyle/>
-                    <a:p>
-                      <a:endParaRPr lang="en-US"/>
-                    </a:p>
-                  </a:txBody>
-                  <a:tcPr anchor="ctr"/>
-                </a:tc>
-                <a:tc>
-                  <a:txBody>
-                    <a:bodyPr/>
-                    <a:lstStyle/>
-                    <a:p>
-                      <a:endParaRPr lang="en-US"/>
-                    </a:p>
-                  </a:txBody>
-                  <a:tcPr anchor="ctr"/>
-                </a:tc>
-                <a:tc>
-                  <a:txBody>
-                    <a:bodyPr/>
-                    <a:lstStyle/>
-                    <a:p>
-                      <a:endParaRPr lang="en-US"/>
-                    </a:p>
-                  </a:txBody>
-                  <a:tcPr anchor="ctr"/>
-                </a:tc>
-                <a:tc>
-                  <a:txBody>
-                    <a:bodyPr/>
-                    <a:lstStyle/>
-                    <a:p>
-                      <a:endParaRPr lang="en-US" dirty="0"/>
-                    </a:p>
-                  </a:txBody>
-                  <a:tcPr anchor="ctr"/>
-                </a:tc>
-              </a:tr>
-            </a:tbl>
-          </a:graphicData>
-        </a:graphic>
-      </p:graphicFrame>
-    </p:spTree>
-    <p:extLst>
-      <p:ext uri="{BB962C8B-B14F-4D97-AF65-F5344CB8AC3E}">
-        <p14:creationId xmlns:p14="http://schemas.microsoft.com/office/powerpoint/2010/main" val="1621196132"/>
-      </p:ext>
-    </p:extLst>
-  </p:cSld>
-  <p:clrMapOvr>
-    <a:masterClrMapping/>
-  </p:clrMapOvr>
-  <p:timing>
-    <p:tnLst>
-      <p:par>
-        <p:cTn xmlns:p14="http://schemas.microsoft.com/office/powerpoint/2010/main" id="1" dur="indefinite" restart="never" nodeType="tmRoot"/>
-      </p:par>
-    </p:tnLst>
-  </p:timing>
-</p:sld>
-</file>
-
-<file path=ppt/slides/slide12.xml><?xml version="1.0" encoding="utf-8"?>
-<p:sld xmlns:a="http://schemas.openxmlformats.org/drawingml/2006/main" xmlns:r="http://schemas.openxmlformats.org/officeDocument/2006/relationships" xmlns:p="http://schemas.openxmlformats.org/presentationml/2006/main">
-  <p:cSld>
-    <p:spTree>
-      <p:nvGrpSpPr>
-        <p:cNvPr id="1" name=""/>
-        <p:cNvGrpSpPr/>
-        <p:nvPr/>
-      </p:nvGrpSpPr>
-      <p:grpSpPr>
-        <a:xfrm>
-          <a:off x="0" y="0"/>
-          <a:ext cx="0" cy="0"/>
-          <a:chOff x="0" y="0"/>
-          <a:chExt cx="0" cy="0"/>
-        </a:xfrm>
-      </p:grpSpPr>
-      <p:sp>
-        <p:nvSpPr>
-          <p:cNvPr id="2" name="Title 1"/>
-          <p:cNvSpPr>
-            <a:spLocks noGrp="1"/>
-          </p:cNvSpPr>
-          <p:nvPr>
-            <p:ph type="title"/>
-          </p:nvPr>
-        </p:nvSpPr>
-        <p:spPr/>
-        <p:txBody>
-          <a:bodyPr>
-            <a:normAutofit/>
-          </a:bodyPr>
-          <a:lstStyle/>
-          <a:p>
-            <a:r>
-              <a:rPr lang="en-US" sz="4400" b="1" dirty="0" smtClean="0"/>
-              <a:t>Finally</a:t>
-            </a:r>
-            <a:endParaRPr lang="en-US" sz="4400" b="1" dirty="0"/>
-          </a:p>
-        </p:txBody>
-      </p:sp>
-      <p:sp>
-        <p:nvSpPr>
-          <p:cNvPr id="3" name="Content Placeholder 2"/>
-          <p:cNvSpPr>
-            <a:spLocks noGrp="1"/>
-          </p:cNvSpPr>
-          <p:nvPr>
-            <p:ph idx="1"/>
-          </p:nvPr>
-        </p:nvSpPr>
-        <p:spPr>
-          <a:xfrm>
-            <a:off x="779463" y="1949824"/>
-            <a:ext cx="7583488" cy="4450976"/>
-          </a:xfrm>
-        </p:spPr>
-        <p:txBody>
-          <a:bodyPr>
-            <a:normAutofit lnSpcReduction="10000"/>
-          </a:bodyPr>
-          <a:lstStyle/>
-          <a:p>
-            <a:pPr>
-              <a:buFont typeface="Arial"/>
-              <a:buChar char="•"/>
-            </a:pPr>
-            <a:r>
-              <a:rPr lang="en-CA" dirty="0" smtClean="0"/>
-              <a:t>Part of sub</a:t>
-            </a:r>
-            <a:r>
-              <a:rPr lang="en-CA" dirty="0" smtClean="0"/>
-              <a:t>-problems were solved, and now</a:t>
-            </a:r>
             <a:r>
               <a:rPr lang="is-IS" dirty="0" smtClean="0"/>
-              <a:t>... ?</a:t>
-            </a:r>
-          </a:p>
-          <a:p>
-            <a:pPr>
-              <a:buFont typeface="Arial"/>
-              <a:buChar char="•"/>
-            </a:pPr>
-            <a:r>
-              <a:rPr lang="is-IS" dirty="0" smtClean="0"/>
-              <a:t>Let’s change the way we see </a:t>
-            </a:r>
-            <a:r>
-              <a:rPr lang="is-IS" dirty="0" smtClean="0"/>
-              <a:t>the table </a:t>
-            </a:r>
-            <a:r>
-              <a:rPr lang="is-IS" dirty="0" smtClean="0"/>
-              <a:t>costs</a:t>
-            </a:r>
-          </a:p>
-          <a:p>
-            <a:pPr>
-              <a:buFont typeface="Arial"/>
-              <a:buChar char="•"/>
+              <a:t>Let’s change the way we see the table costs</a:t>
+            </a:r>
+          </a:p>
+          <a:p>
+            <a:pPr marL="0" indent="0">
+              <a:buNone/>
             </a:pPr>
             <a:endParaRPr lang="is-IS" dirty="0"/>
-          </a:p>
-          <a:p>
-            <a:pPr>
-              <a:buFont typeface="Arial"/>
-              <a:buChar char="•"/>
-            </a:pPr>
-            <a:endParaRPr lang="is-IS" dirty="0" smtClean="0"/>
-          </a:p>
-          <a:p>
-            <a:pPr>
-              <a:buFont typeface="Arial"/>
-              <a:buChar char="•"/>
-            </a:pPr>
-            <a:endParaRPr lang="is-IS" dirty="0"/>
-          </a:p>
-          <a:p>
-            <a:pPr>
-              <a:buFont typeface="Arial"/>
-              <a:buChar char="•"/>
-            </a:pPr>
-            <a:endParaRPr lang="is-IS" dirty="0" smtClean="0"/>
-          </a:p>
-          <a:p>
-            <a:pPr>
-              <a:buFont typeface="Arial"/>
-              <a:buChar char="•"/>
-            </a:pPr>
-            <a:endParaRPr lang="is-IS" dirty="0"/>
-          </a:p>
-          <a:p>
-            <a:pPr>
-              <a:buFont typeface="Arial"/>
-              <a:buChar char="•"/>
-            </a:pPr>
-            <a:r>
-              <a:rPr lang="is-IS" dirty="0" smtClean="0"/>
-              <a:t>WOW! It looks like shortest path problem!</a:t>
-            </a:r>
           </a:p>
         </p:txBody>
       </p:sp>
@@ -7477,7 +6618,7 @@
         </p:nvSpPr>
         <p:spPr>
           <a:xfrm>
-            <a:off x="5624537" y="3200400"/>
+            <a:off x="5406391" y="5334103"/>
             <a:ext cx="797854" cy="558800"/>
           </a:xfrm>
           <a:prstGeom prst="ellipse">
@@ -7504,8 +6645,12 @@
           <a:p>
             <a:pPr algn="ctr"/>
             <a:r>
+              <a:rPr lang="en-US" dirty="0"/>
+              <a:t>4</a:t>
+            </a:r>
+            <a:r>
               <a:rPr lang="en-US" dirty="0" smtClean="0"/>
-              <a:t>300</a:t>
+              <a:t>00</a:t>
             </a:r>
             <a:endParaRPr lang="en-US" dirty="0"/>
           </a:p>
@@ -7519,7 +6664,7 @@
         </p:nvSpPr>
         <p:spPr>
           <a:xfrm>
-            <a:off x="5624537" y="4145280"/>
+            <a:off x="5406391" y="3484880"/>
             <a:ext cx="797854" cy="558800"/>
           </a:xfrm>
           <a:prstGeom prst="ellipse">
@@ -7561,7 +6706,7 @@
         </p:nvSpPr>
         <p:spPr>
           <a:xfrm>
-            <a:off x="5624537" y="5090160"/>
+            <a:off x="2711304" y="3484880"/>
             <a:ext cx="797854" cy="558800"/>
           </a:xfrm>
           <a:prstGeom prst="ellipse">
@@ -7601,13 +6746,13 @@
       </p:sp>
       <p:sp>
         <p:nvSpPr>
-          <p:cNvPr id="14" name="Oval 13"/>
+          <p:cNvPr id="56" name="Oval 55"/>
           <p:cNvSpPr/>
           <p:nvPr/>
         </p:nvSpPr>
         <p:spPr>
           <a:xfrm>
-            <a:off x="6975817" y="4175760"/>
+            <a:off x="2659916" y="5334103"/>
             <a:ext cx="797854" cy="558800"/>
           </a:xfrm>
           <a:prstGeom prst="ellipse">
@@ -7635,7 +6780,11 @@
             <a:pPr algn="ctr"/>
             <a:r>
               <a:rPr lang="en-US" dirty="0" smtClean="0"/>
-              <a:t>0</a:t>
+              <a:t>3</a:t>
+            </a:r>
+            <a:r>
+              <a:rPr lang="en-US" dirty="0" smtClean="0"/>
+              <a:t>00</a:t>
             </a:r>
             <a:endParaRPr lang="en-US" dirty="0"/>
           </a:p>
@@ -7643,14 +6792,14 @@
       </p:sp>
       <p:cxnSp>
         <p:nvCxnSpPr>
-          <p:cNvPr id="16" name="Straight Arrow Connector 15"/>
+          <p:cNvPr id="30" name="Straight Arrow Connector 29"/>
           <p:cNvCxnSpPr/>
           <p:nvPr/>
         </p:nvCxnSpPr>
         <p:spPr>
           <a:xfrm>
-            <a:off x="6519455" y="3627223"/>
-            <a:ext cx="535249" cy="548537"/>
+            <a:off x="3723178" y="3637280"/>
+            <a:ext cx="1514764" cy="10160"/>
           </a:xfrm>
           <a:prstGeom prst="straightConnector1">
             <a:avLst/>
@@ -7676,14 +6825,14 @@
       </p:cxnSp>
       <p:cxnSp>
         <p:nvCxnSpPr>
-          <p:cNvPr id="18" name="Straight Arrow Connector 17"/>
+          <p:cNvPr id="36" name="Straight Arrow Connector 35"/>
           <p:cNvCxnSpPr/>
           <p:nvPr/>
         </p:nvCxnSpPr>
         <p:spPr>
-          <a:xfrm>
-            <a:off x="6510106" y="4445000"/>
-            <a:ext cx="377997" cy="0"/>
+          <a:xfrm flipH="1">
+            <a:off x="3692698" y="3749040"/>
+            <a:ext cx="1514764" cy="0"/>
           </a:xfrm>
           <a:prstGeom prst="straightConnector1">
             <a:avLst/>
@@ -7709,491 +6858,14 @@
       </p:cxnSp>
       <p:cxnSp>
         <p:nvCxnSpPr>
-          <p:cNvPr id="22" name="Straight Arrow Connector 21"/>
-          <p:cNvCxnSpPr/>
-          <p:nvPr/>
-        </p:nvCxnSpPr>
-        <p:spPr>
-          <a:xfrm flipV="1">
-            <a:off x="6519455" y="4734560"/>
-            <a:ext cx="535249" cy="624840"/>
-          </a:xfrm>
-          <a:prstGeom prst="straightConnector1">
-            <a:avLst/>
-          </a:prstGeom>
-          <a:ln>
-            <a:tailEnd type="arrow"/>
-          </a:ln>
-        </p:spPr>
-        <p:style>
-          <a:lnRef idx="2">
-            <a:schemeClr val="accent1"/>
-          </a:lnRef>
-          <a:fillRef idx="0">
-            <a:schemeClr val="accent1"/>
-          </a:fillRef>
-          <a:effectRef idx="1">
-            <a:schemeClr val="accent1"/>
-          </a:effectRef>
-          <a:fontRef idx="minor">
-            <a:schemeClr val="tx1"/>
-          </a:fontRef>
-        </p:style>
-      </p:cxnSp>
-      <p:sp>
-        <p:nvSpPr>
-          <p:cNvPr id="24" name="TextBox 23"/>
-          <p:cNvSpPr txBox="1"/>
-          <p:nvPr/>
-        </p:nvSpPr>
-        <p:spPr>
-          <a:xfrm>
-            <a:off x="6646001" y="3442557"/>
-            <a:ext cx="659631" cy="369332"/>
-          </a:xfrm>
-          <a:prstGeom prst="rect">
-            <a:avLst/>
-          </a:prstGeom>
-          <a:noFill/>
-        </p:spPr>
-        <p:txBody>
-          <a:bodyPr wrap="none" rtlCol="0">
-            <a:spAutoFit/>
-          </a:bodyPr>
-          <a:lstStyle/>
-          <a:p>
-            <a:r>
-              <a:rPr lang="en-US" dirty="0" smtClean="0"/>
-              <a:t>4000</a:t>
-            </a:r>
-            <a:endParaRPr lang="en-US" dirty="0"/>
-          </a:p>
-        </p:txBody>
-      </p:sp>
-      <p:sp>
-        <p:nvSpPr>
-          <p:cNvPr id="25" name="TextBox 24"/>
-          <p:cNvSpPr txBox="1"/>
-          <p:nvPr/>
-        </p:nvSpPr>
-        <p:spPr>
-          <a:xfrm>
-            <a:off x="6422391" y="4067294"/>
-            <a:ext cx="528097" cy="369332"/>
-          </a:xfrm>
-          <a:prstGeom prst="rect">
-            <a:avLst/>
-          </a:prstGeom>
-          <a:noFill/>
-        </p:spPr>
-        <p:txBody>
-          <a:bodyPr wrap="none" rtlCol="0">
-            <a:spAutoFit/>
-          </a:bodyPr>
-          <a:lstStyle/>
-          <a:p>
-            <a:r>
-              <a:rPr lang="en-US" dirty="0" smtClean="0"/>
-              <a:t>500</a:t>
-            </a:r>
-            <a:endParaRPr lang="en-US" dirty="0"/>
-          </a:p>
-        </p:txBody>
-      </p:sp>
-      <p:sp>
-        <p:nvSpPr>
-          <p:cNvPr id="26" name="TextBox 25"/>
-          <p:cNvSpPr txBox="1"/>
-          <p:nvPr/>
-        </p:nvSpPr>
-        <p:spPr>
-          <a:xfrm>
-            <a:off x="6661781" y="4990068"/>
-            <a:ext cx="643851" cy="369332"/>
-          </a:xfrm>
-          <a:prstGeom prst="rect">
-            <a:avLst/>
-          </a:prstGeom>
-          <a:noFill/>
-        </p:spPr>
-        <p:txBody>
-          <a:bodyPr wrap="none" rtlCol="0">
-            <a:spAutoFit/>
-          </a:bodyPr>
-          <a:lstStyle/>
-          <a:p>
-            <a:r>
-              <a:rPr lang="en-US" dirty="0" smtClean="0"/>
-              <a:t>1000</a:t>
-            </a:r>
-            <a:endParaRPr lang="en-US" dirty="0"/>
-          </a:p>
-        </p:txBody>
-      </p:sp>
-      <p:sp>
-        <p:nvSpPr>
-          <p:cNvPr id="27" name="Oval 26"/>
-          <p:cNvSpPr/>
-          <p:nvPr/>
-        </p:nvSpPr>
-        <p:spPr>
-          <a:xfrm>
-            <a:off x="3521417" y="3803134"/>
-            <a:ext cx="797854" cy="558800"/>
-          </a:xfrm>
-          <a:prstGeom prst="ellipse">
-            <a:avLst/>
-          </a:prstGeom>
-        </p:spPr>
-        <p:style>
-          <a:lnRef idx="1">
-            <a:schemeClr val="accent1"/>
-          </a:lnRef>
-          <a:fillRef idx="3">
-            <a:schemeClr val="accent1"/>
-          </a:fillRef>
-          <a:effectRef idx="2">
-            <a:schemeClr val="accent1"/>
-          </a:effectRef>
-          <a:fontRef idx="minor">
-            <a:schemeClr val="lt1"/>
-          </a:fontRef>
-        </p:style>
-        <p:txBody>
-          <a:bodyPr rtlCol="0" anchor="ctr"/>
-          <a:lstStyle/>
-          <a:p>
-            <a:pPr algn="ctr"/>
-            <a:r>
-              <a:rPr lang="en-US" dirty="0" smtClean="0"/>
-              <a:t>300</a:t>
-            </a:r>
-            <a:endParaRPr lang="en-US" dirty="0"/>
-          </a:p>
-        </p:txBody>
-      </p:sp>
-      <p:sp>
-        <p:nvSpPr>
-          <p:cNvPr id="28" name="Oval 27"/>
-          <p:cNvSpPr/>
-          <p:nvPr/>
-        </p:nvSpPr>
-        <p:spPr>
-          <a:xfrm>
-            <a:off x="3521417" y="4531360"/>
-            <a:ext cx="797854" cy="558800"/>
-          </a:xfrm>
-          <a:prstGeom prst="ellipse">
-            <a:avLst/>
-          </a:prstGeom>
-        </p:spPr>
-        <p:style>
-          <a:lnRef idx="1">
-            <a:schemeClr val="accent1"/>
-          </a:lnRef>
-          <a:fillRef idx="3">
-            <a:schemeClr val="accent1"/>
-          </a:fillRef>
-          <a:effectRef idx="2">
-            <a:schemeClr val="accent1"/>
-          </a:effectRef>
-          <a:fontRef idx="minor">
-            <a:schemeClr val="lt1"/>
-          </a:fontRef>
-        </p:style>
-        <p:txBody>
-          <a:bodyPr rtlCol="0" anchor="ctr"/>
-          <a:lstStyle/>
-          <a:p>
-            <a:pPr algn="ctr"/>
-            <a:r>
-              <a:rPr lang="en-US" dirty="0" smtClean="0"/>
-              <a:t>400</a:t>
-            </a:r>
-            <a:endParaRPr lang="en-US" dirty="0"/>
-          </a:p>
-        </p:txBody>
-      </p:sp>
-      <p:sp>
-        <p:nvSpPr>
-          <p:cNvPr id="33" name="TextBox 32"/>
-          <p:cNvSpPr txBox="1"/>
-          <p:nvPr/>
-        </p:nvSpPr>
-        <p:spPr>
-          <a:xfrm>
-            <a:off x="4768201" y="4653280"/>
-            <a:ext cx="659631" cy="369332"/>
-          </a:xfrm>
-          <a:prstGeom prst="rect">
-            <a:avLst/>
-          </a:prstGeom>
-          <a:noFill/>
-        </p:spPr>
-        <p:txBody>
-          <a:bodyPr wrap="none" rtlCol="0">
-            <a:spAutoFit/>
-          </a:bodyPr>
-          <a:lstStyle/>
-          <a:p>
-            <a:r>
-              <a:rPr lang="en-US" dirty="0" smtClean="0"/>
-              <a:t>4000</a:t>
-            </a:r>
-            <a:endParaRPr lang="en-US" dirty="0"/>
-          </a:p>
-        </p:txBody>
-      </p:sp>
-      <p:sp>
-        <p:nvSpPr>
-          <p:cNvPr id="34" name="TextBox 33"/>
-          <p:cNvSpPr txBox="1"/>
-          <p:nvPr/>
-        </p:nvSpPr>
-        <p:spPr>
-          <a:xfrm>
-            <a:off x="4704672" y="3772757"/>
-            <a:ext cx="647345" cy="369332"/>
-          </a:xfrm>
-          <a:prstGeom prst="rect">
-            <a:avLst/>
-          </a:prstGeom>
-          <a:noFill/>
-        </p:spPr>
-        <p:txBody>
-          <a:bodyPr wrap="none" rtlCol="0">
-            <a:spAutoFit/>
-          </a:bodyPr>
-          <a:lstStyle/>
-          <a:p>
-            <a:r>
-              <a:rPr lang="en-US" dirty="0" smtClean="0"/>
-              <a:t>4500</a:t>
-            </a:r>
-            <a:endParaRPr lang="en-US" dirty="0"/>
-          </a:p>
-        </p:txBody>
-      </p:sp>
-      <p:sp>
-        <p:nvSpPr>
-          <p:cNvPr id="35" name="Oval 34"/>
-          <p:cNvSpPr/>
-          <p:nvPr/>
-        </p:nvSpPr>
-        <p:spPr>
-          <a:xfrm>
-            <a:off x="3521417" y="3078583"/>
-            <a:ext cx="797854" cy="558800"/>
-          </a:xfrm>
-          <a:prstGeom prst="ellipse">
-            <a:avLst/>
-          </a:prstGeom>
-        </p:spPr>
-        <p:style>
-          <a:lnRef idx="1">
-            <a:schemeClr val="accent1"/>
-          </a:lnRef>
-          <a:fillRef idx="3">
-            <a:schemeClr val="accent1"/>
-          </a:fillRef>
-          <a:effectRef idx="2">
-            <a:schemeClr val="accent1"/>
-          </a:effectRef>
-          <a:fontRef idx="minor">
-            <a:schemeClr val="lt1"/>
-          </a:fontRef>
-        </p:style>
-        <p:txBody>
-          <a:bodyPr rtlCol="0" anchor="ctr"/>
-          <a:lstStyle/>
-          <a:p>
-            <a:pPr algn="ctr"/>
-            <a:r>
-              <a:rPr lang="is-IS" dirty="0" smtClean="0"/>
-              <a:t>…</a:t>
-            </a:r>
-            <a:endParaRPr lang="en-US" dirty="0"/>
-          </a:p>
-        </p:txBody>
-      </p:sp>
-      <p:sp>
-        <p:nvSpPr>
-          <p:cNvPr id="38" name="Oval 37"/>
-          <p:cNvSpPr/>
-          <p:nvPr/>
-        </p:nvSpPr>
-        <p:spPr>
-          <a:xfrm>
-            <a:off x="1654432" y="4892040"/>
-            <a:ext cx="797854" cy="558800"/>
-          </a:xfrm>
-          <a:prstGeom prst="ellipse">
-            <a:avLst/>
-          </a:prstGeom>
-        </p:spPr>
-        <p:style>
-          <a:lnRef idx="1">
-            <a:schemeClr val="accent1"/>
-          </a:lnRef>
-          <a:fillRef idx="3">
-            <a:schemeClr val="accent1"/>
-          </a:fillRef>
-          <a:effectRef idx="2">
-            <a:schemeClr val="accent1"/>
-          </a:effectRef>
-          <a:fontRef idx="minor">
-            <a:schemeClr val="lt1"/>
-          </a:fontRef>
-        </p:style>
-        <p:txBody>
-          <a:bodyPr rtlCol="0" anchor="ctr"/>
-          <a:lstStyle/>
-          <a:p>
-            <a:pPr algn="ctr"/>
-            <a:r>
-              <a:rPr lang="is-IS" dirty="0" smtClean="0"/>
-              <a:t>…</a:t>
-            </a:r>
-            <a:endParaRPr lang="en-US" dirty="0"/>
-          </a:p>
-        </p:txBody>
-      </p:sp>
-      <p:sp>
-        <p:nvSpPr>
-          <p:cNvPr id="39" name="Oval 38"/>
-          <p:cNvSpPr/>
-          <p:nvPr/>
-        </p:nvSpPr>
-        <p:spPr>
-          <a:xfrm>
-            <a:off x="1654432" y="4058920"/>
-            <a:ext cx="797854" cy="558800"/>
-          </a:xfrm>
-          <a:prstGeom prst="ellipse">
-            <a:avLst/>
-          </a:prstGeom>
-        </p:spPr>
-        <p:style>
-          <a:lnRef idx="1">
-            <a:schemeClr val="accent1"/>
-          </a:lnRef>
-          <a:fillRef idx="3">
-            <a:schemeClr val="accent1"/>
-          </a:fillRef>
-          <a:effectRef idx="2">
-            <a:schemeClr val="accent1"/>
-          </a:effectRef>
-          <a:fontRef idx="minor">
-            <a:schemeClr val="lt1"/>
-          </a:fontRef>
-        </p:style>
-        <p:txBody>
-          <a:bodyPr rtlCol="0" anchor="ctr"/>
-          <a:lstStyle/>
-          <a:p>
-            <a:pPr algn="ctr"/>
-            <a:r>
-              <a:rPr lang="is-IS" dirty="0" smtClean="0"/>
-              <a:t>…</a:t>
-            </a:r>
-            <a:endParaRPr lang="en-US" dirty="0"/>
-          </a:p>
-        </p:txBody>
-      </p:sp>
-      <p:sp>
-        <p:nvSpPr>
-          <p:cNvPr id="40" name="Oval 39"/>
-          <p:cNvSpPr/>
-          <p:nvPr/>
-        </p:nvSpPr>
-        <p:spPr>
-          <a:xfrm>
-            <a:off x="1654432" y="3173317"/>
-            <a:ext cx="797854" cy="558800"/>
-          </a:xfrm>
-          <a:prstGeom prst="ellipse">
-            <a:avLst/>
-          </a:prstGeom>
-        </p:spPr>
-        <p:style>
-          <a:lnRef idx="1">
-            <a:schemeClr val="accent1"/>
-          </a:lnRef>
-          <a:fillRef idx="3">
-            <a:schemeClr val="accent1"/>
-          </a:fillRef>
-          <a:effectRef idx="2">
-            <a:schemeClr val="accent1"/>
-          </a:effectRef>
-          <a:fontRef idx="minor">
-            <a:schemeClr val="lt1"/>
-          </a:fontRef>
-        </p:style>
-        <p:txBody>
-          <a:bodyPr rtlCol="0" anchor="ctr"/>
-          <a:lstStyle/>
-          <a:p>
-            <a:pPr algn="ctr"/>
-            <a:r>
-              <a:rPr lang="is-IS" dirty="0" smtClean="0"/>
-              <a:t>…</a:t>
-            </a:r>
-            <a:endParaRPr lang="en-US" dirty="0"/>
-          </a:p>
-        </p:txBody>
-      </p:sp>
-      <p:sp>
-        <p:nvSpPr>
-          <p:cNvPr id="41" name="Oval 40"/>
-          <p:cNvSpPr/>
-          <p:nvPr/>
-        </p:nvSpPr>
-        <p:spPr>
-          <a:xfrm>
-            <a:off x="3553168" y="5264666"/>
-            <a:ext cx="797854" cy="558800"/>
-          </a:xfrm>
-          <a:prstGeom prst="ellipse">
-            <a:avLst/>
-          </a:prstGeom>
-        </p:spPr>
-        <p:style>
-          <a:lnRef idx="1">
-            <a:schemeClr val="accent1"/>
-          </a:lnRef>
-          <a:fillRef idx="3">
-            <a:schemeClr val="accent1"/>
-          </a:fillRef>
-          <a:effectRef idx="2">
-            <a:schemeClr val="accent1"/>
-          </a:effectRef>
-          <a:fontRef idx="minor">
-            <a:schemeClr val="lt1"/>
-          </a:fontRef>
-        </p:style>
-        <p:txBody>
-          <a:bodyPr rtlCol="0" anchor="ctr"/>
-          <a:lstStyle/>
-          <a:p>
-            <a:pPr algn="ctr"/>
-            <a:r>
-              <a:rPr lang="is-IS" dirty="0" smtClean="0"/>
-              <a:t>…</a:t>
-            </a:r>
-            <a:endParaRPr lang="en-US" dirty="0"/>
-          </a:p>
-        </p:txBody>
-      </p:sp>
-      <p:cxnSp>
-        <p:nvCxnSpPr>
-          <p:cNvPr id="43" name="Straight Arrow Connector 42"/>
+          <p:cNvPr id="59" name="Straight Arrow Connector 58"/>
           <p:cNvCxnSpPr/>
           <p:nvPr/>
         </p:nvCxnSpPr>
         <p:spPr>
           <a:xfrm>
-            <a:off x="4458706" y="4111609"/>
-            <a:ext cx="1058174" cy="155591"/>
+            <a:off x="3733338" y="5638800"/>
+            <a:ext cx="1514764" cy="10160"/>
           </a:xfrm>
           <a:prstGeom prst="straightConnector1">
             <a:avLst/>
@@ -8219,14 +6891,14 @@
       </p:cxnSp>
       <p:cxnSp>
         <p:nvCxnSpPr>
-          <p:cNvPr id="45" name="Straight Arrow Connector 44"/>
+          <p:cNvPr id="60" name="Straight Arrow Connector 59"/>
           <p:cNvCxnSpPr/>
           <p:nvPr/>
         </p:nvCxnSpPr>
         <p:spPr>
-          <a:xfrm flipV="1">
-            <a:off x="4458706" y="4617720"/>
-            <a:ext cx="1165831" cy="179586"/>
+          <a:xfrm flipH="1">
+            <a:off x="3723178" y="5760720"/>
+            <a:ext cx="1514764" cy="0"/>
           </a:xfrm>
           <a:prstGeom prst="straightConnector1">
             <a:avLst/>
@@ -8252,14 +6924,14 @@
       </p:cxnSp>
       <p:cxnSp>
         <p:nvCxnSpPr>
-          <p:cNvPr id="47" name="Straight Arrow Connector 46"/>
+          <p:cNvPr id="61" name="Straight Arrow Connector 60"/>
           <p:cNvCxnSpPr/>
           <p:nvPr/>
         </p:nvCxnSpPr>
         <p:spPr>
-          <a:xfrm>
-            <a:off x="4458706" y="3442557"/>
-            <a:ext cx="1058174" cy="72803"/>
+          <a:xfrm flipH="1">
+            <a:off x="2946400" y="4236720"/>
+            <a:ext cx="10160" cy="944880"/>
           </a:xfrm>
           <a:prstGeom prst="straightConnector1">
             <a:avLst/>
@@ -8285,14 +6957,14 @@
       </p:cxnSp>
       <p:cxnSp>
         <p:nvCxnSpPr>
-          <p:cNvPr id="49" name="Straight Arrow Connector 48"/>
+          <p:cNvPr id="63" name="Straight Arrow Connector 62"/>
           <p:cNvCxnSpPr/>
           <p:nvPr/>
         </p:nvCxnSpPr>
         <p:spPr>
           <a:xfrm flipV="1">
-            <a:off x="4458706" y="5450840"/>
-            <a:ext cx="1058174" cy="96520"/>
+            <a:off x="3078480" y="4236720"/>
+            <a:ext cx="0" cy="944880"/>
           </a:xfrm>
           <a:prstGeom prst="straightConnector1">
             <a:avLst/>
@@ -8318,14 +6990,14 @@
       </p:cxnSp>
       <p:cxnSp>
         <p:nvCxnSpPr>
-          <p:cNvPr id="51" name="Straight Arrow Connector 50"/>
+          <p:cNvPr id="65" name="Straight Arrow Connector 64"/>
           <p:cNvCxnSpPr/>
           <p:nvPr/>
         </p:nvCxnSpPr>
         <p:spPr>
-          <a:xfrm flipV="1">
-            <a:off x="2580640" y="3362960"/>
-            <a:ext cx="863600" cy="79597"/>
+          <a:xfrm flipH="1">
+            <a:off x="5801360" y="4236720"/>
+            <a:ext cx="10160" cy="944880"/>
           </a:xfrm>
           <a:prstGeom prst="straightConnector1">
             <a:avLst/>
@@ -8351,14 +7023,14 @@
       </p:cxnSp>
       <p:cxnSp>
         <p:nvCxnSpPr>
-          <p:cNvPr id="55" name="Straight Arrow Connector 54"/>
+          <p:cNvPr id="67" name="Straight Arrow Connector 66"/>
           <p:cNvCxnSpPr/>
           <p:nvPr/>
         </p:nvCxnSpPr>
         <p:spPr>
           <a:xfrm flipV="1">
-            <a:off x="2580640" y="4145280"/>
-            <a:ext cx="863600" cy="216654"/>
+            <a:off x="5933440" y="4236720"/>
+            <a:ext cx="0" cy="944880"/>
           </a:xfrm>
           <a:prstGeom prst="straightConnector1">
             <a:avLst/>
@@ -8384,14 +7056,86 @@
       </p:cxnSp>
       <p:cxnSp>
         <p:nvCxnSpPr>
-          <p:cNvPr id="57" name="Straight Arrow Connector 56"/>
+          <p:cNvPr id="68" name="Straight Arrow Connector 67"/>
           <p:cNvCxnSpPr/>
           <p:nvPr/>
         </p:nvCxnSpPr>
         <p:spPr>
-          <a:xfrm flipV="1">
-            <a:off x="2580640" y="4892040"/>
-            <a:ext cx="863600" cy="198120"/>
+          <a:xfrm>
+            <a:off x="3723178" y="4165600"/>
+            <a:ext cx="1683213" cy="1097280"/>
+          </a:xfrm>
+          <a:prstGeom prst="straightConnector1">
+            <a:avLst/>
+          </a:prstGeom>
+          <a:ln>
+            <a:solidFill>
+              <a:schemeClr val="accent1"/>
+            </a:solidFill>
+            <a:tailEnd type="arrow"/>
+          </a:ln>
+        </p:spPr>
+        <p:style>
+          <a:lnRef idx="2">
+            <a:schemeClr val="accent1"/>
+          </a:lnRef>
+          <a:fillRef idx="0">
+            <a:schemeClr val="accent1"/>
+          </a:fillRef>
+          <a:effectRef idx="1">
+            <a:schemeClr val="accent1"/>
+          </a:effectRef>
+          <a:fontRef idx="minor">
+            <a:schemeClr val="tx1"/>
+          </a:fontRef>
+        </p:style>
+      </p:cxnSp>
+      <p:cxnSp>
+        <p:nvCxnSpPr>
+          <p:cNvPr id="70" name="Straight Arrow Connector 69"/>
+          <p:cNvCxnSpPr/>
+          <p:nvPr/>
+        </p:nvCxnSpPr>
+        <p:spPr>
+          <a:xfrm flipH="1" flipV="1">
+            <a:off x="3616960" y="4236720"/>
+            <a:ext cx="1696720" cy="1097383"/>
+          </a:xfrm>
+          <a:prstGeom prst="straightConnector1">
+            <a:avLst/>
+          </a:prstGeom>
+          <a:ln>
+            <a:solidFill>
+              <a:schemeClr val="accent1"/>
+            </a:solidFill>
+            <a:tailEnd type="arrow"/>
+          </a:ln>
+        </p:spPr>
+        <p:style>
+          <a:lnRef idx="2">
+            <a:schemeClr val="accent1"/>
+          </a:lnRef>
+          <a:fillRef idx="0">
+            <a:schemeClr val="accent1"/>
+          </a:fillRef>
+          <a:effectRef idx="1">
+            <a:schemeClr val="accent1"/>
+          </a:effectRef>
+          <a:fontRef idx="minor">
+            <a:schemeClr val="tx1"/>
+          </a:fontRef>
+        </p:style>
+      </p:cxnSp>
+      <p:cxnSp>
+        <p:nvCxnSpPr>
+          <p:cNvPr id="75" name="Straight Arrow Connector 74"/>
+          <p:cNvCxnSpPr/>
+          <p:nvPr/>
+        </p:nvCxnSpPr>
+        <p:spPr>
+          <a:xfrm flipH="1">
+            <a:off x="3509158" y="4043680"/>
+            <a:ext cx="1804522" cy="1219200"/>
           </a:xfrm>
           <a:prstGeom prst="straightConnector1">
             <a:avLst/>
@@ -8417,14 +7161,14 @@
       </p:cxnSp>
       <p:cxnSp>
         <p:nvCxnSpPr>
-          <p:cNvPr id="66" name="Straight Arrow Connector 65"/>
+          <p:cNvPr id="77" name="Straight Arrow Connector 76"/>
           <p:cNvCxnSpPr/>
           <p:nvPr/>
         </p:nvCxnSpPr>
         <p:spPr>
-          <a:xfrm>
-            <a:off x="2580640" y="5359400"/>
-            <a:ext cx="863600" cy="187960"/>
+          <a:xfrm flipV="1">
+            <a:off x="3616960" y="4104640"/>
+            <a:ext cx="1789431" cy="1229463"/>
           </a:xfrm>
           <a:prstGeom prst="straightConnector1">
             <a:avLst/>
@@ -8448,6 +7192,226 @@
           </a:fontRef>
         </p:style>
       </p:cxnSp>
+      <p:sp>
+        <p:nvSpPr>
+          <p:cNvPr id="78" name="Oval 77"/>
+          <p:cNvSpPr/>
+          <p:nvPr/>
+        </p:nvSpPr>
+        <p:spPr>
+          <a:xfrm>
+            <a:off x="1047751" y="4429760"/>
+            <a:ext cx="797854" cy="558800"/>
+          </a:xfrm>
+          <a:prstGeom prst="ellipse">
+            <a:avLst/>
+          </a:prstGeom>
+        </p:spPr>
+        <p:style>
+          <a:lnRef idx="1">
+            <a:schemeClr val="accent1"/>
+          </a:lnRef>
+          <a:fillRef idx="3">
+            <a:schemeClr val="accent1"/>
+          </a:fillRef>
+          <a:effectRef idx="2">
+            <a:schemeClr val="accent1"/>
+          </a:effectRef>
+          <a:fontRef idx="minor">
+            <a:schemeClr val="lt1"/>
+          </a:fontRef>
+        </p:style>
+        <p:txBody>
+          <a:bodyPr rtlCol="0" anchor="ctr"/>
+          <a:lstStyle/>
+          <a:p>
+            <a:pPr algn="ctr"/>
+            <a:r>
+              <a:rPr lang="en-US" dirty="0" smtClean="0"/>
+              <a:t>0</a:t>
+            </a:r>
+            <a:endParaRPr lang="en-US" dirty="0"/>
+          </a:p>
+        </p:txBody>
+      </p:sp>
+      <p:sp>
+        <p:nvSpPr>
+          <p:cNvPr id="79" name="Oval 78"/>
+          <p:cNvSpPr/>
+          <p:nvPr/>
+        </p:nvSpPr>
+        <p:spPr>
+          <a:xfrm>
+            <a:off x="7133591" y="4439920"/>
+            <a:ext cx="797854" cy="558800"/>
+          </a:xfrm>
+          <a:prstGeom prst="ellipse">
+            <a:avLst/>
+          </a:prstGeom>
+        </p:spPr>
+        <p:style>
+          <a:lnRef idx="1">
+            <a:schemeClr val="accent1"/>
+          </a:lnRef>
+          <a:fillRef idx="3">
+            <a:schemeClr val="accent1"/>
+          </a:fillRef>
+          <a:effectRef idx="2">
+            <a:schemeClr val="accent1"/>
+          </a:effectRef>
+          <a:fontRef idx="minor">
+            <a:schemeClr val="lt1"/>
+          </a:fontRef>
+        </p:style>
+        <p:txBody>
+          <a:bodyPr rtlCol="0" anchor="ctr"/>
+          <a:lstStyle/>
+          <a:p>
+            <a:pPr algn="ctr"/>
+            <a:r>
+              <a:rPr lang="en-US" dirty="0" smtClean="0"/>
+              <a:t>0</a:t>
+            </a:r>
+            <a:endParaRPr lang="en-US" dirty="0"/>
+          </a:p>
+        </p:txBody>
+      </p:sp>
+      <p:sp>
+        <p:nvSpPr>
+          <p:cNvPr id="80" name="TextBox 79"/>
+          <p:cNvSpPr txBox="1"/>
+          <p:nvPr/>
+        </p:nvSpPr>
+        <p:spPr>
+          <a:xfrm>
+            <a:off x="962343" y="5019143"/>
+            <a:ext cx="1018227" cy="307777"/>
+          </a:xfrm>
+          <a:prstGeom prst="rect">
+            <a:avLst/>
+          </a:prstGeom>
+          <a:noFill/>
+        </p:spPr>
+        <p:txBody>
+          <a:bodyPr wrap="none" rtlCol="0">
+            <a:spAutoFit/>
+          </a:bodyPr>
+          <a:lstStyle/>
+          <a:p>
+            <a:r>
+              <a:rPr lang="en-US" sz="1400" dirty="0" smtClean="0"/>
+              <a:t>September</a:t>
+            </a:r>
+            <a:endParaRPr lang="en-US" sz="1400" dirty="0"/>
+          </a:p>
+        </p:txBody>
+      </p:sp>
+      <p:sp>
+        <p:nvSpPr>
+          <p:cNvPr id="81" name="TextBox 80"/>
+          <p:cNvSpPr txBox="1"/>
+          <p:nvPr/>
+        </p:nvSpPr>
+        <p:spPr>
+          <a:xfrm>
+            <a:off x="7098983" y="5059680"/>
+            <a:ext cx="966931" cy="307777"/>
+          </a:xfrm>
+          <a:prstGeom prst="rect">
+            <a:avLst/>
+          </a:prstGeom>
+          <a:noFill/>
+        </p:spPr>
+        <p:txBody>
+          <a:bodyPr wrap="none" rtlCol="0">
+            <a:spAutoFit/>
+          </a:bodyPr>
+          <a:lstStyle/>
+          <a:p>
+            <a:r>
+              <a:rPr lang="en-US" sz="1400" dirty="0" smtClean="0"/>
+              <a:t>December</a:t>
+            </a:r>
+            <a:endParaRPr lang="en-US" sz="1400" dirty="0"/>
+          </a:p>
+        </p:txBody>
+      </p:sp>
+      <p:sp>
+        <p:nvSpPr>
+          <p:cNvPr id="82" name="Left Brace 81"/>
+          <p:cNvSpPr/>
+          <p:nvPr/>
+        </p:nvSpPr>
+        <p:spPr>
+          <a:xfrm>
+            <a:off x="2041530" y="3312160"/>
+            <a:ext cx="569590" cy="2804160"/>
+          </a:xfrm>
+          <a:prstGeom prst="leftBrace">
+            <a:avLst/>
+          </a:prstGeom>
+        </p:spPr>
+        <p:style>
+          <a:lnRef idx="2">
+            <a:schemeClr val="accent1"/>
+          </a:lnRef>
+          <a:fillRef idx="0">
+            <a:schemeClr val="accent1"/>
+          </a:fillRef>
+          <a:effectRef idx="1">
+            <a:schemeClr val="accent1"/>
+          </a:effectRef>
+          <a:fontRef idx="minor">
+            <a:schemeClr val="tx1"/>
+          </a:fontRef>
+        </p:style>
+        <p:txBody>
+          <a:bodyPr rtlCol="0" anchor="ctr"/>
+          <a:lstStyle/>
+          <a:p>
+            <a:pPr algn="ctr"/>
+            <a:endParaRPr lang="en-US"/>
+          </a:p>
+        </p:txBody>
+      </p:sp>
+      <p:sp>
+        <p:nvSpPr>
+          <p:cNvPr id="83" name="Right Brace 82"/>
+          <p:cNvSpPr/>
+          <p:nvPr/>
+        </p:nvSpPr>
+        <p:spPr>
+          <a:xfrm>
+            <a:off x="6624320" y="3312160"/>
+            <a:ext cx="335280" cy="2804160"/>
+          </a:xfrm>
+          <a:prstGeom prst="rightBrace">
+            <a:avLst/>
+          </a:prstGeom>
+        </p:spPr>
+        <p:style>
+          <a:lnRef idx="2">
+            <a:schemeClr val="accent1"/>
+          </a:lnRef>
+          <a:fillRef idx="0">
+            <a:schemeClr val="accent1"/>
+          </a:fillRef>
+          <a:effectRef idx="1">
+            <a:schemeClr val="accent1"/>
+          </a:effectRef>
+          <a:fontRef idx="minor">
+            <a:schemeClr val="tx1"/>
+          </a:fontRef>
+        </p:style>
+        <p:txBody>
+          <a:bodyPr rtlCol="0" anchor="ctr"/>
+          <a:lstStyle/>
+          <a:p>
+            <a:pPr algn="ctr"/>
+            <a:endParaRPr lang="en-US"/>
+          </a:p>
+        </p:txBody>
+      </p:sp>
     </p:spTree>
     <p:extLst>
       <p:ext uri="{BB962C8B-B14F-4D97-AF65-F5344CB8AC3E}">
@@ -8468,7 +7432,7 @@
 </p:sld>
 </file>
 
-<file path=ppt/slides/slide13.xml><?xml version="1.0" encoding="utf-8"?>
+<file path=ppt/slides/slide12.xml><?xml version="1.0" encoding="utf-8"?>
 <p:sld xmlns:a="http://schemas.openxmlformats.org/drawingml/2006/main" xmlns:r="http://schemas.openxmlformats.org/officeDocument/2006/relationships" xmlns:p="http://schemas.openxmlformats.org/presentationml/2006/main">
   <p:cSld>
     <p:spTree>
@@ -9304,7 +8268,11 @@
             </a:pPr>
             <a:r>
               <a:rPr lang="en-US" dirty="0" smtClean="0"/>
-              <a:t>Optimal substructure and overlapping sub-problems</a:t>
+              <a:t>Overlapping </a:t>
+            </a:r>
+            <a:r>
+              <a:rPr lang="en-US" dirty="0" smtClean="0"/>
+              <a:t>sub-problems</a:t>
             </a:r>
           </a:p>
           <a:p>
@@ -9374,8 +8342,8 @@
         </p:nvSpPr>
         <p:spPr>
           <a:xfrm>
-            <a:off x="741680" y="5608320"/>
-            <a:ext cx="2235200" cy="369332"/>
+            <a:off x="741680" y="5913120"/>
+            <a:ext cx="985520" cy="369332"/>
           </a:xfrm>
           <a:prstGeom prst="rect">
             <a:avLst/>
@@ -9390,11 +8358,91 @@
           <a:p>
             <a:r>
               <a:rPr lang="en-US" dirty="0" smtClean="0"/>
-              <a:t>Dynamic timeline</a:t>
-            </a:r>
-            <a:r>
-              <a:rPr lang="is-IS" dirty="0" smtClean="0"/>
-              <a:t>…</a:t>
+              <a:t>timeline</a:t>
+            </a:r>
+            <a:endParaRPr lang="en-US" dirty="0"/>
+          </a:p>
+        </p:txBody>
+      </p:sp>
+      <p:sp>
+        <p:nvSpPr>
+          <p:cNvPr id="4" name="Down Arrow Callout 3"/>
+          <p:cNvSpPr/>
+          <p:nvPr/>
+        </p:nvSpPr>
+        <p:spPr>
+          <a:xfrm>
+            <a:off x="2430298" y="5410314"/>
+            <a:ext cx="696925" cy="441599"/>
+          </a:xfrm>
+          <a:prstGeom prst="downArrowCallout">
+            <a:avLst/>
+          </a:prstGeom>
+        </p:spPr>
+        <p:style>
+          <a:lnRef idx="1">
+            <a:schemeClr val="accent1"/>
+          </a:lnRef>
+          <a:fillRef idx="3">
+            <a:schemeClr val="accent1"/>
+          </a:fillRef>
+          <a:effectRef idx="2">
+            <a:schemeClr val="accent1"/>
+          </a:effectRef>
+          <a:fontRef idx="minor">
+            <a:schemeClr val="lt1"/>
+          </a:fontRef>
+        </p:style>
+        <p:txBody>
+          <a:bodyPr rtlCol="0" anchor="ctr"/>
+          <a:lstStyle/>
+          <a:p>
+            <a:pPr algn="ctr"/>
+            <a:r>
+              <a:rPr lang="en-US" dirty="0" smtClean="0"/>
+              <a:t>1950</a:t>
+            </a:r>
+            <a:endParaRPr lang="en-US" dirty="0"/>
+          </a:p>
+        </p:txBody>
+      </p:sp>
+      <p:sp>
+        <p:nvSpPr>
+          <p:cNvPr id="7" name="Down Arrow Callout 6"/>
+          <p:cNvSpPr/>
+          <p:nvPr/>
+        </p:nvSpPr>
+        <p:spPr>
+          <a:xfrm>
+            <a:off x="7347738" y="5410314"/>
+            <a:ext cx="696925" cy="441599"/>
+          </a:xfrm>
+          <a:prstGeom prst="downArrowCallout">
+            <a:avLst/>
+          </a:prstGeom>
+        </p:spPr>
+        <p:style>
+          <a:lnRef idx="1">
+            <a:schemeClr val="accent1"/>
+          </a:lnRef>
+          <a:fillRef idx="3">
+            <a:schemeClr val="accent1"/>
+          </a:fillRef>
+          <a:effectRef idx="2">
+            <a:schemeClr val="accent1"/>
+          </a:effectRef>
+          <a:fontRef idx="minor">
+            <a:schemeClr val="lt1"/>
+          </a:fontRef>
+        </p:style>
+        <p:txBody>
+          <a:bodyPr rtlCol="0" anchor="ctr"/>
+          <a:lstStyle/>
+          <a:p>
+            <a:pPr algn="ctr"/>
+            <a:r>
+              <a:rPr lang="en-US" dirty="0" smtClean="0"/>
+              <a:t>2000</a:t>
             </a:r>
             <a:endParaRPr lang="en-US" dirty="0"/>
           </a:p>

--- a/DP - Warehouse Problem.pptx
+++ b/DP - Warehouse Problem.pptx
@@ -5757,14 +5757,14 @@
           <p:nvPr>
             <p:extLst>
               <p:ext uri="{D42A27DB-BD31-4B8C-83A1-F6EECF244321}">
-                <p14:modId xmlns:p14="http://schemas.microsoft.com/office/powerpoint/2010/main" val="878146476"/>
+                <p14:modId xmlns:p14="http://schemas.microsoft.com/office/powerpoint/2010/main" val="2717447363"/>
               </p:ext>
             </p:extLst>
           </p:nvPr>
         </p:nvGraphicFramePr>
         <p:xfrm>
           <a:off x="779463" y="2012007"/>
-          <a:ext cx="7583490" cy="4442546"/>
+          <a:ext cx="7583490" cy="4358743"/>
         </p:xfrm>
         <a:graphic>
           <a:graphicData uri="http://schemas.openxmlformats.org/drawingml/2006/table">
@@ -5965,9 +5965,10 @@
                     <a:bodyPr/>
                     <a:lstStyle/>
                     <a:p>
+                      <a:pPr algn="ctr"/>
                       <a:r>
                         <a:rPr lang="en-US" sz="1400" dirty="0" smtClean="0"/>
-                        <a:t>0</a:t>
+                        <a:t>$0</a:t>
                       </a:r>
                       <a:endParaRPr lang="en-US" sz="1400" dirty="0"/>
                     </a:p>
@@ -6048,10 +6049,12 @@
                     <a:bodyPr/>
                     <a:lstStyle/>
                     <a:p>
+                      <a:pPr algn="ctr"/>
                       <a:r>
                         <a:rPr lang="en-US" sz="1400" dirty="0" smtClean="0"/>
-                        <a:t>4000</a:t>
+                        <a:t>$4000</a:t>
                       </a:r>
+                      <a:endParaRPr lang="en-US" sz="1400" dirty="0" smtClean="0"/>
                     </a:p>
                   </a:txBody>
                   <a:tcPr anchor="ctr"/>
@@ -6130,9 +6133,10 @@
                     <a:bodyPr/>
                     <a:lstStyle/>
                     <a:p>
+                      <a:pPr algn="ctr"/>
                       <a:r>
                         <a:rPr lang="en-US" sz="1400" dirty="0" smtClean="0"/>
-                        <a:t>4000</a:t>
+                        <a:t>$4000</a:t>
                       </a:r>
                       <a:endParaRPr lang="en-US" sz="1400" dirty="0"/>
                     </a:p>
@@ -6213,9 +6217,10 @@
                     <a:bodyPr/>
                     <a:lstStyle/>
                     <a:p>
+                      <a:pPr algn="ctr"/>
                       <a:r>
                         <a:rPr lang="en-US" sz="1400" dirty="0" smtClean="0"/>
-                        <a:t>1 * 500 = 500</a:t>
+                        <a:t>$500</a:t>
                       </a:r>
                       <a:endParaRPr lang="en-US" sz="1400" dirty="0"/>
                     </a:p>
@@ -6296,7 +6301,7 @@
                     <a:bodyPr/>
                     <a:lstStyle/>
                     <a:p>
-                      <a:pPr marL="0" marR="0" indent="0" algn="l" defTabSz="914400" rtl="0" eaLnBrk="1" fontAlgn="auto" latinLnBrk="0" hangingPunct="1">
+                      <a:pPr marL="0" marR="0" indent="0" algn="ctr" defTabSz="914400" rtl="0" eaLnBrk="1" fontAlgn="auto" latinLnBrk="0" hangingPunct="1">
                         <a:lnSpc>
                           <a:spcPct val="100000"/>
                         </a:lnSpc>
@@ -6315,8 +6320,9 @@
                       </a:pPr>
                       <a:r>
                         <a:rPr lang="en-US" sz="1400" dirty="0" smtClean="0"/>
-                        <a:t>1 * 500 = 500</a:t>
+                        <a:t>$500</a:t>
                       </a:r>
+                      <a:endParaRPr lang="en-US" sz="1400" dirty="0" smtClean="0"/>
                     </a:p>
                   </a:txBody>
                   <a:tcPr anchor="ctr"/>
@@ -6395,10 +6401,12 @@
                     <a:bodyPr/>
                     <a:lstStyle/>
                     <a:p>
+                      <a:pPr algn="ctr"/>
                       <a:r>
                         <a:rPr lang="en-US" sz="1400" dirty="0" smtClean="0"/>
-                        <a:t>1 * 500 + 4000 = 4500</a:t>
+                        <a:t>$4500</a:t>
                       </a:r>
+                      <a:endParaRPr lang="en-US" sz="1400" dirty="0" smtClean="0"/>
                     </a:p>
                   </a:txBody>
                   <a:tcPr anchor="ctr"/>
@@ -6477,13 +6485,10 @@
                     <a:bodyPr/>
                     <a:lstStyle/>
                     <a:p>
-                      <a:r>
-                        <a:rPr lang="en-US" sz="1400" dirty="0" smtClean="0"/>
-                        <a:t>1 * 500 + 4000 =</a:t>
-                      </a:r>
+                      <a:pPr algn="ctr"/>
                       <a:r>
                         <a:rPr lang="en-US" sz="1400" baseline="0" dirty="0" smtClean="0"/>
-                        <a:t> 4500</a:t>
+                        <a:t>$4500</a:t>
                       </a:r>
                       <a:endParaRPr lang="en-US" sz="1400" dirty="0"/>
                     </a:p>
@@ -6551,7 +6556,7 @@
           <a:p>
             <a:r>
               <a:rPr lang="en-US" sz="4400" b="1" dirty="0" smtClean="0"/>
-              <a:t>Finally</a:t>
+              <a:t>Overlapping sub-problems</a:t>
             </a:r>
             <a:endParaRPr lang="en-US" sz="4400" b="1" dirty="0"/>
           </a:p>
@@ -6780,11 +6785,7 @@
             <a:pPr algn="ctr"/>
             <a:r>
               <a:rPr lang="en-US" dirty="0" smtClean="0"/>
-              <a:t>3</a:t>
-            </a:r>
-            <a:r>
-              <a:rPr lang="en-US" dirty="0" smtClean="0"/>
-              <a:t>00</a:t>
+              <a:t>300</a:t>
             </a:r>
             <a:endParaRPr lang="en-US" dirty="0"/>
           </a:p>
@@ -7409,6 +7410,674 @@
           <a:p>
             <a:pPr algn="ctr"/>
             <a:endParaRPr lang="en-US"/>
+          </a:p>
+        </p:txBody>
+      </p:sp>
+      <p:sp>
+        <p:nvSpPr>
+          <p:cNvPr id="37" name="Circular Arrow 36"/>
+          <p:cNvSpPr/>
+          <p:nvPr/>
+        </p:nvSpPr>
+        <p:spPr>
+          <a:xfrm rot="10800000">
+            <a:off x="2865120" y="5730240"/>
+            <a:ext cx="386080" cy="548640"/>
+          </a:xfrm>
+          <a:prstGeom prst="circularArrow">
+            <a:avLst/>
+          </a:prstGeom>
+          <a:ln w="3175" cmpd="sng"/>
+          <a:effectLst/>
+          <a:scene3d>
+            <a:camera prst="orthographicFront">
+              <a:rot lat="0" lon="0" rev="0"/>
+            </a:camera>
+            <a:lightRig rig="glow" dir="tl"/>
+          </a:scene3d>
+          <a:sp3d/>
+        </p:spPr>
+        <p:style>
+          <a:lnRef idx="1">
+            <a:schemeClr val="accent1"/>
+          </a:lnRef>
+          <a:fillRef idx="3">
+            <a:schemeClr val="accent1"/>
+          </a:fillRef>
+          <a:effectRef idx="2">
+            <a:schemeClr val="accent1"/>
+          </a:effectRef>
+          <a:fontRef idx="minor">
+            <a:schemeClr val="lt1"/>
+          </a:fontRef>
+        </p:style>
+        <p:txBody>
+          <a:bodyPr rtlCol="0" anchor="ctr"/>
+          <a:lstStyle/>
+          <a:p>
+            <a:pPr algn="ctr"/>
+            <a:endParaRPr lang="en-US">
+              <a:solidFill>
+                <a:schemeClr val="tx1"/>
+              </a:solidFill>
+            </a:endParaRPr>
+          </a:p>
+        </p:txBody>
+      </p:sp>
+      <p:sp>
+        <p:nvSpPr>
+          <p:cNvPr id="38" name="Circular Arrow 37"/>
+          <p:cNvSpPr/>
+          <p:nvPr/>
+        </p:nvSpPr>
+        <p:spPr>
+          <a:xfrm rot="10800000">
+            <a:off x="5618480" y="5760720"/>
+            <a:ext cx="386080" cy="548640"/>
+          </a:xfrm>
+          <a:prstGeom prst="circularArrow">
+            <a:avLst/>
+          </a:prstGeom>
+          <a:ln w="3175" cmpd="sng"/>
+          <a:effectLst/>
+          <a:scene3d>
+            <a:camera prst="orthographicFront">
+              <a:rot lat="0" lon="0" rev="0"/>
+            </a:camera>
+            <a:lightRig rig="glow" dir="tl"/>
+          </a:scene3d>
+          <a:sp3d/>
+        </p:spPr>
+        <p:style>
+          <a:lnRef idx="1">
+            <a:schemeClr val="accent1"/>
+          </a:lnRef>
+          <a:fillRef idx="3">
+            <a:schemeClr val="accent1"/>
+          </a:fillRef>
+          <a:effectRef idx="2">
+            <a:schemeClr val="accent1"/>
+          </a:effectRef>
+          <a:fontRef idx="minor">
+            <a:schemeClr val="lt1"/>
+          </a:fontRef>
+        </p:style>
+        <p:txBody>
+          <a:bodyPr rtlCol="0" anchor="ctr"/>
+          <a:lstStyle/>
+          <a:p>
+            <a:pPr algn="ctr"/>
+            <a:endParaRPr lang="en-US">
+              <a:solidFill>
+                <a:schemeClr val="tx1"/>
+              </a:solidFill>
+            </a:endParaRPr>
+          </a:p>
+        </p:txBody>
+      </p:sp>
+      <p:sp>
+        <p:nvSpPr>
+          <p:cNvPr id="39" name="Circular Arrow 38"/>
+          <p:cNvSpPr/>
+          <p:nvPr/>
+        </p:nvSpPr>
+        <p:spPr>
+          <a:xfrm>
+            <a:off x="2915920" y="3119120"/>
+            <a:ext cx="386080" cy="548640"/>
+          </a:xfrm>
+          <a:prstGeom prst="circularArrow">
+            <a:avLst/>
+          </a:prstGeom>
+          <a:ln w="3175" cmpd="sng"/>
+          <a:effectLst/>
+          <a:scene3d>
+            <a:camera prst="orthographicFront">
+              <a:rot lat="0" lon="0" rev="0"/>
+            </a:camera>
+            <a:lightRig rig="glow" dir="tl"/>
+          </a:scene3d>
+          <a:sp3d/>
+        </p:spPr>
+        <p:style>
+          <a:lnRef idx="1">
+            <a:schemeClr val="accent1"/>
+          </a:lnRef>
+          <a:fillRef idx="3">
+            <a:schemeClr val="accent1"/>
+          </a:fillRef>
+          <a:effectRef idx="2">
+            <a:schemeClr val="accent1"/>
+          </a:effectRef>
+          <a:fontRef idx="minor">
+            <a:schemeClr val="lt1"/>
+          </a:fontRef>
+        </p:style>
+        <p:txBody>
+          <a:bodyPr rtlCol="0" anchor="ctr"/>
+          <a:lstStyle/>
+          <a:p>
+            <a:pPr algn="ctr"/>
+            <a:endParaRPr lang="en-US">
+              <a:solidFill>
+                <a:schemeClr val="tx1"/>
+              </a:solidFill>
+            </a:endParaRPr>
+          </a:p>
+        </p:txBody>
+      </p:sp>
+      <p:sp>
+        <p:nvSpPr>
+          <p:cNvPr id="40" name="Circular Arrow 39"/>
+          <p:cNvSpPr/>
+          <p:nvPr/>
+        </p:nvSpPr>
+        <p:spPr>
+          <a:xfrm>
+            <a:off x="5618480" y="3119120"/>
+            <a:ext cx="386080" cy="548640"/>
+          </a:xfrm>
+          <a:prstGeom prst="circularArrow">
+            <a:avLst/>
+          </a:prstGeom>
+          <a:ln w="3175" cmpd="sng"/>
+          <a:effectLst/>
+          <a:scene3d>
+            <a:camera prst="orthographicFront">
+              <a:rot lat="0" lon="0" rev="0"/>
+            </a:camera>
+            <a:lightRig rig="glow" dir="tl"/>
+          </a:scene3d>
+          <a:sp3d/>
+        </p:spPr>
+        <p:style>
+          <a:lnRef idx="1">
+            <a:schemeClr val="accent1"/>
+          </a:lnRef>
+          <a:fillRef idx="3">
+            <a:schemeClr val="accent1"/>
+          </a:fillRef>
+          <a:effectRef idx="2">
+            <a:schemeClr val="accent1"/>
+          </a:effectRef>
+          <a:fontRef idx="minor">
+            <a:schemeClr val="lt1"/>
+          </a:fontRef>
+        </p:style>
+        <p:txBody>
+          <a:bodyPr rtlCol="0" anchor="ctr"/>
+          <a:lstStyle/>
+          <a:p>
+            <a:pPr algn="ctr"/>
+            <a:endParaRPr lang="en-US">
+              <a:solidFill>
+                <a:schemeClr val="tx1"/>
+              </a:solidFill>
+            </a:endParaRPr>
+          </a:p>
+        </p:txBody>
+      </p:sp>
+      <p:sp>
+        <p:nvSpPr>
+          <p:cNvPr id="16" name="TextBox 15"/>
+          <p:cNvSpPr txBox="1"/>
+          <p:nvPr/>
+        </p:nvSpPr>
+        <p:spPr>
+          <a:xfrm>
+            <a:off x="3048893" y="4511040"/>
+            <a:ext cx="303013" cy="369332"/>
+          </a:xfrm>
+          <a:prstGeom prst="rect">
+            <a:avLst/>
+          </a:prstGeom>
+          <a:noFill/>
+        </p:spPr>
+        <p:txBody>
+          <a:bodyPr wrap="none" rtlCol="0">
+            <a:spAutoFit/>
+          </a:bodyPr>
+          <a:lstStyle/>
+          <a:p>
+            <a:r>
+              <a:rPr lang="en-US" dirty="0"/>
+              <a:t>$</a:t>
+            </a:r>
+          </a:p>
+        </p:txBody>
+      </p:sp>
+      <p:sp>
+        <p:nvSpPr>
+          <p:cNvPr id="41" name="TextBox 40"/>
+          <p:cNvSpPr txBox="1"/>
+          <p:nvPr/>
+        </p:nvSpPr>
+        <p:spPr>
+          <a:xfrm>
+            <a:off x="2697800" y="4511040"/>
+            <a:ext cx="275466" cy="369332"/>
+          </a:xfrm>
+          <a:prstGeom prst="rect">
+            <a:avLst/>
+          </a:prstGeom>
+          <a:noFill/>
+        </p:spPr>
+        <p:txBody>
+          <a:bodyPr wrap="none" rtlCol="0">
+            <a:spAutoFit/>
+          </a:bodyPr>
+          <a:lstStyle/>
+          <a:p>
+            <a:r>
+              <a:rPr lang="en-US" dirty="0"/>
+              <a:t>$</a:t>
+            </a:r>
+          </a:p>
+        </p:txBody>
+      </p:sp>
+      <p:sp>
+        <p:nvSpPr>
+          <p:cNvPr id="42" name="TextBox 41"/>
+          <p:cNvSpPr txBox="1"/>
+          <p:nvPr/>
+        </p:nvSpPr>
+        <p:spPr>
+          <a:xfrm>
+            <a:off x="3993773" y="4937268"/>
+            <a:ext cx="303013" cy="369332"/>
+          </a:xfrm>
+          <a:prstGeom prst="rect">
+            <a:avLst/>
+          </a:prstGeom>
+          <a:noFill/>
+        </p:spPr>
+        <p:txBody>
+          <a:bodyPr wrap="none" rtlCol="0">
+            <a:spAutoFit/>
+          </a:bodyPr>
+          <a:lstStyle/>
+          <a:p>
+            <a:r>
+              <a:rPr lang="en-US" dirty="0"/>
+              <a:t>$</a:t>
+            </a:r>
+          </a:p>
+        </p:txBody>
+      </p:sp>
+      <p:sp>
+        <p:nvSpPr>
+          <p:cNvPr id="43" name="TextBox 42"/>
+          <p:cNvSpPr txBox="1"/>
+          <p:nvPr/>
+        </p:nvSpPr>
+        <p:spPr>
+          <a:xfrm>
+            <a:off x="4569319" y="4101068"/>
+            <a:ext cx="303013" cy="369332"/>
+          </a:xfrm>
+          <a:prstGeom prst="rect">
+            <a:avLst/>
+          </a:prstGeom>
+          <a:noFill/>
+        </p:spPr>
+        <p:txBody>
+          <a:bodyPr wrap="none" rtlCol="0">
+            <a:spAutoFit/>
+          </a:bodyPr>
+          <a:lstStyle/>
+          <a:p>
+            <a:r>
+              <a:rPr lang="en-US" dirty="0"/>
+              <a:t>$</a:t>
+            </a:r>
+          </a:p>
+        </p:txBody>
+      </p:sp>
+      <p:sp>
+        <p:nvSpPr>
+          <p:cNvPr id="44" name="TextBox 43"/>
+          <p:cNvSpPr txBox="1"/>
+          <p:nvPr/>
+        </p:nvSpPr>
+        <p:spPr>
+          <a:xfrm>
+            <a:off x="4340796" y="5303623"/>
+            <a:ext cx="303013" cy="369332"/>
+          </a:xfrm>
+          <a:prstGeom prst="rect">
+            <a:avLst/>
+          </a:prstGeom>
+          <a:noFill/>
+        </p:spPr>
+        <p:txBody>
+          <a:bodyPr wrap="none" rtlCol="0">
+            <a:spAutoFit/>
+          </a:bodyPr>
+          <a:lstStyle/>
+          <a:p>
+            <a:r>
+              <a:rPr lang="en-US" dirty="0"/>
+              <a:t>$</a:t>
+            </a:r>
+          </a:p>
+        </p:txBody>
+      </p:sp>
+      <p:sp>
+        <p:nvSpPr>
+          <p:cNvPr id="45" name="TextBox 44"/>
+          <p:cNvSpPr txBox="1"/>
+          <p:nvPr/>
+        </p:nvSpPr>
+        <p:spPr>
+          <a:xfrm>
+            <a:off x="4340796" y="5672955"/>
+            <a:ext cx="303013" cy="369332"/>
+          </a:xfrm>
+          <a:prstGeom prst="rect">
+            <a:avLst/>
+          </a:prstGeom>
+          <a:noFill/>
+        </p:spPr>
+        <p:txBody>
+          <a:bodyPr wrap="none" rtlCol="0">
+            <a:spAutoFit/>
+          </a:bodyPr>
+          <a:lstStyle/>
+          <a:p>
+            <a:r>
+              <a:rPr lang="en-US" dirty="0"/>
+              <a:t>$</a:t>
+            </a:r>
+          </a:p>
+        </p:txBody>
+      </p:sp>
+      <p:sp>
+        <p:nvSpPr>
+          <p:cNvPr id="46" name="TextBox 45"/>
+          <p:cNvSpPr txBox="1"/>
+          <p:nvPr/>
+        </p:nvSpPr>
+        <p:spPr>
+          <a:xfrm>
+            <a:off x="4296786" y="3267948"/>
+            <a:ext cx="303013" cy="369332"/>
+          </a:xfrm>
+          <a:prstGeom prst="rect">
+            <a:avLst/>
+          </a:prstGeom>
+          <a:noFill/>
+        </p:spPr>
+        <p:txBody>
+          <a:bodyPr wrap="none" rtlCol="0">
+            <a:spAutoFit/>
+          </a:bodyPr>
+          <a:lstStyle/>
+          <a:p>
+            <a:r>
+              <a:rPr lang="en-US" dirty="0"/>
+              <a:t>$</a:t>
+            </a:r>
+          </a:p>
+        </p:txBody>
+      </p:sp>
+      <p:sp>
+        <p:nvSpPr>
+          <p:cNvPr id="47" name="TextBox 46"/>
+          <p:cNvSpPr txBox="1"/>
+          <p:nvPr/>
+        </p:nvSpPr>
+        <p:spPr>
+          <a:xfrm>
+            <a:off x="4296786" y="3674348"/>
+            <a:ext cx="303013" cy="369332"/>
+          </a:xfrm>
+          <a:prstGeom prst="rect">
+            <a:avLst/>
+          </a:prstGeom>
+          <a:noFill/>
+        </p:spPr>
+        <p:txBody>
+          <a:bodyPr wrap="none" rtlCol="0">
+            <a:spAutoFit/>
+          </a:bodyPr>
+          <a:lstStyle/>
+          <a:p>
+            <a:r>
+              <a:rPr lang="en-US" dirty="0"/>
+              <a:t>$</a:t>
+            </a:r>
+          </a:p>
+        </p:txBody>
+      </p:sp>
+      <p:sp>
+        <p:nvSpPr>
+          <p:cNvPr id="48" name="TextBox 47"/>
+          <p:cNvSpPr txBox="1"/>
+          <p:nvPr/>
+        </p:nvSpPr>
+        <p:spPr>
+          <a:xfrm>
+            <a:off x="5518667" y="4478774"/>
+            <a:ext cx="303013" cy="369332"/>
+          </a:xfrm>
+          <a:prstGeom prst="rect">
+            <a:avLst/>
+          </a:prstGeom>
+          <a:noFill/>
+        </p:spPr>
+        <p:txBody>
+          <a:bodyPr wrap="none" rtlCol="0">
+            <a:spAutoFit/>
+          </a:bodyPr>
+          <a:lstStyle/>
+          <a:p>
+            <a:r>
+              <a:rPr lang="en-US" dirty="0"/>
+              <a:t>$</a:t>
+            </a:r>
+          </a:p>
+        </p:txBody>
+      </p:sp>
+      <p:sp>
+        <p:nvSpPr>
+          <p:cNvPr id="49" name="TextBox 48"/>
+          <p:cNvSpPr txBox="1"/>
+          <p:nvPr/>
+        </p:nvSpPr>
+        <p:spPr>
+          <a:xfrm>
+            <a:off x="5891072" y="4490720"/>
+            <a:ext cx="303013" cy="369332"/>
+          </a:xfrm>
+          <a:prstGeom prst="rect">
+            <a:avLst/>
+          </a:prstGeom>
+          <a:noFill/>
+        </p:spPr>
+        <p:txBody>
+          <a:bodyPr wrap="none" rtlCol="0">
+            <a:spAutoFit/>
+          </a:bodyPr>
+          <a:lstStyle/>
+          <a:p>
+            <a:r>
+              <a:rPr lang="en-US" dirty="0"/>
+              <a:t>$</a:t>
+            </a:r>
+          </a:p>
+        </p:txBody>
+      </p:sp>
+      <p:sp>
+        <p:nvSpPr>
+          <p:cNvPr id="50" name="TextBox 49"/>
+          <p:cNvSpPr txBox="1"/>
+          <p:nvPr/>
+        </p:nvSpPr>
+        <p:spPr>
+          <a:xfrm>
+            <a:off x="4016031" y="4104640"/>
+            <a:ext cx="303013" cy="369332"/>
+          </a:xfrm>
+          <a:prstGeom prst="rect">
+            <a:avLst/>
+          </a:prstGeom>
+          <a:noFill/>
+        </p:spPr>
+        <p:txBody>
+          <a:bodyPr wrap="none" rtlCol="0">
+            <a:spAutoFit/>
+          </a:bodyPr>
+          <a:lstStyle/>
+          <a:p>
+            <a:r>
+              <a:rPr lang="en-US" dirty="0"/>
+              <a:t>$</a:t>
+            </a:r>
+          </a:p>
+        </p:txBody>
+      </p:sp>
+      <p:sp>
+        <p:nvSpPr>
+          <p:cNvPr id="51" name="TextBox 50"/>
+          <p:cNvSpPr txBox="1"/>
+          <p:nvPr/>
+        </p:nvSpPr>
+        <p:spPr>
+          <a:xfrm>
+            <a:off x="4650599" y="4934291"/>
+            <a:ext cx="303013" cy="369332"/>
+          </a:xfrm>
+          <a:prstGeom prst="rect">
+            <a:avLst/>
+          </a:prstGeom>
+          <a:noFill/>
+        </p:spPr>
+        <p:txBody>
+          <a:bodyPr wrap="none" rtlCol="0">
+            <a:spAutoFit/>
+          </a:bodyPr>
+          <a:lstStyle/>
+          <a:p>
+            <a:r>
+              <a:rPr lang="en-US" dirty="0"/>
+              <a:t>$</a:t>
+            </a:r>
+          </a:p>
+        </p:txBody>
+      </p:sp>
+      <p:sp>
+        <p:nvSpPr>
+          <p:cNvPr id="52" name="TextBox 51"/>
+          <p:cNvSpPr txBox="1"/>
+          <p:nvPr/>
+        </p:nvSpPr>
+        <p:spPr>
+          <a:xfrm>
+            <a:off x="2959930" y="3094736"/>
+            <a:ext cx="303013" cy="369332"/>
+          </a:xfrm>
+          <a:prstGeom prst="rect">
+            <a:avLst/>
+          </a:prstGeom>
+          <a:noFill/>
+        </p:spPr>
+        <p:txBody>
+          <a:bodyPr wrap="none" rtlCol="0">
+            <a:spAutoFit/>
+          </a:bodyPr>
+          <a:lstStyle/>
+          <a:p>
+            <a:r>
+              <a:rPr lang="en-US" dirty="0"/>
+              <a:t>$</a:t>
+            </a:r>
+          </a:p>
+        </p:txBody>
+      </p:sp>
+      <p:sp>
+        <p:nvSpPr>
+          <p:cNvPr id="53" name="TextBox 52"/>
+          <p:cNvSpPr txBox="1"/>
+          <p:nvPr/>
+        </p:nvSpPr>
+        <p:spPr>
+          <a:xfrm>
+            <a:off x="2906653" y="5847461"/>
+            <a:ext cx="303013" cy="369332"/>
+          </a:xfrm>
+          <a:prstGeom prst="rect">
+            <a:avLst/>
+          </a:prstGeom>
+          <a:noFill/>
+        </p:spPr>
+        <p:txBody>
+          <a:bodyPr wrap="none" rtlCol="0">
+            <a:spAutoFit/>
+          </a:bodyPr>
+          <a:lstStyle/>
+          <a:p>
+            <a:r>
+              <a:rPr lang="en-US" dirty="0"/>
+              <a:t>$</a:t>
+            </a:r>
+          </a:p>
+        </p:txBody>
+      </p:sp>
+      <p:sp>
+        <p:nvSpPr>
+          <p:cNvPr id="54" name="TextBox 53"/>
+          <p:cNvSpPr txBox="1"/>
+          <p:nvPr/>
+        </p:nvSpPr>
+        <p:spPr>
+          <a:xfrm>
+            <a:off x="5660013" y="5864312"/>
+            <a:ext cx="303013" cy="369332"/>
+          </a:xfrm>
+          <a:prstGeom prst="rect">
+            <a:avLst/>
+          </a:prstGeom>
+          <a:noFill/>
+        </p:spPr>
+        <p:txBody>
+          <a:bodyPr wrap="none" rtlCol="0">
+            <a:spAutoFit/>
+          </a:bodyPr>
+          <a:lstStyle/>
+          <a:p>
+            <a:r>
+              <a:rPr lang="en-US" dirty="0"/>
+              <a:t>$</a:t>
+            </a:r>
+          </a:p>
+        </p:txBody>
+      </p:sp>
+      <p:sp>
+        <p:nvSpPr>
+          <p:cNvPr id="55" name="TextBox 54"/>
+          <p:cNvSpPr txBox="1"/>
+          <p:nvPr/>
+        </p:nvSpPr>
+        <p:spPr>
+          <a:xfrm>
+            <a:off x="5663383" y="3108960"/>
+            <a:ext cx="303013" cy="369332"/>
+          </a:xfrm>
+          <a:prstGeom prst="rect">
+            <a:avLst/>
+          </a:prstGeom>
+          <a:noFill/>
+        </p:spPr>
+        <p:txBody>
+          <a:bodyPr wrap="none" rtlCol="0">
+            <a:spAutoFit/>
+          </a:bodyPr>
+          <a:lstStyle/>
+          <a:p>
+            <a:r>
+              <a:rPr lang="en-US" dirty="0"/>
+              <a:t>$</a:t>
+            </a:r>
           </a:p>
         </p:txBody>
       </p:sp>
@@ -8268,11 +8937,7 @@
             </a:pPr>
             <a:r>
               <a:rPr lang="en-US" dirty="0" smtClean="0"/>
-              <a:t>Overlapping </a:t>
-            </a:r>
-            <a:r>
-              <a:rPr lang="en-US" dirty="0" smtClean="0"/>
-              <a:t>sub-problems</a:t>
+              <a:t>Overlapping sub-problems</a:t>
             </a:r>
           </a:p>
           <a:p>
@@ -9016,7 +9681,7 @@
           <p:nvPr>
             <p:extLst>
               <p:ext uri="{D42A27DB-BD31-4B8C-83A1-F6EECF244321}">
-                <p14:modId xmlns:p14="http://schemas.microsoft.com/office/powerpoint/2010/main" val="26649481"/>
+                <p14:modId xmlns:p14="http://schemas.microsoft.com/office/powerpoint/2010/main" val="3935449654"/>
               </p:ext>
             </p:extLst>
           </p:nvPr>
@@ -9227,7 +9892,7 @@
                       <a:pPr algn="ctr"/>
                       <a:r>
                         <a:rPr lang="en-US" sz="1400" dirty="0" smtClean="0"/>
-                        <a:t>= 4000</a:t>
+                        <a:t>$4000</a:t>
                       </a:r>
                       <a:endParaRPr lang="en-US" sz="1400" dirty="0"/>
                     </a:p>
@@ -9307,7 +9972,7 @@
                       <a:pPr algn="ctr"/>
                       <a:r>
                         <a:rPr lang="en-US" sz="1400" dirty="0" smtClean="0"/>
-                        <a:t>500 * 1 = 500 </a:t>
+                        <a:t>$500</a:t>
                       </a:r>
                       <a:endParaRPr lang="en-US" sz="1400" dirty="0"/>
                     </a:p>
@@ -9387,7 +10052,7 @@
                       <a:pPr algn="ctr"/>
                       <a:r>
                         <a:rPr lang="en-US" sz="1400" dirty="0" smtClean="0"/>
-                        <a:t>500 * 2 = 1000</a:t>
+                        <a:t>$1000</a:t>
                       </a:r>
                       <a:endParaRPr lang="en-US" sz="1400" dirty="0"/>
                     </a:p>
@@ -9466,12 +10131,8 @@
                     <a:p>
                       <a:pPr algn="ctr"/>
                       <a:r>
-                        <a:rPr lang="en-US" sz="1400" dirty="0" smtClean="0"/>
-                        <a:t>500</a:t>
-                      </a:r>
-                      <a:r>
                         <a:rPr lang="en-US" sz="1400" baseline="0" dirty="0" smtClean="0"/>
-                        <a:t> * 3 = 1500</a:t>
+                        <a:t>$1500</a:t>
                       </a:r>
                       <a:endParaRPr lang="en-US" sz="1400" dirty="0"/>
                     </a:p>

--- a/DP - Warehouse Problem.pptx
+++ b/DP - Warehouse Problem.pptx
@@ -13,10 +13,8 @@
     <p:sldId id="261" r:id="rId7"/>
     <p:sldId id="262" r:id="rId8"/>
     <p:sldId id="263" r:id="rId9"/>
-    <p:sldId id="266" r:id="rId10"/>
-    <p:sldId id="267" r:id="rId11"/>
-    <p:sldId id="264" r:id="rId12"/>
-    <p:sldId id="265" r:id="rId13"/>
+    <p:sldId id="264" r:id="rId10"/>
+    <p:sldId id="265" r:id="rId11"/>
   </p:sldIdLst>
   <p:sldSz cx="9144000" cy="6858000" type="screen4x3"/>
   <p:notesSz cx="6858000" cy="9144000"/>
@@ -5669,2474 +5667,6 @@
           <a:p>
             <a:r>
               <a:rPr lang="en-US" sz="4400" b="1" dirty="0" smtClean="0"/>
-              <a:t>Second step</a:t>
-            </a:r>
-            <a:endParaRPr lang="en-US" sz="4400" b="1" dirty="0"/>
-          </a:p>
-        </p:txBody>
-      </p:sp>
-      <p:sp>
-        <p:nvSpPr>
-          <p:cNvPr id="3" name="Content Placeholder 2"/>
-          <p:cNvSpPr>
-            <a:spLocks noGrp="1"/>
-          </p:cNvSpPr>
-          <p:nvPr>
-            <p:ph idx="1"/>
-          </p:nvPr>
-        </p:nvSpPr>
-        <p:spPr>
-          <a:xfrm>
-            <a:off x="779463" y="1949824"/>
-            <a:ext cx="7583488" cy="4359536"/>
-          </a:xfrm>
-        </p:spPr>
-        <p:txBody>
-          <a:bodyPr>
-            <a:normAutofit/>
-          </a:bodyPr>
-          <a:lstStyle/>
-          <a:p>
-            <a:pPr marL="0" indent="0">
-              <a:buNone/>
-            </a:pPr>
-            <a:endParaRPr lang="is-IS" dirty="0" smtClean="0"/>
-          </a:p>
-          <a:p>
-            <a:pPr>
-              <a:buFont typeface="Arial"/>
-              <a:buChar char="•"/>
-            </a:pPr>
-            <a:endParaRPr lang="is-IS" dirty="0" smtClean="0"/>
-          </a:p>
-          <a:p>
-            <a:pPr>
-              <a:buFont typeface="Arial"/>
-              <a:buChar char="•"/>
-            </a:pPr>
-            <a:endParaRPr lang="is-IS" dirty="0" smtClean="0"/>
-          </a:p>
-          <a:p>
-            <a:pPr>
-              <a:lnSpc>
-                <a:spcPct val="50000"/>
-              </a:lnSpc>
-              <a:buFont typeface="Arial"/>
-              <a:buChar char="•"/>
-            </a:pPr>
-            <a:endParaRPr lang="is-IS" sz="1400" dirty="0" smtClean="0"/>
-          </a:p>
-          <a:p>
-            <a:pPr>
-              <a:lnSpc>
-                <a:spcPct val="50000"/>
-              </a:lnSpc>
-              <a:buFont typeface="Arial"/>
-              <a:buChar char="•"/>
-            </a:pPr>
-            <a:endParaRPr lang="is-IS" sz="1400" dirty="0"/>
-          </a:p>
-          <a:p>
-            <a:pPr>
-              <a:lnSpc>
-                <a:spcPct val="50000"/>
-              </a:lnSpc>
-              <a:buFont typeface="Arial"/>
-              <a:buChar char="•"/>
-            </a:pPr>
-            <a:endParaRPr lang="is-IS" sz="1400" dirty="0"/>
-          </a:p>
-        </p:txBody>
-      </p:sp>
-      <p:graphicFrame>
-        <p:nvGraphicFramePr>
-          <p:cNvPr id="5" name="Table 4"/>
-          <p:cNvGraphicFramePr>
-            <a:graphicFrameLocks noGrp="1"/>
-          </p:cNvGraphicFramePr>
-          <p:nvPr>
-            <p:extLst>
-              <p:ext uri="{D42A27DB-BD31-4B8C-83A1-F6EECF244321}">
-                <p14:modId xmlns:p14="http://schemas.microsoft.com/office/powerpoint/2010/main" val="2717447363"/>
-              </p:ext>
-            </p:extLst>
-          </p:nvPr>
-        </p:nvGraphicFramePr>
-        <p:xfrm>
-          <a:off x="779463" y="2012007"/>
-          <a:ext cx="7583490" cy="4358743"/>
-        </p:xfrm>
-        <a:graphic>
-          <a:graphicData uri="http://schemas.openxmlformats.org/drawingml/2006/table">
-            <a:tbl>
-              <a:tblPr firstRow="1" bandRow="1">
-                <a:tableStyleId>{5C22544A-7EE6-4342-B048-85BDC9FD1C3A}</a:tableStyleId>
-              </a:tblPr>
-              <a:tblGrid>
-                <a:gridCol w="1263915"/>
-                <a:gridCol w="1263915"/>
-                <a:gridCol w="1263915"/>
-                <a:gridCol w="1263915"/>
-                <a:gridCol w="1263915"/>
-                <a:gridCol w="1263915"/>
-              </a:tblGrid>
-              <a:tr h="1024937">
-                <a:tc>
-                  <a:txBody>
-                    <a:bodyPr/>
-                    <a:lstStyle/>
-                    <a:p>
-                      <a:pPr algn="ctr"/>
-                      <a:r>
-                        <a:rPr lang="en-US" sz="1400" dirty="0" smtClean="0"/>
-                        <a:t>Month</a:t>
-                      </a:r>
-                      <a:endParaRPr lang="en-US" sz="1400" dirty="0"/>
-                    </a:p>
-                  </a:txBody>
-                  <a:tcPr anchor="ctr"/>
-                </a:tc>
-                <a:tc>
-                  <a:txBody>
-                    <a:bodyPr/>
-                    <a:lstStyle/>
-                    <a:p>
-                      <a:pPr algn="ctr"/>
-                      <a:r>
-                        <a:rPr lang="en-US" sz="1400" dirty="0" smtClean="0"/>
-                        <a:t>Number</a:t>
-                      </a:r>
-                      <a:r>
-                        <a:rPr lang="en-US" sz="1400" baseline="0" dirty="0" smtClean="0"/>
-                        <a:t> of items to be delivered that month</a:t>
-                      </a:r>
-                      <a:endParaRPr lang="en-US" sz="1400" dirty="0"/>
-                    </a:p>
-                  </a:txBody>
-                  <a:tcPr anchor="ctr"/>
-                </a:tc>
-                <a:tc>
-                  <a:txBody>
-                    <a:bodyPr/>
-                    <a:lstStyle/>
-                    <a:p>
-                      <a:pPr algn="ctr"/>
-                      <a:r>
-                        <a:rPr lang="en-US" sz="1400" dirty="0" smtClean="0"/>
-                        <a:t>Number</a:t>
-                      </a:r>
-                      <a:r>
-                        <a:rPr lang="en-US" sz="1400" baseline="0" dirty="0" smtClean="0"/>
-                        <a:t> of items in stock at start of month</a:t>
-                      </a:r>
-                      <a:endParaRPr lang="en-US" sz="1400" dirty="0"/>
-                    </a:p>
-                  </a:txBody>
-                  <a:tcPr anchor="ctr"/>
-                </a:tc>
-                <a:tc>
-                  <a:txBody>
-                    <a:bodyPr/>
-                    <a:lstStyle/>
-                    <a:p>
-                      <a:pPr algn="ctr"/>
-                      <a:r>
-                        <a:rPr lang="en-US" sz="1400" dirty="0" smtClean="0"/>
-                        <a:t>Production</a:t>
-                      </a:r>
-                      <a:endParaRPr lang="en-US" sz="1400" dirty="0"/>
-                    </a:p>
-                  </a:txBody>
-                  <a:tcPr anchor="ctr"/>
-                </a:tc>
-                <a:tc>
-                  <a:txBody>
-                    <a:bodyPr/>
-                    <a:lstStyle/>
-                    <a:p>
-                      <a:pPr algn="ctr"/>
-                      <a:r>
-                        <a:rPr lang="en-US" sz="1400" dirty="0" smtClean="0"/>
-                        <a:t>Number of</a:t>
-                      </a:r>
-                      <a:r>
-                        <a:rPr lang="en-US" sz="1400" baseline="0" dirty="0" smtClean="0"/>
-                        <a:t> items in stock at end of month</a:t>
-                      </a:r>
-                      <a:endParaRPr lang="en-US" sz="1400" dirty="0"/>
-                    </a:p>
-                  </a:txBody>
-                  <a:tcPr anchor="ctr"/>
-                </a:tc>
-                <a:tc>
-                  <a:txBody>
-                    <a:bodyPr/>
-                    <a:lstStyle/>
-                    <a:p>
-                      <a:pPr algn="ctr"/>
-                      <a:r>
-                        <a:rPr lang="en-US" sz="1400" dirty="0" smtClean="0"/>
-                        <a:t>Cost</a:t>
-                      </a:r>
-                      <a:endParaRPr lang="en-US" sz="1400" dirty="0"/>
-                    </a:p>
-                  </a:txBody>
-                  <a:tcPr anchor="ctr"/>
-                </a:tc>
-              </a:tr>
-              <a:tr h="476258">
-                <a:tc rowSpan="7">
-                  <a:txBody>
-                    <a:bodyPr/>
-                    <a:lstStyle/>
-                    <a:p>
-                      <a:pPr algn="ctr"/>
-                      <a:r>
-                        <a:rPr lang="en-US" sz="1400" dirty="0" smtClean="0"/>
-                        <a:t>November</a:t>
-                      </a:r>
-                      <a:endParaRPr lang="en-US" sz="1400" dirty="0"/>
-                    </a:p>
-                  </a:txBody>
-                  <a:tcPr anchor="ctr"/>
-                </a:tc>
-                <a:tc rowSpan="7">
-                  <a:txBody>
-                    <a:bodyPr/>
-                    <a:lstStyle/>
-                    <a:p>
-                      <a:pPr algn="ctr"/>
-                      <a:r>
-                        <a:rPr lang="en-US" sz="1400" dirty="0" smtClean="0"/>
-                        <a:t>200</a:t>
-                      </a:r>
-                      <a:endParaRPr lang="en-US" sz="1400" dirty="0"/>
-                    </a:p>
-                  </a:txBody>
-                  <a:tcPr anchor="ctr"/>
-                </a:tc>
-                <a:tc>
-                  <a:txBody>
-                    <a:bodyPr/>
-                    <a:lstStyle/>
-                    <a:p>
-                      <a:pPr algn="ctr"/>
-                      <a:r>
-                        <a:rPr lang="en-US" sz="1400" dirty="0" smtClean="0"/>
-                        <a:t>0</a:t>
-                      </a:r>
-                      <a:endParaRPr lang="en-US" sz="1400" dirty="0"/>
-                    </a:p>
-                  </a:txBody>
-                  <a:tcPr anchor="ctr"/>
-                </a:tc>
-                <a:tc>
-                  <a:txBody>
-                    <a:bodyPr/>
-                    <a:lstStyle/>
-                    <a:p>
-                      <a:pPr algn="ctr"/>
-                      <a:r>
-                        <a:rPr lang="en-US" sz="1400" dirty="0" smtClean="0"/>
-                        <a:t>200</a:t>
-                      </a:r>
-                      <a:endParaRPr lang="en-US" sz="1400" dirty="0"/>
-                    </a:p>
-                  </a:txBody>
-                  <a:tcPr anchor="ctr"/>
-                </a:tc>
-                <a:tc>
-                  <a:txBody>
-                    <a:bodyPr/>
-                    <a:lstStyle/>
-                    <a:p>
-                      <a:pPr algn="ctr"/>
-                      <a:r>
-                        <a:rPr lang="en-US" sz="1400" dirty="0" smtClean="0"/>
-                        <a:t>0</a:t>
-                      </a:r>
-                      <a:endParaRPr lang="en-US" sz="1400" dirty="0"/>
-                    </a:p>
-                  </a:txBody>
-                  <a:tcPr anchor="ctr"/>
-                </a:tc>
-                <a:tc>
-                  <a:txBody>
-                    <a:bodyPr/>
-                    <a:lstStyle/>
-                    <a:p>
-                      <a:pPr algn="ctr"/>
-                      <a:r>
-                        <a:rPr lang="en-US" sz="1400" dirty="0" smtClean="0"/>
-                        <a:t>$0</a:t>
-                      </a:r>
-                      <a:endParaRPr lang="en-US" sz="1400" dirty="0"/>
-                    </a:p>
-                  </a:txBody>
-                  <a:tcPr anchor="ctr"/>
-                </a:tc>
-              </a:tr>
-              <a:tr h="476258">
-                <a:tc vMerge="1">
-                  <a:txBody>
-                    <a:bodyPr/>
-                    <a:lstStyle/>
-                    <a:p>
-                      <a:pPr algn="ctr"/>
-                      <a:endParaRPr lang="en-US" sz="1400" dirty="0"/>
-                    </a:p>
-                  </a:txBody>
-                  <a:tcPr anchor="ctr"/>
-                </a:tc>
-                <a:tc vMerge="1">
-                  <a:txBody>
-                    <a:bodyPr/>
-                    <a:lstStyle/>
-                    <a:p>
-                      <a:pPr algn="ctr"/>
-                      <a:endParaRPr lang="en-US" sz="1400" dirty="0"/>
-                    </a:p>
-                  </a:txBody>
-                  <a:tcPr anchor="ctr"/>
-                </a:tc>
-                <a:tc>
-                  <a:txBody>
-                    <a:bodyPr/>
-                    <a:lstStyle/>
-                    <a:p>
-                      <a:pPr algn="ctr"/>
-                      <a:r>
-                        <a:rPr lang="en-US" sz="1400" dirty="0" smtClean="0"/>
-                        <a:t>0</a:t>
-                      </a:r>
-                      <a:endParaRPr lang="en-US" sz="1400" dirty="0"/>
-                    </a:p>
-                  </a:txBody>
-                  <a:tcPr anchor="ctr"/>
-                </a:tc>
-                <a:tc>
-                  <a:txBody>
-                    <a:bodyPr/>
-                    <a:lstStyle/>
-                    <a:p>
-                      <a:pPr algn="ctr"/>
-                      <a:r>
-                        <a:rPr lang="en-US" sz="1400" dirty="0" smtClean="0"/>
-                        <a:t>300</a:t>
-                      </a:r>
-                      <a:endParaRPr lang="en-US" sz="1400" dirty="0"/>
-                    </a:p>
-                  </a:txBody>
-                  <a:tcPr anchor="ctr"/>
-                </a:tc>
-                <a:tc>
-                  <a:txBody>
-                    <a:bodyPr/>
-                    <a:lstStyle/>
-                    <a:p>
-                      <a:pPr algn="ctr"/>
-                      <a:r>
-                        <a:rPr lang="en-US" sz="1400" dirty="0" smtClean="0"/>
-                        <a:t>100</a:t>
-                      </a:r>
-                      <a:endParaRPr lang="en-US" sz="1400" dirty="0"/>
-                    </a:p>
-                  </a:txBody>
-                  <a:tcPr anchor="ctr"/>
-                </a:tc>
-                <a:tc>
-                  <a:txBody>
-                    <a:bodyPr/>
-                    <a:lstStyle/>
-                    <a:p>
-                      <a:pPr algn="ctr"/>
-                      <a:r>
-                        <a:rPr lang="en-US" sz="1400" dirty="0" smtClean="0"/>
-                        <a:t>$4000</a:t>
-                      </a:r>
-                      <a:endParaRPr lang="en-US" sz="1400" dirty="0" smtClean="0"/>
-                    </a:p>
-                  </a:txBody>
-                  <a:tcPr anchor="ctr"/>
-                </a:tc>
-              </a:tr>
-              <a:tr h="476258">
-                <a:tc vMerge="1">
-                  <a:txBody>
-                    <a:bodyPr/>
-                    <a:lstStyle/>
-                    <a:p>
-                      <a:pPr algn="ctr"/>
-                      <a:endParaRPr lang="en-US" sz="1400" dirty="0"/>
-                    </a:p>
-                  </a:txBody>
-                  <a:tcPr anchor="ctr"/>
-                </a:tc>
-                <a:tc vMerge="1">
-                  <a:txBody>
-                    <a:bodyPr/>
-                    <a:lstStyle/>
-                    <a:p>
-                      <a:pPr algn="ctr"/>
-                      <a:endParaRPr lang="en-US" sz="1400" dirty="0"/>
-                    </a:p>
-                  </a:txBody>
-                  <a:tcPr anchor="ctr"/>
-                </a:tc>
-                <a:tc>
-                  <a:txBody>
-                    <a:bodyPr/>
-                    <a:lstStyle/>
-                    <a:p>
-                      <a:pPr algn="ctr"/>
-                      <a:r>
-                        <a:rPr lang="en-US" sz="1400" dirty="0" smtClean="0"/>
-                        <a:t>0</a:t>
-                      </a:r>
-                      <a:endParaRPr lang="en-US" sz="1400" dirty="0"/>
-                    </a:p>
-                  </a:txBody>
-                  <a:tcPr anchor="ctr"/>
-                </a:tc>
-                <a:tc>
-                  <a:txBody>
-                    <a:bodyPr/>
-                    <a:lstStyle/>
-                    <a:p>
-                      <a:pPr algn="ctr"/>
-                      <a:r>
-                        <a:rPr lang="en-US" sz="1400" dirty="0" smtClean="0"/>
-                        <a:t>400</a:t>
-                      </a:r>
-                      <a:endParaRPr lang="en-US" sz="1400" dirty="0"/>
-                    </a:p>
-                  </a:txBody>
-                  <a:tcPr anchor="ctr"/>
-                </a:tc>
-                <a:tc>
-                  <a:txBody>
-                    <a:bodyPr/>
-                    <a:lstStyle/>
-                    <a:p>
-                      <a:pPr algn="ctr"/>
-                      <a:r>
-                        <a:rPr lang="en-US" sz="1400" dirty="0" smtClean="0"/>
-                        <a:t>200</a:t>
-                      </a:r>
-                      <a:endParaRPr lang="en-US" sz="1400" dirty="0"/>
-                    </a:p>
-                  </a:txBody>
-                  <a:tcPr anchor="ctr"/>
-                </a:tc>
-                <a:tc>
-                  <a:txBody>
-                    <a:bodyPr/>
-                    <a:lstStyle/>
-                    <a:p>
-                      <a:pPr algn="ctr"/>
-                      <a:r>
-                        <a:rPr lang="en-US" sz="1400" dirty="0" smtClean="0"/>
-                        <a:t>$4000</a:t>
-                      </a:r>
-                      <a:endParaRPr lang="en-US" sz="1400" dirty="0"/>
-                    </a:p>
-                  </a:txBody>
-                  <a:tcPr anchor="ctr"/>
-                </a:tc>
-              </a:tr>
-              <a:tr h="476258">
-                <a:tc vMerge="1">
-                  <a:txBody>
-                    <a:bodyPr/>
-                    <a:lstStyle/>
-                    <a:p>
-                      <a:pPr algn="ctr"/>
-                      <a:endParaRPr lang="en-US" sz="1400" dirty="0"/>
-                    </a:p>
-                  </a:txBody>
-                  <a:tcPr anchor="ctr"/>
-                </a:tc>
-                <a:tc vMerge="1">
-                  <a:txBody>
-                    <a:bodyPr/>
-                    <a:lstStyle/>
-                    <a:p>
-                      <a:pPr algn="ctr"/>
-                      <a:endParaRPr lang="en-US" sz="1400" dirty="0"/>
-                    </a:p>
-                  </a:txBody>
-                  <a:tcPr anchor="ctr"/>
-                </a:tc>
-                <a:tc>
-                  <a:txBody>
-                    <a:bodyPr/>
-                    <a:lstStyle/>
-                    <a:p>
-                      <a:pPr algn="ctr"/>
-                      <a:r>
-                        <a:rPr lang="en-US" sz="1400" dirty="0" smtClean="0"/>
-                        <a:t>100</a:t>
-                      </a:r>
-                      <a:endParaRPr lang="en-US" sz="1400" dirty="0"/>
-                    </a:p>
-                  </a:txBody>
-                  <a:tcPr anchor="ctr"/>
-                </a:tc>
-                <a:tc>
-                  <a:txBody>
-                    <a:bodyPr/>
-                    <a:lstStyle/>
-                    <a:p>
-                      <a:pPr algn="ctr"/>
-                      <a:r>
-                        <a:rPr lang="en-US" sz="1400" dirty="0" smtClean="0"/>
-                        <a:t>100</a:t>
-                      </a:r>
-                      <a:endParaRPr lang="en-US" sz="1400" dirty="0"/>
-                    </a:p>
-                  </a:txBody>
-                  <a:tcPr anchor="ctr"/>
-                </a:tc>
-                <a:tc>
-                  <a:txBody>
-                    <a:bodyPr/>
-                    <a:lstStyle/>
-                    <a:p>
-                      <a:pPr algn="ctr"/>
-                      <a:r>
-                        <a:rPr lang="en-US" sz="1400" dirty="0" smtClean="0"/>
-                        <a:t>0</a:t>
-                      </a:r>
-                      <a:endParaRPr lang="en-US" sz="1400" dirty="0"/>
-                    </a:p>
-                  </a:txBody>
-                  <a:tcPr anchor="ctr"/>
-                </a:tc>
-                <a:tc>
-                  <a:txBody>
-                    <a:bodyPr/>
-                    <a:lstStyle/>
-                    <a:p>
-                      <a:pPr algn="ctr"/>
-                      <a:r>
-                        <a:rPr lang="en-US" sz="1400" dirty="0" smtClean="0"/>
-                        <a:t>$500</a:t>
-                      </a:r>
-                      <a:endParaRPr lang="en-US" sz="1400" dirty="0"/>
-                    </a:p>
-                  </a:txBody>
-                  <a:tcPr anchor="ctr"/>
-                </a:tc>
-              </a:tr>
-              <a:tr h="476258">
-                <a:tc vMerge="1">
-                  <a:txBody>
-                    <a:bodyPr/>
-                    <a:lstStyle/>
-                    <a:p>
-                      <a:pPr algn="ctr"/>
-                      <a:endParaRPr lang="en-US" sz="1400" dirty="0"/>
-                    </a:p>
-                  </a:txBody>
-                  <a:tcPr anchor="ctr"/>
-                </a:tc>
-                <a:tc vMerge="1">
-                  <a:txBody>
-                    <a:bodyPr/>
-                    <a:lstStyle/>
-                    <a:p>
-                      <a:pPr algn="ctr"/>
-                      <a:endParaRPr lang="en-US" sz="1400" dirty="0"/>
-                    </a:p>
-                  </a:txBody>
-                  <a:tcPr anchor="ctr"/>
-                </a:tc>
-                <a:tc>
-                  <a:txBody>
-                    <a:bodyPr/>
-                    <a:lstStyle/>
-                    <a:p>
-                      <a:pPr algn="ctr"/>
-                      <a:r>
-                        <a:rPr lang="en-US" sz="1400" dirty="0" smtClean="0"/>
-                        <a:t>100</a:t>
-                      </a:r>
-                      <a:endParaRPr lang="en-US" sz="1400" dirty="0"/>
-                    </a:p>
-                  </a:txBody>
-                  <a:tcPr anchor="ctr"/>
-                </a:tc>
-                <a:tc>
-                  <a:txBody>
-                    <a:bodyPr/>
-                    <a:lstStyle/>
-                    <a:p>
-                      <a:pPr algn="ctr"/>
-                      <a:r>
-                        <a:rPr lang="en-US" sz="1400" dirty="0" smtClean="0"/>
-                        <a:t>200</a:t>
-                      </a:r>
-                      <a:endParaRPr lang="en-US" sz="1400" dirty="0"/>
-                    </a:p>
-                  </a:txBody>
-                  <a:tcPr anchor="ctr"/>
-                </a:tc>
-                <a:tc>
-                  <a:txBody>
-                    <a:bodyPr/>
-                    <a:lstStyle/>
-                    <a:p>
-                      <a:pPr algn="ctr"/>
-                      <a:r>
-                        <a:rPr lang="en-US" sz="1400" dirty="0" smtClean="0"/>
-                        <a:t>100</a:t>
-                      </a:r>
-                      <a:endParaRPr lang="en-US" sz="1400" dirty="0"/>
-                    </a:p>
-                  </a:txBody>
-                  <a:tcPr anchor="ctr"/>
-                </a:tc>
-                <a:tc>
-                  <a:txBody>
-                    <a:bodyPr/>
-                    <a:lstStyle/>
-                    <a:p>
-                      <a:pPr marL="0" marR="0" indent="0" algn="ctr" defTabSz="914400" rtl="0" eaLnBrk="1" fontAlgn="auto" latinLnBrk="0" hangingPunct="1">
-                        <a:lnSpc>
-                          <a:spcPct val="100000"/>
-                        </a:lnSpc>
-                        <a:spcBef>
-                          <a:spcPts val="0"/>
-                        </a:spcBef>
-                        <a:spcAft>
-                          <a:spcPts val="0"/>
-                        </a:spcAft>
-                        <a:buClrTx/>
-                        <a:buSzTx/>
-                        <a:buFontTx/>
-                        <a:buNone/>
-                        <a:tabLst/>
-                        <a:defRPr/>
-                      </a:pPr>
-                      <a:r>
-                        <a:rPr lang="en-US" sz="1400" dirty="0" smtClean="0"/>
-                        <a:t>$500</a:t>
-                      </a:r>
-                      <a:endParaRPr lang="en-US" sz="1400" dirty="0" smtClean="0"/>
-                    </a:p>
-                  </a:txBody>
-                  <a:tcPr anchor="ctr"/>
-                </a:tc>
-              </a:tr>
-              <a:tr h="476258">
-                <a:tc vMerge="1">
-                  <a:txBody>
-                    <a:bodyPr/>
-                    <a:lstStyle/>
-                    <a:p>
-                      <a:pPr algn="ctr"/>
-                      <a:endParaRPr lang="en-US" sz="1400" dirty="0"/>
-                    </a:p>
-                  </a:txBody>
-                  <a:tcPr anchor="ctr"/>
-                </a:tc>
-                <a:tc vMerge="1">
-                  <a:txBody>
-                    <a:bodyPr/>
-                    <a:lstStyle/>
-                    <a:p>
-                      <a:pPr algn="ctr"/>
-                      <a:endParaRPr lang="en-US" sz="1400" dirty="0"/>
-                    </a:p>
-                  </a:txBody>
-                  <a:tcPr anchor="ctr"/>
-                </a:tc>
-                <a:tc>
-                  <a:txBody>
-                    <a:bodyPr/>
-                    <a:lstStyle/>
-                    <a:p>
-                      <a:pPr algn="ctr"/>
-                      <a:r>
-                        <a:rPr lang="en-US" sz="1400" dirty="0" smtClean="0"/>
-                        <a:t>100</a:t>
-                      </a:r>
-                      <a:endParaRPr lang="en-US" sz="1400" dirty="0"/>
-                    </a:p>
-                  </a:txBody>
-                  <a:tcPr anchor="ctr"/>
-                </a:tc>
-                <a:tc>
-                  <a:txBody>
-                    <a:bodyPr/>
-                    <a:lstStyle/>
-                    <a:p>
-                      <a:pPr algn="ctr"/>
-                      <a:r>
-                        <a:rPr lang="en-US" sz="1400" dirty="0" smtClean="0"/>
-                        <a:t>300</a:t>
-                      </a:r>
-                      <a:endParaRPr lang="en-US" sz="1400" dirty="0"/>
-                    </a:p>
-                  </a:txBody>
-                  <a:tcPr anchor="ctr"/>
-                </a:tc>
-                <a:tc>
-                  <a:txBody>
-                    <a:bodyPr/>
-                    <a:lstStyle/>
-                    <a:p>
-                      <a:pPr algn="ctr"/>
-                      <a:r>
-                        <a:rPr lang="en-US" sz="1400" dirty="0" smtClean="0"/>
-                        <a:t>200</a:t>
-                      </a:r>
-                      <a:endParaRPr lang="en-US" sz="1400" dirty="0"/>
-                    </a:p>
-                  </a:txBody>
-                  <a:tcPr anchor="ctr"/>
-                </a:tc>
-                <a:tc>
-                  <a:txBody>
-                    <a:bodyPr/>
-                    <a:lstStyle/>
-                    <a:p>
-                      <a:pPr algn="ctr"/>
-                      <a:r>
-                        <a:rPr lang="en-US" sz="1400" dirty="0" smtClean="0"/>
-                        <a:t>$4500</a:t>
-                      </a:r>
-                      <a:endParaRPr lang="en-US" sz="1400" dirty="0" smtClean="0"/>
-                    </a:p>
-                  </a:txBody>
-                  <a:tcPr anchor="ctr"/>
-                </a:tc>
-              </a:tr>
-              <a:tr h="476258">
-                <a:tc vMerge="1">
-                  <a:txBody>
-                    <a:bodyPr/>
-                    <a:lstStyle/>
-                    <a:p>
-                      <a:pPr algn="ctr"/>
-                      <a:endParaRPr lang="en-US" sz="1400" dirty="0"/>
-                    </a:p>
-                  </a:txBody>
-                  <a:tcPr anchor="ctr"/>
-                </a:tc>
-                <a:tc vMerge="1">
-                  <a:txBody>
-                    <a:bodyPr/>
-                    <a:lstStyle/>
-                    <a:p>
-                      <a:pPr algn="ctr"/>
-                      <a:endParaRPr lang="en-US" sz="1400" dirty="0"/>
-                    </a:p>
-                  </a:txBody>
-                  <a:tcPr anchor="ctr"/>
-                </a:tc>
-                <a:tc>
-                  <a:txBody>
-                    <a:bodyPr/>
-                    <a:lstStyle/>
-                    <a:p>
-                      <a:pPr algn="ctr"/>
-                      <a:r>
-                        <a:rPr lang="en-US" sz="1400" dirty="0" smtClean="0"/>
-                        <a:t>100</a:t>
-                      </a:r>
-                      <a:endParaRPr lang="en-US" sz="1400" dirty="0"/>
-                    </a:p>
-                  </a:txBody>
-                  <a:tcPr anchor="ctr"/>
-                </a:tc>
-                <a:tc>
-                  <a:txBody>
-                    <a:bodyPr/>
-                    <a:lstStyle/>
-                    <a:p>
-                      <a:pPr algn="ctr"/>
-                      <a:r>
-                        <a:rPr lang="en-US" sz="1400" dirty="0" smtClean="0"/>
-                        <a:t>400</a:t>
-                      </a:r>
-                      <a:endParaRPr lang="en-US" sz="1400" dirty="0"/>
-                    </a:p>
-                  </a:txBody>
-                  <a:tcPr anchor="ctr"/>
-                </a:tc>
-                <a:tc>
-                  <a:txBody>
-                    <a:bodyPr/>
-                    <a:lstStyle/>
-                    <a:p>
-                      <a:pPr algn="ctr"/>
-                      <a:r>
-                        <a:rPr lang="en-US" sz="1400" dirty="0" smtClean="0"/>
-                        <a:t>300</a:t>
-                      </a:r>
-                      <a:endParaRPr lang="en-US" sz="1400" dirty="0"/>
-                    </a:p>
-                  </a:txBody>
-                  <a:tcPr anchor="ctr"/>
-                </a:tc>
-                <a:tc>
-                  <a:txBody>
-                    <a:bodyPr/>
-                    <a:lstStyle/>
-                    <a:p>
-                      <a:pPr algn="ctr"/>
-                      <a:r>
-                        <a:rPr lang="en-US" sz="1400" baseline="0" dirty="0" smtClean="0"/>
-                        <a:t>$4500</a:t>
-                      </a:r>
-                      <a:endParaRPr lang="en-US" sz="1400" dirty="0"/>
-                    </a:p>
-                  </a:txBody>
-                  <a:tcPr anchor="ctr"/>
-                </a:tc>
-              </a:tr>
-            </a:tbl>
-          </a:graphicData>
-        </a:graphic>
-      </p:graphicFrame>
-    </p:spTree>
-    <p:extLst>
-      <p:ext uri="{BB962C8B-B14F-4D97-AF65-F5344CB8AC3E}">
-        <p14:creationId xmlns:p14="http://schemas.microsoft.com/office/powerpoint/2010/main" val="1917119281"/>
-      </p:ext>
-    </p:extLst>
-  </p:cSld>
-  <p:clrMapOvr>
-    <a:masterClrMapping/>
-  </p:clrMapOvr>
-  <p:timing>
-    <p:tnLst>
-      <p:par>
-        <p:cTn xmlns:p14="http://schemas.microsoft.com/office/powerpoint/2010/main" id="1" dur="indefinite" restart="never" nodeType="tmRoot"/>
-      </p:par>
-    </p:tnLst>
-  </p:timing>
-</p:sld>
-</file>
-
-<file path=ppt/slides/slide11.xml><?xml version="1.0" encoding="utf-8"?>
-<p:sld xmlns:a="http://schemas.openxmlformats.org/drawingml/2006/main" xmlns:r="http://schemas.openxmlformats.org/officeDocument/2006/relationships" xmlns:p="http://schemas.openxmlformats.org/presentationml/2006/main">
-  <p:cSld>
-    <p:spTree>
-      <p:nvGrpSpPr>
-        <p:cNvPr id="1" name=""/>
-        <p:cNvGrpSpPr/>
-        <p:nvPr/>
-      </p:nvGrpSpPr>
-      <p:grpSpPr>
-        <a:xfrm>
-          <a:off x="0" y="0"/>
-          <a:ext cx="0" cy="0"/>
-          <a:chOff x="0" y="0"/>
-          <a:chExt cx="0" cy="0"/>
-        </a:xfrm>
-      </p:grpSpPr>
-      <p:sp>
-        <p:nvSpPr>
-          <p:cNvPr id="2" name="Title 1"/>
-          <p:cNvSpPr>
-            <a:spLocks noGrp="1"/>
-          </p:cNvSpPr>
-          <p:nvPr>
-            <p:ph type="title"/>
-          </p:nvPr>
-        </p:nvSpPr>
-        <p:spPr/>
-        <p:txBody>
-          <a:bodyPr>
-            <a:normAutofit/>
-          </a:bodyPr>
-          <a:lstStyle/>
-          <a:p>
-            <a:r>
-              <a:rPr lang="en-US" sz="4400" b="1" dirty="0" smtClean="0"/>
-              <a:t>Overlapping sub-problems</a:t>
-            </a:r>
-            <a:endParaRPr lang="en-US" sz="4400" b="1" dirty="0"/>
-          </a:p>
-        </p:txBody>
-      </p:sp>
-      <p:sp>
-        <p:nvSpPr>
-          <p:cNvPr id="3" name="Content Placeholder 2"/>
-          <p:cNvSpPr>
-            <a:spLocks noGrp="1"/>
-          </p:cNvSpPr>
-          <p:nvPr>
-            <p:ph idx="1"/>
-          </p:nvPr>
-        </p:nvSpPr>
-        <p:spPr>
-          <a:xfrm>
-            <a:off x="779463" y="1949824"/>
-            <a:ext cx="7583488" cy="4450976"/>
-          </a:xfrm>
-        </p:spPr>
-        <p:txBody>
-          <a:bodyPr>
-            <a:normAutofit/>
-          </a:bodyPr>
-          <a:lstStyle/>
-          <a:p>
-            <a:pPr>
-              <a:buFont typeface="Arial"/>
-              <a:buChar char="•"/>
-            </a:pPr>
-            <a:r>
-              <a:rPr lang="en-CA" dirty="0" smtClean="0"/>
-              <a:t>Part of sub-problems were solved, and now</a:t>
-            </a:r>
-            <a:r>
-              <a:rPr lang="is-IS" dirty="0" smtClean="0"/>
-              <a:t>... ?</a:t>
-            </a:r>
-          </a:p>
-          <a:p>
-            <a:pPr>
-              <a:buFont typeface="Arial"/>
-              <a:buChar char="•"/>
-            </a:pPr>
-            <a:r>
-              <a:rPr lang="is-IS" dirty="0" smtClean="0"/>
-              <a:t>Let’s change the way we see the table costs</a:t>
-            </a:r>
-          </a:p>
-          <a:p>
-            <a:pPr marL="0" indent="0">
-              <a:buNone/>
-            </a:pPr>
-            <a:endParaRPr lang="is-IS" dirty="0"/>
-          </a:p>
-        </p:txBody>
-      </p:sp>
-      <p:sp>
-        <p:nvSpPr>
-          <p:cNvPr id="5" name="Oval 4"/>
-          <p:cNvSpPr/>
-          <p:nvPr/>
-        </p:nvSpPr>
-        <p:spPr>
-          <a:xfrm>
-            <a:off x="5406391" y="5334103"/>
-            <a:ext cx="797854" cy="558800"/>
-          </a:xfrm>
-          <a:prstGeom prst="ellipse">
-            <a:avLst/>
-          </a:prstGeom>
-        </p:spPr>
-        <p:style>
-          <a:lnRef idx="1">
-            <a:schemeClr val="accent1"/>
-          </a:lnRef>
-          <a:fillRef idx="3">
-            <a:schemeClr val="accent1"/>
-          </a:fillRef>
-          <a:effectRef idx="2">
-            <a:schemeClr val="accent1"/>
-          </a:effectRef>
-          <a:fontRef idx="minor">
-            <a:schemeClr val="lt1"/>
-          </a:fontRef>
-        </p:style>
-        <p:txBody>
-          <a:bodyPr rtlCol="0" anchor="ctr"/>
-          <a:lstStyle/>
-          <a:p>
-            <a:pPr algn="ctr"/>
-            <a:r>
-              <a:rPr lang="en-US" dirty="0"/>
-              <a:t>4</a:t>
-            </a:r>
-            <a:r>
-              <a:rPr lang="en-US" dirty="0" smtClean="0"/>
-              <a:t>00</a:t>
-            </a:r>
-            <a:endParaRPr lang="en-US" dirty="0"/>
-          </a:p>
-        </p:txBody>
-      </p:sp>
-      <p:sp>
-        <p:nvSpPr>
-          <p:cNvPr id="12" name="Oval 11"/>
-          <p:cNvSpPr/>
-          <p:nvPr/>
-        </p:nvSpPr>
-        <p:spPr>
-          <a:xfrm>
-            <a:off x="5406391" y="3484880"/>
-            <a:ext cx="797854" cy="558800"/>
-          </a:xfrm>
-          <a:prstGeom prst="ellipse">
-            <a:avLst/>
-          </a:prstGeom>
-        </p:spPr>
-        <p:style>
-          <a:lnRef idx="1">
-            <a:schemeClr val="accent1"/>
-          </a:lnRef>
-          <a:fillRef idx="3">
-            <a:schemeClr val="accent1"/>
-          </a:fillRef>
-          <a:effectRef idx="2">
-            <a:schemeClr val="accent1"/>
-          </a:effectRef>
-          <a:fontRef idx="minor">
-            <a:schemeClr val="lt1"/>
-          </a:fontRef>
-        </p:style>
-        <p:txBody>
-          <a:bodyPr rtlCol="0" anchor="ctr"/>
-          <a:lstStyle/>
-          <a:p>
-            <a:pPr algn="ctr"/>
-            <a:r>
-              <a:rPr lang="en-US" dirty="0" smtClean="0"/>
-              <a:t>200</a:t>
-            </a:r>
-            <a:endParaRPr lang="en-US" dirty="0"/>
-          </a:p>
-        </p:txBody>
-      </p:sp>
-      <p:sp>
-        <p:nvSpPr>
-          <p:cNvPr id="13" name="Oval 12"/>
-          <p:cNvSpPr/>
-          <p:nvPr/>
-        </p:nvSpPr>
-        <p:spPr>
-          <a:xfrm>
-            <a:off x="2711304" y="3484880"/>
-            <a:ext cx="797854" cy="558800"/>
-          </a:xfrm>
-          <a:prstGeom prst="ellipse">
-            <a:avLst/>
-          </a:prstGeom>
-        </p:spPr>
-        <p:style>
-          <a:lnRef idx="1">
-            <a:schemeClr val="accent1"/>
-          </a:lnRef>
-          <a:fillRef idx="3">
-            <a:schemeClr val="accent1"/>
-          </a:fillRef>
-          <a:effectRef idx="2">
-            <a:schemeClr val="accent1"/>
-          </a:effectRef>
-          <a:fontRef idx="minor">
-            <a:schemeClr val="lt1"/>
-          </a:fontRef>
-        </p:style>
-        <p:txBody>
-          <a:bodyPr rtlCol="0" anchor="ctr"/>
-          <a:lstStyle/>
-          <a:p>
-            <a:pPr algn="ctr"/>
-            <a:r>
-              <a:rPr lang="en-US" dirty="0"/>
-              <a:t>1</a:t>
-            </a:r>
-            <a:r>
-              <a:rPr lang="en-US" dirty="0" smtClean="0"/>
-              <a:t>00</a:t>
-            </a:r>
-            <a:endParaRPr lang="en-US" dirty="0"/>
-          </a:p>
-        </p:txBody>
-      </p:sp>
-      <p:sp>
-        <p:nvSpPr>
-          <p:cNvPr id="56" name="Oval 55"/>
-          <p:cNvSpPr/>
-          <p:nvPr/>
-        </p:nvSpPr>
-        <p:spPr>
-          <a:xfrm>
-            <a:off x="2659916" y="5334103"/>
-            <a:ext cx="797854" cy="558800"/>
-          </a:xfrm>
-          <a:prstGeom prst="ellipse">
-            <a:avLst/>
-          </a:prstGeom>
-        </p:spPr>
-        <p:style>
-          <a:lnRef idx="1">
-            <a:schemeClr val="accent1"/>
-          </a:lnRef>
-          <a:fillRef idx="3">
-            <a:schemeClr val="accent1"/>
-          </a:fillRef>
-          <a:effectRef idx="2">
-            <a:schemeClr val="accent1"/>
-          </a:effectRef>
-          <a:fontRef idx="minor">
-            <a:schemeClr val="lt1"/>
-          </a:fontRef>
-        </p:style>
-        <p:txBody>
-          <a:bodyPr rtlCol="0" anchor="ctr"/>
-          <a:lstStyle/>
-          <a:p>
-            <a:pPr algn="ctr"/>
-            <a:r>
-              <a:rPr lang="en-US" dirty="0" smtClean="0"/>
-              <a:t>300</a:t>
-            </a:r>
-            <a:endParaRPr lang="en-US" dirty="0"/>
-          </a:p>
-        </p:txBody>
-      </p:sp>
-      <p:cxnSp>
-        <p:nvCxnSpPr>
-          <p:cNvPr id="30" name="Straight Arrow Connector 29"/>
-          <p:cNvCxnSpPr/>
-          <p:nvPr/>
-        </p:nvCxnSpPr>
-        <p:spPr>
-          <a:xfrm>
-            <a:off x="3723178" y="3637280"/>
-            <a:ext cx="1514764" cy="10160"/>
-          </a:xfrm>
-          <a:prstGeom prst="straightConnector1">
-            <a:avLst/>
-          </a:prstGeom>
-          <a:ln>
-            <a:tailEnd type="arrow"/>
-          </a:ln>
-        </p:spPr>
-        <p:style>
-          <a:lnRef idx="2">
-            <a:schemeClr val="accent1"/>
-          </a:lnRef>
-          <a:fillRef idx="0">
-            <a:schemeClr val="accent1"/>
-          </a:fillRef>
-          <a:effectRef idx="1">
-            <a:schemeClr val="accent1"/>
-          </a:effectRef>
-          <a:fontRef idx="minor">
-            <a:schemeClr val="tx1"/>
-          </a:fontRef>
-        </p:style>
-      </p:cxnSp>
-      <p:cxnSp>
-        <p:nvCxnSpPr>
-          <p:cNvPr id="36" name="Straight Arrow Connector 35"/>
-          <p:cNvCxnSpPr/>
-          <p:nvPr/>
-        </p:nvCxnSpPr>
-        <p:spPr>
-          <a:xfrm flipH="1">
-            <a:off x="3692698" y="3749040"/>
-            <a:ext cx="1514764" cy="0"/>
-          </a:xfrm>
-          <a:prstGeom prst="straightConnector1">
-            <a:avLst/>
-          </a:prstGeom>
-          <a:ln>
-            <a:tailEnd type="arrow"/>
-          </a:ln>
-        </p:spPr>
-        <p:style>
-          <a:lnRef idx="2">
-            <a:schemeClr val="accent1"/>
-          </a:lnRef>
-          <a:fillRef idx="0">
-            <a:schemeClr val="accent1"/>
-          </a:fillRef>
-          <a:effectRef idx="1">
-            <a:schemeClr val="accent1"/>
-          </a:effectRef>
-          <a:fontRef idx="minor">
-            <a:schemeClr val="tx1"/>
-          </a:fontRef>
-        </p:style>
-      </p:cxnSp>
-      <p:cxnSp>
-        <p:nvCxnSpPr>
-          <p:cNvPr id="59" name="Straight Arrow Connector 58"/>
-          <p:cNvCxnSpPr/>
-          <p:nvPr/>
-        </p:nvCxnSpPr>
-        <p:spPr>
-          <a:xfrm>
-            <a:off x="3733338" y="5638800"/>
-            <a:ext cx="1514764" cy="10160"/>
-          </a:xfrm>
-          <a:prstGeom prst="straightConnector1">
-            <a:avLst/>
-          </a:prstGeom>
-          <a:ln>
-            <a:tailEnd type="arrow"/>
-          </a:ln>
-        </p:spPr>
-        <p:style>
-          <a:lnRef idx="2">
-            <a:schemeClr val="accent1"/>
-          </a:lnRef>
-          <a:fillRef idx="0">
-            <a:schemeClr val="accent1"/>
-          </a:fillRef>
-          <a:effectRef idx="1">
-            <a:schemeClr val="accent1"/>
-          </a:effectRef>
-          <a:fontRef idx="minor">
-            <a:schemeClr val="tx1"/>
-          </a:fontRef>
-        </p:style>
-      </p:cxnSp>
-      <p:cxnSp>
-        <p:nvCxnSpPr>
-          <p:cNvPr id="60" name="Straight Arrow Connector 59"/>
-          <p:cNvCxnSpPr/>
-          <p:nvPr/>
-        </p:nvCxnSpPr>
-        <p:spPr>
-          <a:xfrm flipH="1">
-            <a:off x="3723178" y="5760720"/>
-            <a:ext cx="1514764" cy="0"/>
-          </a:xfrm>
-          <a:prstGeom prst="straightConnector1">
-            <a:avLst/>
-          </a:prstGeom>
-          <a:ln>
-            <a:tailEnd type="arrow"/>
-          </a:ln>
-        </p:spPr>
-        <p:style>
-          <a:lnRef idx="2">
-            <a:schemeClr val="accent1"/>
-          </a:lnRef>
-          <a:fillRef idx="0">
-            <a:schemeClr val="accent1"/>
-          </a:fillRef>
-          <a:effectRef idx="1">
-            <a:schemeClr val="accent1"/>
-          </a:effectRef>
-          <a:fontRef idx="minor">
-            <a:schemeClr val="tx1"/>
-          </a:fontRef>
-        </p:style>
-      </p:cxnSp>
-      <p:cxnSp>
-        <p:nvCxnSpPr>
-          <p:cNvPr id="61" name="Straight Arrow Connector 60"/>
-          <p:cNvCxnSpPr/>
-          <p:nvPr/>
-        </p:nvCxnSpPr>
-        <p:spPr>
-          <a:xfrm flipH="1">
-            <a:off x="2946400" y="4236720"/>
-            <a:ext cx="10160" cy="944880"/>
-          </a:xfrm>
-          <a:prstGeom prst="straightConnector1">
-            <a:avLst/>
-          </a:prstGeom>
-          <a:ln>
-            <a:tailEnd type="arrow"/>
-          </a:ln>
-        </p:spPr>
-        <p:style>
-          <a:lnRef idx="2">
-            <a:schemeClr val="accent1"/>
-          </a:lnRef>
-          <a:fillRef idx="0">
-            <a:schemeClr val="accent1"/>
-          </a:fillRef>
-          <a:effectRef idx="1">
-            <a:schemeClr val="accent1"/>
-          </a:effectRef>
-          <a:fontRef idx="minor">
-            <a:schemeClr val="tx1"/>
-          </a:fontRef>
-        </p:style>
-      </p:cxnSp>
-      <p:cxnSp>
-        <p:nvCxnSpPr>
-          <p:cNvPr id="63" name="Straight Arrow Connector 62"/>
-          <p:cNvCxnSpPr/>
-          <p:nvPr/>
-        </p:nvCxnSpPr>
-        <p:spPr>
-          <a:xfrm flipV="1">
-            <a:off x="3078480" y="4236720"/>
-            <a:ext cx="0" cy="944880"/>
-          </a:xfrm>
-          <a:prstGeom prst="straightConnector1">
-            <a:avLst/>
-          </a:prstGeom>
-          <a:ln>
-            <a:tailEnd type="arrow"/>
-          </a:ln>
-        </p:spPr>
-        <p:style>
-          <a:lnRef idx="2">
-            <a:schemeClr val="accent1"/>
-          </a:lnRef>
-          <a:fillRef idx="0">
-            <a:schemeClr val="accent1"/>
-          </a:fillRef>
-          <a:effectRef idx="1">
-            <a:schemeClr val="accent1"/>
-          </a:effectRef>
-          <a:fontRef idx="minor">
-            <a:schemeClr val="tx1"/>
-          </a:fontRef>
-        </p:style>
-      </p:cxnSp>
-      <p:cxnSp>
-        <p:nvCxnSpPr>
-          <p:cNvPr id="65" name="Straight Arrow Connector 64"/>
-          <p:cNvCxnSpPr/>
-          <p:nvPr/>
-        </p:nvCxnSpPr>
-        <p:spPr>
-          <a:xfrm flipH="1">
-            <a:off x="5801360" y="4236720"/>
-            <a:ext cx="10160" cy="944880"/>
-          </a:xfrm>
-          <a:prstGeom prst="straightConnector1">
-            <a:avLst/>
-          </a:prstGeom>
-          <a:ln>
-            <a:tailEnd type="arrow"/>
-          </a:ln>
-        </p:spPr>
-        <p:style>
-          <a:lnRef idx="2">
-            <a:schemeClr val="accent1"/>
-          </a:lnRef>
-          <a:fillRef idx="0">
-            <a:schemeClr val="accent1"/>
-          </a:fillRef>
-          <a:effectRef idx="1">
-            <a:schemeClr val="accent1"/>
-          </a:effectRef>
-          <a:fontRef idx="minor">
-            <a:schemeClr val="tx1"/>
-          </a:fontRef>
-        </p:style>
-      </p:cxnSp>
-      <p:cxnSp>
-        <p:nvCxnSpPr>
-          <p:cNvPr id="67" name="Straight Arrow Connector 66"/>
-          <p:cNvCxnSpPr/>
-          <p:nvPr/>
-        </p:nvCxnSpPr>
-        <p:spPr>
-          <a:xfrm flipV="1">
-            <a:off x="5933440" y="4236720"/>
-            <a:ext cx="0" cy="944880"/>
-          </a:xfrm>
-          <a:prstGeom prst="straightConnector1">
-            <a:avLst/>
-          </a:prstGeom>
-          <a:ln>
-            <a:tailEnd type="arrow"/>
-          </a:ln>
-        </p:spPr>
-        <p:style>
-          <a:lnRef idx="2">
-            <a:schemeClr val="accent1"/>
-          </a:lnRef>
-          <a:fillRef idx="0">
-            <a:schemeClr val="accent1"/>
-          </a:fillRef>
-          <a:effectRef idx="1">
-            <a:schemeClr val="accent1"/>
-          </a:effectRef>
-          <a:fontRef idx="minor">
-            <a:schemeClr val="tx1"/>
-          </a:fontRef>
-        </p:style>
-      </p:cxnSp>
-      <p:cxnSp>
-        <p:nvCxnSpPr>
-          <p:cNvPr id="68" name="Straight Arrow Connector 67"/>
-          <p:cNvCxnSpPr/>
-          <p:nvPr/>
-        </p:nvCxnSpPr>
-        <p:spPr>
-          <a:xfrm>
-            <a:off x="3723178" y="4165600"/>
-            <a:ext cx="1683213" cy="1097280"/>
-          </a:xfrm>
-          <a:prstGeom prst="straightConnector1">
-            <a:avLst/>
-          </a:prstGeom>
-          <a:ln>
-            <a:solidFill>
-              <a:schemeClr val="accent1"/>
-            </a:solidFill>
-            <a:tailEnd type="arrow"/>
-          </a:ln>
-        </p:spPr>
-        <p:style>
-          <a:lnRef idx="2">
-            <a:schemeClr val="accent1"/>
-          </a:lnRef>
-          <a:fillRef idx="0">
-            <a:schemeClr val="accent1"/>
-          </a:fillRef>
-          <a:effectRef idx="1">
-            <a:schemeClr val="accent1"/>
-          </a:effectRef>
-          <a:fontRef idx="minor">
-            <a:schemeClr val="tx1"/>
-          </a:fontRef>
-        </p:style>
-      </p:cxnSp>
-      <p:cxnSp>
-        <p:nvCxnSpPr>
-          <p:cNvPr id="70" name="Straight Arrow Connector 69"/>
-          <p:cNvCxnSpPr/>
-          <p:nvPr/>
-        </p:nvCxnSpPr>
-        <p:spPr>
-          <a:xfrm flipH="1" flipV="1">
-            <a:off x="3616960" y="4236720"/>
-            <a:ext cx="1696720" cy="1097383"/>
-          </a:xfrm>
-          <a:prstGeom prst="straightConnector1">
-            <a:avLst/>
-          </a:prstGeom>
-          <a:ln>
-            <a:solidFill>
-              <a:schemeClr val="accent1"/>
-            </a:solidFill>
-            <a:tailEnd type="arrow"/>
-          </a:ln>
-        </p:spPr>
-        <p:style>
-          <a:lnRef idx="2">
-            <a:schemeClr val="accent1"/>
-          </a:lnRef>
-          <a:fillRef idx="0">
-            <a:schemeClr val="accent1"/>
-          </a:fillRef>
-          <a:effectRef idx="1">
-            <a:schemeClr val="accent1"/>
-          </a:effectRef>
-          <a:fontRef idx="minor">
-            <a:schemeClr val="tx1"/>
-          </a:fontRef>
-        </p:style>
-      </p:cxnSp>
-      <p:cxnSp>
-        <p:nvCxnSpPr>
-          <p:cNvPr id="75" name="Straight Arrow Connector 74"/>
-          <p:cNvCxnSpPr/>
-          <p:nvPr/>
-        </p:nvCxnSpPr>
-        <p:spPr>
-          <a:xfrm flipH="1">
-            <a:off x="3509158" y="4043680"/>
-            <a:ext cx="1804522" cy="1219200"/>
-          </a:xfrm>
-          <a:prstGeom prst="straightConnector1">
-            <a:avLst/>
-          </a:prstGeom>
-          <a:ln>
-            <a:tailEnd type="arrow"/>
-          </a:ln>
-        </p:spPr>
-        <p:style>
-          <a:lnRef idx="2">
-            <a:schemeClr val="accent1"/>
-          </a:lnRef>
-          <a:fillRef idx="0">
-            <a:schemeClr val="accent1"/>
-          </a:fillRef>
-          <a:effectRef idx="1">
-            <a:schemeClr val="accent1"/>
-          </a:effectRef>
-          <a:fontRef idx="minor">
-            <a:schemeClr val="tx1"/>
-          </a:fontRef>
-        </p:style>
-      </p:cxnSp>
-      <p:cxnSp>
-        <p:nvCxnSpPr>
-          <p:cNvPr id="77" name="Straight Arrow Connector 76"/>
-          <p:cNvCxnSpPr/>
-          <p:nvPr/>
-        </p:nvCxnSpPr>
-        <p:spPr>
-          <a:xfrm flipV="1">
-            <a:off x="3616960" y="4104640"/>
-            <a:ext cx="1789431" cy="1229463"/>
-          </a:xfrm>
-          <a:prstGeom prst="straightConnector1">
-            <a:avLst/>
-          </a:prstGeom>
-          <a:ln>
-            <a:tailEnd type="arrow"/>
-          </a:ln>
-        </p:spPr>
-        <p:style>
-          <a:lnRef idx="2">
-            <a:schemeClr val="accent1"/>
-          </a:lnRef>
-          <a:fillRef idx="0">
-            <a:schemeClr val="accent1"/>
-          </a:fillRef>
-          <a:effectRef idx="1">
-            <a:schemeClr val="accent1"/>
-          </a:effectRef>
-          <a:fontRef idx="minor">
-            <a:schemeClr val="tx1"/>
-          </a:fontRef>
-        </p:style>
-      </p:cxnSp>
-      <p:sp>
-        <p:nvSpPr>
-          <p:cNvPr id="78" name="Oval 77"/>
-          <p:cNvSpPr/>
-          <p:nvPr/>
-        </p:nvSpPr>
-        <p:spPr>
-          <a:xfrm>
-            <a:off x="1047751" y="4429760"/>
-            <a:ext cx="797854" cy="558800"/>
-          </a:xfrm>
-          <a:prstGeom prst="ellipse">
-            <a:avLst/>
-          </a:prstGeom>
-        </p:spPr>
-        <p:style>
-          <a:lnRef idx="1">
-            <a:schemeClr val="accent1"/>
-          </a:lnRef>
-          <a:fillRef idx="3">
-            <a:schemeClr val="accent1"/>
-          </a:fillRef>
-          <a:effectRef idx="2">
-            <a:schemeClr val="accent1"/>
-          </a:effectRef>
-          <a:fontRef idx="minor">
-            <a:schemeClr val="lt1"/>
-          </a:fontRef>
-        </p:style>
-        <p:txBody>
-          <a:bodyPr rtlCol="0" anchor="ctr"/>
-          <a:lstStyle/>
-          <a:p>
-            <a:pPr algn="ctr"/>
-            <a:r>
-              <a:rPr lang="en-US" dirty="0" smtClean="0"/>
-              <a:t>0</a:t>
-            </a:r>
-            <a:endParaRPr lang="en-US" dirty="0"/>
-          </a:p>
-        </p:txBody>
-      </p:sp>
-      <p:sp>
-        <p:nvSpPr>
-          <p:cNvPr id="79" name="Oval 78"/>
-          <p:cNvSpPr/>
-          <p:nvPr/>
-        </p:nvSpPr>
-        <p:spPr>
-          <a:xfrm>
-            <a:off x="7133591" y="4439920"/>
-            <a:ext cx="797854" cy="558800"/>
-          </a:xfrm>
-          <a:prstGeom prst="ellipse">
-            <a:avLst/>
-          </a:prstGeom>
-        </p:spPr>
-        <p:style>
-          <a:lnRef idx="1">
-            <a:schemeClr val="accent1"/>
-          </a:lnRef>
-          <a:fillRef idx="3">
-            <a:schemeClr val="accent1"/>
-          </a:fillRef>
-          <a:effectRef idx="2">
-            <a:schemeClr val="accent1"/>
-          </a:effectRef>
-          <a:fontRef idx="minor">
-            <a:schemeClr val="lt1"/>
-          </a:fontRef>
-        </p:style>
-        <p:txBody>
-          <a:bodyPr rtlCol="0" anchor="ctr"/>
-          <a:lstStyle/>
-          <a:p>
-            <a:pPr algn="ctr"/>
-            <a:r>
-              <a:rPr lang="en-US" dirty="0" smtClean="0"/>
-              <a:t>0</a:t>
-            </a:r>
-            <a:endParaRPr lang="en-US" dirty="0"/>
-          </a:p>
-        </p:txBody>
-      </p:sp>
-      <p:sp>
-        <p:nvSpPr>
-          <p:cNvPr id="80" name="TextBox 79"/>
-          <p:cNvSpPr txBox="1"/>
-          <p:nvPr/>
-        </p:nvSpPr>
-        <p:spPr>
-          <a:xfrm>
-            <a:off x="962343" y="5019143"/>
-            <a:ext cx="1018227" cy="307777"/>
-          </a:xfrm>
-          <a:prstGeom prst="rect">
-            <a:avLst/>
-          </a:prstGeom>
-          <a:noFill/>
-        </p:spPr>
-        <p:txBody>
-          <a:bodyPr wrap="none" rtlCol="0">
-            <a:spAutoFit/>
-          </a:bodyPr>
-          <a:lstStyle/>
-          <a:p>
-            <a:r>
-              <a:rPr lang="en-US" sz="1400" dirty="0" smtClean="0"/>
-              <a:t>September</a:t>
-            </a:r>
-            <a:endParaRPr lang="en-US" sz="1400" dirty="0"/>
-          </a:p>
-        </p:txBody>
-      </p:sp>
-      <p:sp>
-        <p:nvSpPr>
-          <p:cNvPr id="81" name="TextBox 80"/>
-          <p:cNvSpPr txBox="1"/>
-          <p:nvPr/>
-        </p:nvSpPr>
-        <p:spPr>
-          <a:xfrm>
-            <a:off x="7098983" y="5059680"/>
-            <a:ext cx="966931" cy="307777"/>
-          </a:xfrm>
-          <a:prstGeom prst="rect">
-            <a:avLst/>
-          </a:prstGeom>
-          <a:noFill/>
-        </p:spPr>
-        <p:txBody>
-          <a:bodyPr wrap="none" rtlCol="0">
-            <a:spAutoFit/>
-          </a:bodyPr>
-          <a:lstStyle/>
-          <a:p>
-            <a:r>
-              <a:rPr lang="en-US" sz="1400" dirty="0" smtClean="0"/>
-              <a:t>December</a:t>
-            </a:r>
-            <a:endParaRPr lang="en-US" sz="1400" dirty="0"/>
-          </a:p>
-        </p:txBody>
-      </p:sp>
-      <p:sp>
-        <p:nvSpPr>
-          <p:cNvPr id="82" name="Left Brace 81"/>
-          <p:cNvSpPr/>
-          <p:nvPr/>
-        </p:nvSpPr>
-        <p:spPr>
-          <a:xfrm>
-            <a:off x="2041530" y="3312160"/>
-            <a:ext cx="569590" cy="2804160"/>
-          </a:xfrm>
-          <a:prstGeom prst="leftBrace">
-            <a:avLst/>
-          </a:prstGeom>
-        </p:spPr>
-        <p:style>
-          <a:lnRef idx="2">
-            <a:schemeClr val="accent1"/>
-          </a:lnRef>
-          <a:fillRef idx="0">
-            <a:schemeClr val="accent1"/>
-          </a:fillRef>
-          <a:effectRef idx="1">
-            <a:schemeClr val="accent1"/>
-          </a:effectRef>
-          <a:fontRef idx="minor">
-            <a:schemeClr val="tx1"/>
-          </a:fontRef>
-        </p:style>
-        <p:txBody>
-          <a:bodyPr rtlCol="0" anchor="ctr"/>
-          <a:lstStyle/>
-          <a:p>
-            <a:pPr algn="ctr"/>
-            <a:endParaRPr lang="en-US"/>
-          </a:p>
-        </p:txBody>
-      </p:sp>
-      <p:sp>
-        <p:nvSpPr>
-          <p:cNvPr id="83" name="Right Brace 82"/>
-          <p:cNvSpPr/>
-          <p:nvPr/>
-        </p:nvSpPr>
-        <p:spPr>
-          <a:xfrm>
-            <a:off x="6624320" y="3312160"/>
-            <a:ext cx="335280" cy="2804160"/>
-          </a:xfrm>
-          <a:prstGeom prst="rightBrace">
-            <a:avLst/>
-          </a:prstGeom>
-        </p:spPr>
-        <p:style>
-          <a:lnRef idx="2">
-            <a:schemeClr val="accent1"/>
-          </a:lnRef>
-          <a:fillRef idx="0">
-            <a:schemeClr val="accent1"/>
-          </a:fillRef>
-          <a:effectRef idx="1">
-            <a:schemeClr val="accent1"/>
-          </a:effectRef>
-          <a:fontRef idx="minor">
-            <a:schemeClr val="tx1"/>
-          </a:fontRef>
-        </p:style>
-        <p:txBody>
-          <a:bodyPr rtlCol="0" anchor="ctr"/>
-          <a:lstStyle/>
-          <a:p>
-            <a:pPr algn="ctr"/>
-            <a:endParaRPr lang="en-US"/>
-          </a:p>
-        </p:txBody>
-      </p:sp>
-      <p:sp>
-        <p:nvSpPr>
-          <p:cNvPr id="37" name="Circular Arrow 36"/>
-          <p:cNvSpPr/>
-          <p:nvPr/>
-        </p:nvSpPr>
-        <p:spPr>
-          <a:xfrm rot="10800000">
-            <a:off x="2865120" y="5730240"/>
-            <a:ext cx="386080" cy="548640"/>
-          </a:xfrm>
-          <a:prstGeom prst="circularArrow">
-            <a:avLst/>
-          </a:prstGeom>
-          <a:ln w="3175" cmpd="sng"/>
-          <a:effectLst/>
-          <a:scene3d>
-            <a:camera prst="orthographicFront">
-              <a:rot lat="0" lon="0" rev="0"/>
-            </a:camera>
-            <a:lightRig rig="glow" dir="tl"/>
-          </a:scene3d>
-          <a:sp3d/>
-        </p:spPr>
-        <p:style>
-          <a:lnRef idx="1">
-            <a:schemeClr val="accent1"/>
-          </a:lnRef>
-          <a:fillRef idx="3">
-            <a:schemeClr val="accent1"/>
-          </a:fillRef>
-          <a:effectRef idx="2">
-            <a:schemeClr val="accent1"/>
-          </a:effectRef>
-          <a:fontRef idx="minor">
-            <a:schemeClr val="lt1"/>
-          </a:fontRef>
-        </p:style>
-        <p:txBody>
-          <a:bodyPr rtlCol="0" anchor="ctr"/>
-          <a:lstStyle/>
-          <a:p>
-            <a:pPr algn="ctr"/>
-            <a:endParaRPr lang="en-US">
-              <a:solidFill>
-                <a:schemeClr val="tx1"/>
-              </a:solidFill>
-            </a:endParaRPr>
-          </a:p>
-        </p:txBody>
-      </p:sp>
-      <p:sp>
-        <p:nvSpPr>
-          <p:cNvPr id="38" name="Circular Arrow 37"/>
-          <p:cNvSpPr/>
-          <p:nvPr/>
-        </p:nvSpPr>
-        <p:spPr>
-          <a:xfrm rot="10800000">
-            <a:off x="5618480" y="5760720"/>
-            <a:ext cx="386080" cy="548640"/>
-          </a:xfrm>
-          <a:prstGeom prst="circularArrow">
-            <a:avLst/>
-          </a:prstGeom>
-          <a:ln w="3175" cmpd="sng"/>
-          <a:effectLst/>
-          <a:scene3d>
-            <a:camera prst="orthographicFront">
-              <a:rot lat="0" lon="0" rev="0"/>
-            </a:camera>
-            <a:lightRig rig="glow" dir="tl"/>
-          </a:scene3d>
-          <a:sp3d/>
-        </p:spPr>
-        <p:style>
-          <a:lnRef idx="1">
-            <a:schemeClr val="accent1"/>
-          </a:lnRef>
-          <a:fillRef idx="3">
-            <a:schemeClr val="accent1"/>
-          </a:fillRef>
-          <a:effectRef idx="2">
-            <a:schemeClr val="accent1"/>
-          </a:effectRef>
-          <a:fontRef idx="minor">
-            <a:schemeClr val="lt1"/>
-          </a:fontRef>
-        </p:style>
-        <p:txBody>
-          <a:bodyPr rtlCol="0" anchor="ctr"/>
-          <a:lstStyle/>
-          <a:p>
-            <a:pPr algn="ctr"/>
-            <a:endParaRPr lang="en-US">
-              <a:solidFill>
-                <a:schemeClr val="tx1"/>
-              </a:solidFill>
-            </a:endParaRPr>
-          </a:p>
-        </p:txBody>
-      </p:sp>
-      <p:sp>
-        <p:nvSpPr>
-          <p:cNvPr id="39" name="Circular Arrow 38"/>
-          <p:cNvSpPr/>
-          <p:nvPr/>
-        </p:nvSpPr>
-        <p:spPr>
-          <a:xfrm>
-            <a:off x="2915920" y="3119120"/>
-            <a:ext cx="386080" cy="548640"/>
-          </a:xfrm>
-          <a:prstGeom prst="circularArrow">
-            <a:avLst/>
-          </a:prstGeom>
-          <a:ln w="3175" cmpd="sng"/>
-          <a:effectLst/>
-          <a:scene3d>
-            <a:camera prst="orthographicFront">
-              <a:rot lat="0" lon="0" rev="0"/>
-            </a:camera>
-            <a:lightRig rig="glow" dir="tl"/>
-          </a:scene3d>
-          <a:sp3d/>
-        </p:spPr>
-        <p:style>
-          <a:lnRef idx="1">
-            <a:schemeClr val="accent1"/>
-          </a:lnRef>
-          <a:fillRef idx="3">
-            <a:schemeClr val="accent1"/>
-          </a:fillRef>
-          <a:effectRef idx="2">
-            <a:schemeClr val="accent1"/>
-          </a:effectRef>
-          <a:fontRef idx="minor">
-            <a:schemeClr val="lt1"/>
-          </a:fontRef>
-        </p:style>
-        <p:txBody>
-          <a:bodyPr rtlCol="0" anchor="ctr"/>
-          <a:lstStyle/>
-          <a:p>
-            <a:pPr algn="ctr"/>
-            <a:endParaRPr lang="en-US">
-              <a:solidFill>
-                <a:schemeClr val="tx1"/>
-              </a:solidFill>
-            </a:endParaRPr>
-          </a:p>
-        </p:txBody>
-      </p:sp>
-      <p:sp>
-        <p:nvSpPr>
-          <p:cNvPr id="40" name="Circular Arrow 39"/>
-          <p:cNvSpPr/>
-          <p:nvPr/>
-        </p:nvSpPr>
-        <p:spPr>
-          <a:xfrm>
-            <a:off x="5618480" y="3119120"/>
-            <a:ext cx="386080" cy="548640"/>
-          </a:xfrm>
-          <a:prstGeom prst="circularArrow">
-            <a:avLst/>
-          </a:prstGeom>
-          <a:ln w="3175" cmpd="sng"/>
-          <a:effectLst/>
-          <a:scene3d>
-            <a:camera prst="orthographicFront">
-              <a:rot lat="0" lon="0" rev="0"/>
-            </a:camera>
-            <a:lightRig rig="glow" dir="tl"/>
-          </a:scene3d>
-          <a:sp3d/>
-        </p:spPr>
-        <p:style>
-          <a:lnRef idx="1">
-            <a:schemeClr val="accent1"/>
-          </a:lnRef>
-          <a:fillRef idx="3">
-            <a:schemeClr val="accent1"/>
-          </a:fillRef>
-          <a:effectRef idx="2">
-            <a:schemeClr val="accent1"/>
-          </a:effectRef>
-          <a:fontRef idx="minor">
-            <a:schemeClr val="lt1"/>
-          </a:fontRef>
-        </p:style>
-        <p:txBody>
-          <a:bodyPr rtlCol="0" anchor="ctr"/>
-          <a:lstStyle/>
-          <a:p>
-            <a:pPr algn="ctr"/>
-            <a:endParaRPr lang="en-US">
-              <a:solidFill>
-                <a:schemeClr val="tx1"/>
-              </a:solidFill>
-            </a:endParaRPr>
-          </a:p>
-        </p:txBody>
-      </p:sp>
-      <p:sp>
-        <p:nvSpPr>
-          <p:cNvPr id="16" name="TextBox 15"/>
-          <p:cNvSpPr txBox="1"/>
-          <p:nvPr/>
-        </p:nvSpPr>
-        <p:spPr>
-          <a:xfrm>
-            <a:off x="3048893" y="4511040"/>
-            <a:ext cx="303013" cy="369332"/>
-          </a:xfrm>
-          <a:prstGeom prst="rect">
-            <a:avLst/>
-          </a:prstGeom>
-          <a:noFill/>
-        </p:spPr>
-        <p:txBody>
-          <a:bodyPr wrap="none" rtlCol="0">
-            <a:spAutoFit/>
-          </a:bodyPr>
-          <a:lstStyle/>
-          <a:p>
-            <a:r>
-              <a:rPr lang="en-US" dirty="0"/>
-              <a:t>$</a:t>
-            </a:r>
-          </a:p>
-        </p:txBody>
-      </p:sp>
-      <p:sp>
-        <p:nvSpPr>
-          <p:cNvPr id="41" name="TextBox 40"/>
-          <p:cNvSpPr txBox="1"/>
-          <p:nvPr/>
-        </p:nvSpPr>
-        <p:spPr>
-          <a:xfrm>
-            <a:off x="2697800" y="4511040"/>
-            <a:ext cx="275466" cy="369332"/>
-          </a:xfrm>
-          <a:prstGeom prst="rect">
-            <a:avLst/>
-          </a:prstGeom>
-          <a:noFill/>
-        </p:spPr>
-        <p:txBody>
-          <a:bodyPr wrap="none" rtlCol="0">
-            <a:spAutoFit/>
-          </a:bodyPr>
-          <a:lstStyle/>
-          <a:p>
-            <a:r>
-              <a:rPr lang="en-US" dirty="0"/>
-              <a:t>$</a:t>
-            </a:r>
-          </a:p>
-        </p:txBody>
-      </p:sp>
-      <p:sp>
-        <p:nvSpPr>
-          <p:cNvPr id="42" name="TextBox 41"/>
-          <p:cNvSpPr txBox="1"/>
-          <p:nvPr/>
-        </p:nvSpPr>
-        <p:spPr>
-          <a:xfrm>
-            <a:off x="3993773" y="4937268"/>
-            <a:ext cx="303013" cy="369332"/>
-          </a:xfrm>
-          <a:prstGeom prst="rect">
-            <a:avLst/>
-          </a:prstGeom>
-          <a:noFill/>
-        </p:spPr>
-        <p:txBody>
-          <a:bodyPr wrap="none" rtlCol="0">
-            <a:spAutoFit/>
-          </a:bodyPr>
-          <a:lstStyle/>
-          <a:p>
-            <a:r>
-              <a:rPr lang="en-US" dirty="0"/>
-              <a:t>$</a:t>
-            </a:r>
-          </a:p>
-        </p:txBody>
-      </p:sp>
-      <p:sp>
-        <p:nvSpPr>
-          <p:cNvPr id="43" name="TextBox 42"/>
-          <p:cNvSpPr txBox="1"/>
-          <p:nvPr/>
-        </p:nvSpPr>
-        <p:spPr>
-          <a:xfrm>
-            <a:off x="4569319" y="4101068"/>
-            <a:ext cx="303013" cy="369332"/>
-          </a:xfrm>
-          <a:prstGeom prst="rect">
-            <a:avLst/>
-          </a:prstGeom>
-          <a:noFill/>
-        </p:spPr>
-        <p:txBody>
-          <a:bodyPr wrap="none" rtlCol="0">
-            <a:spAutoFit/>
-          </a:bodyPr>
-          <a:lstStyle/>
-          <a:p>
-            <a:r>
-              <a:rPr lang="en-US" dirty="0"/>
-              <a:t>$</a:t>
-            </a:r>
-          </a:p>
-        </p:txBody>
-      </p:sp>
-      <p:sp>
-        <p:nvSpPr>
-          <p:cNvPr id="44" name="TextBox 43"/>
-          <p:cNvSpPr txBox="1"/>
-          <p:nvPr/>
-        </p:nvSpPr>
-        <p:spPr>
-          <a:xfrm>
-            <a:off x="4340796" y="5303623"/>
-            <a:ext cx="303013" cy="369332"/>
-          </a:xfrm>
-          <a:prstGeom prst="rect">
-            <a:avLst/>
-          </a:prstGeom>
-          <a:noFill/>
-        </p:spPr>
-        <p:txBody>
-          <a:bodyPr wrap="none" rtlCol="0">
-            <a:spAutoFit/>
-          </a:bodyPr>
-          <a:lstStyle/>
-          <a:p>
-            <a:r>
-              <a:rPr lang="en-US" dirty="0"/>
-              <a:t>$</a:t>
-            </a:r>
-          </a:p>
-        </p:txBody>
-      </p:sp>
-      <p:sp>
-        <p:nvSpPr>
-          <p:cNvPr id="45" name="TextBox 44"/>
-          <p:cNvSpPr txBox="1"/>
-          <p:nvPr/>
-        </p:nvSpPr>
-        <p:spPr>
-          <a:xfrm>
-            <a:off x="4340796" y="5672955"/>
-            <a:ext cx="303013" cy="369332"/>
-          </a:xfrm>
-          <a:prstGeom prst="rect">
-            <a:avLst/>
-          </a:prstGeom>
-          <a:noFill/>
-        </p:spPr>
-        <p:txBody>
-          <a:bodyPr wrap="none" rtlCol="0">
-            <a:spAutoFit/>
-          </a:bodyPr>
-          <a:lstStyle/>
-          <a:p>
-            <a:r>
-              <a:rPr lang="en-US" dirty="0"/>
-              <a:t>$</a:t>
-            </a:r>
-          </a:p>
-        </p:txBody>
-      </p:sp>
-      <p:sp>
-        <p:nvSpPr>
-          <p:cNvPr id="46" name="TextBox 45"/>
-          <p:cNvSpPr txBox="1"/>
-          <p:nvPr/>
-        </p:nvSpPr>
-        <p:spPr>
-          <a:xfrm>
-            <a:off x="4296786" y="3267948"/>
-            <a:ext cx="303013" cy="369332"/>
-          </a:xfrm>
-          <a:prstGeom prst="rect">
-            <a:avLst/>
-          </a:prstGeom>
-          <a:noFill/>
-        </p:spPr>
-        <p:txBody>
-          <a:bodyPr wrap="none" rtlCol="0">
-            <a:spAutoFit/>
-          </a:bodyPr>
-          <a:lstStyle/>
-          <a:p>
-            <a:r>
-              <a:rPr lang="en-US" dirty="0"/>
-              <a:t>$</a:t>
-            </a:r>
-          </a:p>
-        </p:txBody>
-      </p:sp>
-      <p:sp>
-        <p:nvSpPr>
-          <p:cNvPr id="47" name="TextBox 46"/>
-          <p:cNvSpPr txBox="1"/>
-          <p:nvPr/>
-        </p:nvSpPr>
-        <p:spPr>
-          <a:xfrm>
-            <a:off x="4296786" y="3674348"/>
-            <a:ext cx="303013" cy="369332"/>
-          </a:xfrm>
-          <a:prstGeom prst="rect">
-            <a:avLst/>
-          </a:prstGeom>
-          <a:noFill/>
-        </p:spPr>
-        <p:txBody>
-          <a:bodyPr wrap="none" rtlCol="0">
-            <a:spAutoFit/>
-          </a:bodyPr>
-          <a:lstStyle/>
-          <a:p>
-            <a:r>
-              <a:rPr lang="en-US" dirty="0"/>
-              <a:t>$</a:t>
-            </a:r>
-          </a:p>
-        </p:txBody>
-      </p:sp>
-      <p:sp>
-        <p:nvSpPr>
-          <p:cNvPr id="48" name="TextBox 47"/>
-          <p:cNvSpPr txBox="1"/>
-          <p:nvPr/>
-        </p:nvSpPr>
-        <p:spPr>
-          <a:xfrm>
-            <a:off x="5518667" y="4478774"/>
-            <a:ext cx="303013" cy="369332"/>
-          </a:xfrm>
-          <a:prstGeom prst="rect">
-            <a:avLst/>
-          </a:prstGeom>
-          <a:noFill/>
-        </p:spPr>
-        <p:txBody>
-          <a:bodyPr wrap="none" rtlCol="0">
-            <a:spAutoFit/>
-          </a:bodyPr>
-          <a:lstStyle/>
-          <a:p>
-            <a:r>
-              <a:rPr lang="en-US" dirty="0"/>
-              <a:t>$</a:t>
-            </a:r>
-          </a:p>
-        </p:txBody>
-      </p:sp>
-      <p:sp>
-        <p:nvSpPr>
-          <p:cNvPr id="49" name="TextBox 48"/>
-          <p:cNvSpPr txBox="1"/>
-          <p:nvPr/>
-        </p:nvSpPr>
-        <p:spPr>
-          <a:xfrm>
-            <a:off x="5891072" y="4490720"/>
-            <a:ext cx="303013" cy="369332"/>
-          </a:xfrm>
-          <a:prstGeom prst="rect">
-            <a:avLst/>
-          </a:prstGeom>
-          <a:noFill/>
-        </p:spPr>
-        <p:txBody>
-          <a:bodyPr wrap="none" rtlCol="0">
-            <a:spAutoFit/>
-          </a:bodyPr>
-          <a:lstStyle/>
-          <a:p>
-            <a:r>
-              <a:rPr lang="en-US" dirty="0"/>
-              <a:t>$</a:t>
-            </a:r>
-          </a:p>
-        </p:txBody>
-      </p:sp>
-      <p:sp>
-        <p:nvSpPr>
-          <p:cNvPr id="50" name="TextBox 49"/>
-          <p:cNvSpPr txBox="1"/>
-          <p:nvPr/>
-        </p:nvSpPr>
-        <p:spPr>
-          <a:xfrm>
-            <a:off x="4016031" y="4104640"/>
-            <a:ext cx="303013" cy="369332"/>
-          </a:xfrm>
-          <a:prstGeom prst="rect">
-            <a:avLst/>
-          </a:prstGeom>
-          <a:noFill/>
-        </p:spPr>
-        <p:txBody>
-          <a:bodyPr wrap="none" rtlCol="0">
-            <a:spAutoFit/>
-          </a:bodyPr>
-          <a:lstStyle/>
-          <a:p>
-            <a:r>
-              <a:rPr lang="en-US" dirty="0"/>
-              <a:t>$</a:t>
-            </a:r>
-          </a:p>
-        </p:txBody>
-      </p:sp>
-      <p:sp>
-        <p:nvSpPr>
-          <p:cNvPr id="51" name="TextBox 50"/>
-          <p:cNvSpPr txBox="1"/>
-          <p:nvPr/>
-        </p:nvSpPr>
-        <p:spPr>
-          <a:xfrm>
-            <a:off x="4650599" y="4934291"/>
-            <a:ext cx="303013" cy="369332"/>
-          </a:xfrm>
-          <a:prstGeom prst="rect">
-            <a:avLst/>
-          </a:prstGeom>
-          <a:noFill/>
-        </p:spPr>
-        <p:txBody>
-          <a:bodyPr wrap="none" rtlCol="0">
-            <a:spAutoFit/>
-          </a:bodyPr>
-          <a:lstStyle/>
-          <a:p>
-            <a:r>
-              <a:rPr lang="en-US" dirty="0"/>
-              <a:t>$</a:t>
-            </a:r>
-          </a:p>
-        </p:txBody>
-      </p:sp>
-      <p:sp>
-        <p:nvSpPr>
-          <p:cNvPr id="52" name="TextBox 51"/>
-          <p:cNvSpPr txBox="1"/>
-          <p:nvPr/>
-        </p:nvSpPr>
-        <p:spPr>
-          <a:xfrm>
-            <a:off x="2959930" y="3094736"/>
-            <a:ext cx="303013" cy="369332"/>
-          </a:xfrm>
-          <a:prstGeom prst="rect">
-            <a:avLst/>
-          </a:prstGeom>
-          <a:noFill/>
-        </p:spPr>
-        <p:txBody>
-          <a:bodyPr wrap="none" rtlCol="0">
-            <a:spAutoFit/>
-          </a:bodyPr>
-          <a:lstStyle/>
-          <a:p>
-            <a:r>
-              <a:rPr lang="en-US" dirty="0"/>
-              <a:t>$</a:t>
-            </a:r>
-          </a:p>
-        </p:txBody>
-      </p:sp>
-      <p:sp>
-        <p:nvSpPr>
-          <p:cNvPr id="53" name="TextBox 52"/>
-          <p:cNvSpPr txBox="1"/>
-          <p:nvPr/>
-        </p:nvSpPr>
-        <p:spPr>
-          <a:xfrm>
-            <a:off x="2906653" y="5847461"/>
-            <a:ext cx="303013" cy="369332"/>
-          </a:xfrm>
-          <a:prstGeom prst="rect">
-            <a:avLst/>
-          </a:prstGeom>
-          <a:noFill/>
-        </p:spPr>
-        <p:txBody>
-          <a:bodyPr wrap="none" rtlCol="0">
-            <a:spAutoFit/>
-          </a:bodyPr>
-          <a:lstStyle/>
-          <a:p>
-            <a:r>
-              <a:rPr lang="en-US" dirty="0"/>
-              <a:t>$</a:t>
-            </a:r>
-          </a:p>
-        </p:txBody>
-      </p:sp>
-      <p:sp>
-        <p:nvSpPr>
-          <p:cNvPr id="54" name="TextBox 53"/>
-          <p:cNvSpPr txBox="1"/>
-          <p:nvPr/>
-        </p:nvSpPr>
-        <p:spPr>
-          <a:xfrm>
-            <a:off x="5660013" y="5864312"/>
-            <a:ext cx="303013" cy="369332"/>
-          </a:xfrm>
-          <a:prstGeom prst="rect">
-            <a:avLst/>
-          </a:prstGeom>
-          <a:noFill/>
-        </p:spPr>
-        <p:txBody>
-          <a:bodyPr wrap="none" rtlCol="0">
-            <a:spAutoFit/>
-          </a:bodyPr>
-          <a:lstStyle/>
-          <a:p>
-            <a:r>
-              <a:rPr lang="en-US" dirty="0"/>
-              <a:t>$</a:t>
-            </a:r>
-          </a:p>
-        </p:txBody>
-      </p:sp>
-      <p:sp>
-        <p:nvSpPr>
-          <p:cNvPr id="55" name="TextBox 54"/>
-          <p:cNvSpPr txBox="1"/>
-          <p:nvPr/>
-        </p:nvSpPr>
-        <p:spPr>
-          <a:xfrm>
-            <a:off x="5663383" y="3108960"/>
-            <a:ext cx="303013" cy="369332"/>
-          </a:xfrm>
-          <a:prstGeom prst="rect">
-            <a:avLst/>
-          </a:prstGeom>
-          <a:noFill/>
-        </p:spPr>
-        <p:txBody>
-          <a:bodyPr wrap="none" rtlCol="0">
-            <a:spAutoFit/>
-          </a:bodyPr>
-          <a:lstStyle/>
-          <a:p>
-            <a:r>
-              <a:rPr lang="en-US" dirty="0"/>
-              <a:t>$</a:t>
-            </a:r>
-          </a:p>
-        </p:txBody>
-      </p:sp>
-    </p:spTree>
-    <p:extLst>
-      <p:ext uri="{BB962C8B-B14F-4D97-AF65-F5344CB8AC3E}">
-        <p14:creationId xmlns:p14="http://schemas.microsoft.com/office/powerpoint/2010/main" val="1814646226"/>
-      </p:ext>
-    </p:extLst>
-  </p:cSld>
-  <p:clrMapOvr>
-    <a:masterClrMapping/>
-  </p:clrMapOvr>
-  <p:timing>
-    <p:tnLst>
-      <p:par>
-        <p:cTn xmlns:p14="http://schemas.microsoft.com/office/powerpoint/2010/main" id="1" dur="indefinite" restart="never" nodeType="tmRoot"/>
-      </p:par>
-    </p:tnLst>
-  </p:timing>
-</p:sld>
-</file>
-
-<file path=ppt/slides/slide12.xml><?xml version="1.0" encoding="utf-8"?>
-<p:sld xmlns:a="http://schemas.openxmlformats.org/drawingml/2006/main" xmlns:r="http://schemas.openxmlformats.org/officeDocument/2006/relationships" xmlns:p="http://schemas.openxmlformats.org/presentationml/2006/main">
-  <p:cSld>
-    <p:spTree>
-      <p:nvGrpSpPr>
-        <p:cNvPr id="1" name=""/>
-        <p:cNvGrpSpPr/>
-        <p:nvPr/>
-      </p:nvGrpSpPr>
-      <p:grpSpPr>
-        <a:xfrm>
-          <a:off x="0" y="0"/>
-          <a:ext cx="0" cy="0"/>
-          <a:chOff x="0" y="0"/>
-          <a:chExt cx="0" cy="0"/>
-        </a:xfrm>
-      </p:grpSpPr>
-      <p:sp>
-        <p:nvSpPr>
-          <p:cNvPr id="2" name="Title 1"/>
-          <p:cNvSpPr>
-            <a:spLocks noGrp="1"/>
-          </p:cNvSpPr>
-          <p:nvPr>
-            <p:ph type="title"/>
-          </p:nvPr>
-        </p:nvSpPr>
-        <p:spPr/>
-        <p:txBody>
-          <a:bodyPr>
-            <a:normAutofit/>
-          </a:bodyPr>
-          <a:lstStyle/>
-          <a:p>
-            <a:r>
-              <a:rPr lang="en-US" sz="4400" b="1" dirty="0" smtClean="0"/>
               <a:t>Thanks!</a:t>
             </a:r>
             <a:endParaRPr lang="en-US" sz="4400" b="1" dirty="0"/>
@@ -8702,8 +6232,8 @@
         </p:nvSpPr>
         <p:spPr>
           <a:xfrm>
-            <a:off x="5708651" y="2072481"/>
-            <a:ext cx="2654300" cy="1849438"/>
+            <a:off x="5444491" y="2071449"/>
+            <a:ext cx="2654300" cy="2034382"/>
           </a:xfrm>
         </p:spPr>
         <p:txBody>
@@ -8716,8 +6246,20 @@
               <a:buNone/>
             </a:pPr>
             <a:r>
-              <a:rPr lang="en-US" sz="4800" dirty="0" smtClean="0"/>
-              <a:t>Packing Products</a:t>
+              <a:rPr lang="en-US" sz="4800" dirty="0" smtClean="0">
+                <a:solidFill>
+                  <a:srgbClr val="103154"/>
+                </a:solidFill>
+              </a:rPr>
+              <a:t>Packing </a:t>
+            </a:r>
+            <a:r>
+              <a:rPr lang="en-US" sz="4800" dirty="0" smtClean="0">
+                <a:solidFill>
+                  <a:srgbClr val="103154"/>
+                </a:solidFill>
+              </a:rPr>
+              <a:t>Products</a:t>
             </a:r>
           </a:p>
           <a:p>
@@ -8725,14 +6267,14 @@
               <a:buNone/>
             </a:pPr>
             <a:r>
-              <a:rPr lang="en-US" sz="1200" dirty="0" smtClean="0">
+              <a:rPr lang="en-US" sz="1600" dirty="0" smtClean="0">
                 <a:solidFill>
                   <a:srgbClr val="FF7F01"/>
                 </a:solidFill>
               </a:rPr>
-              <a:t>( knapsack problem )</a:t>
-            </a:r>
-            <a:endParaRPr lang="en-US" sz="1200" dirty="0">
+              <a:t>(knapsack problem)</a:t>
+            </a:r>
+            <a:endParaRPr lang="en-US" sz="1600" dirty="0" smtClean="0">
               <a:solidFill>
                 <a:srgbClr val="FF7F01"/>
               </a:solidFill>
@@ -8752,8 +6294,8 @@
         </p:nvSpPr>
         <p:spPr>
           <a:xfrm>
-            <a:off x="3248343" y="4267200"/>
-            <a:ext cx="2654300" cy="1849438"/>
+            <a:off x="876301" y="2071449"/>
+            <a:ext cx="2654300" cy="2025556"/>
           </a:xfrm>
         </p:spPr>
         <p:txBody>
@@ -8766,11 +6308,19 @@
               <a:buNone/>
             </a:pPr>
             <a:r>
-              <a:rPr lang="en-US" sz="4000" dirty="0" smtClean="0"/>
+              <a:rPr lang="en-US" sz="4800" dirty="0" smtClean="0">
+                <a:solidFill>
+                  <a:schemeClr val="tx1"/>
+                </a:solidFill>
+              </a:rPr>
               <a:t>Delivery </a:t>
             </a:r>
             <a:r>
-              <a:rPr lang="en-US" sz="4000" dirty="0"/>
+              <a:rPr lang="en-US" sz="4800" dirty="0" smtClean="0">
+                <a:solidFill>
+                  <a:schemeClr val="tx1"/>
+                </a:solidFill>
+              </a:rPr>
               <a:t>Planning</a:t>
             </a:r>
           </a:p>
@@ -8779,14 +6329,14 @@
               <a:buNone/>
             </a:pPr>
             <a:r>
-              <a:rPr lang="en-US" sz="1200" dirty="0" smtClean="0">
+              <a:rPr lang="en-US" sz="1600" dirty="0" smtClean="0">
                 <a:solidFill>
                   <a:srgbClr val="FF7F01"/>
                 </a:solidFill>
               </a:rPr>
-              <a:t>( shortest path problem )</a:t>
-            </a:r>
-            <a:endParaRPr lang="en-US" sz="1200" dirty="0">
+              <a:t>(shortest path problem)</a:t>
+            </a:r>
+            <a:endParaRPr lang="en-US" sz="1600" dirty="0" smtClean="0">
               <a:solidFill>
                 <a:srgbClr val="FF7F01"/>
               </a:solidFill>
@@ -8806,13 +6356,13 @@
         </p:nvSpPr>
         <p:spPr>
           <a:xfrm>
-            <a:off x="779463" y="2072481"/>
-            <a:ext cx="2654300" cy="1849438"/>
+            <a:off x="3228023" y="4304124"/>
+            <a:ext cx="2654300" cy="2034382"/>
           </a:xfrm>
         </p:spPr>
         <p:txBody>
           <a:bodyPr>
-            <a:normAutofit lnSpcReduction="10000"/>
+            <a:noAutofit/>
           </a:bodyPr>
           <a:lstStyle/>
           <a:p>
@@ -8820,8 +6370,20 @@
               <a:buNone/>
             </a:pPr>
             <a:r>
-              <a:rPr lang="en-US" sz="4400" dirty="0" smtClean="0"/>
-              <a:t>Inventory Planning</a:t>
+              <a:rPr lang="en-US" sz="4800" dirty="0" smtClean="0">
+                <a:solidFill>
+                  <a:srgbClr val="103154"/>
+                </a:solidFill>
+              </a:rPr>
+              <a:t>Inventory </a:t>
+            </a:r>
+            <a:r>
+              <a:rPr lang="en-US" sz="4800" dirty="0" smtClean="0">
+                <a:solidFill>
+                  <a:srgbClr val="103154"/>
+                </a:solidFill>
+              </a:rPr>
+              <a:t>Planning</a:t>
             </a:r>
           </a:p>
           <a:p>
@@ -8829,14 +6391,14 @@
               <a:buNone/>
             </a:pPr>
             <a:r>
-              <a:rPr lang="en-US" sz="1200" dirty="0" smtClean="0">
+              <a:rPr lang="en-US" sz="1600" dirty="0" smtClean="0">
                 <a:solidFill>
                   <a:schemeClr val="accent1"/>
                 </a:solidFill>
               </a:rPr>
-              <a:t>( ??? )</a:t>
-            </a:r>
-            <a:endParaRPr lang="en-US" sz="1200" dirty="0">
+              <a:t>(time optimal control)</a:t>
+            </a:r>
+            <a:endParaRPr lang="en-US" sz="1600" dirty="0" smtClean="0">
               <a:solidFill>
                 <a:schemeClr val="accent1"/>
               </a:solidFill>
@@ -9593,7 +7155,7 @@
           <a:p>
             <a:r>
               <a:rPr lang="en-US" sz="4400" b="1" dirty="0" smtClean="0"/>
-              <a:t>First step</a:t>
+              <a:t>Overlapping sub-problems</a:t>
             </a:r>
             <a:endParaRPr lang="en-US" sz="4400" b="1" dirty="0"/>
           </a:p>
@@ -9601,553 +7163,1014 @@
       </p:sp>
       <p:sp>
         <p:nvSpPr>
-          <p:cNvPr id="3" name="Content Placeholder 2"/>
-          <p:cNvSpPr>
-            <a:spLocks noGrp="1"/>
-          </p:cNvSpPr>
-          <p:nvPr>
-            <p:ph idx="1"/>
-          </p:nvPr>
+          <p:cNvPr id="5" name="Oval 4"/>
+          <p:cNvSpPr/>
+          <p:nvPr/>
         </p:nvSpPr>
         <p:spPr>
           <a:xfrm>
-            <a:off x="779463" y="1949824"/>
-            <a:ext cx="7583488" cy="4359536"/>
-          </a:xfrm>
-        </p:spPr>
-        <p:txBody>
-          <a:bodyPr>
-            <a:normAutofit/>
-          </a:bodyPr>
-          <a:lstStyle/>
-          <a:p>
-            <a:pPr marL="0" indent="0">
-              <a:buNone/>
-            </a:pPr>
-            <a:endParaRPr lang="is-IS" dirty="0" smtClean="0"/>
-          </a:p>
-          <a:p>
-            <a:pPr>
-              <a:buFont typeface="Arial"/>
-              <a:buChar char="•"/>
-            </a:pPr>
-            <a:endParaRPr lang="is-IS" dirty="0" smtClean="0"/>
-          </a:p>
-          <a:p>
-            <a:pPr>
-              <a:buFont typeface="Arial"/>
-              <a:buChar char="•"/>
-            </a:pPr>
-            <a:endParaRPr lang="is-IS" dirty="0" smtClean="0"/>
-          </a:p>
-          <a:p>
-            <a:pPr>
-              <a:lnSpc>
-                <a:spcPct val="50000"/>
-              </a:lnSpc>
-              <a:buFont typeface="Arial"/>
-              <a:buChar char="•"/>
-            </a:pPr>
-            <a:endParaRPr lang="is-IS" sz="1400" dirty="0" smtClean="0"/>
-          </a:p>
-          <a:p>
-            <a:pPr>
-              <a:lnSpc>
-                <a:spcPct val="50000"/>
-              </a:lnSpc>
-              <a:buFont typeface="Arial"/>
-              <a:buChar char="•"/>
-            </a:pPr>
-            <a:endParaRPr lang="is-IS" sz="1400" dirty="0"/>
-          </a:p>
-          <a:p>
-            <a:pPr>
-              <a:lnSpc>
-                <a:spcPct val="50000"/>
-              </a:lnSpc>
-              <a:buFont typeface="Arial"/>
-              <a:buChar char="•"/>
-            </a:pPr>
-            <a:endParaRPr lang="is-IS" sz="1400" dirty="0"/>
-          </a:p>
-        </p:txBody>
-      </p:sp>
-      <p:graphicFrame>
-        <p:nvGraphicFramePr>
-          <p:cNvPr id="5" name="Table 4"/>
-          <p:cNvGraphicFramePr>
-            <a:graphicFrameLocks noGrp="1"/>
-          </p:cNvGraphicFramePr>
-          <p:nvPr>
-            <p:extLst>
-              <p:ext uri="{D42A27DB-BD31-4B8C-83A1-F6EECF244321}">
-                <p14:modId xmlns:p14="http://schemas.microsoft.com/office/powerpoint/2010/main" val="3935449654"/>
-              </p:ext>
-            </p:extLst>
-          </p:nvPr>
-        </p:nvGraphicFramePr>
-        <p:xfrm>
-          <a:off x="779463" y="2297383"/>
-          <a:ext cx="7583490" cy="3666536"/>
-        </p:xfrm>
-        <a:graphic>
-          <a:graphicData uri="http://schemas.openxmlformats.org/drawingml/2006/table">
-            <a:tbl>
-              <a:tblPr firstRow="1" bandRow="1">
-                <a:tableStyleId>{5C22544A-7EE6-4342-B048-85BDC9FD1C3A}</a:tableStyleId>
-              </a:tblPr>
-              <a:tblGrid>
-                <a:gridCol w="1263915"/>
-                <a:gridCol w="1263915"/>
-                <a:gridCol w="1263915"/>
-                <a:gridCol w="1263915"/>
-                <a:gridCol w="1263915"/>
-                <a:gridCol w="1263915"/>
-              </a:tblGrid>
-              <a:tr h="1761504">
-                <a:tc>
-                  <a:txBody>
-                    <a:bodyPr/>
-                    <a:lstStyle/>
-                    <a:p>
-                      <a:pPr algn="ctr"/>
-                      <a:r>
-                        <a:rPr lang="en-US" sz="1400" dirty="0" smtClean="0"/>
-                        <a:t>Month</a:t>
-                      </a:r>
-                      <a:endParaRPr lang="en-US" sz="1400" dirty="0"/>
-                    </a:p>
-                  </a:txBody>
-                  <a:tcPr anchor="ctr"/>
-                </a:tc>
-                <a:tc>
-                  <a:txBody>
-                    <a:bodyPr/>
-                    <a:lstStyle/>
-                    <a:p>
-                      <a:pPr algn="ctr"/>
-                      <a:r>
-                        <a:rPr lang="en-US" sz="1400" dirty="0" smtClean="0"/>
-                        <a:t>Number</a:t>
-                      </a:r>
-                      <a:r>
-                        <a:rPr lang="en-US" sz="1400" baseline="0" dirty="0" smtClean="0"/>
-                        <a:t> of items to be delivered that month</a:t>
-                      </a:r>
-                      <a:endParaRPr lang="en-US" sz="1400" dirty="0"/>
-                    </a:p>
-                  </a:txBody>
-                  <a:tcPr anchor="ctr"/>
-                </a:tc>
-                <a:tc>
-                  <a:txBody>
-                    <a:bodyPr/>
-                    <a:lstStyle/>
-                    <a:p>
-                      <a:pPr algn="ctr"/>
-                      <a:r>
-                        <a:rPr lang="en-US" sz="1400" dirty="0" smtClean="0"/>
-                        <a:t>Number</a:t>
-                      </a:r>
-                      <a:r>
-                        <a:rPr lang="en-US" sz="1400" baseline="0" dirty="0" smtClean="0"/>
-                        <a:t> of items in stock at start of month</a:t>
-                      </a:r>
-                      <a:endParaRPr lang="en-US" sz="1400" dirty="0"/>
-                    </a:p>
-                  </a:txBody>
-                  <a:tcPr anchor="ctr"/>
-                </a:tc>
-                <a:tc>
-                  <a:txBody>
-                    <a:bodyPr/>
-                    <a:lstStyle/>
-                    <a:p>
-                      <a:pPr algn="ctr"/>
-                      <a:r>
-                        <a:rPr lang="en-US" sz="1400" dirty="0" smtClean="0"/>
-                        <a:t>Production</a:t>
-                      </a:r>
-                      <a:endParaRPr lang="en-US" sz="1400" dirty="0"/>
-                    </a:p>
-                  </a:txBody>
-                  <a:tcPr anchor="ctr"/>
-                </a:tc>
-                <a:tc>
-                  <a:txBody>
-                    <a:bodyPr/>
-                    <a:lstStyle/>
-                    <a:p>
-                      <a:pPr algn="ctr"/>
-                      <a:r>
-                        <a:rPr lang="en-US" sz="1400" dirty="0" smtClean="0"/>
-                        <a:t>Number of</a:t>
-                      </a:r>
-                      <a:r>
-                        <a:rPr lang="en-US" sz="1400" baseline="0" dirty="0" smtClean="0"/>
-                        <a:t> items in stock at end of month</a:t>
-                      </a:r>
-                      <a:endParaRPr lang="en-US" sz="1400" dirty="0"/>
-                    </a:p>
-                  </a:txBody>
-                  <a:tcPr anchor="ctr"/>
-                </a:tc>
-                <a:tc>
-                  <a:txBody>
-                    <a:bodyPr/>
-                    <a:lstStyle/>
-                    <a:p>
-                      <a:pPr algn="ctr"/>
-                      <a:r>
-                        <a:rPr lang="en-US" sz="1400" dirty="0" smtClean="0"/>
-                        <a:t>Cost</a:t>
-                      </a:r>
-                      <a:endParaRPr lang="en-US" sz="1400" dirty="0"/>
-                    </a:p>
-                  </a:txBody>
-                  <a:tcPr anchor="ctr"/>
-                </a:tc>
-              </a:tr>
-              <a:tr h="476258">
-                <a:tc rowSpan="4">
-                  <a:txBody>
-                    <a:bodyPr/>
-                    <a:lstStyle/>
-                    <a:p>
-                      <a:pPr algn="ctr"/>
-                      <a:r>
-                        <a:rPr lang="en-US" sz="1400" dirty="0" smtClean="0"/>
-                        <a:t>December</a:t>
-                      </a:r>
-                      <a:endParaRPr lang="en-US" sz="1400" dirty="0"/>
-                    </a:p>
-                  </a:txBody>
-                  <a:tcPr anchor="ctr"/>
-                </a:tc>
-                <a:tc rowSpan="4">
-                  <a:txBody>
-                    <a:bodyPr/>
-                    <a:lstStyle/>
-                    <a:p>
-                      <a:pPr algn="ctr"/>
-                      <a:r>
-                        <a:rPr lang="en-US" sz="1400" dirty="0" smtClean="0"/>
-                        <a:t>300</a:t>
-                      </a:r>
-                      <a:endParaRPr lang="en-US" sz="1400" dirty="0"/>
-                    </a:p>
-                  </a:txBody>
-                  <a:tcPr anchor="ctr"/>
-                </a:tc>
-                <a:tc>
-                  <a:txBody>
-                    <a:bodyPr/>
-                    <a:lstStyle/>
-                    <a:p>
-                      <a:pPr algn="ctr"/>
-                      <a:r>
-                        <a:rPr lang="en-US" sz="1400" dirty="0" smtClean="0"/>
-                        <a:t>0</a:t>
-                      </a:r>
-                      <a:endParaRPr lang="en-US" sz="1400" dirty="0"/>
-                    </a:p>
-                  </a:txBody>
-                  <a:tcPr anchor="ctr"/>
-                </a:tc>
-                <a:tc>
-                  <a:txBody>
-                    <a:bodyPr/>
-                    <a:lstStyle/>
-                    <a:p>
-                      <a:pPr algn="ctr"/>
-                      <a:r>
-                        <a:rPr lang="en-US" sz="1400" dirty="0" smtClean="0"/>
-                        <a:t>300</a:t>
-                      </a:r>
-                      <a:endParaRPr lang="en-US" sz="1400" dirty="0"/>
-                    </a:p>
-                  </a:txBody>
-                  <a:tcPr anchor="ctr"/>
-                </a:tc>
-                <a:tc rowSpan="4">
-                  <a:txBody>
-                    <a:bodyPr/>
-                    <a:lstStyle/>
-                    <a:p>
-                      <a:pPr algn="ctr"/>
-                      <a:r>
-                        <a:rPr lang="en-US" sz="1400" dirty="0" smtClean="0"/>
-                        <a:t>0</a:t>
-                      </a:r>
-                      <a:endParaRPr lang="en-US" sz="1400" dirty="0"/>
-                    </a:p>
-                  </a:txBody>
-                  <a:tcPr anchor="ctr"/>
-                </a:tc>
-                <a:tc>
-                  <a:txBody>
-                    <a:bodyPr/>
-                    <a:lstStyle/>
-                    <a:p>
-                      <a:pPr algn="ctr"/>
-                      <a:r>
-                        <a:rPr lang="en-US" sz="1400" dirty="0" smtClean="0"/>
-                        <a:t>$4000</a:t>
-                      </a:r>
-                      <a:endParaRPr lang="en-US" sz="1400" dirty="0"/>
-                    </a:p>
-                  </a:txBody>
-                  <a:tcPr anchor="ctr"/>
-                </a:tc>
-              </a:tr>
-              <a:tr h="476258">
-                <a:tc vMerge="1">
-                  <a:txBody>
-                    <a:bodyPr/>
-                    <a:lstStyle/>
-                    <a:p>
-                      <a:pPr algn="ctr"/>
-                      <a:endParaRPr lang="en-US" sz="1400" dirty="0"/>
-                    </a:p>
-                  </a:txBody>
-                  <a:tcPr anchor="ctr"/>
-                </a:tc>
-                <a:tc vMerge="1">
-                  <a:txBody>
-                    <a:bodyPr/>
-                    <a:lstStyle/>
-                    <a:p>
-                      <a:pPr algn="ctr"/>
-                      <a:endParaRPr lang="en-US" sz="1400" dirty="0"/>
-                    </a:p>
-                  </a:txBody>
-                  <a:tcPr anchor="ctr"/>
-                </a:tc>
-                <a:tc>
-                  <a:txBody>
-                    <a:bodyPr/>
-                    <a:lstStyle/>
-                    <a:p>
-                      <a:pPr algn="ctr"/>
-                      <a:r>
-                        <a:rPr lang="en-US" sz="1400" dirty="0" smtClean="0"/>
-                        <a:t>100</a:t>
-                      </a:r>
-                      <a:endParaRPr lang="en-US" sz="1400" dirty="0"/>
-                    </a:p>
-                  </a:txBody>
-                  <a:tcPr anchor="ctr"/>
-                </a:tc>
-                <a:tc>
-                  <a:txBody>
-                    <a:bodyPr/>
-                    <a:lstStyle/>
-                    <a:p>
-                      <a:pPr algn="ctr"/>
-                      <a:r>
-                        <a:rPr lang="en-US" sz="1400" dirty="0" smtClean="0"/>
-                        <a:t>200</a:t>
-                      </a:r>
-                      <a:endParaRPr lang="en-US" sz="1400" dirty="0"/>
-                    </a:p>
-                  </a:txBody>
-                  <a:tcPr anchor="ctr"/>
-                </a:tc>
-                <a:tc vMerge="1">
-                  <a:txBody>
-                    <a:bodyPr/>
-                    <a:lstStyle/>
-                    <a:p>
-                      <a:pPr algn="ctr"/>
-                      <a:endParaRPr lang="en-US" sz="1400" dirty="0"/>
-                    </a:p>
-                  </a:txBody>
-                  <a:tcPr anchor="ctr"/>
-                </a:tc>
-                <a:tc>
-                  <a:txBody>
-                    <a:bodyPr/>
-                    <a:lstStyle/>
-                    <a:p>
-                      <a:pPr algn="ctr"/>
-                      <a:r>
-                        <a:rPr lang="en-US" sz="1400" dirty="0" smtClean="0"/>
-                        <a:t>$500</a:t>
-                      </a:r>
-                      <a:endParaRPr lang="en-US" sz="1400" dirty="0"/>
-                    </a:p>
-                  </a:txBody>
-                  <a:tcPr anchor="ctr"/>
-                </a:tc>
-              </a:tr>
-              <a:tr h="476258">
-                <a:tc vMerge="1">
-                  <a:txBody>
-                    <a:bodyPr/>
-                    <a:lstStyle/>
-                    <a:p>
-                      <a:pPr algn="ctr"/>
-                      <a:endParaRPr lang="en-US" sz="1400" dirty="0"/>
-                    </a:p>
-                  </a:txBody>
-                  <a:tcPr anchor="ctr"/>
-                </a:tc>
-                <a:tc vMerge="1">
-                  <a:txBody>
-                    <a:bodyPr/>
-                    <a:lstStyle/>
-                    <a:p>
-                      <a:pPr algn="ctr"/>
-                      <a:endParaRPr lang="en-US" sz="1400" dirty="0"/>
-                    </a:p>
-                  </a:txBody>
-                  <a:tcPr anchor="ctr"/>
-                </a:tc>
-                <a:tc>
-                  <a:txBody>
-                    <a:bodyPr/>
-                    <a:lstStyle/>
-                    <a:p>
-                      <a:pPr algn="ctr"/>
-                      <a:r>
-                        <a:rPr lang="en-US" sz="1400" dirty="0" smtClean="0"/>
-                        <a:t>200</a:t>
-                      </a:r>
-                      <a:endParaRPr lang="en-US" sz="1400" dirty="0"/>
-                    </a:p>
-                  </a:txBody>
-                  <a:tcPr anchor="ctr"/>
-                </a:tc>
-                <a:tc>
-                  <a:txBody>
-                    <a:bodyPr/>
-                    <a:lstStyle/>
-                    <a:p>
-                      <a:pPr algn="ctr"/>
-                      <a:r>
-                        <a:rPr lang="en-US" sz="1400" dirty="0" smtClean="0"/>
-                        <a:t>100</a:t>
-                      </a:r>
-                      <a:endParaRPr lang="en-US" sz="1400" dirty="0"/>
-                    </a:p>
-                  </a:txBody>
-                  <a:tcPr anchor="ctr"/>
-                </a:tc>
-                <a:tc vMerge="1">
-                  <a:txBody>
-                    <a:bodyPr/>
-                    <a:lstStyle/>
-                    <a:p>
-                      <a:pPr algn="ctr"/>
-                      <a:endParaRPr lang="en-US" sz="1400" dirty="0"/>
-                    </a:p>
-                  </a:txBody>
-                  <a:tcPr anchor="ctr"/>
-                </a:tc>
-                <a:tc>
-                  <a:txBody>
-                    <a:bodyPr/>
-                    <a:lstStyle/>
-                    <a:p>
-                      <a:pPr algn="ctr"/>
-                      <a:r>
-                        <a:rPr lang="en-US" sz="1400" dirty="0" smtClean="0"/>
-                        <a:t>$1000</a:t>
-                      </a:r>
-                      <a:endParaRPr lang="en-US" sz="1400" dirty="0"/>
-                    </a:p>
-                  </a:txBody>
-                  <a:tcPr anchor="ctr"/>
-                </a:tc>
-              </a:tr>
-              <a:tr h="476258">
-                <a:tc vMerge="1">
-                  <a:txBody>
-                    <a:bodyPr/>
-                    <a:lstStyle/>
-                    <a:p>
-                      <a:pPr algn="ctr"/>
-                      <a:endParaRPr lang="en-US" sz="1400" dirty="0"/>
-                    </a:p>
-                  </a:txBody>
-                  <a:tcPr anchor="ctr"/>
-                </a:tc>
-                <a:tc vMerge="1">
-                  <a:txBody>
-                    <a:bodyPr/>
-                    <a:lstStyle/>
-                    <a:p>
-                      <a:pPr algn="ctr"/>
-                      <a:endParaRPr lang="en-US" sz="1400" dirty="0"/>
-                    </a:p>
-                  </a:txBody>
-                  <a:tcPr anchor="ctr"/>
-                </a:tc>
-                <a:tc>
-                  <a:txBody>
-                    <a:bodyPr/>
-                    <a:lstStyle/>
-                    <a:p>
-                      <a:pPr algn="ctr"/>
-                      <a:r>
-                        <a:rPr lang="en-US" sz="1400" dirty="0" smtClean="0"/>
-                        <a:t>300</a:t>
-                      </a:r>
-                      <a:endParaRPr lang="en-US" sz="1400" dirty="0"/>
-                    </a:p>
-                  </a:txBody>
-                  <a:tcPr anchor="ctr"/>
-                </a:tc>
-                <a:tc>
-                  <a:txBody>
-                    <a:bodyPr/>
-                    <a:lstStyle/>
-                    <a:p>
-                      <a:pPr algn="ctr"/>
-                      <a:r>
-                        <a:rPr lang="en-US" sz="1400" dirty="0" smtClean="0"/>
-                        <a:t>0</a:t>
-                      </a:r>
-                      <a:endParaRPr lang="en-US" sz="1400" dirty="0"/>
-                    </a:p>
-                  </a:txBody>
-                  <a:tcPr anchor="ctr"/>
-                </a:tc>
-                <a:tc vMerge="1">
-                  <a:txBody>
-                    <a:bodyPr/>
-                    <a:lstStyle/>
-                    <a:p>
-                      <a:pPr algn="ctr"/>
-                      <a:endParaRPr lang="en-US" sz="1400" dirty="0"/>
-                    </a:p>
-                  </a:txBody>
-                  <a:tcPr anchor="ctr"/>
-                </a:tc>
-                <a:tc>
-                  <a:txBody>
-                    <a:bodyPr/>
-                    <a:lstStyle/>
-                    <a:p>
-                      <a:pPr algn="ctr"/>
-                      <a:r>
-                        <a:rPr lang="en-US" sz="1400" baseline="0" dirty="0" smtClean="0"/>
-                        <a:t>$1500</a:t>
-                      </a:r>
-                      <a:endParaRPr lang="en-US" sz="1400" dirty="0"/>
-                    </a:p>
-                  </a:txBody>
-                  <a:tcPr anchor="ctr"/>
-                </a:tc>
-              </a:tr>
-            </a:tbl>
-          </a:graphicData>
-        </a:graphic>
-      </p:graphicFrame>
+            <a:off x="5406391" y="4846423"/>
+            <a:ext cx="797854" cy="558800"/>
+          </a:xfrm>
+          <a:prstGeom prst="ellipse">
+            <a:avLst/>
+          </a:prstGeom>
+        </p:spPr>
+        <p:style>
+          <a:lnRef idx="1">
+            <a:schemeClr val="accent1"/>
+          </a:lnRef>
+          <a:fillRef idx="3">
+            <a:schemeClr val="accent1"/>
+          </a:fillRef>
+          <a:effectRef idx="2">
+            <a:schemeClr val="accent1"/>
+          </a:effectRef>
+          <a:fontRef idx="minor">
+            <a:schemeClr val="lt1"/>
+          </a:fontRef>
+        </p:style>
+        <p:txBody>
+          <a:bodyPr rtlCol="0" anchor="ctr"/>
+          <a:lstStyle/>
+          <a:p>
+            <a:pPr algn="ctr"/>
+            <a:r>
+              <a:rPr lang="en-US" dirty="0"/>
+              <a:t>4</a:t>
+            </a:r>
+            <a:r>
+              <a:rPr lang="en-US" dirty="0" smtClean="0"/>
+              <a:t>00</a:t>
+            </a:r>
+            <a:endParaRPr lang="en-US" dirty="0"/>
+          </a:p>
+        </p:txBody>
+      </p:sp>
+      <p:sp>
+        <p:nvSpPr>
+          <p:cNvPr id="12" name="Oval 11"/>
+          <p:cNvSpPr/>
+          <p:nvPr/>
+        </p:nvSpPr>
+        <p:spPr>
+          <a:xfrm>
+            <a:off x="5406391" y="2997200"/>
+            <a:ext cx="797854" cy="558800"/>
+          </a:xfrm>
+          <a:prstGeom prst="ellipse">
+            <a:avLst/>
+          </a:prstGeom>
+        </p:spPr>
+        <p:style>
+          <a:lnRef idx="1">
+            <a:schemeClr val="accent1"/>
+          </a:lnRef>
+          <a:fillRef idx="3">
+            <a:schemeClr val="accent1"/>
+          </a:fillRef>
+          <a:effectRef idx="2">
+            <a:schemeClr val="accent1"/>
+          </a:effectRef>
+          <a:fontRef idx="minor">
+            <a:schemeClr val="lt1"/>
+          </a:fontRef>
+        </p:style>
+        <p:txBody>
+          <a:bodyPr rtlCol="0" anchor="ctr"/>
+          <a:lstStyle/>
+          <a:p>
+            <a:pPr algn="ctr"/>
+            <a:r>
+              <a:rPr lang="en-US" dirty="0" smtClean="0"/>
+              <a:t>200</a:t>
+            </a:r>
+            <a:endParaRPr lang="en-US" dirty="0"/>
+          </a:p>
+        </p:txBody>
+      </p:sp>
+      <p:sp>
+        <p:nvSpPr>
+          <p:cNvPr id="13" name="Oval 12"/>
+          <p:cNvSpPr/>
+          <p:nvPr/>
+        </p:nvSpPr>
+        <p:spPr>
+          <a:xfrm>
+            <a:off x="2711304" y="2997200"/>
+            <a:ext cx="797854" cy="558800"/>
+          </a:xfrm>
+          <a:prstGeom prst="ellipse">
+            <a:avLst/>
+          </a:prstGeom>
+        </p:spPr>
+        <p:style>
+          <a:lnRef idx="1">
+            <a:schemeClr val="accent1"/>
+          </a:lnRef>
+          <a:fillRef idx="3">
+            <a:schemeClr val="accent1"/>
+          </a:fillRef>
+          <a:effectRef idx="2">
+            <a:schemeClr val="accent1"/>
+          </a:effectRef>
+          <a:fontRef idx="minor">
+            <a:schemeClr val="lt1"/>
+          </a:fontRef>
+        </p:style>
+        <p:txBody>
+          <a:bodyPr rtlCol="0" anchor="ctr"/>
+          <a:lstStyle/>
+          <a:p>
+            <a:pPr algn="ctr"/>
+            <a:r>
+              <a:rPr lang="en-US" dirty="0"/>
+              <a:t>1</a:t>
+            </a:r>
+            <a:r>
+              <a:rPr lang="en-US" dirty="0" smtClean="0"/>
+              <a:t>00</a:t>
+            </a:r>
+            <a:endParaRPr lang="en-US" dirty="0"/>
+          </a:p>
+        </p:txBody>
+      </p:sp>
+      <p:sp>
+        <p:nvSpPr>
+          <p:cNvPr id="56" name="Oval 55"/>
+          <p:cNvSpPr/>
+          <p:nvPr/>
+        </p:nvSpPr>
+        <p:spPr>
+          <a:xfrm>
+            <a:off x="2659916" y="4846423"/>
+            <a:ext cx="797854" cy="558800"/>
+          </a:xfrm>
+          <a:prstGeom prst="ellipse">
+            <a:avLst/>
+          </a:prstGeom>
+        </p:spPr>
+        <p:style>
+          <a:lnRef idx="1">
+            <a:schemeClr val="accent1"/>
+          </a:lnRef>
+          <a:fillRef idx="3">
+            <a:schemeClr val="accent1"/>
+          </a:fillRef>
+          <a:effectRef idx="2">
+            <a:schemeClr val="accent1"/>
+          </a:effectRef>
+          <a:fontRef idx="minor">
+            <a:schemeClr val="lt1"/>
+          </a:fontRef>
+        </p:style>
+        <p:txBody>
+          <a:bodyPr rtlCol="0" anchor="ctr"/>
+          <a:lstStyle/>
+          <a:p>
+            <a:pPr algn="ctr"/>
+            <a:r>
+              <a:rPr lang="en-US" dirty="0" smtClean="0"/>
+              <a:t>300</a:t>
+            </a:r>
+            <a:endParaRPr lang="en-US" dirty="0"/>
+          </a:p>
+        </p:txBody>
+      </p:sp>
+      <p:cxnSp>
+        <p:nvCxnSpPr>
+          <p:cNvPr id="30" name="Straight Arrow Connector 29"/>
+          <p:cNvCxnSpPr/>
+          <p:nvPr/>
+        </p:nvCxnSpPr>
+        <p:spPr>
+          <a:xfrm>
+            <a:off x="3723178" y="3149600"/>
+            <a:ext cx="1514764" cy="10160"/>
+          </a:xfrm>
+          <a:prstGeom prst="straightConnector1">
+            <a:avLst/>
+          </a:prstGeom>
+          <a:ln>
+            <a:tailEnd type="arrow"/>
+          </a:ln>
+        </p:spPr>
+        <p:style>
+          <a:lnRef idx="2">
+            <a:schemeClr val="accent1"/>
+          </a:lnRef>
+          <a:fillRef idx="0">
+            <a:schemeClr val="accent1"/>
+          </a:fillRef>
+          <a:effectRef idx="1">
+            <a:schemeClr val="accent1"/>
+          </a:effectRef>
+          <a:fontRef idx="minor">
+            <a:schemeClr val="tx1"/>
+          </a:fontRef>
+        </p:style>
+      </p:cxnSp>
+      <p:cxnSp>
+        <p:nvCxnSpPr>
+          <p:cNvPr id="36" name="Straight Arrow Connector 35"/>
+          <p:cNvCxnSpPr/>
+          <p:nvPr/>
+        </p:nvCxnSpPr>
+        <p:spPr>
+          <a:xfrm flipH="1">
+            <a:off x="3692698" y="3261360"/>
+            <a:ext cx="1514764" cy="0"/>
+          </a:xfrm>
+          <a:prstGeom prst="straightConnector1">
+            <a:avLst/>
+          </a:prstGeom>
+          <a:ln>
+            <a:tailEnd type="arrow"/>
+          </a:ln>
+        </p:spPr>
+        <p:style>
+          <a:lnRef idx="2">
+            <a:schemeClr val="accent1"/>
+          </a:lnRef>
+          <a:fillRef idx="0">
+            <a:schemeClr val="accent1"/>
+          </a:fillRef>
+          <a:effectRef idx="1">
+            <a:schemeClr val="accent1"/>
+          </a:effectRef>
+          <a:fontRef idx="minor">
+            <a:schemeClr val="tx1"/>
+          </a:fontRef>
+        </p:style>
+      </p:cxnSp>
+      <p:cxnSp>
+        <p:nvCxnSpPr>
+          <p:cNvPr id="59" name="Straight Arrow Connector 58"/>
+          <p:cNvCxnSpPr/>
+          <p:nvPr/>
+        </p:nvCxnSpPr>
+        <p:spPr>
+          <a:xfrm>
+            <a:off x="3733338" y="5151120"/>
+            <a:ext cx="1514764" cy="10160"/>
+          </a:xfrm>
+          <a:prstGeom prst="straightConnector1">
+            <a:avLst/>
+          </a:prstGeom>
+          <a:ln>
+            <a:tailEnd type="arrow"/>
+          </a:ln>
+        </p:spPr>
+        <p:style>
+          <a:lnRef idx="2">
+            <a:schemeClr val="accent1"/>
+          </a:lnRef>
+          <a:fillRef idx="0">
+            <a:schemeClr val="accent1"/>
+          </a:fillRef>
+          <a:effectRef idx="1">
+            <a:schemeClr val="accent1"/>
+          </a:effectRef>
+          <a:fontRef idx="minor">
+            <a:schemeClr val="tx1"/>
+          </a:fontRef>
+        </p:style>
+      </p:cxnSp>
+      <p:cxnSp>
+        <p:nvCxnSpPr>
+          <p:cNvPr id="60" name="Straight Arrow Connector 59"/>
+          <p:cNvCxnSpPr/>
+          <p:nvPr/>
+        </p:nvCxnSpPr>
+        <p:spPr>
+          <a:xfrm flipH="1">
+            <a:off x="3723178" y="5273040"/>
+            <a:ext cx="1514764" cy="0"/>
+          </a:xfrm>
+          <a:prstGeom prst="straightConnector1">
+            <a:avLst/>
+          </a:prstGeom>
+          <a:ln>
+            <a:tailEnd type="arrow"/>
+          </a:ln>
+        </p:spPr>
+        <p:style>
+          <a:lnRef idx="2">
+            <a:schemeClr val="accent1"/>
+          </a:lnRef>
+          <a:fillRef idx="0">
+            <a:schemeClr val="accent1"/>
+          </a:fillRef>
+          <a:effectRef idx="1">
+            <a:schemeClr val="accent1"/>
+          </a:effectRef>
+          <a:fontRef idx="minor">
+            <a:schemeClr val="tx1"/>
+          </a:fontRef>
+        </p:style>
+      </p:cxnSp>
+      <p:cxnSp>
+        <p:nvCxnSpPr>
+          <p:cNvPr id="61" name="Straight Arrow Connector 60"/>
+          <p:cNvCxnSpPr/>
+          <p:nvPr/>
+        </p:nvCxnSpPr>
+        <p:spPr>
+          <a:xfrm flipH="1">
+            <a:off x="2946400" y="3749040"/>
+            <a:ext cx="10160" cy="944880"/>
+          </a:xfrm>
+          <a:prstGeom prst="straightConnector1">
+            <a:avLst/>
+          </a:prstGeom>
+          <a:ln>
+            <a:tailEnd type="arrow"/>
+          </a:ln>
+        </p:spPr>
+        <p:style>
+          <a:lnRef idx="2">
+            <a:schemeClr val="accent1"/>
+          </a:lnRef>
+          <a:fillRef idx="0">
+            <a:schemeClr val="accent1"/>
+          </a:fillRef>
+          <a:effectRef idx="1">
+            <a:schemeClr val="accent1"/>
+          </a:effectRef>
+          <a:fontRef idx="minor">
+            <a:schemeClr val="tx1"/>
+          </a:fontRef>
+        </p:style>
+      </p:cxnSp>
+      <p:cxnSp>
+        <p:nvCxnSpPr>
+          <p:cNvPr id="63" name="Straight Arrow Connector 62"/>
+          <p:cNvCxnSpPr/>
+          <p:nvPr/>
+        </p:nvCxnSpPr>
+        <p:spPr>
+          <a:xfrm flipV="1">
+            <a:off x="3078480" y="3749040"/>
+            <a:ext cx="0" cy="944880"/>
+          </a:xfrm>
+          <a:prstGeom prst="straightConnector1">
+            <a:avLst/>
+          </a:prstGeom>
+          <a:ln>
+            <a:tailEnd type="arrow"/>
+          </a:ln>
+        </p:spPr>
+        <p:style>
+          <a:lnRef idx="2">
+            <a:schemeClr val="accent1"/>
+          </a:lnRef>
+          <a:fillRef idx="0">
+            <a:schemeClr val="accent1"/>
+          </a:fillRef>
+          <a:effectRef idx="1">
+            <a:schemeClr val="accent1"/>
+          </a:effectRef>
+          <a:fontRef idx="minor">
+            <a:schemeClr val="tx1"/>
+          </a:fontRef>
+        </p:style>
+      </p:cxnSp>
+      <p:cxnSp>
+        <p:nvCxnSpPr>
+          <p:cNvPr id="65" name="Straight Arrow Connector 64"/>
+          <p:cNvCxnSpPr/>
+          <p:nvPr/>
+        </p:nvCxnSpPr>
+        <p:spPr>
+          <a:xfrm flipH="1">
+            <a:off x="5801360" y="3749040"/>
+            <a:ext cx="10160" cy="944880"/>
+          </a:xfrm>
+          <a:prstGeom prst="straightConnector1">
+            <a:avLst/>
+          </a:prstGeom>
+          <a:ln>
+            <a:tailEnd type="arrow"/>
+          </a:ln>
+        </p:spPr>
+        <p:style>
+          <a:lnRef idx="2">
+            <a:schemeClr val="accent1"/>
+          </a:lnRef>
+          <a:fillRef idx="0">
+            <a:schemeClr val="accent1"/>
+          </a:fillRef>
+          <a:effectRef idx="1">
+            <a:schemeClr val="accent1"/>
+          </a:effectRef>
+          <a:fontRef idx="minor">
+            <a:schemeClr val="tx1"/>
+          </a:fontRef>
+        </p:style>
+      </p:cxnSp>
+      <p:cxnSp>
+        <p:nvCxnSpPr>
+          <p:cNvPr id="67" name="Straight Arrow Connector 66"/>
+          <p:cNvCxnSpPr/>
+          <p:nvPr/>
+        </p:nvCxnSpPr>
+        <p:spPr>
+          <a:xfrm flipV="1">
+            <a:off x="5933440" y="3749040"/>
+            <a:ext cx="0" cy="944880"/>
+          </a:xfrm>
+          <a:prstGeom prst="straightConnector1">
+            <a:avLst/>
+          </a:prstGeom>
+          <a:ln>
+            <a:tailEnd type="arrow"/>
+          </a:ln>
+        </p:spPr>
+        <p:style>
+          <a:lnRef idx="2">
+            <a:schemeClr val="accent1"/>
+          </a:lnRef>
+          <a:fillRef idx="0">
+            <a:schemeClr val="accent1"/>
+          </a:fillRef>
+          <a:effectRef idx="1">
+            <a:schemeClr val="accent1"/>
+          </a:effectRef>
+          <a:fontRef idx="minor">
+            <a:schemeClr val="tx1"/>
+          </a:fontRef>
+        </p:style>
+      </p:cxnSp>
+      <p:cxnSp>
+        <p:nvCxnSpPr>
+          <p:cNvPr id="68" name="Straight Arrow Connector 67"/>
+          <p:cNvCxnSpPr/>
+          <p:nvPr/>
+        </p:nvCxnSpPr>
+        <p:spPr>
+          <a:xfrm>
+            <a:off x="3723178" y="3677920"/>
+            <a:ext cx="1683213" cy="1097280"/>
+          </a:xfrm>
+          <a:prstGeom prst="straightConnector1">
+            <a:avLst/>
+          </a:prstGeom>
+          <a:ln>
+            <a:solidFill>
+              <a:schemeClr val="accent1"/>
+            </a:solidFill>
+            <a:tailEnd type="arrow"/>
+          </a:ln>
+        </p:spPr>
+        <p:style>
+          <a:lnRef idx="2">
+            <a:schemeClr val="accent1"/>
+          </a:lnRef>
+          <a:fillRef idx="0">
+            <a:schemeClr val="accent1"/>
+          </a:fillRef>
+          <a:effectRef idx="1">
+            <a:schemeClr val="accent1"/>
+          </a:effectRef>
+          <a:fontRef idx="minor">
+            <a:schemeClr val="tx1"/>
+          </a:fontRef>
+        </p:style>
+      </p:cxnSp>
+      <p:cxnSp>
+        <p:nvCxnSpPr>
+          <p:cNvPr id="70" name="Straight Arrow Connector 69"/>
+          <p:cNvCxnSpPr/>
+          <p:nvPr/>
+        </p:nvCxnSpPr>
+        <p:spPr>
+          <a:xfrm flipH="1" flipV="1">
+            <a:off x="3616960" y="3749040"/>
+            <a:ext cx="1696720" cy="1097383"/>
+          </a:xfrm>
+          <a:prstGeom prst="straightConnector1">
+            <a:avLst/>
+          </a:prstGeom>
+          <a:ln>
+            <a:solidFill>
+              <a:schemeClr val="accent1"/>
+            </a:solidFill>
+            <a:tailEnd type="arrow"/>
+          </a:ln>
+        </p:spPr>
+        <p:style>
+          <a:lnRef idx="2">
+            <a:schemeClr val="accent1"/>
+          </a:lnRef>
+          <a:fillRef idx="0">
+            <a:schemeClr val="accent1"/>
+          </a:fillRef>
+          <a:effectRef idx="1">
+            <a:schemeClr val="accent1"/>
+          </a:effectRef>
+          <a:fontRef idx="minor">
+            <a:schemeClr val="tx1"/>
+          </a:fontRef>
+        </p:style>
+      </p:cxnSp>
+      <p:cxnSp>
+        <p:nvCxnSpPr>
+          <p:cNvPr id="75" name="Straight Arrow Connector 74"/>
+          <p:cNvCxnSpPr/>
+          <p:nvPr/>
+        </p:nvCxnSpPr>
+        <p:spPr>
+          <a:xfrm flipH="1">
+            <a:off x="3509158" y="3556000"/>
+            <a:ext cx="1804522" cy="1219200"/>
+          </a:xfrm>
+          <a:prstGeom prst="straightConnector1">
+            <a:avLst/>
+          </a:prstGeom>
+          <a:ln>
+            <a:tailEnd type="arrow"/>
+          </a:ln>
+        </p:spPr>
+        <p:style>
+          <a:lnRef idx="2">
+            <a:schemeClr val="accent1"/>
+          </a:lnRef>
+          <a:fillRef idx="0">
+            <a:schemeClr val="accent1"/>
+          </a:fillRef>
+          <a:effectRef idx="1">
+            <a:schemeClr val="accent1"/>
+          </a:effectRef>
+          <a:fontRef idx="minor">
+            <a:schemeClr val="tx1"/>
+          </a:fontRef>
+        </p:style>
+      </p:cxnSp>
+      <p:cxnSp>
+        <p:nvCxnSpPr>
+          <p:cNvPr id="77" name="Straight Arrow Connector 76"/>
+          <p:cNvCxnSpPr/>
+          <p:nvPr/>
+        </p:nvCxnSpPr>
+        <p:spPr>
+          <a:xfrm flipV="1">
+            <a:off x="3616960" y="3616960"/>
+            <a:ext cx="1789431" cy="1229463"/>
+          </a:xfrm>
+          <a:prstGeom prst="straightConnector1">
+            <a:avLst/>
+          </a:prstGeom>
+          <a:ln>
+            <a:tailEnd type="arrow"/>
+          </a:ln>
+        </p:spPr>
+        <p:style>
+          <a:lnRef idx="2">
+            <a:schemeClr val="accent1"/>
+          </a:lnRef>
+          <a:fillRef idx="0">
+            <a:schemeClr val="accent1"/>
+          </a:fillRef>
+          <a:effectRef idx="1">
+            <a:schemeClr val="accent1"/>
+          </a:effectRef>
+          <a:fontRef idx="minor">
+            <a:schemeClr val="tx1"/>
+          </a:fontRef>
+        </p:style>
+      </p:cxnSp>
+      <p:sp>
+        <p:nvSpPr>
+          <p:cNvPr id="37" name="Circular Arrow 36"/>
+          <p:cNvSpPr/>
+          <p:nvPr/>
+        </p:nvSpPr>
+        <p:spPr>
+          <a:xfrm rot="10800000">
+            <a:off x="2865120" y="5242560"/>
+            <a:ext cx="386080" cy="548640"/>
+          </a:xfrm>
+          <a:prstGeom prst="circularArrow">
+            <a:avLst/>
+          </a:prstGeom>
+          <a:ln w="3175" cmpd="sng"/>
+          <a:effectLst/>
+          <a:scene3d>
+            <a:camera prst="orthographicFront">
+              <a:rot lat="0" lon="0" rev="0"/>
+            </a:camera>
+            <a:lightRig rig="glow" dir="tl"/>
+          </a:scene3d>
+          <a:sp3d/>
+        </p:spPr>
+        <p:style>
+          <a:lnRef idx="1">
+            <a:schemeClr val="accent1"/>
+          </a:lnRef>
+          <a:fillRef idx="3">
+            <a:schemeClr val="accent1"/>
+          </a:fillRef>
+          <a:effectRef idx="2">
+            <a:schemeClr val="accent1"/>
+          </a:effectRef>
+          <a:fontRef idx="minor">
+            <a:schemeClr val="lt1"/>
+          </a:fontRef>
+        </p:style>
+        <p:txBody>
+          <a:bodyPr rtlCol="0" anchor="ctr"/>
+          <a:lstStyle/>
+          <a:p>
+            <a:pPr algn="ctr"/>
+            <a:endParaRPr lang="en-US">
+              <a:solidFill>
+                <a:schemeClr val="tx1"/>
+              </a:solidFill>
+            </a:endParaRPr>
+          </a:p>
+        </p:txBody>
+      </p:sp>
+      <p:sp>
+        <p:nvSpPr>
+          <p:cNvPr id="38" name="Circular Arrow 37"/>
+          <p:cNvSpPr/>
+          <p:nvPr/>
+        </p:nvSpPr>
+        <p:spPr>
+          <a:xfrm rot="10800000">
+            <a:off x="5618480" y="5273040"/>
+            <a:ext cx="386080" cy="548640"/>
+          </a:xfrm>
+          <a:prstGeom prst="circularArrow">
+            <a:avLst/>
+          </a:prstGeom>
+          <a:ln w="3175" cmpd="sng"/>
+          <a:effectLst/>
+          <a:scene3d>
+            <a:camera prst="orthographicFront">
+              <a:rot lat="0" lon="0" rev="0"/>
+            </a:camera>
+            <a:lightRig rig="glow" dir="tl"/>
+          </a:scene3d>
+          <a:sp3d/>
+        </p:spPr>
+        <p:style>
+          <a:lnRef idx="1">
+            <a:schemeClr val="accent1"/>
+          </a:lnRef>
+          <a:fillRef idx="3">
+            <a:schemeClr val="accent1"/>
+          </a:fillRef>
+          <a:effectRef idx="2">
+            <a:schemeClr val="accent1"/>
+          </a:effectRef>
+          <a:fontRef idx="minor">
+            <a:schemeClr val="lt1"/>
+          </a:fontRef>
+        </p:style>
+        <p:txBody>
+          <a:bodyPr rtlCol="0" anchor="ctr"/>
+          <a:lstStyle/>
+          <a:p>
+            <a:pPr algn="ctr"/>
+            <a:endParaRPr lang="en-US">
+              <a:solidFill>
+                <a:schemeClr val="tx1"/>
+              </a:solidFill>
+            </a:endParaRPr>
+          </a:p>
+        </p:txBody>
+      </p:sp>
+      <p:sp>
+        <p:nvSpPr>
+          <p:cNvPr id="39" name="Circular Arrow 38"/>
+          <p:cNvSpPr/>
+          <p:nvPr/>
+        </p:nvSpPr>
+        <p:spPr>
+          <a:xfrm>
+            <a:off x="2915920" y="2631440"/>
+            <a:ext cx="386080" cy="548640"/>
+          </a:xfrm>
+          <a:prstGeom prst="circularArrow">
+            <a:avLst/>
+          </a:prstGeom>
+          <a:ln w="3175" cmpd="sng"/>
+          <a:effectLst/>
+          <a:scene3d>
+            <a:camera prst="orthographicFront">
+              <a:rot lat="0" lon="0" rev="0"/>
+            </a:camera>
+            <a:lightRig rig="glow" dir="tl"/>
+          </a:scene3d>
+          <a:sp3d/>
+        </p:spPr>
+        <p:style>
+          <a:lnRef idx="1">
+            <a:schemeClr val="accent1"/>
+          </a:lnRef>
+          <a:fillRef idx="3">
+            <a:schemeClr val="accent1"/>
+          </a:fillRef>
+          <a:effectRef idx="2">
+            <a:schemeClr val="accent1"/>
+          </a:effectRef>
+          <a:fontRef idx="minor">
+            <a:schemeClr val="lt1"/>
+          </a:fontRef>
+        </p:style>
+        <p:txBody>
+          <a:bodyPr rtlCol="0" anchor="ctr"/>
+          <a:lstStyle/>
+          <a:p>
+            <a:pPr algn="ctr"/>
+            <a:endParaRPr lang="en-US">
+              <a:solidFill>
+                <a:schemeClr val="tx1"/>
+              </a:solidFill>
+            </a:endParaRPr>
+          </a:p>
+        </p:txBody>
+      </p:sp>
+      <p:sp>
+        <p:nvSpPr>
+          <p:cNvPr id="40" name="Circular Arrow 39"/>
+          <p:cNvSpPr/>
+          <p:nvPr/>
+        </p:nvSpPr>
+        <p:spPr>
+          <a:xfrm>
+            <a:off x="5618480" y="2631440"/>
+            <a:ext cx="386080" cy="548640"/>
+          </a:xfrm>
+          <a:prstGeom prst="circularArrow">
+            <a:avLst/>
+          </a:prstGeom>
+          <a:ln w="3175" cmpd="sng"/>
+          <a:effectLst/>
+          <a:scene3d>
+            <a:camera prst="orthographicFront">
+              <a:rot lat="0" lon="0" rev="0"/>
+            </a:camera>
+            <a:lightRig rig="glow" dir="tl"/>
+          </a:scene3d>
+          <a:sp3d/>
+        </p:spPr>
+        <p:style>
+          <a:lnRef idx="1">
+            <a:schemeClr val="accent1"/>
+          </a:lnRef>
+          <a:fillRef idx="3">
+            <a:schemeClr val="accent1"/>
+          </a:fillRef>
+          <a:effectRef idx="2">
+            <a:schemeClr val="accent1"/>
+          </a:effectRef>
+          <a:fontRef idx="minor">
+            <a:schemeClr val="lt1"/>
+          </a:fontRef>
+        </p:style>
+        <p:txBody>
+          <a:bodyPr rtlCol="0" anchor="ctr"/>
+          <a:lstStyle/>
+          <a:p>
+            <a:pPr algn="ctr"/>
+            <a:endParaRPr lang="en-US">
+              <a:solidFill>
+                <a:schemeClr val="tx1"/>
+              </a:solidFill>
+            </a:endParaRPr>
+          </a:p>
+        </p:txBody>
+      </p:sp>
+      <p:sp>
+        <p:nvSpPr>
+          <p:cNvPr id="57" name="Oval 56"/>
+          <p:cNvSpPr/>
+          <p:nvPr/>
+        </p:nvSpPr>
+        <p:spPr>
+          <a:xfrm>
+            <a:off x="296762" y="3860800"/>
+            <a:ext cx="965403" cy="558800"/>
+          </a:xfrm>
+          <a:prstGeom prst="ellipse">
+            <a:avLst/>
+          </a:prstGeom>
+        </p:spPr>
+        <p:style>
+          <a:lnRef idx="1">
+            <a:schemeClr val="accent1"/>
+          </a:lnRef>
+          <a:fillRef idx="3">
+            <a:schemeClr val="accent1"/>
+          </a:fillRef>
+          <a:effectRef idx="2">
+            <a:schemeClr val="accent1"/>
+          </a:effectRef>
+          <a:fontRef idx="minor">
+            <a:schemeClr val="lt1"/>
+          </a:fontRef>
+        </p:style>
+        <p:txBody>
+          <a:bodyPr rtlCol="0" anchor="ctr"/>
+          <a:lstStyle/>
+          <a:p>
+            <a:pPr algn="ctr"/>
+            <a:r>
+              <a:rPr lang="en-US" dirty="0" smtClean="0"/>
+              <a:t>Start</a:t>
+            </a:r>
+          </a:p>
+        </p:txBody>
+      </p:sp>
+      <p:sp>
+        <p:nvSpPr>
+          <p:cNvPr id="58" name="Oval 57"/>
+          <p:cNvSpPr/>
+          <p:nvPr/>
+        </p:nvSpPr>
+        <p:spPr>
+          <a:xfrm>
+            <a:off x="7581482" y="3870960"/>
+            <a:ext cx="965403" cy="558800"/>
+          </a:xfrm>
+          <a:prstGeom prst="ellipse">
+            <a:avLst/>
+          </a:prstGeom>
+        </p:spPr>
+        <p:style>
+          <a:lnRef idx="1">
+            <a:schemeClr val="accent1"/>
+          </a:lnRef>
+          <a:fillRef idx="3">
+            <a:schemeClr val="accent1"/>
+          </a:fillRef>
+          <a:effectRef idx="2">
+            <a:schemeClr val="accent1"/>
+          </a:effectRef>
+          <a:fontRef idx="minor">
+            <a:schemeClr val="lt1"/>
+          </a:fontRef>
+        </p:style>
+        <p:txBody>
+          <a:bodyPr rtlCol="0" anchor="ctr"/>
+          <a:lstStyle/>
+          <a:p>
+            <a:pPr algn="ctr"/>
+            <a:r>
+              <a:rPr lang="en-US" dirty="0" smtClean="0"/>
+              <a:t>End</a:t>
+            </a:r>
+          </a:p>
+        </p:txBody>
+      </p:sp>
+      <p:sp>
+        <p:nvSpPr>
+          <p:cNvPr id="4" name="Left Brace 3"/>
+          <p:cNvSpPr/>
+          <p:nvPr/>
+        </p:nvSpPr>
+        <p:spPr>
+          <a:xfrm>
+            <a:off x="1859280" y="2387600"/>
+            <a:ext cx="579120" cy="3545840"/>
+          </a:xfrm>
+          <a:prstGeom prst="leftBrace">
+            <a:avLst/>
+          </a:prstGeom>
+        </p:spPr>
+        <p:style>
+          <a:lnRef idx="2">
+            <a:schemeClr val="accent1"/>
+          </a:lnRef>
+          <a:fillRef idx="0">
+            <a:schemeClr val="accent1"/>
+          </a:fillRef>
+          <a:effectRef idx="1">
+            <a:schemeClr val="accent1"/>
+          </a:effectRef>
+          <a:fontRef idx="minor">
+            <a:schemeClr val="tx1"/>
+          </a:fontRef>
+        </p:style>
+        <p:txBody>
+          <a:bodyPr rtlCol="0" anchor="ctr"/>
+          <a:lstStyle/>
+          <a:p>
+            <a:pPr algn="ctr"/>
+            <a:endParaRPr lang="en-US"/>
+          </a:p>
+        </p:txBody>
+      </p:sp>
+      <p:sp>
+        <p:nvSpPr>
+          <p:cNvPr id="6" name="Right Brace 5"/>
+          <p:cNvSpPr/>
+          <p:nvPr/>
+        </p:nvSpPr>
+        <p:spPr>
+          <a:xfrm>
+            <a:off x="6339840" y="2387600"/>
+            <a:ext cx="568960" cy="3545840"/>
+          </a:xfrm>
+          <a:prstGeom prst="rightBrace">
+            <a:avLst/>
+          </a:prstGeom>
+        </p:spPr>
+        <p:style>
+          <a:lnRef idx="2">
+            <a:schemeClr val="accent1"/>
+          </a:lnRef>
+          <a:fillRef idx="0">
+            <a:schemeClr val="accent1"/>
+          </a:fillRef>
+          <a:effectRef idx="1">
+            <a:schemeClr val="accent1"/>
+          </a:effectRef>
+          <a:fontRef idx="minor">
+            <a:schemeClr val="tx1"/>
+          </a:fontRef>
+        </p:style>
+        <p:txBody>
+          <a:bodyPr rtlCol="0" anchor="ctr"/>
+          <a:lstStyle/>
+          <a:p>
+            <a:pPr algn="ctr"/>
+            <a:endParaRPr lang="en-US"/>
+          </a:p>
+        </p:txBody>
+      </p:sp>
+      <p:cxnSp>
+        <p:nvCxnSpPr>
+          <p:cNvPr id="8" name="Straight Arrow Connector 7"/>
+          <p:cNvCxnSpPr/>
+          <p:nvPr/>
+        </p:nvCxnSpPr>
+        <p:spPr>
+          <a:xfrm>
+            <a:off x="1401623" y="4155440"/>
+            <a:ext cx="356514" cy="0"/>
+          </a:xfrm>
+          <a:prstGeom prst="straightConnector1">
+            <a:avLst/>
+          </a:prstGeom>
+          <a:ln>
+            <a:tailEnd type="arrow"/>
+          </a:ln>
+        </p:spPr>
+        <p:style>
+          <a:lnRef idx="2">
+            <a:schemeClr val="accent1"/>
+          </a:lnRef>
+          <a:fillRef idx="0">
+            <a:schemeClr val="accent1"/>
+          </a:fillRef>
+          <a:effectRef idx="1">
+            <a:schemeClr val="accent1"/>
+          </a:effectRef>
+          <a:fontRef idx="minor">
+            <a:schemeClr val="tx1"/>
+          </a:fontRef>
+        </p:style>
+      </p:cxnSp>
+      <p:cxnSp>
+        <p:nvCxnSpPr>
+          <p:cNvPr id="62" name="Straight Arrow Connector 61"/>
+          <p:cNvCxnSpPr/>
+          <p:nvPr/>
+        </p:nvCxnSpPr>
+        <p:spPr>
+          <a:xfrm>
+            <a:off x="7043629" y="4155440"/>
+            <a:ext cx="431382" cy="0"/>
+          </a:xfrm>
+          <a:prstGeom prst="straightConnector1">
+            <a:avLst/>
+          </a:prstGeom>
+          <a:ln>
+            <a:tailEnd type="arrow"/>
+          </a:ln>
+        </p:spPr>
+        <p:style>
+          <a:lnRef idx="2">
+            <a:schemeClr val="accent1"/>
+          </a:lnRef>
+          <a:fillRef idx="0">
+            <a:schemeClr val="accent1"/>
+          </a:fillRef>
+          <a:effectRef idx="1">
+            <a:schemeClr val="accent1"/>
+          </a:effectRef>
+          <a:fontRef idx="minor">
+            <a:schemeClr val="tx1"/>
+          </a:fontRef>
+        </p:style>
+      </p:cxnSp>
     </p:spTree>
     <p:extLst>
       <p:ext uri="{BB962C8B-B14F-4D97-AF65-F5344CB8AC3E}">
-        <p14:creationId xmlns:p14="http://schemas.microsoft.com/office/powerpoint/2010/main" val="1695700092"/>
+        <p14:creationId xmlns:p14="http://schemas.microsoft.com/office/powerpoint/2010/main" val="1814646226"/>
       </p:ext>
     </p:extLst>
   </p:cSld>

--- a/DP - Warehouse Problem.pptx
+++ b/DP - Warehouse Problem.pptx
@@ -6136,7 +6136,7 @@
       </p:sp>
       <p:pic>
         <p:nvPicPr>
-          <p:cNvPr id="7" name="Picture 6"/>
+          <p:cNvPr id="4" name="Picture 3"/>
           <p:cNvPicPr>
             <a:picLocks noChangeAspect="1"/>
           </p:cNvPicPr>
@@ -6150,8 +6150,8 @@
         </p:blipFill>
         <p:spPr>
           <a:xfrm>
-            <a:off x="4692455" y="2583180"/>
-            <a:ext cx="3670496" cy="3136900"/>
+            <a:off x="4926070" y="2304263"/>
+            <a:ext cx="3566681" cy="3448355"/>
           </a:xfrm>
           <a:prstGeom prst="rect">
             <a:avLst/>
@@ -6251,15 +6251,7 @@
                   <a:srgbClr val="103154"/>
                 </a:solidFill>
               </a:rPr>
-              <a:t>Packing </a:t>
-            </a:r>
-            <a:r>
-              <a:rPr lang="en-US" sz="4800" dirty="0" smtClean="0">
-                <a:solidFill>
-                  <a:srgbClr val="103154"/>
-                </a:solidFill>
-              </a:rPr>
-              <a:t>Products</a:t>
+              <a:t>Packing Products</a:t>
             </a:r>
           </a:p>
           <a:p>
@@ -6274,11 +6266,6 @@
               </a:rPr>
               <a:t>(knapsack problem)</a:t>
             </a:r>
-            <a:endParaRPr lang="en-US" sz="1600" dirty="0" smtClean="0">
-              <a:solidFill>
-                <a:srgbClr val="FF7F01"/>
-              </a:solidFill>
-            </a:endParaRPr>
           </a:p>
         </p:txBody>
       </p:sp>
@@ -6313,15 +6300,7 @@
                   <a:schemeClr val="tx1"/>
                 </a:solidFill>
               </a:rPr>
-              <a:t>Delivery </a:t>
-            </a:r>
-            <a:r>
-              <a:rPr lang="en-US" sz="4800" dirty="0" smtClean="0">
-                <a:solidFill>
-                  <a:schemeClr val="tx1"/>
-                </a:solidFill>
-              </a:rPr>
-              <a:t>Planning</a:t>
+              <a:t>Delivery Planning</a:t>
             </a:r>
           </a:p>
           <a:p>
@@ -6336,11 +6315,6 @@
               </a:rPr>
               <a:t>(shortest path problem)</a:t>
             </a:r>
-            <a:endParaRPr lang="en-US" sz="1600" dirty="0" smtClean="0">
-              <a:solidFill>
-                <a:srgbClr val="FF7F01"/>
-              </a:solidFill>
-            </a:endParaRPr>
           </a:p>
         </p:txBody>
       </p:sp>
@@ -6375,15 +6349,7 @@
                   <a:srgbClr val="103154"/>
                 </a:solidFill>
               </a:rPr>
-              <a:t>Inventory </a:t>
-            </a:r>
-            <a:r>
-              <a:rPr lang="en-US" sz="4800" dirty="0" smtClean="0">
-                <a:solidFill>
-                  <a:srgbClr val="103154"/>
-                </a:solidFill>
-              </a:rPr>
-              <a:t>Planning</a:t>
+              <a:t>Inventory Planning</a:t>
             </a:r>
           </a:p>
           <a:p>
@@ -6398,11 +6364,6 @@
               </a:rPr>
               <a:t>(time optimal control)</a:t>
             </a:r>
-            <a:endParaRPr lang="en-US" sz="1600" dirty="0" smtClean="0">
-              <a:solidFill>
-                <a:schemeClr val="accent1"/>
-              </a:solidFill>
-            </a:endParaRPr>
           </a:p>
         </p:txBody>
       </p:sp>
